--- a/results/Figures/Figures.pptx
+++ b/results/Figures/Figures.pptx
@@ -379,7 +379,7 @@
           <a:p>
             <a:fld id="{36C3FE58-7E73-4F9D-B8E5-B7E1B043D37A}" type="datetimeFigureOut">
               <a:rPr lang="en-NZ" smtClean="0"/>
-              <a:t>12/12/2024</a:t>
+              <a:t>16/12/2024</a:t>
             </a:fld>
             <a:endParaRPr lang="en-NZ"/>
           </a:p>
@@ -579,7 +579,7 @@
           <a:p>
             <a:fld id="{36C3FE58-7E73-4F9D-B8E5-B7E1B043D37A}" type="datetimeFigureOut">
               <a:rPr lang="en-NZ" smtClean="0"/>
-              <a:t>12/12/2024</a:t>
+              <a:t>16/12/2024</a:t>
             </a:fld>
             <a:endParaRPr lang="en-NZ"/>
           </a:p>
@@ -789,7 +789,7 @@
           <a:p>
             <a:fld id="{36C3FE58-7E73-4F9D-B8E5-B7E1B043D37A}" type="datetimeFigureOut">
               <a:rPr lang="en-NZ" smtClean="0"/>
-              <a:t>12/12/2024</a:t>
+              <a:t>16/12/2024</a:t>
             </a:fld>
             <a:endParaRPr lang="en-NZ"/>
           </a:p>
@@ -989,7 +989,7 @@
           <a:p>
             <a:fld id="{36C3FE58-7E73-4F9D-B8E5-B7E1B043D37A}" type="datetimeFigureOut">
               <a:rPr lang="en-NZ" smtClean="0"/>
-              <a:t>12/12/2024</a:t>
+              <a:t>16/12/2024</a:t>
             </a:fld>
             <a:endParaRPr lang="en-NZ"/>
           </a:p>
@@ -1265,7 +1265,7 @@
           <a:p>
             <a:fld id="{36C3FE58-7E73-4F9D-B8E5-B7E1B043D37A}" type="datetimeFigureOut">
               <a:rPr lang="en-NZ" smtClean="0"/>
-              <a:t>12/12/2024</a:t>
+              <a:t>16/12/2024</a:t>
             </a:fld>
             <a:endParaRPr lang="en-NZ"/>
           </a:p>
@@ -1533,7 +1533,7 @@
           <a:p>
             <a:fld id="{36C3FE58-7E73-4F9D-B8E5-B7E1B043D37A}" type="datetimeFigureOut">
               <a:rPr lang="en-NZ" smtClean="0"/>
-              <a:t>12/12/2024</a:t>
+              <a:t>16/12/2024</a:t>
             </a:fld>
             <a:endParaRPr lang="en-NZ"/>
           </a:p>
@@ -1948,7 +1948,7 @@
           <a:p>
             <a:fld id="{36C3FE58-7E73-4F9D-B8E5-B7E1B043D37A}" type="datetimeFigureOut">
               <a:rPr lang="en-NZ" smtClean="0"/>
-              <a:t>12/12/2024</a:t>
+              <a:t>16/12/2024</a:t>
             </a:fld>
             <a:endParaRPr lang="en-NZ"/>
           </a:p>
@@ -2090,7 +2090,7 @@
           <a:p>
             <a:fld id="{36C3FE58-7E73-4F9D-B8E5-B7E1B043D37A}" type="datetimeFigureOut">
               <a:rPr lang="en-NZ" smtClean="0"/>
-              <a:t>12/12/2024</a:t>
+              <a:t>16/12/2024</a:t>
             </a:fld>
             <a:endParaRPr lang="en-NZ"/>
           </a:p>
@@ -2203,7 +2203,7 @@
           <a:p>
             <a:fld id="{36C3FE58-7E73-4F9D-B8E5-B7E1B043D37A}" type="datetimeFigureOut">
               <a:rPr lang="en-NZ" smtClean="0"/>
-              <a:t>12/12/2024</a:t>
+              <a:t>16/12/2024</a:t>
             </a:fld>
             <a:endParaRPr lang="en-NZ"/>
           </a:p>
@@ -2516,7 +2516,7 @@
           <a:p>
             <a:fld id="{36C3FE58-7E73-4F9D-B8E5-B7E1B043D37A}" type="datetimeFigureOut">
               <a:rPr lang="en-NZ" smtClean="0"/>
-              <a:t>12/12/2024</a:t>
+              <a:t>16/12/2024</a:t>
             </a:fld>
             <a:endParaRPr lang="en-NZ"/>
           </a:p>
@@ -2805,7 +2805,7 @@
           <a:p>
             <a:fld id="{36C3FE58-7E73-4F9D-B8E5-B7E1B043D37A}" type="datetimeFigureOut">
               <a:rPr lang="en-NZ" smtClean="0"/>
-              <a:t>12/12/2024</a:t>
+              <a:t>16/12/2024</a:t>
             </a:fld>
             <a:endParaRPr lang="en-NZ"/>
           </a:p>
@@ -3048,7 +3048,7 @@
           <a:p>
             <a:fld id="{36C3FE58-7E73-4F9D-B8E5-B7E1B043D37A}" type="datetimeFigureOut">
               <a:rPr lang="en-NZ" smtClean="0"/>
-              <a:t>12/12/2024</a:t>
+              <a:t>16/12/2024</a:t>
             </a:fld>
             <a:endParaRPr lang="en-NZ"/>
           </a:p>
@@ -3588,6 +3588,76 @@
           <a:chExt cx="0" cy="0"/>
         </a:xfrm>
       </p:grpSpPr>
+      <p:pic>
+        <p:nvPicPr>
+          <p:cNvPr id="19" name="Picture 18" descr="A map of indonesia with orange lines&#10;&#10;Description automatically generated">
+            <a:extLst>
+              <a:ext uri="{FF2B5EF4-FFF2-40B4-BE49-F238E27FC236}">
+                <a16:creationId xmlns:a16="http://schemas.microsoft.com/office/drawing/2014/main" id="{B9B80687-EF43-4A7C-DE6F-A2E1AF6CA549}"/>
+              </a:ext>
+            </a:extLst>
+          </p:cNvPr>
+          <p:cNvPicPr>
+            <a:picLocks noChangeAspect="1"/>
+          </p:cNvPicPr>
+          <p:nvPr/>
+        </p:nvPicPr>
+        <p:blipFill>
+          <a:blip r:embed="rId2" cstate="hqprint">
+            <a:extLst>
+              <a:ext uri="{28A0092B-C50C-407E-A947-70E740481C1C}">
+                <a14:useLocalDpi xmlns:a14="http://schemas.microsoft.com/office/drawing/2010/main" val="0"/>
+              </a:ext>
+            </a:extLst>
+          </a:blip>
+          <a:srcRect b="10006"/>
+          <a:stretch/>
+        </p:blipFill>
+        <p:spPr>
+          <a:xfrm>
+            <a:off x="3283995" y="402056"/>
+            <a:ext cx="4625892" cy="2312142"/>
+          </a:xfrm>
+          <a:prstGeom prst="rect">
+            <a:avLst/>
+          </a:prstGeom>
+        </p:spPr>
+      </p:pic>
+      <p:pic>
+        <p:nvPicPr>
+          <p:cNvPr id="17" name="Picture 16" descr="A map of a country&#10;&#10;Description automatically generated with medium confidence">
+            <a:extLst>
+              <a:ext uri="{FF2B5EF4-FFF2-40B4-BE49-F238E27FC236}">
+                <a16:creationId xmlns:a16="http://schemas.microsoft.com/office/drawing/2014/main" id="{E0892CBE-E835-534B-26CC-A165C271592B}"/>
+              </a:ext>
+            </a:extLst>
+          </p:cNvPr>
+          <p:cNvPicPr>
+            <a:picLocks noChangeAspect="1"/>
+          </p:cNvPicPr>
+          <p:nvPr/>
+        </p:nvPicPr>
+        <p:blipFill>
+          <a:blip r:embed="rId3" cstate="hqprint">
+            <a:extLst>
+              <a:ext uri="{28A0092B-C50C-407E-A947-70E740481C1C}">
+                <a14:useLocalDpi xmlns:a14="http://schemas.microsoft.com/office/drawing/2010/main" val="0"/>
+              </a:ext>
+            </a:extLst>
+          </a:blip>
+          <a:srcRect t="7315"/>
+          <a:stretch/>
+        </p:blipFill>
+        <p:spPr>
+          <a:xfrm>
+            <a:off x="3284182" y="2425623"/>
+            <a:ext cx="4625892" cy="2381272"/>
+          </a:xfrm>
+          <a:prstGeom prst="rect">
+            <a:avLst/>
+          </a:prstGeom>
+        </p:spPr>
+      </p:pic>
       <p:grpSp>
         <p:nvGrpSpPr>
           <p:cNvPr id="14" name="Group 13">
@@ -3602,10 +3672,10 @@
         </p:nvGrpSpPr>
         <p:grpSpPr>
           <a:xfrm>
-            <a:off x="3270465" y="55418"/>
-            <a:ext cx="5676392" cy="6462222"/>
-            <a:chOff x="3270465" y="55418"/>
-            <a:chExt cx="5676392" cy="6462222"/>
+            <a:off x="3269127" y="454094"/>
+            <a:ext cx="5677730" cy="6063546"/>
+            <a:chOff x="3269127" y="454094"/>
+            <a:chExt cx="5677730" cy="6063546"/>
           </a:xfrm>
         </p:grpSpPr>
         <p:pic>
@@ -3623,7 +3693,7 @@
             <p:nvPr/>
           </p:nvPicPr>
           <p:blipFill rotWithShape="1">
-            <a:blip r:embed="rId2">
+            <a:blip r:embed="rId4">
               <a:extLst>
                 <a:ext uri="{28A0092B-C50C-407E-A947-70E740481C1C}">
                   <a14:useLocalDpi xmlns:a14="http://schemas.microsoft.com/office/drawing/2010/main" val="0"/>
@@ -3637,100 +3707,6 @@
             <a:xfrm>
               <a:off x="3282657" y="4571454"/>
               <a:ext cx="5664200" cy="1946186"/>
-            </a:xfrm>
-            <a:prstGeom prst="rect">
-              <a:avLst/>
-            </a:prstGeom>
-            <a:noFill/>
-            <a:extLst>
-              <a:ext uri="{909E8E84-426E-40DD-AFC4-6F175D3DCCD1}">
-                <a14:hiddenFill xmlns:a14="http://schemas.microsoft.com/office/drawing/2010/main">
-                  <a:solidFill>
-                    <a:srgbClr val="FFFFFF"/>
-                  </a:solidFill>
-                </a14:hiddenFill>
-              </a:ext>
-            </a:extLst>
-          </p:spPr>
-        </p:pic>
-        <p:pic>
-          <p:nvPicPr>
-            <p:cNvPr id="1028" name="Picture 4">
-              <a:extLst>
-                <a:ext uri="{FF2B5EF4-FFF2-40B4-BE49-F238E27FC236}">
-                  <a16:creationId xmlns:a16="http://schemas.microsoft.com/office/drawing/2014/main" id="{1F5F40C4-C67D-C6D8-2AD9-0BBC015B32CD}"/>
-                </a:ext>
-              </a:extLst>
-            </p:cNvPr>
-            <p:cNvPicPr>
-              <a:picLocks noChangeAspect="1" noChangeArrowheads="1"/>
-            </p:cNvPicPr>
-            <p:nvPr/>
-          </p:nvPicPr>
-          <p:blipFill>
-            <a:blip r:embed="rId3">
-              <a:extLst>
-                <a:ext uri="{28A0092B-C50C-407E-A947-70E740481C1C}">
-                  <a14:useLocalDpi xmlns:a14="http://schemas.microsoft.com/office/drawing/2010/main" val="0"/>
-                </a:ext>
-              </a:extLst>
-            </a:blip>
-            <a:srcRect/>
-            <a:stretch>
-              <a:fillRect/>
-            </a:stretch>
-          </p:blipFill>
-          <p:spPr bwMode="auto">
-            <a:xfrm>
-              <a:off x="3282661" y="2078617"/>
-              <a:ext cx="4629150" cy="2562225"/>
-            </a:xfrm>
-            <a:prstGeom prst="rect">
-              <a:avLst/>
-            </a:prstGeom>
-            <a:noFill/>
-            <a:extLst>
-              <a:ext uri="{909E8E84-426E-40DD-AFC4-6F175D3DCCD1}">
-                <a14:hiddenFill xmlns:a14="http://schemas.microsoft.com/office/drawing/2010/main">
-                  <a:solidFill>
-                    <a:srgbClr val="FFFFFF"/>
-                  </a:solidFill>
-                </a14:hiddenFill>
-              </a:ext>
-            </a:extLst>
-          </p:spPr>
-        </p:pic>
-        <p:pic>
-          <p:nvPicPr>
-            <p:cNvPr id="1026" name="Picture 2">
-              <a:extLst>
-                <a:ext uri="{FF2B5EF4-FFF2-40B4-BE49-F238E27FC236}">
-                  <a16:creationId xmlns:a16="http://schemas.microsoft.com/office/drawing/2014/main" id="{377FE4F9-5A13-3E3C-D6D7-AD3A5EE6F870}"/>
-                </a:ext>
-              </a:extLst>
-            </p:cNvPr>
-            <p:cNvPicPr>
-              <a:picLocks noChangeAspect="1" noChangeArrowheads="1"/>
-            </p:cNvPicPr>
-            <p:nvPr/>
-          </p:nvPicPr>
-          <p:blipFill>
-            <a:blip r:embed="rId4">
-              <a:extLst>
-                <a:ext uri="{28A0092B-C50C-407E-A947-70E740481C1C}">
-                  <a14:useLocalDpi xmlns:a14="http://schemas.microsoft.com/office/drawing/2010/main" val="0"/>
-                </a:ext>
-              </a:extLst>
-            </a:blip>
-            <a:srcRect/>
-            <a:stretch>
-              <a:fillRect/>
-            </a:stretch>
-          </p:blipFill>
-          <p:spPr bwMode="auto">
-            <a:xfrm>
-              <a:off x="3273136" y="55418"/>
-              <a:ext cx="4638675" cy="2581275"/>
             </a:xfrm>
             <a:prstGeom prst="rect">
               <a:avLst/>
@@ -3881,6 +3857,42 @@
         </p:sp>
         <p:sp>
           <p:nvSpPr>
+            <p:cNvPr id="11" name="TextBox 10">
+              <a:extLst>
+                <a:ext uri="{FF2B5EF4-FFF2-40B4-BE49-F238E27FC236}">
+                  <a16:creationId xmlns:a16="http://schemas.microsoft.com/office/drawing/2014/main" id="{53309313-8EFD-84A2-0992-FB5997EF49FA}"/>
+                </a:ext>
+              </a:extLst>
+            </p:cNvPr>
+            <p:cNvSpPr txBox="1"/>
+            <p:nvPr/>
+          </p:nvSpPr>
+          <p:spPr>
+            <a:xfrm>
+              <a:off x="3269127" y="4343169"/>
+              <a:ext cx="344966" cy="369332"/>
+            </a:xfrm>
+            <a:prstGeom prst="rect">
+              <a:avLst/>
+            </a:prstGeom>
+            <a:noFill/>
+          </p:spPr>
+          <p:txBody>
+            <a:bodyPr wrap="none" rtlCol="0">
+              <a:spAutoFit/>
+            </a:bodyPr>
+            <a:lstStyle/>
+            <a:p>
+              <a:r>
+                <a:rPr lang="pt-BR" dirty="0"/>
+                <a:t>C</a:t>
+              </a:r>
+              <a:endParaRPr lang="en-NZ" dirty="0"/>
+            </a:p>
+          </p:txBody>
+        </p:sp>
+        <p:sp>
+          <p:nvSpPr>
             <p:cNvPr id="9" name="TextBox 8">
               <a:extLst>
                 <a:ext uri="{FF2B5EF4-FFF2-40B4-BE49-F238E27FC236}">
@@ -3893,7 +3905,7 @@
           </p:nvSpPr>
           <p:spPr>
             <a:xfrm>
-              <a:off x="3282657" y="68372"/>
+              <a:off x="3296236" y="454094"/>
               <a:ext cx="320922" cy="369332"/>
             </a:xfrm>
             <a:prstGeom prst="rect">
@@ -3929,7 +3941,7 @@
           </p:nvSpPr>
           <p:spPr>
             <a:xfrm>
-              <a:off x="3270465" y="2319913"/>
+              <a:off x="3286980" y="2527284"/>
               <a:ext cx="324128" cy="369332"/>
             </a:xfrm>
             <a:prstGeom prst="rect">
@@ -3946,42 +3958,6 @@
               <a:r>
                 <a:rPr lang="pt-BR" dirty="0"/>
                 <a:t>B</a:t>
-              </a:r>
-              <a:endParaRPr lang="en-NZ" dirty="0"/>
-            </a:p>
-          </p:txBody>
-        </p:sp>
-        <p:sp>
-          <p:nvSpPr>
-            <p:cNvPr id="11" name="TextBox 10">
-              <a:extLst>
-                <a:ext uri="{FF2B5EF4-FFF2-40B4-BE49-F238E27FC236}">
-                  <a16:creationId xmlns:a16="http://schemas.microsoft.com/office/drawing/2014/main" id="{53309313-8EFD-84A2-0992-FB5997EF49FA}"/>
-                </a:ext>
-              </a:extLst>
-            </p:cNvPr>
-            <p:cNvSpPr txBox="1"/>
-            <p:nvPr/>
-          </p:nvSpPr>
-          <p:spPr>
-            <a:xfrm>
-              <a:off x="3276561" y="4305999"/>
-              <a:ext cx="344966" cy="369332"/>
-            </a:xfrm>
-            <a:prstGeom prst="rect">
-              <a:avLst/>
-            </a:prstGeom>
-            <a:noFill/>
-          </p:spPr>
-          <p:txBody>
-            <a:bodyPr wrap="none" rtlCol="0">
-              <a:spAutoFit/>
-            </a:bodyPr>
-            <a:lstStyle/>
-            <a:p>
-              <a:r>
-                <a:rPr lang="pt-BR" dirty="0"/>
-                <a:t>C</a:t>
               </a:r>
               <a:endParaRPr lang="en-NZ" dirty="0"/>
             </a:p>

--- a/results/Figures/Figures.pptx
+++ b/results/Figures/Figures.pptx
@@ -3,10 +3,12 @@
 <p:presentation xmlns:a="http://schemas.openxmlformats.org/drawingml/2006/main" xmlns:r="http://schemas.openxmlformats.org/officeDocument/2006/relationships" xmlns:p="http://schemas.openxmlformats.org/presentationml/2006/main" saveSubsetFonts="1">
   <p:sldMasterIdLst>
     <p:sldMasterId id="2147483648" r:id="rId1"/>
+    <p:sldMasterId id="2147483660" r:id="rId2"/>
   </p:sldMasterIdLst>
   <p:sldIdLst>
-    <p:sldId id="257" r:id="rId2"/>
-    <p:sldId id="256" r:id="rId3"/>
+    <p:sldId id="257" r:id="rId3"/>
+    <p:sldId id="256" r:id="rId4"/>
+    <p:sldId id="264" r:id="rId5"/>
   </p:sldIdLst>
   <p:sldSz cx="12192000" cy="6858000"/>
   <p:notesSz cx="6858000" cy="9144000"/>
@@ -379,7 +381,7 @@
           <a:p>
             <a:fld id="{36C3FE58-7E73-4F9D-B8E5-B7E1B043D37A}" type="datetimeFigureOut">
               <a:rPr lang="en-NZ" smtClean="0"/>
-              <a:t>16/12/2024</a:t>
+              <a:t>13/03/2025</a:t>
             </a:fld>
             <a:endParaRPr lang="en-NZ"/>
           </a:p>
@@ -579,7 +581,7 @@
           <a:p>
             <a:fld id="{36C3FE58-7E73-4F9D-B8E5-B7E1B043D37A}" type="datetimeFigureOut">
               <a:rPr lang="en-NZ" smtClean="0"/>
-              <a:t>16/12/2024</a:t>
+              <a:t>13/03/2025</a:t>
             </a:fld>
             <a:endParaRPr lang="en-NZ"/>
           </a:p>
@@ -789,7 +791,7 @@
           <a:p>
             <a:fld id="{36C3FE58-7E73-4F9D-B8E5-B7E1B043D37A}" type="datetimeFigureOut">
               <a:rPr lang="en-NZ" smtClean="0"/>
-              <a:t>16/12/2024</a:t>
+              <a:t>13/03/2025</a:t>
             </a:fld>
             <a:endParaRPr lang="en-NZ"/>
           </a:p>
@@ -853,6 +855,1955 @@
     <p:extLst>
       <p:ext uri="{BB962C8B-B14F-4D97-AF65-F5344CB8AC3E}">
         <p14:creationId xmlns:p14="http://schemas.microsoft.com/office/powerpoint/2010/main" val="1662805077"/>
+      </p:ext>
+    </p:extLst>
+  </p:cSld>
+  <p:clrMapOvr>
+    <a:masterClrMapping/>
+  </p:clrMapOvr>
+</p:sldLayout>
+</file>
+
+<file path=ppt/slideLayouts/slideLayout12.xml><?xml version="1.0" encoding="utf-8"?>
+<p:sldLayout xmlns:a="http://schemas.openxmlformats.org/drawingml/2006/main" xmlns:r="http://schemas.openxmlformats.org/officeDocument/2006/relationships" xmlns:p="http://schemas.openxmlformats.org/presentationml/2006/main" type="title" preserve="1">
+  <p:cSld name="Title Slide">
+    <p:spTree>
+      <p:nvGrpSpPr>
+        <p:cNvPr id="1" name=""/>
+        <p:cNvGrpSpPr/>
+        <p:nvPr/>
+      </p:nvGrpSpPr>
+      <p:grpSpPr>
+        <a:xfrm>
+          <a:off x="0" y="0"/>
+          <a:ext cx="0" cy="0"/>
+          <a:chOff x="0" y="0"/>
+          <a:chExt cx="0" cy="0"/>
+        </a:xfrm>
+      </p:grpSpPr>
+      <p:sp>
+        <p:nvSpPr>
+          <p:cNvPr id="2" name="Title 1">
+            <a:extLst>
+              <a:ext uri="{FF2B5EF4-FFF2-40B4-BE49-F238E27FC236}">
+                <a16:creationId xmlns:a16="http://schemas.microsoft.com/office/drawing/2014/main" id="{F345E065-C365-9D64-21BF-FC18522702DA}"/>
+              </a:ext>
+            </a:extLst>
+          </p:cNvPr>
+          <p:cNvSpPr>
+            <a:spLocks noGrp="1"/>
+          </p:cNvSpPr>
+          <p:nvPr>
+            <p:ph type="ctrTitle"/>
+          </p:nvPr>
+        </p:nvSpPr>
+        <p:spPr>
+          <a:xfrm>
+            <a:off x="1524000" y="1122363"/>
+            <a:ext cx="9144000" cy="2387600"/>
+          </a:xfrm>
+        </p:spPr>
+        <p:txBody>
+          <a:bodyPr anchor="b"/>
+          <a:lstStyle>
+            <a:lvl1pPr algn="ctr">
+              <a:defRPr sz="6000"/>
+            </a:lvl1pPr>
+          </a:lstStyle>
+          <a:p>
+            <a:r>
+              <a:rPr lang="en-US"/>
+              <a:t>Click to edit Master title style</a:t>
+            </a:r>
+            <a:endParaRPr lang="en-NZ"/>
+          </a:p>
+        </p:txBody>
+      </p:sp>
+      <p:sp>
+        <p:nvSpPr>
+          <p:cNvPr id="3" name="Subtitle 2">
+            <a:extLst>
+              <a:ext uri="{FF2B5EF4-FFF2-40B4-BE49-F238E27FC236}">
+                <a16:creationId xmlns:a16="http://schemas.microsoft.com/office/drawing/2014/main" id="{772F66C6-42BA-1D63-2637-33BF95515FD2}"/>
+              </a:ext>
+            </a:extLst>
+          </p:cNvPr>
+          <p:cNvSpPr>
+            <a:spLocks noGrp="1"/>
+          </p:cNvSpPr>
+          <p:nvPr>
+            <p:ph type="subTitle" idx="1"/>
+          </p:nvPr>
+        </p:nvSpPr>
+        <p:spPr>
+          <a:xfrm>
+            <a:off x="1524000" y="3602038"/>
+            <a:ext cx="9144000" cy="1655762"/>
+          </a:xfrm>
+        </p:spPr>
+        <p:txBody>
+          <a:bodyPr/>
+          <a:lstStyle>
+            <a:lvl1pPr marL="0" indent="0" algn="ctr">
+              <a:buNone/>
+              <a:defRPr sz="2400"/>
+            </a:lvl1pPr>
+            <a:lvl2pPr marL="457200" indent="0" algn="ctr">
+              <a:buNone/>
+              <a:defRPr sz="2000"/>
+            </a:lvl2pPr>
+            <a:lvl3pPr marL="914400" indent="0" algn="ctr">
+              <a:buNone/>
+              <a:defRPr sz="1800"/>
+            </a:lvl3pPr>
+            <a:lvl4pPr marL="1371600" indent="0" algn="ctr">
+              <a:buNone/>
+              <a:defRPr sz="1600"/>
+            </a:lvl4pPr>
+            <a:lvl5pPr marL="1828800" indent="0" algn="ctr">
+              <a:buNone/>
+              <a:defRPr sz="1600"/>
+            </a:lvl5pPr>
+            <a:lvl6pPr marL="2286000" indent="0" algn="ctr">
+              <a:buNone/>
+              <a:defRPr sz="1600"/>
+            </a:lvl6pPr>
+            <a:lvl7pPr marL="2743200" indent="0" algn="ctr">
+              <a:buNone/>
+              <a:defRPr sz="1600"/>
+            </a:lvl7pPr>
+            <a:lvl8pPr marL="3200400" indent="0" algn="ctr">
+              <a:buNone/>
+              <a:defRPr sz="1600"/>
+            </a:lvl8pPr>
+            <a:lvl9pPr marL="3657600" indent="0" algn="ctr">
+              <a:buNone/>
+              <a:defRPr sz="1600"/>
+            </a:lvl9pPr>
+          </a:lstStyle>
+          <a:p>
+            <a:r>
+              <a:rPr lang="en-US"/>
+              <a:t>Click to edit Master subtitle style</a:t>
+            </a:r>
+            <a:endParaRPr lang="en-NZ"/>
+          </a:p>
+        </p:txBody>
+      </p:sp>
+      <p:sp>
+        <p:nvSpPr>
+          <p:cNvPr id="4" name="Date Placeholder 3">
+            <a:extLst>
+              <a:ext uri="{FF2B5EF4-FFF2-40B4-BE49-F238E27FC236}">
+                <a16:creationId xmlns:a16="http://schemas.microsoft.com/office/drawing/2014/main" id="{C724D74D-C902-3DFD-5CD4-8CA728B9DA10}"/>
+              </a:ext>
+            </a:extLst>
+          </p:cNvPr>
+          <p:cNvSpPr>
+            <a:spLocks noGrp="1"/>
+          </p:cNvSpPr>
+          <p:nvPr>
+            <p:ph type="dt" sz="half" idx="10"/>
+          </p:nvPr>
+        </p:nvSpPr>
+        <p:spPr/>
+        <p:txBody>
+          <a:bodyPr/>
+          <a:lstStyle/>
+          <a:p>
+            <a:fld id="{B5DA846C-8D30-441A-B1E0-B376C61F31D1}" type="datetimeFigureOut">
+              <a:rPr lang="en-NZ" smtClean="0"/>
+              <a:t>13/03/2025</a:t>
+            </a:fld>
+            <a:endParaRPr lang="en-NZ"/>
+          </a:p>
+        </p:txBody>
+      </p:sp>
+      <p:sp>
+        <p:nvSpPr>
+          <p:cNvPr id="5" name="Footer Placeholder 4">
+            <a:extLst>
+              <a:ext uri="{FF2B5EF4-FFF2-40B4-BE49-F238E27FC236}">
+                <a16:creationId xmlns:a16="http://schemas.microsoft.com/office/drawing/2014/main" id="{FFC9AFD1-BEC0-E921-9747-582BFC340C5B}"/>
+              </a:ext>
+            </a:extLst>
+          </p:cNvPr>
+          <p:cNvSpPr>
+            <a:spLocks noGrp="1"/>
+          </p:cNvSpPr>
+          <p:nvPr>
+            <p:ph type="ftr" sz="quarter" idx="11"/>
+          </p:nvPr>
+        </p:nvSpPr>
+        <p:spPr/>
+        <p:txBody>
+          <a:bodyPr/>
+          <a:lstStyle/>
+          <a:p>
+            <a:endParaRPr lang="en-NZ"/>
+          </a:p>
+        </p:txBody>
+      </p:sp>
+      <p:sp>
+        <p:nvSpPr>
+          <p:cNvPr id="6" name="Slide Number Placeholder 5">
+            <a:extLst>
+              <a:ext uri="{FF2B5EF4-FFF2-40B4-BE49-F238E27FC236}">
+                <a16:creationId xmlns:a16="http://schemas.microsoft.com/office/drawing/2014/main" id="{40D2BC30-5367-B08F-9E5D-302FE182E128}"/>
+              </a:ext>
+            </a:extLst>
+          </p:cNvPr>
+          <p:cNvSpPr>
+            <a:spLocks noGrp="1"/>
+          </p:cNvSpPr>
+          <p:nvPr>
+            <p:ph type="sldNum" sz="quarter" idx="12"/>
+          </p:nvPr>
+        </p:nvSpPr>
+        <p:spPr/>
+        <p:txBody>
+          <a:bodyPr/>
+          <a:lstStyle/>
+          <a:p>
+            <a:fld id="{10DE6AEF-D18C-4201-96D8-0790C0DC0E09}" type="slidenum">
+              <a:rPr lang="en-NZ" smtClean="0"/>
+              <a:t>‹#›</a:t>
+            </a:fld>
+            <a:endParaRPr lang="en-NZ"/>
+          </a:p>
+        </p:txBody>
+      </p:sp>
+    </p:spTree>
+    <p:extLst>
+      <p:ext uri="{BB962C8B-B14F-4D97-AF65-F5344CB8AC3E}">
+        <p14:creationId xmlns:p14="http://schemas.microsoft.com/office/powerpoint/2010/main" val="260864761"/>
+      </p:ext>
+    </p:extLst>
+  </p:cSld>
+  <p:clrMapOvr>
+    <a:masterClrMapping/>
+  </p:clrMapOvr>
+</p:sldLayout>
+</file>
+
+<file path=ppt/slideLayouts/slideLayout13.xml><?xml version="1.0" encoding="utf-8"?>
+<p:sldLayout xmlns:a="http://schemas.openxmlformats.org/drawingml/2006/main" xmlns:r="http://schemas.openxmlformats.org/officeDocument/2006/relationships" xmlns:p="http://schemas.openxmlformats.org/presentationml/2006/main" type="obj" preserve="1">
+  <p:cSld name="Title and Content">
+    <p:spTree>
+      <p:nvGrpSpPr>
+        <p:cNvPr id="1" name=""/>
+        <p:cNvGrpSpPr/>
+        <p:nvPr/>
+      </p:nvGrpSpPr>
+      <p:grpSpPr>
+        <a:xfrm>
+          <a:off x="0" y="0"/>
+          <a:ext cx="0" cy="0"/>
+          <a:chOff x="0" y="0"/>
+          <a:chExt cx="0" cy="0"/>
+        </a:xfrm>
+      </p:grpSpPr>
+      <p:sp>
+        <p:nvSpPr>
+          <p:cNvPr id="2" name="Title 1">
+            <a:extLst>
+              <a:ext uri="{FF2B5EF4-FFF2-40B4-BE49-F238E27FC236}">
+                <a16:creationId xmlns:a16="http://schemas.microsoft.com/office/drawing/2014/main" id="{1DB0E427-E0EF-D21F-0FAB-8FB05CD85114}"/>
+              </a:ext>
+            </a:extLst>
+          </p:cNvPr>
+          <p:cNvSpPr>
+            <a:spLocks noGrp="1"/>
+          </p:cNvSpPr>
+          <p:nvPr>
+            <p:ph type="title"/>
+          </p:nvPr>
+        </p:nvSpPr>
+        <p:spPr/>
+        <p:txBody>
+          <a:bodyPr/>
+          <a:lstStyle/>
+          <a:p>
+            <a:r>
+              <a:rPr lang="en-US"/>
+              <a:t>Click to edit Master title style</a:t>
+            </a:r>
+            <a:endParaRPr lang="en-NZ"/>
+          </a:p>
+        </p:txBody>
+      </p:sp>
+      <p:sp>
+        <p:nvSpPr>
+          <p:cNvPr id="3" name="Content Placeholder 2">
+            <a:extLst>
+              <a:ext uri="{FF2B5EF4-FFF2-40B4-BE49-F238E27FC236}">
+                <a16:creationId xmlns:a16="http://schemas.microsoft.com/office/drawing/2014/main" id="{47526A5F-079F-872F-6CAF-BB560A8D9A9B}"/>
+              </a:ext>
+            </a:extLst>
+          </p:cNvPr>
+          <p:cNvSpPr>
+            <a:spLocks noGrp="1"/>
+          </p:cNvSpPr>
+          <p:nvPr>
+            <p:ph idx="1"/>
+          </p:nvPr>
+        </p:nvSpPr>
+        <p:spPr/>
+        <p:txBody>
+          <a:bodyPr/>
+          <a:lstStyle/>
+          <a:p>
+            <a:pPr lvl="0"/>
+            <a:r>
+              <a:rPr lang="en-US"/>
+              <a:t>Click to edit Master text styles</a:t>
+            </a:r>
+          </a:p>
+          <a:p>
+            <a:pPr lvl="1"/>
+            <a:r>
+              <a:rPr lang="en-US"/>
+              <a:t>Second level</a:t>
+            </a:r>
+          </a:p>
+          <a:p>
+            <a:pPr lvl="2"/>
+            <a:r>
+              <a:rPr lang="en-US"/>
+              <a:t>Third level</a:t>
+            </a:r>
+          </a:p>
+          <a:p>
+            <a:pPr lvl="3"/>
+            <a:r>
+              <a:rPr lang="en-US"/>
+              <a:t>Fourth level</a:t>
+            </a:r>
+          </a:p>
+          <a:p>
+            <a:pPr lvl="4"/>
+            <a:r>
+              <a:rPr lang="en-US"/>
+              <a:t>Fifth level</a:t>
+            </a:r>
+            <a:endParaRPr lang="en-NZ"/>
+          </a:p>
+        </p:txBody>
+      </p:sp>
+      <p:sp>
+        <p:nvSpPr>
+          <p:cNvPr id="4" name="Date Placeholder 3">
+            <a:extLst>
+              <a:ext uri="{FF2B5EF4-FFF2-40B4-BE49-F238E27FC236}">
+                <a16:creationId xmlns:a16="http://schemas.microsoft.com/office/drawing/2014/main" id="{82B79500-DEE1-B782-E05E-8748B2037E32}"/>
+              </a:ext>
+            </a:extLst>
+          </p:cNvPr>
+          <p:cNvSpPr>
+            <a:spLocks noGrp="1"/>
+          </p:cNvSpPr>
+          <p:nvPr>
+            <p:ph type="dt" sz="half" idx="10"/>
+          </p:nvPr>
+        </p:nvSpPr>
+        <p:spPr/>
+        <p:txBody>
+          <a:bodyPr/>
+          <a:lstStyle/>
+          <a:p>
+            <a:fld id="{B5DA846C-8D30-441A-B1E0-B376C61F31D1}" type="datetimeFigureOut">
+              <a:rPr lang="en-NZ" smtClean="0"/>
+              <a:t>13/03/2025</a:t>
+            </a:fld>
+            <a:endParaRPr lang="en-NZ"/>
+          </a:p>
+        </p:txBody>
+      </p:sp>
+      <p:sp>
+        <p:nvSpPr>
+          <p:cNvPr id="5" name="Footer Placeholder 4">
+            <a:extLst>
+              <a:ext uri="{FF2B5EF4-FFF2-40B4-BE49-F238E27FC236}">
+                <a16:creationId xmlns:a16="http://schemas.microsoft.com/office/drawing/2014/main" id="{759AA816-CA4E-883A-98D0-50BE77E1F0CF}"/>
+              </a:ext>
+            </a:extLst>
+          </p:cNvPr>
+          <p:cNvSpPr>
+            <a:spLocks noGrp="1"/>
+          </p:cNvSpPr>
+          <p:nvPr>
+            <p:ph type="ftr" sz="quarter" idx="11"/>
+          </p:nvPr>
+        </p:nvSpPr>
+        <p:spPr/>
+        <p:txBody>
+          <a:bodyPr/>
+          <a:lstStyle/>
+          <a:p>
+            <a:endParaRPr lang="en-NZ"/>
+          </a:p>
+        </p:txBody>
+      </p:sp>
+      <p:sp>
+        <p:nvSpPr>
+          <p:cNvPr id="6" name="Slide Number Placeholder 5">
+            <a:extLst>
+              <a:ext uri="{FF2B5EF4-FFF2-40B4-BE49-F238E27FC236}">
+                <a16:creationId xmlns:a16="http://schemas.microsoft.com/office/drawing/2014/main" id="{738103C2-79B0-5D8A-7982-20FD46BC9F59}"/>
+              </a:ext>
+            </a:extLst>
+          </p:cNvPr>
+          <p:cNvSpPr>
+            <a:spLocks noGrp="1"/>
+          </p:cNvSpPr>
+          <p:nvPr>
+            <p:ph type="sldNum" sz="quarter" idx="12"/>
+          </p:nvPr>
+        </p:nvSpPr>
+        <p:spPr/>
+        <p:txBody>
+          <a:bodyPr/>
+          <a:lstStyle/>
+          <a:p>
+            <a:fld id="{10DE6AEF-D18C-4201-96D8-0790C0DC0E09}" type="slidenum">
+              <a:rPr lang="en-NZ" smtClean="0"/>
+              <a:t>‹#›</a:t>
+            </a:fld>
+            <a:endParaRPr lang="en-NZ"/>
+          </a:p>
+        </p:txBody>
+      </p:sp>
+    </p:spTree>
+    <p:extLst>
+      <p:ext uri="{BB962C8B-B14F-4D97-AF65-F5344CB8AC3E}">
+        <p14:creationId xmlns:p14="http://schemas.microsoft.com/office/powerpoint/2010/main" val="594392883"/>
+      </p:ext>
+    </p:extLst>
+  </p:cSld>
+  <p:clrMapOvr>
+    <a:masterClrMapping/>
+  </p:clrMapOvr>
+</p:sldLayout>
+</file>
+
+<file path=ppt/slideLayouts/slideLayout14.xml><?xml version="1.0" encoding="utf-8"?>
+<p:sldLayout xmlns:a="http://schemas.openxmlformats.org/drawingml/2006/main" xmlns:r="http://schemas.openxmlformats.org/officeDocument/2006/relationships" xmlns:p="http://schemas.openxmlformats.org/presentationml/2006/main" type="secHead" preserve="1">
+  <p:cSld name="Section Header">
+    <p:spTree>
+      <p:nvGrpSpPr>
+        <p:cNvPr id="1" name=""/>
+        <p:cNvGrpSpPr/>
+        <p:nvPr/>
+      </p:nvGrpSpPr>
+      <p:grpSpPr>
+        <a:xfrm>
+          <a:off x="0" y="0"/>
+          <a:ext cx="0" cy="0"/>
+          <a:chOff x="0" y="0"/>
+          <a:chExt cx="0" cy="0"/>
+        </a:xfrm>
+      </p:grpSpPr>
+      <p:sp>
+        <p:nvSpPr>
+          <p:cNvPr id="2" name="Title 1">
+            <a:extLst>
+              <a:ext uri="{FF2B5EF4-FFF2-40B4-BE49-F238E27FC236}">
+                <a16:creationId xmlns:a16="http://schemas.microsoft.com/office/drawing/2014/main" id="{1FF1D1E5-D4B5-D7E7-0E1B-90A29A339A47}"/>
+              </a:ext>
+            </a:extLst>
+          </p:cNvPr>
+          <p:cNvSpPr>
+            <a:spLocks noGrp="1"/>
+          </p:cNvSpPr>
+          <p:nvPr>
+            <p:ph type="title"/>
+          </p:nvPr>
+        </p:nvSpPr>
+        <p:spPr>
+          <a:xfrm>
+            <a:off x="831850" y="1709738"/>
+            <a:ext cx="10515600" cy="2852737"/>
+          </a:xfrm>
+        </p:spPr>
+        <p:txBody>
+          <a:bodyPr anchor="b"/>
+          <a:lstStyle>
+            <a:lvl1pPr>
+              <a:defRPr sz="6000"/>
+            </a:lvl1pPr>
+          </a:lstStyle>
+          <a:p>
+            <a:r>
+              <a:rPr lang="en-US"/>
+              <a:t>Click to edit Master title style</a:t>
+            </a:r>
+            <a:endParaRPr lang="en-NZ"/>
+          </a:p>
+        </p:txBody>
+      </p:sp>
+      <p:sp>
+        <p:nvSpPr>
+          <p:cNvPr id="3" name="Text Placeholder 2">
+            <a:extLst>
+              <a:ext uri="{FF2B5EF4-FFF2-40B4-BE49-F238E27FC236}">
+                <a16:creationId xmlns:a16="http://schemas.microsoft.com/office/drawing/2014/main" id="{B86DE3C3-1267-30C0-16F5-69E2DE76D2A7}"/>
+              </a:ext>
+            </a:extLst>
+          </p:cNvPr>
+          <p:cNvSpPr>
+            <a:spLocks noGrp="1"/>
+          </p:cNvSpPr>
+          <p:nvPr>
+            <p:ph type="body" idx="1"/>
+          </p:nvPr>
+        </p:nvSpPr>
+        <p:spPr>
+          <a:xfrm>
+            <a:off x="831850" y="4589463"/>
+            <a:ext cx="10515600" cy="1500187"/>
+          </a:xfrm>
+        </p:spPr>
+        <p:txBody>
+          <a:bodyPr/>
+          <a:lstStyle>
+            <a:lvl1pPr marL="0" indent="0">
+              <a:buNone/>
+              <a:defRPr sz="2400">
+                <a:solidFill>
+                  <a:schemeClr val="tx1">
+                    <a:tint val="75000"/>
+                  </a:schemeClr>
+                </a:solidFill>
+              </a:defRPr>
+            </a:lvl1pPr>
+            <a:lvl2pPr marL="457200" indent="0">
+              <a:buNone/>
+              <a:defRPr sz="2000">
+                <a:solidFill>
+                  <a:schemeClr val="tx1">
+                    <a:tint val="75000"/>
+                  </a:schemeClr>
+                </a:solidFill>
+              </a:defRPr>
+            </a:lvl2pPr>
+            <a:lvl3pPr marL="914400" indent="0">
+              <a:buNone/>
+              <a:defRPr sz="1800">
+                <a:solidFill>
+                  <a:schemeClr val="tx1">
+                    <a:tint val="75000"/>
+                  </a:schemeClr>
+                </a:solidFill>
+              </a:defRPr>
+            </a:lvl3pPr>
+            <a:lvl4pPr marL="1371600" indent="0">
+              <a:buNone/>
+              <a:defRPr sz="1600">
+                <a:solidFill>
+                  <a:schemeClr val="tx1">
+                    <a:tint val="75000"/>
+                  </a:schemeClr>
+                </a:solidFill>
+              </a:defRPr>
+            </a:lvl4pPr>
+            <a:lvl5pPr marL="1828800" indent="0">
+              <a:buNone/>
+              <a:defRPr sz="1600">
+                <a:solidFill>
+                  <a:schemeClr val="tx1">
+                    <a:tint val="75000"/>
+                  </a:schemeClr>
+                </a:solidFill>
+              </a:defRPr>
+            </a:lvl5pPr>
+            <a:lvl6pPr marL="2286000" indent="0">
+              <a:buNone/>
+              <a:defRPr sz="1600">
+                <a:solidFill>
+                  <a:schemeClr val="tx1">
+                    <a:tint val="75000"/>
+                  </a:schemeClr>
+                </a:solidFill>
+              </a:defRPr>
+            </a:lvl6pPr>
+            <a:lvl7pPr marL="2743200" indent="0">
+              <a:buNone/>
+              <a:defRPr sz="1600">
+                <a:solidFill>
+                  <a:schemeClr val="tx1">
+                    <a:tint val="75000"/>
+                  </a:schemeClr>
+                </a:solidFill>
+              </a:defRPr>
+            </a:lvl7pPr>
+            <a:lvl8pPr marL="3200400" indent="0">
+              <a:buNone/>
+              <a:defRPr sz="1600">
+                <a:solidFill>
+                  <a:schemeClr val="tx1">
+                    <a:tint val="75000"/>
+                  </a:schemeClr>
+                </a:solidFill>
+              </a:defRPr>
+            </a:lvl8pPr>
+            <a:lvl9pPr marL="3657600" indent="0">
+              <a:buNone/>
+              <a:defRPr sz="1600">
+                <a:solidFill>
+                  <a:schemeClr val="tx1">
+                    <a:tint val="75000"/>
+                  </a:schemeClr>
+                </a:solidFill>
+              </a:defRPr>
+            </a:lvl9pPr>
+          </a:lstStyle>
+          <a:p>
+            <a:pPr lvl="0"/>
+            <a:r>
+              <a:rPr lang="en-US"/>
+              <a:t>Click to edit Master text styles</a:t>
+            </a:r>
+          </a:p>
+        </p:txBody>
+      </p:sp>
+      <p:sp>
+        <p:nvSpPr>
+          <p:cNvPr id="4" name="Date Placeholder 3">
+            <a:extLst>
+              <a:ext uri="{FF2B5EF4-FFF2-40B4-BE49-F238E27FC236}">
+                <a16:creationId xmlns:a16="http://schemas.microsoft.com/office/drawing/2014/main" id="{A1818CCF-EE3C-F5C5-D249-F97CC01BF1FF}"/>
+              </a:ext>
+            </a:extLst>
+          </p:cNvPr>
+          <p:cNvSpPr>
+            <a:spLocks noGrp="1"/>
+          </p:cNvSpPr>
+          <p:nvPr>
+            <p:ph type="dt" sz="half" idx="10"/>
+          </p:nvPr>
+        </p:nvSpPr>
+        <p:spPr/>
+        <p:txBody>
+          <a:bodyPr/>
+          <a:lstStyle/>
+          <a:p>
+            <a:fld id="{B5DA846C-8D30-441A-B1E0-B376C61F31D1}" type="datetimeFigureOut">
+              <a:rPr lang="en-NZ" smtClean="0"/>
+              <a:t>13/03/2025</a:t>
+            </a:fld>
+            <a:endParaRPr lang="en-NZ"/>
+          </a:p>
+        </p:txBody>
+      </p:sp>
+      <p:sp>
+        <p:nvSpPr>
+          <p:cNvPr id="5" name="Footer Placeholder 4">
+            <a:extLst>
+              <a:ext uri="{FF2B5EF4-FFF2-40B4-BE49-F238E27FC236}">
+                <a16:creationId xmlns:a16="http://schemas.microsoft.com/office/drawing/2014/main" id="{7CD82067-C47B-ED4F-67FD-E568D5EB49C6}"/>
+              </a:ext>
+            </a:extLst>
+          </p:cNvPr>
+          <p:cNvSpPr>
+            <a:spLocks noGrp="1"/>
+          </p:cNvSpPr>
+          <p:nvPr>
+            <p:ph type="ftr" sz="quarter" idx="11"/>
+          </p:nvPr>
+        </p:nvSpPr>
+        <p:spPr/>
+        <p:txBody>
+          <a:bodyPr/>
+          <a:lstStyle/>
+          <a:p>
+            <a:endParaRPr lang="en-NZ"/>
+          </a:p>
+        </p:txBody>
+      </p:sp>
+      <p:sp>
+        <p:nvSpPr>
+          <p:cNvPr id="6" name="Slide Number Placeholder 5">
+            <a:extLst>
+              <a:ext uri="{FF2B5EF4-FFF2-40B4-BE49-F238E27FC236}">
+                <a16:creationId xmlns:a16="http://schemas.microsoft.com/office/drawing/2014/main" id="{B37E6F9D-2455-2639-BC6B-327BA1EC2243}"/>
+              </a:ext>
+            </a:extLst>
+          </p:cNvPr>
+          <p:cNvSpPr>
+            <a:spLocks noGrp="1"/>
+          </p:cNvSpPr>
+          <p:nvPr>
+            <p:ph type="sldNum" sz="quarter" idx="12"/>
+          </p:nvPr>
+        </p:nvSpPr>
+        <p:spPr/>
+        <p:txBody>
+          <a:bodyPr/>
+          <a:lstStyle/>
+          <a:p>
+            <a:fld id="{10DE6AEF-D18C-4201-96D8-0790C0DC0E09}" type="slidenum">
+              <a:rPr lang="en-NZ" smtClean="0"/>
+              <a:t>‹#›</a:t>
+            </a:fld>
+            <a:endParaRPr lang="en-NZ"/>
+          </a:p>
+        </p:txBody>
+      </p:sp>
+    </p:spTree>
+    <p:extLst>
+      <p:ext uri="{BB962C8B-B14F-4D97-AF65-F5344CB8AC3E}">
+        <p14:creationId xmlns:p14="http://schemas.microsoft.com/office/powerpoint/2010/main" val="978102744"/>
+      </p:ext>
+    </p:extLst>
+  </p:cSld>
+  <p:clrMapOvr>
+    <a:masterClrMapping/>
+  </p:clrMapOvr>
+</p:sldLayout>
+</file>
+
+<file path=ppt/slideLayouts/slideLayout15.xml><?xml version="1.0" encoding="utf-8"?>
+<p:sldLayout xmlns:a="http://schemas.openxmlformats.org/drawingml/2006/main" xmlns:r="http://schemas.openxmlformats.org/officeDocument/2006/relationships" xmlns:p="http://schemas.openxmlformats.org/presentationml/2006/main" type="twoObj" preserve="1">
+  <p:cSld name="Two Content">
+    <p:spTree>
+      <p:nvGrpSpPr>
+        <p:cNvPr id="1" name=""/>
+        <p:cNvGrpSpPr/>
+        <p:nvPr/>
+      </p:nvGrpSpPr>
+      <p:grpSpPr>
+        <a:xfrm>
+          <a:off x="0" y="0"/>
+          <a:ext cx="0" cy="0"/>
+          <a:chOff x="0" y="0"/>
+          <a:chExt cx="0" cy="0"/>
+        </a:xfrm>
+      </p:grpSpPr>
+      <p:sp>
+        <p:nvSpPr>
+          <p:cNvPr id="2" name="Title 1">
+            <a:extLst>
+              <a:ext uri="{FF2B5EF4-FFF2-40B4-BE49-F238E27FC236}">
+                <a16:creationId xmlns:a16="http://schemas.microsoft.com/office/drawing/2014/main" id="{CF21F85B-B74F-AE09-A63F-6ED46E2F812A}"/>
+              </a:ext>
+            </a:extLst>
+          </p:cNvPr>
+          <p:cNvSpPr>
+            <a:spLocks noGrp="1"/>
+          </p:cNvSpPr>
+          <p:nvPr>
+            <p:ph type="title"/>
+          </p:nvPr>
+        </p:nvSpPr>
+        <p:spPr/>
+        <p:txBody>
+          <a:bodyPr/>
+          <a:lstStyle/>
+          <a:p>
+            <a:r>
+              <a:rPr lang="en-US"/>
+              <a:t>Click to edit Master title style</a:t>
+            </a:r>
+            <a:endParaRPr lang="en-NZ"/>
+          </a:p>
+        </p:txBody>
+      </p:sp>
+      <p:sp>
+        <p:nvSpPr>
+          <p:cNvPr id="3" name="Content Placeholder 2">
+            <a:extLst>
+              <a:ext uri="{FF2B5EF4-FFF2-40B4-BE49-F238E27FC236}">
+                <a16:creationId xmlns:a16="http://schemas.microsoft.com/office/drawing/2014/main" id="{8914D652-6EF7-F304-99E7-E8B282E2EF45}"/>
+              </a:ext>
+            </a:extLst>
+          </p:cNvPr>
+          <p:cNvSpPr>
+            <a:spLocks noGrp="1"/>
+          </p:cNvSpPr>
+          <p:nvPr>
+            <p:ph sz="half" idx="1"/>
+          </p:nvPr>
+        </p:nvSpPr>
+        <p:spPr>
+          <a:xfrm>
+            <a:off x="838200" y="1825625"/>
+            <a:ext cx="5181600" cy="4351338"/>
+          </a:xfrm>
+        </p:spPr>
+        <p:txBody>
+          <a:bodyPr/>
+          <a:lstStyle/>
+          <a:p>
+            <a:pPr lvl="0"/>
+            <a:r>
+              <a:rPr lang="en-US"/>
+              <a:t>Click to edit Master text styles</a:t>
+            </a:r>
+          </a:p>
+          <a:p>
+            <a:pPr lvl="1"/>
+            <a:r>
+              <a:rPr lang="en-US"/>
+              <a:t>Second level</a:t>
+            </a:r>
+          </a:p>
+          <a:p>
+            <a:pPr lvl="2"/>
+            <a:r>
+              <a:rPr lang="en-US"/>
+              <a:t>Third level</a:t>
+            </a:r>
+          </a:p>
+          <a:p>
+            <a:pPr lvl="3"/>
+            <a:r>
+              <a:rPr lang="en-US"/>
+              <a:t>Fourth level</a:t>
+            </a:r>
+          </a:p>
+          <a:p>
+            <a:pPr lvl="4"/>
+            <a:r>
+              <a:rPr lang="en-US"/>
+              <a:t>Fifth level</a:t>
+            </a:r>
+            <a:endParaRPr lang="en-NZ"/>
+          </a:p>
+        </p:txBody>
+      </p:sp>
+      <p:sp>
+        <p:nvSpPr>
+          <p:cNvPr id="4" name="Content Placeholder 3">
+            <a:extLst>
+              <a:ext uri="{FF2B5EF4-FFF2-40B4-BE49-F238E27FC236}">
+                <a16:creationId xmlns:a16="http://schemas.microsoft.com/office/drawing/2014/main" id="{C213A650-9B26-9EF8-567F-6625DC76C4E0}"/>
+              </a:ext>
+            </a:extLst>
+          </p:cNvPr>
+          <p:cNvSpPr>
+            <a:spLocks noGrp="1"/>
+          </p:cNvSpPr>
+          <p:nvPr>
+            <p:ph sz="half" idx="2"/>
+          </p:nvPr>
+        </p:nvSpPr>
+        <p:spPr>
+          <a:xfrm>
+            <a:off x="6172200" y="1825625"/>
+            <a:ext cx="5181600" cy="4351338"/>
+          </a:xfrm>
+        </p:spPr>
+        <p:txBody>
+          <a:bodyPr/>
+          <a:lstStyle/>
+          <a:p>
+            <a:pPr lvl="0"/>
+            <a:r>
+              <a:rPr lang="en-US"/>
+              <a:t>Click to edit Master text styles</a:t>
+            </a:r>
+          </a:p>
+          <a:p>
+            <a:pPr lvl="1"/>
+            <a:r>
+              <a:rPr lang="en-US"/>
+              <a:t>Second level</a:t>
+            </a:r>
+          </a:p>
+          <a:p>
+            <a:pPr lvl="2"/>
+            <a:r>
+              <a:rPr lang="en-US"/>
+              <a:t>Third level</a:t>
+            </a:r>
+          </a:p>
+          <a:p>
+            <a:pPr lvl="3"/>
+            <a:r>
+              <a:rPr lang="en-US"/>
+              <a:t>Fourth level</a:t>
+            </a:r>
+          </a:p>
+          <a:p>
+            <a:pPr lvl="4"/>
+            <a:r>
+              <a:rPr lang="en-US"/>
+              <a:t>Fifth level</a:t>
+            </a:r>
+            <a:endParaRPr lang="en-NZ"/>
+          </a:p>
+        </p:txBody>
+      </p:sp>
+      <p:sp>
+        <p:nvSpPr>
+          <p:cNvPr id="5" name="Date Placeholder 4">
+            <a:extLst>
+              <a:ext uri="{FF2B5EF4-FFF2-40B4-BE49-F238E27FC236}">
+                <a16:creationId xmlns:a16="http://schemas.microsoft.com/office/drawing/2014/main" id="{F3BBD428-29B2-9D62-7460-9765DB75F928}"/>
+              </a:ext>
+            </a:extLst>
+          </p:cNvPr>
+          <p:cNvSpPr>
+            <a:spLocks noGrp="1"/>
+          </p:cNvSpPr>
+          <p:nvPr>
+            <p:ph type="dt" sz="half" idx="10"/>
+          </p:nvPr>
+        </p:nvSpPr>
+        <p:spPr/>
+        <p:txBody>
+          <a:bodyPr/>
+          <a:lstStyle/>
+          <a:p>
+            <a:fld id="{B5DA846C-8D30-441A-B1E0-B376C61F31D1}" type="datetimeFigureOut">
+              <a:rPr lang="en-NZ" smtClean="0"/>
+              <a:t>13/03/2025</a:t>
+            </a:fld>
+            <a:endParaRPr lang="en-NZ"/>
+          </a:p>
+        </p:txBody>
+      </p:sp>
+      <p:sp>
+        <p:nvSpPr>
+          <p:cNvPr id="6" name="Footer Placeholder 5">
+            <a:extLst>
+              <a:ext uri="{FF2B5EF4-FFF2-40B4-BE49-F238E27FC236}">
+                <a16:creationId xmlns:a16="http://schemas.microsoft.com/office/drawing/2014/main" id="{AAF9CA9F-8C27-A390-53AE-B66084E856D3}"/>
+              </a:ext>
+            </a:extLst>
+          </p:cNvPr>
+          <p:cNvSpPr>
+            <a:spLocks noGrp="1"/>
+          </p:cNvSpPr>
+          <p:nvPr>
+            <p:ph type="ftr" sz="quarter" idx="11"/>
+          </p:nvPr>
+        </p:nvSpPr>
+        <p:spPr/>
+        <p:txBody>
+          <a:bodyPr/>
+          <a:lstStyle/>
+          <a:p>
+            <a:endParaRPr lang="en-NZ"/>
+          </a:p>
+        </p:txBody>
+      </p:sp>
+      <p:sp>
+        <p:nvSpPr>
+          <p:cNvPr id="7" name="Slide Number Placeholder 6">
+            <a:extLst>
+              <a:ext uri="{FF2B5EF4-FFF2-40B4-BE49-F238E27FC236}">
+                <a16:creationId xmlns:a16="http://schemas.microsoft.com/office/drawing/2014/main" id="{F729CD7F-8392-4548-94EF-E7AB5109A8C7}"/>
+              </a:ext>
+            </a:extLst>
+          </p:cNvPr>
+          <p:cNvSpPr>
+            <a:spLocks noGrp="1"/>
+          </p:cNvSpPr>
+          <p:nvPr>
+            <p:ph type="sldNum" sz="quarter" idx="12"/>
+          </p:nvPr>
+        </p:nvSpPr>
+        <p:spPr/>
+        <p:txBody>
+          <a:bodyPr/>
+          <a:lstStyle/>
+          <a:p>
+            <a:fld id="{10DE6AEF-D18C-4201-96D8-0790C0DC0E09}" type="slidenum">
+              <a:rPr lang="en-NZ" smtClean="0"/>
+              <a:t>‹#›</a:t>
+            </a:fld>
+            <a:endParaRPr lang="en-NZ"/>
+          </a:p>
+        </p:txBody>
+      </p:sp>
+    </p:spTree>
+    <p:extLst>
+      <p:ext uri="{BB962C8B-B14F-4D97-AF65-F5344CB8AC3E}">
+        <p14:creationId xmlns:p14="http://schemas.microsoft.com/office/powerpoint/2010/main" val="3505908973"/>
+      </p:ext>
+    </p:extLst>
+  </p:cSld>
+  <p:clrMapOvr>
+    <a:masterClrMapping/>
+  </p:clrMapOvr>
+</p:sldLayout>
+</file>
+
+<file path=ppt/slideLayouts/slideLayout16.xml><?xml version="1.0" encoding="utf-8"?>
+<p:sldLayout xmlns:a="http://schemas.openxmlformats.org/drawingml/2006/main" xmlns:r="http://schemas.openxmlformats.org/officeDocument/2006/relationships" xmlns:p="http://schemas.openxmlformats.org/presentationml/2006/main" type="twoTxTwoObj" preserve="1">
+  <p:cSld name="Comparison">
+    <p:spTree>
+      <p:nvGrpSpPr>
+        <p:cNvPr id="1" name=""/>
+        <p:cNvGrpSpPr/>
+        <p:nvPr/>
+      </p:nvGrpSpPr>
+      <p:grpSpPr>
+        <a:xfrm>
+          <a:off x="0" y="0"/>
+          <a:ext cx="0" cy="0"/>
+          <a:chOff x="0" y="0"/>
+          <a:chExt cx="0" cy="0"/>
+        </a:xfrm>
+      </p:grpSpPr>
+      <p:sp>
+        <p:nvSpPr>
+          <p:cNvPr id="2" name="Title 1">
+            <a:extLst>
+              <a:ext uri="{FF2B5EF4-FFF2-40B4-BE49-F238E27FC236}">
+                <a16:creationId xmlns:a16="http://schemas.microsoft.com/office/drawing/2014/main" id="{FC507563-FAA1-D13B-42AF-D37738AF47D6}"/>
+              </a:ext>
+            </a:extLst>
+          </p:cNvPr>
+          <p:cNvSpPr>
+            <a:spLocks noGrp="1"/>
+          </p:cNvSpPr>
+          <p:nvPr>
+            <p:ph type="title"/>
+          </p:nvPr>
+        </p:nvSpPr>
+        <p:spPr>
+          <a:xfrm>
+            <a:off x="839788" y="365125"/>
+            <a:ext cx="10515600" cy="1325563"/>
+          </a:xfrm>
+        </p:spPr>
+        <p:txBody>
+          <a:bodyPr/>
+          <a:lstStyle/>
+          <a:p>
+            <a:r>
+              <a:rPr lang="en-US"/>
+              <a:t>Click to edit Master title style</a:t>
+            </a:r>
+            <a:endParaRPr lang="en-NZ"/>
+          </a:p>
+        </p:txBody>
+      </p:sp>
+      <p:sp>
+        <p:nvSpPr>
+          <p:cNvPr id="3" name="Text Placeholder 2">
+            <a:extLst>
+              <a:ext uri="{FF2B5EF4-FFF2-40B4-BE49-F238E27FC236}">
+                <a16:creationId xmlns:a16="http://schemas.microsoft.com/office/drawing/2014/main" id="{4D2C7E38-C6A4-6648-3C5A-B01BBF61D1DE}"/>
+              </a:ext>
+            </a:extLst>
+          </p:cNvPr>
+          <p:cNvSpPr>
+            <a:spLocks noGrp="1"/>
+          </p:cNvSpPr>
+          <p:nvPr>
+            <p:ph type="body" idx="1"/>
+          </p:nvPr>
+        </p:nvSpPr>
+        <p:spPr>
+          <a:xfrm>
+            <a:off x="839788" y="1681163"/>
+            <a:ext cx="5157787" cy="823912"/>
+          </a:xfrm>
+        </p:spPr>
+        <p:txBody>
+          <a:bodyPr anchor="b"/>
+          <a:lstStyle>
+            <a:lvl1pPr marL="0" indent="0">
+              <a:buNone/>
+              <a:defRPr sz="2400" b="1"/>
+            </a:lvl1pPr>
+            <a:lvl2pPr marL="457200" indent="0">
+              <a:buNone/>
+              <a:defRPr sz="2000" b="1"/>
+            </a:lvl2pPr>
+            <a:lvl3pPr marL="914400" indent="0">
+              <a:buNone/>
+              <a:defRPr sz="1800" b="1"/>
+            </a:lvl3pPr>
+            <a:lvl4pPr marL="1371600" indent="0">
+              <a:buNone/>
+              <a:defRPr sz="1600" b="1"/>
+            </a:lvl4pPr>
+            <a:lvl5pPr marL="1828800" indent="0">
+              <a:buNone/>
+              <a:defRPr sz="1600" b="1"/>
+            </a:lvl5pPr>
+            <a:lvl6pPr marL="2286000" indent="0">
+              <a:buNone/>
+              <a:defRPr sz="1600" b="1"/>
+            </a:lvl6pPr>
+            <a:lvl7pPr marL="2743200" indent="0">
+              <a:buNone/>
+              <a:defRPr sz="1600" b="1"/>
+            </a:lvl7pPr>
+            <a:lvl8pPr marL="3200400" indent="0">
+              <a:buNone/>
+              <a:defRPr sz="1600" b="1"/>
+            </a:lvl8pPr>
+            <a:lvl9pPr marL="3657600" indent="0">
+              <a:buNone/>
+              <a:defRPr sz="1600" b="1"/>
+            </a:lvl9pPr>
+          </a:lstStyle>
+          <a:p>
+            <a:pPr lvl="0"/>
+            <a:r>
+              <a:rPr lang="en-US"/>
+              <a:t>Click to edit Master text styles</a:t>
+            </a:r>
+          </a:p>
+        </p:txBody>
+      </p:sp>
+      <p:sp>
+        <p:nvSpPr>
+          <p:cNvPr id="4" name="Content Placeholder 3">
+            <a:extLst>
+              <a:ext uri="{FF2B5EF4-FFF2-40B4-BE49-F238E27FC236}">
+                <a16:creationId xmlns:a16="http://schemas.microsoft.com/office/drawing/2014/main" id="{08109CEA-BC20-6833-78F5-4136B1962C14}"/>
+              </a:ext>
+            </a:extLst>
+          </p:cNvPr>
+          <p:cNvSpPr>
+            <a:spLocks noGrp="1"/>
+          </p:cNvSpPr>
+          <p:nvPr>
+            <p:ph sz="half" idx="2"/>
+          </p:nvPr>
+        </p:nvSpPr>
+        <p:spPr>
+          <a:xfrm>
+            <a:off x="839788" y="2505075"/>
+            <a:ext cx="5157787" cy="3684588"/>
+          </a:xfrm>
+        </p:spPr>
+        <p:txBody>
+          <a:bodyPr/>
+          <a:lstStyle/>
+          <a:p>
+            <a:pPr lvl="0"/>
+            <a:r>
+              <a:rPr lang="en-US"/>
+              <a:t>Click to edit Master text styles</a:t>
+            </a:r>
+          </a:p>
+          <a:p>
+            <a:pPr lvl="1"/>
+            <a:r>
+              <a:rPr lang="en-US"/>
+              <a:t>Second level</a:t>
+            </a:r>
+          </a:p>
+          <a:p>
+            <a:pPr lvl="2"/>
+            <a:r>
+              <a:rPr lang="en-US"/>
+              <a:t>Third level</a:t>
+            </a:r>
+          </a:p>
+          <a:p>
+            <a:pPr lvl="3"/>
+            <a:r>
+              <a:rPr lang="en-US"/>
+              <a:t>Fourth level</a:t>
+            </a:r>
+          </a:p>
+          <a:p>
+            <a:pPr lvl="4"/>
+            <a:r>
+              <a:rPr lang="en-US"/>
+              <a:t>Fifth level</a:t>
+            </a:r>
+            <a:endParaRPr lang="en-NZ"/>
+          </a:p>
+        </p:txBody>
+      </p:sp>
+      <p:sp>
+        <p:nvSpPr>
+          <p:cNvPr id="5" name="Text Placeholder 4">
+            <a:extLst>
+              <a:ext uri="{FF2B5EF4-FFF2-40B4-BE49-F238E27FC236}">
+                <a16:creationId xmlns:a16="http://schemas.microsoft.com/office/drawing/2014/main" id="{D14E0B0C-8B5B-CE5B-F9E0-1E77023DEB6B}"/>
+              </a:ext>
+            </a:extLst>
+          </p:cNvPr>
+          <p:cNvSpPr>
+            <a:spLocks noGrp="1"/>
+          </p:cNvSpPr>
+          <p:nvPr>
+            <p:ph type="body" sz="quarter" idx="3"/>
+          </p:nvPr>
+        </p:nvSpPr>
+        <p:spPr>
+          <a:xfrm>
+            <a:off x="6172200" y="1681163"/>
+            <a:ext cx="5183188" cy="823912"/>
+          </a:xfrm>
+        </p:spPr>
+        <p:txBody>
+          <a:bodyPr anchor="b"/>
+          <a:lstStyle>
+            <a:lvl1pPr marL="0" indent="0">
+              <a:buNone/>
+              <a:defRPr sz="2400" b="1"/>
+            </a:lvl1pPr>
+            <a:lvl2pPr marL="457200" indent="0">
+              <a:buNone/>
+              <a:defRPr sz="2000" b="1"/>
+            </a:lvl2pPr>
+            <a:lvl3pPr marL="914400" indent="0">
+              <a:buNone/>
+              <a:defRPr sz="1800" b="1"/>
+            </a:lvl3pPr>
+            <a:lvl4pPr marL="1371600" indent="0">
+              <a:buNone/>
+              <a:defRPr sz="1600" b="1"/>
+            </a:lvl4pPr>
+            <a:lvl5pPr marL="1828800" indent="0">
+              <a:buNone/>
+              <a:defRPr sz="1600" b="1"/>
+            </a:lvl5pPr>
+            <a:lvl6pPr marL="2286000" indent="0">
+              <a:buNone/>
+              <a:defRPr sz="1600" b="1"/>
+            </a:lvl6pPr>
+            <a:lvl7pPr marL="2743200" indent="0">
+              <a:buNone/>
+              <a:defRPr sz="1600" b="1"/>
+            </a:lvl7pPr>
+            <a:lvl8pPr marL="3200400" indent="0">
+              <a:buNone/>
+              <a:defRPr sz="1600" b="1"/>
+            </a:lvl8pPr>
+            <a:lvl9pPr marL="3657600" indent="0">
+              <a:buNone/>
+              <a:defRPr sz="1600" b="1"/>
+            </a:lvl9pPr>
+          </a:lstStyle>
+          <a:p>
+            <a:pPr lvl="0"/>
+            <a:r>
+              <a:rPr lang="en-US"/>
+              <a:t>Click to edit Master text styles</a:t>
+            </a:r>
+          </a:p>
+        </p:txBody>
+      </p:sp>
+      <p:sp>
+        <p:nvSpPr>
+          <p:cNvPr id="6" name="Content Placeholder 5">
+            <a:extLst>
+              <a:ext uri="{FF2B5EF4-FFF2-40B4-BE49-F238E27FC236}">
+                <a16:creationId xmlns:a16="http://schemas.microsoft.com/office/drawing/2014/main" id="{2D1322E7-EE53-B8AC-6B8D-491E5C0A806B}"/>
+              </a:ext>
+            </a:extLst>
+          </p:cNvPr>
+          <p:cNvSpPr>
+            <a:spLocks noGrp="1"/>
+          </p:cNvSpPr>
+          <p:nvPr>
+            <p:ph sz="quarter" idx="4"/>
+          </p:nvPr>
+        </p:nvSpPr>
+        <p:spPr>
+          <a:xfrm>
+            <a:off x="6172200" y="2505075"/>
+            <a:ext cx="5183188" cy="3684588"/>
+          </a:xfrm>
+        </p:spPr>
+        <p:txBody>
+          <a:bodyPr/>
+          <a:lstStyle/>
+          <a:p>
+            <a:pPr lvl="0"/>
+            <a:r>
+              <a:rPr lang="en-US"/>
+              <a:t>Click to edit Master text styles</a:t>
+            </a:r>
+          </a:p>
+          <a:p>
+            <a:pPr lvl="1"/>
+            <a:r>
+              <a:rPr lang="en-US"/>
+              <a:t>Second level</a:t>
+            </a:r>
+          </a:p>
+          <a:p>
+            <a:pPr lvl="2"/>
+            <a:r>
+              <a:rPr lang="en-US"/>
+              <a:t>Third level</a:t>
+            </a:r>
+          </a:p>
+          <a:p>
+            <a:pPr lvl="3"/>
+            <a:r>
+              <a:rPr lang="en-US"/>
+              <a:t>Fourth level</a:t>
+            </a:r>
+          </a:p>
+          <a:p>
+            <a:pPr lvl="4"/>
+            <a:r>
+              <a:rPr lang="en-US"/>
+              <a:t>Fifth level</a:t>
+            </a:r>
+            <a:endParaRPr lang="en-NZ"/>
+          </a:p>
+        </p:txBody>
+      </p:sp>
+      <p:sp>
+        <p:nvSpPr>
+          <p:cNvPr id="7" name="Date Placeholder 6">
+            <a:extLst>
+              <a:ext uri="{FF2B5EF4-FFF2-40B4-BE49-F238E27FC236}">
+                <a16:creationId xmlns:a16="http://schemas.microsoft.com/office/drawing/2014/main" id="{6CFEEB57-56B9-6A21-1C72-4C0879D4DD68}"/>
+              </a:ext>
+            </a:extLst>
+          </p:cNvPr>
+          <p:cNvSpPr>
+            <a:spLocks noGrp="1"/>
+          </p:cNvSpPr>
+          <p:nvPr>
+            <p:ph type="dt" sz="half" idx="10"/>
+          </p:nvPr>
+        </p:nvSpPr>
+        <p:spPr/>
+        <p:txBody>
+          <a:bodyPr/>
+          <a:lstStyle/>
+          <a:p>
+            <a:fld id="{B5DA846C-8D30-441A-B1E0-B376C61F31D1}" type="datetimeFigureOut">
+              <a:rPr lang="en-NZ" smtClean="0"/>
+              <a:t>13/03/2025</a:t>
+            </a:fld>
+            <a:endParaRPr lang="en-NZ"/>
+          </a:p>
+        </p:txBody>
+      </p:sp>
+      <p:sp>
+        <p:nvSpPr>
+          <p:cNvPr id="8" name="Footer Placeholder 7">
+            <a:extLst>
+              <a:ext uri="{FF2B5EF4-FFF2-40B4-BE49-F238E27FC236}">
+                <a16:creationId xmlns:a16="http://schemas.microsoft.com/office/drawing/2014/main" id="{D533D1CA-4597-D85F-7E57-01C0E1C70407}"/>
+              </a:ext>
+            </a:extLst>
+          </p:cNvPr>
+          <p:cNvSpPr>
+            <a:spLocks noGrp="1"/>
+          </p:cNvSpPr>
+          <p:nvPr>
+            <p:ph type="ftr" sz="quarter" idx="11"/>
+          </p:nvPr>
+        </p:nvSpPr>
+        <p:spPr/>
+        <p:txBody>
+          <a:bodyPr/>
+          <a:lstStyle/>
+          <a:p>
+            <a:endParaRPr lang="en-NZ"/>
+          </a:p>
+        </p:txBody>
+      </p:sp>
+      <p:sp>
+        <p:nvSpPr>
+          <p:cNvPr id="9" name="Slide Number Placeholder 8">
+            <a:extLst>
+              <a:ext uri="{FF2B5EF4-FFF2-40B4-BE49-F238E27FC236}">
+                <a16:creationId xmlns:a16="http://schemas.microsoft.com/office/drawing/2014/main" id="{227110B5-BF60-7FDD-97CC-35E5897E02B0}"/>
+              </a:ext>
+            </a:extLst>
+          </p:cNvPr>
+          <p:cNvSpPr>
+            <a:spLocks noGrp="1"/>
+          </p:cNvSpPr>
+          <p:nvPr>
+            <p:ph type="sldNum" sz="quarter" idx="12"/>
+          </p:nvPr>
+        </p:nvSpPr>
+        <p:spPr/>
+        <p:txBody>
+          <a:bodyPr/>
+          <a:lstStyle/>
+          <a:p>
+            <a:fld id="{10DE6AEF-D18C-4201-96D8-0790C0DC0E09}" type="slidenum">
+              <a:rPr lang="en-NZ" smtClean="0"/>
+              <a:t>‹#›</a:t>
+            </a:fld>
+            <a:endParaRPr lang="en-NZ"/>
+          </a:p>
+        </p:txBody>
+      </p:sp>
+    </p:spTree>
+    <p:extLst>
+      <p:ext uri="{BB962C8B-B14F-4D97-AF65-F5344CB8AC3E}">
+        <p14:creationId xmlns:p14="http://schemas.microsoft.com/office/powerpoint/2010/main" val="428925888"/>
+      </p:ext>
+    </p:extLst>
+  </p:cSld>
+  <p:clrMapOvr>
+    <a:masterClrMapping/>
+  </p:clrMapOvr>
+</p:sldLayout>
+</file>
+
+<file path=ppt/slideLayouts/slideLayout17.xml><?xml version="1.0" encoding="utf-8"?>
+<p:sldLayout xmlns:a="http://schemas.openxmlformats.org/drawingml/2006/main" xmlns:r="http://schemas.openxmlformats.org/officeDocument/2006/relationships" xmlns:p="http://schemas.openxmlformats.org/presentationml/2006/main" type="titleOnly" preserve="1">
+  <p:cSld name="Title Only">
+    <p:spTree>
+      <p:nvGrpSpPr>
+        <p:cNvPr id="1" name=""/>
+        <p:cNvGrpSpPr/>
+        <p:nvPr/>
+      </p:nvGrpSpPr>
+      <p:grpSpPr>
+        <a:xfrm>
+          <a:off x="0" y="0"/>
+          <a:ext cx="0" cy="0"/>
+          <a:chOff x="0" y="0"/>
+          <a:chExt cx="0" cy="0"/>
+        </a:xfrm>
+      </p:grpSpPr>
+      <p:sp>
+        <p:nvSpPr>
+          <p:cNvPr id="2" name="Title 1">
+            <a:extLst>
+              <a:ext uri="{FF2B5EF4-FFF2-40B4-BE49-F238E27FC236}">
+                <a16:creationId xmlns:a16="http://schemas.microsoft.com/office/drawing/2014/main" id="{5233D6ED-C5CF-FE30-6E66-678D7F4C45F4}"/>
+              </a:ext>
+            </a:extLst>
+          </p:cNvPr>
+          <p:cNvSpPr>
+            <a:spLocks noGrp="1"/>
+          </p:cNvSpPr>
+          <p:nvPr>
+            <p:ph type="title"/>
+          </p:nvPr>
+        </p:nvSpPr>
+        <p:spPr/>
+        <p:txBody>
+          <a:bodyPr/>
+          <a:lstStyle/>
+          <a:p>
+            <a:r>
+              <a:rPr lang="en-US"/>
+              <a:t>Click to edit Master title style</a:t>
+            </a:r>
+            <a:endParaRPr lang="en-NZ"/>
+          </a:p>
+        </p:txBody>
+      </p:sp>
+      <p:sp>
+        <p:nvSpPr>
+          <p:cNvPr id="3" name="Date Placeholder 2">
+            <a:extLst>
+              <a:ext uri="{FF2B5EF4-FFF2-40B4-BE49-F238E27FC236}">
+                <a16:creationId xmlns:a16="http://schemas.microsoft.com/office/drawing/2014/main" id="{3D6D7DA0-B489-327B-16A3-1C92788B8DE8}"/>
+              </a:ext>
+            </a:extLst>
+          </p:cNvPr>
+          <p:cNvSpPr>
+            <a:spLocks noGrp="1"/>
+          </p:cNvSpPr>
+          <p:nvPr>
+            <p:ph type="dt" sz="half" idx="10"/>
+          </p:nvPr>
+        </p:nvSpPr>
+        <p:spPr/>
+        <p:txBody>
+          <a:bodyPr/>
+          <a:lstStyle/>
+          <a:p>
+            <a:fld id="{B5DA846C-8D30-441A-B1E0-B376C61F31D1}" type="datetimeFigureOut">
+              <a:rPr lang="en-NZ" smtClean="0"/>
+              <a:t>13/03/2025</a:t>
+            </a:fld>
+            <a:endParaRPr lang="en-NZ"/>
+          </a:p>
+        </p:txBody>
+      </p:sp>
+      <p:sp>
+        <p:nvSpPr>
+          <p:cNvPr id="4" name="Footer Placeholder 3">
+            <a:extLst>
+              <a:ext uri="{FF2B5EF4-FFF2-40B4-BE49-F238E27FC236}">
+                <a16:creationId xmlns:a16="http://schemas.microsoft.com/office/drawing/2014/main" id="{3FE4C5E1-BE14-368E-F446-CFD23CAB8DD2}"/>
+              </a:ext>
+            </a:extLst>
+          </p:cNvPr>
+          <p:cNvSpPr>
+            <a:spLocks noGrp="1"/>
+          </p:cNvSpPr>
+          <p:nvPr>
+            <p:ph type="ftr" sz="quarter" idx="11"/>
+          </p:nvPr>
+        </p:nvSpPr>
+        <p:spPr/>
+        <p:txBody>
+          <a:bodyPr/>
+          <a:lstStyle/>
+          <a:p>
+            <a:endParaRPr lang="en-NZ"/>
+          </a:p>
+        </p:txBody>
+      </p:sp>
+      <p:sp>
+        <p:nvSpPr>
+          <p:cNvPr id="5" name="Slide Number Placeholder 4">
+            <a:extLst>
+              <a:ext uri="{FF2B5EF4-FFF2-40B4-BE49-F238E27FC236}">
+                <a16:creationId xmlns:a16="http://schemas.microsoft.com/office/drawing/2014/main" id="{AE093C7C-3F87-A201-728B-C63238FB25AC}"/>
+              </a:ext>
+            </a:extLst>
+          </p:cNvPr>
+          <p:cNvSpPr>
+            <a:spLocks noGrp="1"/>
+          </p:cNvSpPr>
+          <p:nvPr>
+            <p:ph type="sldNum" sz="quarter" idx="12"/>
+          </p:nvPr>
+        </p:nvSpPr>
+        <p:spPr/>
+        <p:txBody>
+          <a:bodyPr/>
+          <a:lstStyle/>
+          <a:p>
+            <a:fld id="{10DE6AEF-D18C-4201-96D8-0790C0DC0E09}" type="slidenum">
+              <a:rPr lang="en-NZ" smtClean="0"/>
+              <a:t>‹#›</a:t>
+            </a:fld>
+            <a:endParaRPr lang="en-NZ"/>
+          </a:p>
+        </p:txBody>
+      </p:sp>
+    </p:spTree>
+    <p:extLst>
+      <p:ext uri="{BB962C8B-B14F-4D97-AF65-F5344CB8AC3E}">
+        <p14:creationId xmlns:p14="http://schemas.microsoft.com/office/powerpoint/2010/main" val="3197348422"/>
+      </p:ext>
+    </p:extLst>
+  </p:cSld>
+  <p:clrMapOvr>
+    <a:masterClrMapping/>
+  </p:clrMapOvr>
+</p:sldLayout>
+</file>
+
+<file path=ppt/slideLayouts/slideLayout18.xml><?xml version="1.0" encoding="utf-8"?>
+<p:sldLayout xmlns:a="http://schemas.openxmlformats.org/drawingml/2006/main" xmlns:r="http://schemas.openxmlformats.org/officeDocument/2006/relationships" xmlns:p="http://schemas.openxmlformats.org/presentationml/2006/main" type="blank" preserve="1">
+  <p:cSld name="Blank">
+    <p:spTree>
+      <p:nvGrpSpPr>
+        <p:cNvPr id="1" name=""/>
+        <p:cNvGrpSpPr/>
+        <p:nvPr/>
+      </p:nvGrpSpPr>
+      <p:grpSpPr>
+        <a:xfrm>
+          <a:off x="0" y="0"/>
+          <a:ext cx="0" cy="0"/>
+          <a:chOff x="0" y="0"/>
+          <a:chExt cx="0" cy="0"/>
+        </a:xfrm>
+      </p:grpSpPr>
+      <p:sp>
+        <p:nvSpPr>
+          <p:cNvPr id="2" name="Date Placeholder 1">
+            <a:extLst>
+              <a:ext uri="{FF2B5EF4-FFF2-40B4-BE49-F238E27FC236}">
+                <a16:creationId xmlns:a16="http://schemas.microsoft.com/office/drawing/2014/main" id="{C1CE3D2F-2538-C900-DB14-E3F964D771C2}"/>
+              </a:ext>
+            </a:extLst>
+          </p:cNvPr>
+          <p:cNvSpPr>
+            <a:spLocks noGrp="1"/>
+          </p:cNvSpPr>
+          <p:nvPr>
+            <p:ph type="dt" sz="half" idx="10"/>
+          </p:nvPr>
+        </p:nvSpPr>
+        <p:spPr/>
+        <p:txBody>
+          <a:bodyPr/>
+          <a:lstStyle/>
+          <a:p>
+            <a:fld id="{B5DA846C-8D30-441A-B1E0-B376C61F31D1}" type="datetimeFigureOut">
+              <a:rPr lang="en-NZ" smtClean="0"/>
+              <a:t>13/03/2025</a:t>
+            </a:fld>
+            <a:endParaRPr lang="en-NZ"/>
+          </a:p>
+        </p:txBody>
+      </p:sp>
+      <p:sp>
+        <p:nvSpPr>
+          <p:cNvPr id="3" name="Footer Placeholder 2">
+            <a:extLst>
+              <a:ext uri="{FF2B5EF4-FFF2-40B4-BE49-F238E27FC236}">
+                <a16:creationId xmlns:a16="http://schemas.microsoft.com/office/drawing/2014/main" id="{BE1FEAD0-C2CA-CA67-EB4E-CCDDAD4B5C86}"/>
+              </a:ext>
+            </a:extLst>
+          </p:cNvPr>
+          <p:cNvSpPr>
+            <a:spLocks noGrp="1"/>
+          </p:cNvSpPr>
+          <p:nvPr>
+            <p:ph type="ftr" sz="quarter" idx="11"/>
+          </p:nvPr>
+        </p:nvSpPr>
+        <p:spPr/>
+        <p:txBody>
+          <a:bodyPr/>
+          <a:lstStyle/>
+          <a:p>
+            <a:endParaRPr lang="en-NZ"/>
+          </a:p>
+        </p:txBody>
+      </p:sp>
+      <p:sp>
+        <p:nvSpPr>
+          <p:cNvPr id="4" name="Slide Number Placeholder 3">
+            <a:extLst>
+              <a:ext uri="{FF2B5EF4-FFF2-40B4-BE49-F238E27FC236}">
+                <a16:creationId xmlns:a16="http://schemas.microsoft.com/office/drawing/2014/main" id="{A701BC2D-3E4C-BA8D-BB95-543E2DFB80F1}"/>
+              </a:ext>
+            </a:extLst>
+          </p:cNvPr>
+          <p:cNvSpPr>
+            <a:spLocks noGrp="1"/>
+          </p:cNvSpPr>
+          <p:nvPr>
+            <p:ph type="sldNum" sz="quarter" idx="12"/>
+          </p:nvPr>
+        </p:nvSpPr>
+        <p:spPr/>
+        <p:txBody>
+          <a:bodyPr/>
+          <a:lstStyle/>
+          <a:p>
+            <a:fld id="{10DE6AEF-D18C-4201-96D8-0790C0DC0E09}" type="slidenum">
+              <a:rPr lang="en-NZ" smtClean="0"/>
+              <a:t>‹#›</a:t>
+            </a:fld>
+            <a:endParaRPr lang="en-NZ"/>
+          </a:p>
+        </p:txBody>
+      </p:sp>
+    </p:spTree>
+    <p:extLst>
+      <p:ext uri="{BB962C8B-B14F-4D97-AF65-F5344CB8AC3E}">
+        <p14:creationId xmlns:p14="http://schemas.microsoft.com/office/powerpoint/2010/main" val="2380004265"/>
+      </p:ext>
+    </p:extLst>
+  </p:cSld>
+  <p:clrMapOvr>
+    <a:masterClrMapping/>
+  </p:clrMapOvr>
+</p:sldLayout>
+</file>
+
+<file path=ppt/slideLayouts/slideLayout19.xml><?xml version="1.0" encoding="utf-8"?>
+<p:sldLayout xmlns:a="http://schemas.openxmlformats.org/drawingml/2006/main" xmlns:r="http://schemas.openxmlformats.org/officeDocument/2006/relationships" xmlns:p="http://schemas.openxmlformats.org/presentationml/2006/main" type="objTx" preserve="1">
+  <p:cSld name="Content with Caption">
+    <p:spTree>
+      <p:nvGrpSpPr>
+        <p:cNvPr id="1" name=""/>
+        <p:cNvGrpSpPr/>
+        <p:nvPr/>
+      </p:nvGrpSpPr>
+      <p:grpSpPr>
+        <a:xfrm>
+          <a:off x="0" y="0"/>
+          <a:ext cx="0" cy="0"/>
+          <a:chOff x="0" y="0"/>
+          <a:chExt cx="0" cy="0"/>
+        </a:xfrm>
+      </p:grpSpPr>
+      <p:sp>
+        <p:nvSpPr>
+          <p:cNvPr id="2" name="Title 1">
+            <a:extLst>
+              <a:ext uri="{FF2B5EF4-FFF2-40B4-BE49-F238E27FC236}">
+                <a16:creationId xmlns:a16="http://schemas.microsoft.com/office/drawing/2014/main" id="{1500F9EA-B10F-C5DF-68D1-FE7A08668D60}"/>
+              </a:ext>
+            </a:extLst>
+          </p:cNvPr>
+          <p:cNvSpPr>
+            <a:spLocks noGrp="1"/>
+          </p:cNvSpPr>
+          <p:nvPr>
+            <p:ph type="title"/>
+          </p:nvPr>
+        </p:nvSpPr>
+        <p:spPr>
+          <a:xfrm>
+            <a:off x="839788" y="457200"/>
+            <a:ext cx="3932237" cy="1600200"/>
+          </a:xfrm>
+        </p:spPr>
+        <p:txBody>
+          <a:bodyPr anchor="b"/>
+          <a:lstStyle>
+            <a:lvl1pPr>
+              <a:defRPr sz="3200"/>
+            </a:lvl1pPr>
+          </a:lstStyle>
+          <a:p>
+            <a:r>
+              <a:rPr lang="en-US"/>
+              <a:t>Click to edit Master title style</a:t>
+            </a:r>
+            <a:endParaRPr lang="en-NZ"/>
+          </a:p>
+        </p:txBody>
+      </p:sp>
+      <p:sp>
+        <p:nvSpPr>
+          <p:cNvPr id="3" name="Content Placeholder 2">
+            <a:extLst>
+              <a:ext uri="{FF2B5EF4-FFF2-40B4-BE49-F238E27FC236}">
+                <a16:creationId xmlns:a16="http://schemas.microsoft.com/office/drawing/2014/main" id="{3042FAF6-D6B9-F32E-1B39-DBBEEFFD2EC4}"/>
+              </a:ext>
+            </a:extLst>
+          </p:cNvPr>
+          <p:cNvSpPr>
+            <a:spLocks noGrp="1"/>
+          </p:cNvSpPr>
+          <p:nvPr>
+            <p:ph idx="1"/>
+          </p:nvPr>
+        </p:nvSpPr>
+        <p:spPr>
+          <a:xfrm>
+            <a:off x="5183188" y="987425"/>
+            <a:ext cx="6172200" cy="4873625"/>
+          </a:xfrm>
+        </p:spPr>
+        <p:txBody>
+          <a:bodyPr/>
+          <a:lstStyle>
+            <a:lvl1pPr>
+              <a:defRPr sz="3200"/>
+            </a:lvl1pPr>
+            <a:lvl2pPr>
+              <a:defRPr sz="2800"/>
+            </a:lvl2pPr>
+            <a:lvl3pPr>
+              <a:defRPr sz="2400"/>
+            </a:lvl3pPr>
+            <a:lvl4pPr>
+              <a:defRPr sz="2000"/>
+            </a:lvl4pPr>
+            <a:lvl5pPr>
+              <a:defRPr sz="2000"/>
+            </a:lvl5pPr>
+            <a:lvl6pPr>
+              <a:defRPr sz="2000"/>
+            </a:lvl6pPr>
+            <a:lvl7pPr>
+              <a:defRPr sz="2000"/>
+            </a:lvl7pPr>
+            <a:lvl8pPr>
+              <a:defRPr sz="2000"/>
+            </a:lvl8pPr>
+            <a:lvl9pPr>
+              <a:defRPr sz="2000"/>
+            </a:lvl9pPr>
+          </a:lstStyle>
+          <a:p>
+            <a:pPr lvl="0"/>
+            <a:r>
+              <a:rPr lang="en-US"/>
+              <a:t>Click to edit Master text styles</a:t>
+            </a:r>
+          </a:p>
+          <a:p>
+            <a:pPr lvl="1"/>
+            <a:r>
+              <a:rPr lang="en-US"/>
+              <a:t>Second level</a:t>
+            </a:r>
+          </a:p>
+          <a:p>
+            <a:pPr lvl="2"/>
+            <a:r>
+              <a:rPr lang="en-US"/>
+              <a:t>Third level</a:t>
+            </a:r>
+          </a:p>
+          <a:p>
+            <a:pPr lvl="3"/>
+            <a:r>
+              <a:rPr lang="en-US"/>
+              <a:t>Fourth level</a:t>
+            </a:r>
+          </a:p>
+          <a:p>
+            <a:pPr lvl="4"/>
+            <a:r>
+              <a:rPr lang="en-US"/>
+              <a:t>Fifth level</a:t>
+            </a:r>
+            <a:endParaRPr lang="en-NZ"/>
+          </a:p>
+        </p:txBody>
+      </p:sp>
+      <p:sp>
+        <p:nvSpPr>
+          <p:cNvPr id="4" name="Text Placeholder 3">
+            <a:extLst>
+              <a:ext uri="{FF2B5EF4-FFF2-40B4-BE49-F238E27FC236}">
+                <a16:creationId xmlns:a16="http://schemas.microsoft.com/office/drawing/2014/main" id="{D28608A2-CD5D-667B-7F3C-8D993AA36B91}"/>
+              </a:ext>
+            </a:extLst>
+          </p:cNvPr>
+          <p:cNvSpPr>
+            <a:spLocks noGrp="1"/>
+          </p:cNvSpPr>
+          <p:nvPr>
+            <p:ph type="body" sz="half" idx="2"/>
+          </p:nvPr>
+        </p:nvSpPr>
+        <p:spPr>
+          <a:xfrm>
+            <a:off x="839788" y="2057400"/>
+            <a:ext cx="3932237" cy="3811588"/>
+          </a:xfrm>
+        </p:spPr>
+        <p:txBody>
+          <a:bodyPr/>
+          <a:lstStyle>
+            <a:lvl1pPr marL="0" indent="0">
+              <a:buNone/>
+              <a:defRPr sz="1600"/>
+            </a:lvl1pPr>
+            <a:lvl2pPr marL="457200" indent="0">
+              <a:buNone/>
+              <a:defRPr sz="1400"/>
+            </a:lvl2pPr>
+            <a:lvl3pPr marL="914400" indent="0">
+              <a:buNone/>
+              <a:defRPr sz="1200"/>
+            </a:lvl3pPr>
+            <a:lvl4pPr marL="1371600" indent="0">
+              <a:buNone/>
+              <a:defRPr sz="1000"/>
+            </a:lvl4pPr>
+            <a:lvl5pPr marL="1828800" indent="0">
+              <a:buNone/>
+              <a:defRPr sz="1000"/>
+            </a:lvl5pPr>
+            <a:lvl6pPr marL="2286000" indent="0">
+              <a:buNone/>
+              <a:defRPr sz="1000"/>
+            </a:lvl6pPr>
+            <a:lvl7pPr marL="2743200" indent="0">
+              <a:buNone/>
+              <a:defRPr sz="1000"/>
+            </a:lvl7pPr>
+            <a:lvl8pPr marL="3200400" indent="0">
+              <a:buNone/>
+              <a:defRPr sz="1000"/>
+            </a:lvl8pPr>
+            <a:lvl9pPr marL="3657600" indent="0">
+              <a:buNone/>
+              <a:defRPr sz="1000"/>
+            </a:lvl9pPr>
+          </a:lstStyle>
+          <a:p>
+            <a:pPr lvl="0"/>
+            <a:r>
+              <a:rPr lang="en-US"/>
+              <a:t>Click to edit Master text styles</a:t>
+            </a:r>
+          </a:p>
+        </p:txBody>
+      </p:sp>
+      <p:sp>
+        <p:nvSpPr>
+          <p:cNvPr id="5" name="Date Placeholder 4">
+            <a:extLst>
+              <a:ext uri="{FF2B5EF4-FFF2-40B4-BE49-F238E27FC236}">
+                <a16:creationId xmlns:a16="http://schemas.microsoft.com/office/drawing/2014/main" id="{FB3B441A-A5E8-0D5D-1A85-DF8212FF13EA}"/>
+              </a:ext>
+            </a:extLst>
+          </p:cNvPr>
+          <p:cNvSpPr>
+            <a:spLocks noGrp="1"/>
+          </p:cNvSpPr>
+          <p:nvPr>
+            <p:ph type="dt" sz="half" idx="10"/>
+          </p:nvPr>
+        </p:nvSpPr>
+        <p:spPr/>
+        <p:txBody>
+          <a:bodyPr/>
+          <a:lstStyle/>
+          <a:p>
+            <a:fld id="{B5DA846C-8D30-441A-B1E0-B376C61F31D1}" type="datetimeFigureOut">
+              <a:rPr lang="en-NZ" smtClean="0"/>
+              <a:t>13/03/2025</a:t>
+            </a:fld>
+            <a:endParaRPr lang="en-NZ"/>
+          </a:p>
+        </p:txBody>
+      </p:sp>
+      <p:sp>
+        <p:nvSpPr>
+          <p:cNvPr id="6" name="Footer Placeholder 5">
+            <a:extLst>
+              <a:ext uri="{FF2B5EF4-FFF2-40B4-BE49-F238E27FC236}">
+                <a16:creationId xmlns:a16="http://schemas.microsoft.com/office/drawing/2014/main" id="{5C665687-F2BA-30D9-C254-AB7AAD222B4F}"/>
+              </a:ext>
+            </a:extLst>
+          </p:cNvPr>
+          <p:cNvSpPr>
+            <a:spLocks noGrp="1"/>
+          </p:cNvSpPr>
+          <p:nvPr>
+            <p:ph type="ftr" sz="quarter" idx="11"/>
+          </p:nvPr>
+        </p:nvSpPr>
+        <p:spPr/>
+        <p:txBody>
+          <a:bodyPr/>
+          <a:lstStyle/>
+          <a:p>
+            <a:endParaRPr lang="en-NZ"/>
+          </a:p>
+        </p:txBody>
+      </p:sp>
+      <p:sp>
+        <p:nvSpPr>
+          <p:cNvPr id="7" name="Slide Number Placeholder 6">
+            <a:extLst>
+              <a:ext uri="{FF2B5EF4-FFF2-40B4-BE49-F238E27FC236}">
+                <a16:creationId xmlns:a16="http://schemas.microsoft.com/office/drawing/2014/main" id="{8C03819C-94EA-00E6-F342-F745F2041721}"/>
+              </a:ext>
+            </a:extLst>
+          </p:cNvPr>
+          <p:cNvSpPr>
+            <a:spLocks noGrp="1"/>
+          </p:cNvSpPr>
+          <p:nvPr>
+            <p:ph type="sldNum" sz="quarter" idx="12"/>
+          </p:nvPr>
+        </p:nvSpPr>
+        <p:spPr/>
+        <p:txBody>
+          <a:bodyPr/>
+          <a:lstStyle/>
+          <a:p>
+            <a:fld id="{10DE6AEF-D18C-4201-96D8-0790C0DC0E09}" type="slidenum">
+              <a:rPr lang="en-NZ" smtClean="0"/>
+              <a:t>‹#›</a:t>
+            </a:fld>
+            <a:endParaRPr lang="en-NZ"/>
+          </a:p>
+        </p:txBody>
+      </p:sp>
+    </p:spTree>
+    <p:extLst>
+      <p:ext uri="{BB962C8B-B14F-4D97-AF65-F5344CB8AC3E}">
+        <p14:creationId xmlns:p14="http://schemas.microsoft.com/office/powerpoint/2010/main" val="268239003"/>
       </p:ext>
     </p:extLst>
   </p:cSld>
@@ -989,7 +2940,7 @@
           <a:p>
             <a:fld id="{36C3FE58-7E73-4F9D-B8E5-B7E1B043D37A}" type="datetimeFigureOut">
               <a:rPr lang="en-NZ" smtClean="0"/>
-              <a:t>16/12/2024</a:t>
+              <a:t>13/03/2025</a:t>
             </a:fld>
             <a:endParaRPr lang="en-NZ"/>
           </a:p>
@@ -1053,6 +3004,705 @@
     <p:extLst>
       <p:ext uri="{BB962C8B-B14F-4D97-AF65-F5344CB8AC3E}">
         <p14:creationId xmlns:p14="http://schemas.microsoft.com/office/powerpoint/2010/main" val="1635639363"/>
+      </p:ext>
+    </p:extLst>
+  </p:cSld>
+  <p:clrMapOvr>
+    <a:masterClrMapping/>
+  </p:clrMapOvr>
+</p:sldLayout>
+</file>
+
+<file path=ppt/slideLayouts/slideLayout20.xml><?xml version="1.0" encoding="utf-8"?>
+<p:sldLayout xmlns:a="http://schemas.openxmlformats.org/drawingml/2006/main" xmlns:r="http://schemas.openxmlformats.org/officeDocument/2006/relationships" xmlns:p="http://schemas.openxmlformats.org/presentationml/2006/main" type="picTx" preserve="1">
+  <p:cSld name="Picture with Caption">
+    <p:spTree>
+      <p:nvGrpSpPr>
+        <p:cNvPr id="1" name=""/>
+        <p:cNvGrpSpPr/>
+        <p:nvPr/>
+      </p:nvGrpSpPr>
+      <p:grpSpPr>
+        <a:xfrm>
+          <a:off x="0" y="0"/>
+          <a:ext cx="0" cy="0"/>
+          <a:chOff x="0" y="0"/>
+          <a:chExt cx="0" cy="0"/>
+        </a:xfrm>
+      </p:grpSpPr>
+      <p:sp>
+        <p:nvSpPr>
+          <p:cNvPr id="2" name="Title 1">
+            <a:extLst>
+              <a:ext uri="{FF2B5EF4-FFF2-40B4-BE49-F238E27FC236}">
+                <a16:creationId xmlns:a16="http://schemas.microsoft.com/office/drawing/2014/main" id="{064E28D4-B12D-534E-3C26-1BA5B1C2657C}"/>
+              </a:ext>
+            </a:extLst>
+          </p:cNvPr>
+          <p:cNvSpPr>
+            <a:spLocks noGrp="1"/>
+          </p:cNvSpPr>
+          <p:nvPr>
+            <p:ph type="title"/>
+          </p:nvPr>
+        </p:nvSpPr>
+        <p:spPr>
+          <a:xfrm>
+            <a:off x="839788" y="457200"/>
+            <a:ext cx="3932237" cy="1600200"/>
+          </a:xfrm>
+        </p:spPr>
+        <p:txBody>
+          <a:bodyPr anchor="b"/>
+          <a:lstStyle>
+            <a:lvl1pPr>
+              <a:defRPr sz="3200"/>
+            </a:lvl1pPr>
+          </a:lstStyle>
+          <a:p>
+            <a:r>
+              <a:rPr lang="en-US"/>
+              <a:t>Click to edit Master title style</a:t>
+            </a:r>
+            <a:endParaRPr lang="en-NZ"/>
+          </a:p>
+        </p:txBody>
+      </p:sp>
+      <p:sp>
+        <p:nvSpPr>
+          <p:cNvPr id="3" name="Picture Placeholder 2">
+            <a:extLst>
+              <a:ext uri="{FF2B5EF4-FFF2-40B4-BE49-F238E27FC236}">
+                <a16:creationId xmlns:a16="http://schemas.microsoft.com/office/drawing/2014/main" id="{44ADE419-A91B-0498-1617-1C8F4AE5D8B6}"/>
+              </a:ext>
+            </a:extLst>
+          </p:cNvPr>
+          <p:cNvSpPr>
+            <a:spLocks noGrp="1"/>
+          </p:cNvSpPr>
+          <p:nvPr>
+            <p:ph type="pic" idx="1"/>
+          </p:nvPr>
+        </p:nvSpPr>
+        <p:spPr>
+          <a:xfrm>
+            <a:off x="5183188" y="987425"/>
+            <a:ext cx="6172200" cy="4873625"/>
+          </a:xfrm>
+        </p:spPr>
+        <p:txBody>
+          <a:bodyPr/>
+          <a:lstStyle>
+            <a:lvl1pPr marL="0" indent="0">
+              <a:buNone/>
+              <a:defRPr sz="3200"/>
+            </a:lvl1pPr>
+            <a:lvl2pPr marL="457200" indent="0">
+              <a:buNone/>
+              <a:defRPr sz="2800"/>
+            </a:lvl2pPr>
+            <a:lvl3pPr marL="914400" indent="0">
+              <a:buNone/>
+              <a:defRPr sz="2400"/>
+            </a:lvl3pPr>
+            <a:lvl4pPr marL="1371600" indent="0">
+              <a:buNone/>
+              <a:defRPr sz="2000"/>
+            </a:lvl4pPr>
+            <a:lvl5pPr marL="1828800" indent="0">
+              <a:buNone/>
+              <a:defRPr sz="2000"/>
+            </a:lvl5pPr>
+            <a:lvl6pPr marL="2286000" indent="0">
+              <a:buNone/>
+              <a:defRPr sz="2000"/>
+            </a:lvl6pPr>
+            <a:lvl7pPr marL="2743200" indent="0">
+              <a:buNone/>
+              <a:defRPr sz="2000"/>
+            </a:lvl7pPr>
+            <a:lvl8pPr marL="3200400" indent="0">
+              <a:buNone/>
+              <a:defRPr sz="2000"/>
+            </a:lvl8pPr>
+            <a:lvl9pPr marL="3657600" indent="0">
+              <a:buNone/>
+              <a:defRPr sz="2000"/>
+            </a:lvl9pPr>
+          </a:lstStyle>
+          <a:p>
+            <a:endParaRPr lang="en-NZ"/>
+          </a:p>
+        </p:txBody>
+      </p:sp>
+      <p:sp>
+        <p:nvSpPr>
+          <p:cNvPr id="4" name="Text Placeholder 3">
+            <a:extLst>
+              <a:ext uri="{FF2B5EF4-FFF2-40B4-BE49-F238E27FC236}">
+                <a16:creationId xmlns:a16="http://schemas.microsoft.com/office/drawing/2014/main" id="{CE528920-C186-477D-63C0-E4AD7849186C}"/>
+              </a:ext>
+            </a:extLst>
+          </p:cNvPr>
+          <p:cNvSpPr>
+            <a:spLocks noGrp="1"/>
+          </p:cNvSpPr>
+          <p:nvPr>
+            <p:ph type="body" sz="half" idx="2"/>
+          </p:nvPr>
+        </p:nvSpPr>
+        <p:spPr>
+          <a:xfrm>
+            <a:off x="839788" y="2057400"/>
+            <a:ext cx="3932237" cy="3811588"/>
+          </a:xfrm>
+        </p:spPr>
+        <p:txBody>
+          <a:bodyPr/>
+          <a:lstStyle>
+            <a:lvl1pPr marL="0" indent="0">
+              <a:buNone/>
+              <a:defRPr sz="1600"/>
+            </a:lvl1pPr>
+            <a:lvl2pPr marL="457200" indent="0">
+              <a:buNone/>
+              <a:defRPr sz="1400"/>
+            </a:lvl2pPr>
+            <a:lvl3pPr marL="914400" indent="0">
+              <a:buNone/>
+              <a:defRPr sz="1200"/>
+            </a:lvl3pPr>
+            <a:lvl4pPr marL="1371600" indent="0">
+              <a:buNone/>
+              <a:defRPr sz="1000"/>
+            </a:lvl4pPr>
+            <a:lvl5pPr marL="1828800" indent="0">
+              <a:buNone/>
+              <a:defRPr sz="1000"/>
+            </a:lvl5pPr>
+            <a:lvl6pPr marL="2286000" indent="0">
+              <a:buNone/>
+              <a:defRPr sz="1000"/>
+            </a:lvl6pPr>
+            <a:lvl7pPr marL="2743200" indent="0">
+              <a:buNone/>
+              <a:defRPr sz="1000"/>
+            </a:lvl7pPr>
+            <a:lvl8pPr marL="3200400" indent="0">
+              <a:buNone/>
+              <a:defRPr sz="1000"/>
+            </a:lvl8pPr>
+            <a:lvl9pPr marL="3657600" indent="0">
+              <a:buNone/>
+              <a:defRPr sz="1000"/>
+            </a:lvl9pPr>
+          </a:lstStyle>
+          <a:p>
+            <a:pPr lvl="0"/>
+            <a:r>
+              <a:rPr lang="en-US"/>
+              <a:t>Click to edit Master text styles</a:t>
+            </a:r>
+          </a:p>
+        </p:txBody>
+      </p:sp>
+      <p:sp>
+        <p:nvSpPr>
+          <p:cNvPr id="5" name="Date Placeholder 4">
+            <a:extLst>
+              <a:ext uri="{FF2B5EF4-FFF2-40B4-BE49-F238E27FC236}">
+                <a16:creationId xmlns:a16="http://schemas.microsoft.com/office/drawing/2014/main" id="{84FB5CC2-3782-EF0A-2687-A0750FD7CB0C}"/>
+              </a:ext>
+            </a:extLst>
+          </p:cNvPr>
+          <p:cNvSpPr>
+            <a:spLocks noGrp="1"/>
+          </p:cNvSpPr>
+          <p:nvPr>
+            <p:ph type="dt" sz="half" idx="10"/>
+          </p:nvPr>
+        </p:nvSpPr>
+        <p:spPr/>
+        <p:txBody>
+          <a:bodyPr/>
+          <a:lstStyle/>
+          <a:p>
+            <a:fld id="{B5DA846C-8D30-441A-B1E0-B376C61F31D1}" type="datetimeFigureOut">
+              <a:rPr lang="en-NZ" smtClean="0"/>
+              <a:t>13/03/2025</a:t>
+            </a:fld>
+            <a:endParaRPr lang="en-NZ"/>
+          </a:p>
+        </p:txBody>
+      </p:sp>
+      <p:sp>
+        <p:nvSpPr>
+          <p:cNvPr id="6" name="Footer Placeholder 5">
+            <a:extLst>
+              <a:ext uri="{FF2B5EF4-FFF2-40B4-BE49-F238E27FC236}">
+                <a16:creationId xmlns:a16="http://schemas.microsoft.com/office/drawing/2014/main" id="{1A85DA52-4F47-7F35-4F81-3A19FD23CE1C}"/>
+              </a:ext>
+            </a:extLst>
+          </p:cNvPr>
+          <p:cNvSpPr>
+            <a:spLocks noGrp="1"/>
+          </p:cNvSpPr>
+          <p:nvPr>
+            <p:ph type="ftr" sz="quarter" idx="11"/>
+          </p:nvPr>
+        </p:nvSpPr>
+        <p:spPr/>
+        <p:txBody>
+          <a:bodyPr/>
+          <a:lstStyle/>
+          <a:p>
+            <a:endParaRPr lang="en-NZ"/>
+          </a:p>
+        </p:txBody>
+      </p:sp>
+      <p:sp>
+        <p:nvSpPr>
+          <p:cNvPr id="7" name="Slide Number Placeholder 6">
+            <a:extLst>
+              <a:ext uri="{FF2B5EF4-FFF2-40B4-BE49-F238E27FC236}">
+                <a16:creationId xmlns:a16="http://schemas.microsoft.com/office/drawing/2014/main" id="{90D792E6-2714-A7B2-4587-97505F7D0412}"/>
+              </a:ext>
+            </a:extLst>
+          </p:cNvPr>
+          <p:cNvSpPr>
+            <a:spLocks noGrp="1"/>
+          </p:cNvSpPr>
+          <p:nvPr>
+            <p:ph type="sldNum" sz="quarter" idx="12"/>
+          </p:nvPr>
+        </p:nvSpPr>
+        <p:spPr/>
+        <p:txBody>
+          <a:bodyPr/>
+          <a:lstStyle/>
+          <a:p>
+            <a:fld id="{10DE6AEF-D18C-4201-96D8-0790C0DC0E09}" type="slidenum">
+              <a:rPr lang="en-NZ" smtClean="0"/>
+              <a:t>‹#›</a:t>
+            </a:fld>
+            <a:endParaRPr lang="en-NZ"/>
+          </a:p>
+        </p:txBody>
+      </p:sp>
+    </p:spTree>
+    <p:extLst>
+      <p:ext uri="{BB962C8B-B14F-4D97-AF65-F5344CB8AC3E}">
+        <p14:creationId xmlns:p14="http://schemas.microsoft.com/office/powerpoint/2010/main" val="2097270509"/>
+      </p:ext>
+    </p:extLst>
+  </p:cSld>
+  <p:clrMapOvr>
+    <a:masterClrMapping/>
+  </p:clrMapOvr>
+</p:sldLayout>
+</file>
+
+<file path=ppt/slideLayouts/slideLayout21.xml><?xml version="1.0" encoding="utf-8"?>
+<p:sldLayout xmlns:a="http://schemas.openxmlformats.org/drawingml/2006/main" xmlns:r="http://schemas.openxmlformats.org/officeDocument/2006/relationships" xmlns:p="http://schemas.openxmlformats.org/presentationml/2006/main" type="vertTx" preserve="1">
+  <p:cSld name="Title and Vertical Text">
+    <p:spTree>
+      <p:nvGrpSpPr>
+        <p:cNvPr id="1" name=""/>
+        <p:cNvGrpSpPr/>
+        <p:nvPr/>
+      </p:nvGrpSpPr>
+      <p:grpSpPr>
+        <a:xfrm>
+          <a:off x="0" y="0"/>
+          <a:ext cx="0" cy="0"/>
+          <a:chOff x="0" y="0"/>
+          <a:chExt cx="0" cy="0"/>
+        </a:xfrm>
+      </p:grpSpPr>
+      <p:sp>
+        <p:nvSpPr>
+          <p:cNvPr id="2" name="Title 1">
+            <a:extLst>
+              <a:ext uri="{FF2B5EF4-FFF2-40B4-BE49-F238E27FC236}">
+                <a16:creationId xmlns:a16="http://schemas.microsoft.com/office/drawing/2014/main" id="{3E8A9408-1674-35A0-8D19-7F85DBABDE77}"/>
+              </a:ext>
+            </a:extLst>
+          </p:cNvPr>
+          <p:cNvSpPr>
+            <a:spLocks noGrp="1"/>
+          </p:cNvSpPr>
+          <p:nvPr>
+            <p:ph type="title"/>
+          </p:nvPr>
+        </p:nvSpPr>
+        <p:spPr/>
+        <p:txBody>
+          <a:bodyPr/>
+          <a:lstStyle/>
+          <a:p>
+            <a:r>
+              <a:rPr lang="en-US"/>
+              <a:t>Click to edit Master title style</a:t>
+            </a:r>
+            <a:endParaRPr lang="en-NZ"/>
+          </a:p>
+        </p:txBody>
+      </p:sp>
+      <p:sp>
+        <p:nvSpPr>
+          <p:cNvPr id="3" name="Vertical Text Placeholder 2">
+            <a:extLst>
+              <a:ext uri="{FF2B5EF4-FFF2-40B4-BE49-F238E27FC236}">
+                <a16:creationId xmlns:a16="http://schemas.microsoft.com/office/drawing/2014/main" id="{1CCEDC1F-2A4C-FF90-3251-195CC0F28177}"/>
+              </a:ext>
+            </a:extLst>
+          </p:cNvPr>
+          <p:cNvSpPr>
+            <a:spLocks noGrp="1"/>
+          </p:cNvSpPr>
+          <p:nvPr>
+            <p:ph type="body" orient="vert" idx="1"/>
+          </p:nvPr>
+        </p:nvSpPr>
+        <p:spPr/>
+        <p:txBody>
+          <a:bodyPr vert="eaVert"/>
+          <a:lstStyle/>
+          <a:p>
+            <a:pPr lvl="0"/>
+            <a:r>
+              <a:rPr lang="en-US"/>
+              <a:t>Click to edit Master text styles</a:t>
+            </a:r>
+          </a:p>
+          <a:p>
+            <a:pPr lvl="1"/>
+            <a:r>
+              <a:rPr lang="en-US"/>
+              <a:t>Second level</a:t>
+            </a:r>
+          </a:p>
+          <a:p>
+            <a:pPr lvl="2"/>
+            <a:r>
+              <a:rPr lang="en-US"/>
+              <a:t>Third level</a:t>
+            </a:r>
+          </a:p>
+          <a:p>
+            <a:pPr lvl="3"/>
+            <a:r>
+              <a:rPr lang="en-US"/>
+              <a:t>Fourth level</a:t>
+            </a:r>
+          </a:p>
+          <a:p>
+            <a:pPr lvl="4"/>
+            <a:r>
+              <a:rPr lang="en-US"/>
+              <a:t>Fifth level</a:t>
+            </a:r>
+            <a:endParaRPr lang="en-NZ"/>
+          </a:p>
+        </p:txBody>
+      </p:sp>
+      <p:sp>
+        <p:nvSpPr>
+          <p:cNvPr id="4" name="Date Placeholder 3">
+            <a:extLst>
+              <a:ext uri="{FF2B5EF4-FFF2-40B4-BE49-F238E27FC236}">
+                <a16:creationId xmlns:a16="http://schemas.microsoft.com/office/drawing/2014/main" id="{9112C653-4874-0059-8959-906695073C4C}"/>
+              </a:ext>
+            </a:extLst>
+          </p:cNvPr>
+          <p:cNvSpPr>
+            <a:spLocks noGrp="1"/>
+          </p:cNvSpPr>
+          <p:nvPr>
+            <p:ph type="dt" sz="half" idx="10"/>
+          </p:nvPr>
+        </p:nvSpPr>
+        <p:spPr/>
+        <p:txBody>
+          <a:bodyPr/>
+          <a:lstStyle/>
+          <a:p>
+            <a:fld id="{B5DA846C-8D30-441A-B1E0-B376C61F31D1}" type="datetimeFigureOut">
+              <a:rPr lang="en-NZ" smtClean="0"/>
+              <a:t>13/03/2025</a:t>
+            </a:fld>
+            <a:endParaRPr lang="en-NZ"/>
+          </a:p>
+        </p:txBody>
+      </p:sp>
+      <p:sp>
+        <p:nvSpPr>
+          <p:cNvPr id="5" name="Footer Placeholder 4">
+            <a:extLst>
+              <a:ext uri="{FF2B5EF4-FFF2-40B4-BE49-F238E27FC236}">
+                <a16:creationId xmlns:a16="http://schemas.microsoft.com/office/drawing/2014/main" id="{E54D09D0-44FB-49EC-A583-784DD2757E03}"/>
+              </a:ext>
+            </a:extLst>
+          </p:cNvPr>
+          <p:cNvSpPr>
+            <a:spLocks noGrp="1"/>
+          </p:cNvSpPr>
+          <p:nvPr>
+            <p:ph type="ftr" sz="quarter" idx="11"/>
+          </p:nvPr>
+        </p:nvSpPr>
+        <p:spPr/>
+        <p:txBody>
+          <a:bodyPr/>
+          <a:lstStyle/>
+          <a:p>
+            <a:endParaRPr lang="en-NZ"/>
+          </a:p>
+        </p:txBody>
+      </p:sp>
+      <p:sp>
+        <p:nvSpPr>
+          <p:cNvPr id="6" name="Slide Number Placeholder 5">
+            <a:extLst>
+              <a:ext uri="{FF2B5EF4-FFF2-40B4-BE49-F238E27FC236}">
+                <a16:creationId xmlns:a16="http://schemas.microsoft.com/office/drawing/2014/main" id="{912F0CCD-4DEF-3DCE-4377-D43086B702DF}"/>
+              </a:ext>
+            </a:extLst>
+          </p:cNvPr>
+          <p:cNvSpPr>
+            <a:spLocks noGrp="1"/>
+          </p:cNvSpPr>
+          <p:nvPr>
+            <p:ph type="sldNum" sz="quarter" idx="12"/>
+          </p:nvPr>
+        </p:nvSpPr>
+        <p:spPr/>
+        <p:txBody>
+          <a:bodyPr/>
+          <a:lstStyle/>
+          <a:p>
+            <a:fld id="{10DE6AEF-D18C-4201-96D8-0790C0DC0E09}" type="slidenum">
+              <a:rPr lang="en-NZ" smtClean="0"/>
+              <a:t>‹#›</a:t>
+            </a:fld>
+            <a:endParaRPr lang="en-NZ"/>
+          </a:p>
+        </p:txBody>
+      </p:sp>
+    </p:spTree>
+    <p:extLst>
+      <p:ext uri="{BB962C8B-B14F-4D97-AF65-F5344CB8AC3E}">
+        <p14:creationId xmlns:p14="http://schemas.microsoft.com/office/powerpoint/2010/main" val="3259744288"/>
+      </p:ext>
+    </p:extLst>
+  </p:cSld>
+  <p:clrMapOvr>
+    <a:masterClrMapping/>
+  </p:clrMapOvr>
+</p:sldLayout>
+</file>
+
+<file path=ppt/slideLayouts/slideLayout22.xml><?xml version="1.0" encoding="utf-8"?>
+<p:sldLayout xmlns:a="http://schemas.openxmlformats.org/drawingml/2006/main" xmlns:r="http://schemas.openxmlformats.org/officeDocument/2006/relationships" xmlns:p="http://schemas.openxmlformats.org/presentationml/2006/main" type="vertTitleAndTx" preserve="1">
+  <p:cSld name="Vertical Title and Text">
+    <p:spTree>
+      <p:nvGrpSpPr>
+        <p:cNvPr id="1" name=""/>
+        <p:cNvGrpSpPr/>
+        <p:nvPr/>
+      </p:nvGrpSpPr>
+      <p:grpSpPr>
+        <a:xfrm>
+          <a:off x="0" y="0"/>
+          <a:ext cx="0" cy="0"/>
+          <a:chOff x="0" y="0"/>
+          <a:chExt cx="0" cy="0"/>
+        </a:xfrm>
+      </p:grpSpPr>
+      <p:sp>
+        <p:nvSpPr>
+          <p:cNvPr id="2" name="Vertical Title 1">
+            <a:extLst>
+              <a:ext uri="{FF2B5EF4-FFF2-40B4-BE49-F238E27FC236}">
+                <a16:creationId xmlns:a16="http://schemas.microsoft.com/office/drawing/2014/main" id="{BB61E198-822C-08A9-9A8C-A443A3B493D2}"/>
+              </a:ext>
+            </a:extLst>
+          </p:cNvPr>
+          <p:cNvSpPr>
+            <a:spLocks noGrp="1"/>
+          </p:cNvSpPr>
+          <p:nvPr>
+            <p:ph type="title" orient="vert"/>
+          </p:nvPr>
+        </p:nvSpPr>
+        <p:spPr>
+          <a:xfrm>
+            <a:off x="8724900" y="365125"/>
+            <a:ext cx="2628900" cy="5811838"/>
+          </a:xfrm>
+        </p:spPr>
+        <p:txBody>
+          <a:bodyPr vert="eaVert"/>
+          <a:lstStyle/>
+          <a:p>
+            <a:r>
+              <a:rPr lang="en-US"/>
+              <a:t>Click to edit Master title style</a:t>
+            </a:r>
+            <a:endParaRPr lang="en-NZ"/>
+          </a:p>
+        </p:txBody>
+      </p:sp>
+      <p:sp>
+        <p:nvSpPr>
+          <p:cNvPr id="3" name="Vertical Text Placeholder 2">
+            <a:extLst>
+              <a:ext uri="{FF2B5EF4-FFF2-40B4-BE49-F238E27FC236}">
+                <a16:creationId xmlns:a16="http://schemas.microsoft.com/office/drawing/2014/main" id="{ABC3FE54-2243-2289-D27D-F50677021703}"/>
+              </a:ext>
+            </a:extLst>
+          </p:cNvPr>
+          <p:cNvSpPr>
+            <a:spLocks noGrp="1"/>
+          </p:cNvSpPr>
+          <p:nvPr>
+            <p:ph type="body" orient="vert" idx="1"/>
+          </p:nvPr>
+        </p:nvSpPr>
+        <p:spPr>
+          <a:xfrm>
+            <a:off x="838200" y="365125"/>
+            <a:ext cx="7734300" cy="5811838"/>
+          </a:xfrm>
+        </p:spPr>
+        <p:txBody>
+          <a:bodyPr vert="eaVert"/>
+          <a:lstStyle/>
+          <a:p>
+            <a:pPr lvl="0"/>
+            <a:r>
+              <a:rPr lang="en-US"/>
+              <a:t>Click to edit Master text styles</a:t>
+            </a:r>
+          </a:p>
+          <a:p>
+            <a:pPr lvl="1"/>
+            <a:r>
+              <a:rPr lang="en-US"/>
+              <a:t>Second level</a:t>
+            </a:r>
+          </a:p>
+          <a:p>
+            <a:pPr lvl="2"/>
+            <a:r>
+              <a:rPr lang="en-US"/>
+              <a:t>Third level</a:t>
+            </a:r>
+          </a:p>
+          <a:p>
+            <a:pPr lvl="3"/>
+            <a:r>
+              <a:rPr lang="en-US"/>
+              <a:t>Fourth level</a:t>
+            </a:r>
+          </a:p>
+          <a:p>
+            <a:pPr lvl="4"/>
+            <a:r>
+              <a:rPr lang="en-US"/>
+              <a:t>Fifth level</a:t>
+            </a:r>
+            <a:endParaRPr lang="en-NZ"/>
+          </a:p>
+        </p:txBody>
+      </p:sp>
+      <p:sp>
+        <p:nvSpPr>
+          <p:cNvPr id="4" name="Date Placeholder 3">
+            <a:extLst>
+              <a:ext uri="{FF2B5EF4-FFF2-40B4-BE49-F238E27FC236}">
+                <a16:creationId xmlns:a16="http://schemas.microsoft.com/office/drawing/2014/main" id="{9A52FFC2-2DF0-46BF-8B00-561FD93539F5}"/>
+              </a:ext>
+            </a:extLst>
+          </p:cNvPr>
+          <p:cNvSpPr>
+            <a:spLocks noGrp="1"/>
+          </p:cNvSpPr>
+          <p:nvPr>
+            <p:ph type="dt" sz="half" idx="10"/>
+          </p:nvPr>
+        </p:nvSpPr>
+        <p:spPr/>
+        <p:txBody>
+          <a:bodyPr/>
+          <a:lstStyle/>
+          <a:p>
+            <a:fld id="{B5DA846C-8D30-441A-B1E0-B376C61F31D1}" type="datetimeFigureOut">
+              <a:rPr lang="en-NZ" smtClean="0"/>
+              <a:t>13/03/2025</a:t>
+            </a:fld>
+            <a:endParaRPr lang="en-NZ"/>
+          </a:p>
+        </p:txBody>
+      </p:sp>
+      <p:sp>
+        <p:nvSpPr>
+          <p:cNvPr id="5" name="Footer Placeholder 4">
+            <a:extLst>
+              <a:ext uri="{FF2B5EF4-FFF2-40B4-BE49-F238E27FC236}">
+                <a16:creationId xmlns:a16="http://schemas.microsoft.com/office/drawing/2014/main" id="{E23FDE96-99EF-04E7-A17C-7B0E36CED958}"/>
+              </a:ext>
+            </a:extLst>
+          </p:cNvPr>
+          <p:cNvSpPr>
+            <a:spLocks noGrp="1"/>
+          </p:cNvSpPr>
+          <p:nvPr>
+            <p:ph type="ftr" sz="quarter" idx="11"/>
+          </p:nvPr>
+        </p:nvSpPr>
+        <p:spPr/>
+        <p:txBody>
+          <a:bodyPr/>
+          <a:lstStyle/>
+          <a:p>
+            <a:endParaRPr lang="en-NZ"/>
+          </a:p>
+        </p:txBody>
+      </p:sp>
+      <p:sp>
+        <p:nvSpPr>
+          <p:cNvPr id="6" name="Slide Number Placeholder 5">
+            <a:extLst>
+              <a:ext uri="{FF2B5EF4-FFF2-40B4-BE49-F238E27FC236}">
+                <a16:creationId xmlns:a16="http://schemas.microsoft.com/office/drawing/2014/main" id="{D8546C9B-6E2E-FD9A-42D0-77DC7C14E329}"/>
+              </a:ext>
+            </a:extLst>
+          </p:cNvPr>
+          <p:cNvSpPr>
+            <a:spLocks noGrp="1"/>
+          </p:cNvSpPr>
+          <p:nvPr>
+            <p:ph type="sldNum" sz="quarter" idx="12"/>
+          </p:nvPr>
+        </p:nvSpPr>
+        <p:spPr/>
+        <p:txBody>
+          <a:bodyPr/>
+          <a:lstStyle/>
+          <a:p>
+            <a:fld id="{10DE6AEF-D18C-4201-96D8-0790C0DC0E09}" type="slidenum">
+              <a:rPr lang="en-NZ" smtClean="0"/>
+              <a:t>‹#›</a:t>
+            </a:fld>
+            <a:endParaRPr lang="en-NZ"/>
+          </a:p>
+        </p:txBody>
+      </p:sp>
+    </p:spTree>
+    <p:extLst>
+      <p:ext uri="{BB962C8B-B14F-4D97-AF65-F5344CB8AC3E}">
+        <p14:creationId xmlns:p14="http://schemas.microsoft.com/office/powerpoint/2010/main" val="2026926337"/>
       </p:ext>
     </p:extLst>
   </p:cSld>
@@ -1265,7 +3915,7 @@
           <a:p>
             <a:fld id="{36C3FE58-7E73-4F9D-B8E5-B7E1B043D37A}" type="datetimeFigureOut">
               <a:rPr lang="en-NZ" smtClean="0"/>
-              <a:t>16/12/2024</a:t>
+              <a:t>13/03/2025</a:t>
             </a:fld>
             <a:endParaRPr lang="en-NZ"/>
           </a:p>
@@ -1533,7 +4183,7 @@
           <a:p>
             <a:fld id="{36C3FE58-7E73-4F9D-B8E5-B7E1B043D37A}" type="datetimeFigureOut">
               <a:rPr lang="en-NZ" smtClean="0"/>
-              <a:t>16/12/2024</a:t>
+              <a:t>13/03/2025</a:t>
             </a:fld>
             <a:endParaRPr lang="en-NZ"/>
           </a:p>
@@ -1948,7 +4598,7 @@
           <a:p>
             <a:fld id="{36C3FE58-7E73-4F9D-B8E5-B7E1B043D37A}" type="datetimeFigureOut">
               <a:rPr lang="en-NZ" smtClean="0"/>
-              <a:t>16/12/2024</a:t>
+              <a:t>13/03/2025</a:t>
             </a:fld>
             <a:endParaRPr lang="en-NZ"/>
           </a:p>
@@ -2090,7 +4740,7 @@
           <a:p>
             <a:fld id="{36C3FE58-7E73-4F9D-B8E5-B7E1B043D37A}" type="datetimeFigureOut">
               <a:rPr lang="en-NZ" smtClean="0"/>
-              <a:t>16/12/2024</a:t>
+              <a:t>13/03/2025</a:t>
             </a:fld>
             <a:endParaRPr lang="en-NZ"/>
           </a:p>
@@ -2203,7 +4853,7 @@
           <a:p>
             <a:fld id="{36C3FE58-7E73-4F9D-B8E5-B7E1B043D37A}" type="datetimeFigureOut">
               <a:rPr lang="en-NZ" smtClean="0"/>
-              <a:t>16/12/2024</a:t>
+              <a:t>13/03/2025</a:t>
             </a:fld>
             <a:endParaRPr lang="en-NZ"/>
           </a:p>
@@ -2516,7 +5166,7 @@
           <a:p>
             <a:fld id="{36C3FE58-7E73-4F9D-B8E5-B7E1B043D37A}" type="datetimeFigureOut">
               <a:rPr lang="en-NZ" smtClean="0"/>
-              <a:t>16/12/2024</a:t>
+              <a:t>13/03/2025</a:t>
             </a:fld>
             <a:endParaRPr lang="en-NZ"/>
           </a:p>
@@ -2805,7 +5455,7 @@
           <a:p>
             <a:fld id="{36C3FE58-7E73-4F9D-B8E5-B7E1B043D37A}" type="datetimeFigureOut">
               <a:rPr lang="en-NZ" smtClean="0"/>
-              <a:t>16/12/2024</a:t>
+              <a:t>13/03/2025</a:t>
             </a:fld>
             <a:endParaRPr lang="en-NZ"/>
           </a:p>
@@ -3048,7 +5698,7 @@
           <a:p>
             <a:fld id="{36C3FE58-7E73-4F9D-B8E5-B7E1B043D37A}" type="datetimeFigureOut">
               <a:rPr lang="en-NZ" smtClean="0"/>
-              <a:t>16/12/2024</a:t>
+              <a:t>13/03/2025</a:t>
             </a:fld>
             <a:endParaRPr lang="en-NZ"/>
           </a:p>
@@ -3448,6 +6098,576 @@
 </p:sldMaster>
 </file>
 
+<file path=ppt/slideMasters/slideMaster2.xml><?xml version="1.0" encoding="utf-8"?>
+<p:sldMaster xmlns:a="http://schemas.openxmlformats.org/drawingml/2006/main" xmlns:r="http://schemas.openxmlformats.org/officeDocument/2006/relationships" xmlns:p="http://schemas.openxmlformats.org/presentationml/2006/main">
+  <p:cSld>
+    <p:bg>
+      <p:bgRef idx="1001">
+        <a:schemeClr val="bg1"/>
+      </p:bgRef>
+    </p:bg>
+    <p:spTree>
+      <p:nvGrpSpPr>
+        <p:cNvPr id="1" name=""/>
+        <p:cNvGrpSpPr/>
+        <p:nvPr/>
+      </p:nvGrpSpPr>
+      <p:grpSpPr>
+        <a:xfrm>
+          <a:off x="0" y="0"/>
+          <a:ext cx="0" cy="0"/>
+          <a:chOff x="0" y="0"/>
+          <a:chExt cx="0" cy="0"/>
+        </a:xfrm>
+      </p:grpSpPr>
+      <p:sp>
+        <p:nvSpPr>
+          <p:cNvPr id="2" name="Title Placeholder 1">
+            <a:extLst>
+              <a:ext uri="{FF2B5EF4-FFF2-40B4-BE49-F238E27FC236}">
+                <a16:creationId xmlns:a16="http://schemas.microsoft.com/office/drawing/2014/main" id="{F11212EE-9FD9-B673-2EA2-6A7C96FD06CD}"/>
+              </a:ext>
+            </a:extLst>
+          </p:cNvPr>
+          <p:cNvSpPr>
+            <a:spLocks noGrp="1"/>
+          </p:cNvSpPr>
+          <p:nvPr>
+            <p:ph type="title"/>
+          </p:nvPr>
+        </p:nvSpPr>
+        <p:spPr>
+          <a:xfrm>
+            <a:off x="838200" y="365125"/>
+            <a:ext cx="10515600" cy="1325563"/>
+          </a:xfrm>
+          <a:prstGeom prst="rect">
+            <a:avLst/>
+          </a:prstGeom>
+        </p:spPr>
+        <p:txBody>
+          <a:bodyPr vert="horz" lIns="91440" tIns="45720" rIns="91440" bIns="45720" rtlCol="0" anchor="ctr">
+            <a:normAutofit/>
+          </a:bodyPr>
+          <a:lstStyle/>
+          <a:p>
+            <a:r>
+              <a:rPr lang="en-US"/>
+              <a:t>Click to edit Master title style</a:t>
+            </a:r>
+            <a:endParaRPr lang="en-NZ"/>
+          </a:p>
+        </p:txBody>
+      </p:sp>
+      <p:sp>
+        <p:nvSpPr>
+          <p:cNvPr id="3" name="Text Placeholder 2">
+            <a:extLst>
+              <a:ext uri="{FF2B5EF4-FFF2-40B4-BE49-F238E27FC236}">
+                <a16:creationId xmlns:a16="http://schemas.microsoft.com/office/drawing/2014/main" id="{4216EF92-BAB0-9EAE-DDDC-FCD319918C19}"/>
+              </a:ext>
+            </a:extLst>
+          </p:cNvPr>
+          <p:cNvSpPr>
+            <a:spLocks noGrp="1"/>
+          </p:cNvSpPr>
+          <p:nvPr>
+            <p:ph type="body" idx="1"/>
+          </p:nvPr>
+        </p:nvSpPr>
+        <p:spPr>
+          <a:xfrm>
+            <a:off x="838200" y="1825625"/>
+            <a:ext cx="10515600" cy="4351338"/>
+          </a:xfrm>
+          <a:prstGeom prst="rect">
+            <a:avLst/>
+          </a:prstGeom>
+        </p:spPr>
+        <p:txBody>
+          <a:bodyPr vert="horz" lIns="91440" tIns="45720" rIns="91440" bIns="45720" rtlCol="0">
+            <a:normAutofit/>
+          </a:bodyPr>
+          <a:lstStyle/>
+          <a:p>
+            <a:pPr lvl="0"/>
+            <a:r>
+              <a:rPr lang="en-US"/>
+              <a:t>Click to edit Master text styles</a:t>
+            </a:r>
+          </a:p>
+          <a:p>
+            <a:pPr lvl="1"/>
+            <a:r>
+              <a:rPr lang="en-US"/>
+              <a:t>Second level</a:t>
+            </a:r>
+          </a:p>
+          <a:p>
+            <a:pPr lvl="2"/>
+            <a:r>
+              <a:rPr lang="en-US"/>
+              <a:t>Third level</a:t>
+            </a:r>
+          </a:p>
+          <a:p>
+            <a:pPr lvl="3"/>
+            <a:r>
+              <a:rPr lang="en-US"/>
+              <a:t>Fourth level</a:t>
+            </a:r>
+          </a:p>
+          <a:p>
+            <a:pPr lvl="4"/>
+            <a:r>
+              <a:rPr lang="en-US"/>
+              <a:t>Fifth level</a:t>
+            </a:r>
+            <a:endParaRPr lang="en-NZ"/>
+          </a:p>
+        </p:txBody>
+      </p:sp>
+      <p:sp>
+        <p:nvSpPr>
+          <p:cNvPr id="4" name="Date Placeholder 3">
+            <a:extLst>
+              <a:ext uri="{FF2B5EF4-FFF2-40B4-BE49-F238E27FC236}">
+                <a16:creationId xmlns:a16="http://schemas.microsoft.com/office/drawing/2014/main" id="{FD8F2C2C-E462-C781-C11B-5A33EF46B2A6}"/>
+              </a:ext>
+            </a:extLst>
+          </p:cNvPr>
+          <p:cNvSpPr>
+            <a:spLocks noGrp="1"/>
+          </p:cNvSpPr>
+          <p:nvPr>
+            <p:ph type="dt" sz="half" idx="2"/>
+          </p:nvPr>
+        </p:nvSpPr>
+        <p:spPr>
+          <a:xfrm>
+            <a:off x="838200" y="6356350"/>
+            <a:ext cx="2743200" cy="365125"/>
+          </a:xfrm>
+          <a:prstGeom prst="rect">
+            <a:avLst/>
+          </a:prstGeom>
+        </p:spPr>
+        <p:txBody>
+          <a:bodyPr vert="horz" lIns="91440" tIns="45720" rIns="91440" bIns="45720" rtlCol="0" anchor="ctr"/>
+          <a:lstStyle>
+            <a:lvl1pPr algn="l">
+              <a:defRPr sz="1200">
+                <a:solidFill>
+                  <a:schemeClr val="tx1">
+                    <a:tint val="75000"/>
+                  </a:schemeClr>
+                </a:solidFill>
+              </a:defRPr>
+            </a:lvl1pPr>
+          </a:lstStyle>
+          <a:p>
+            <a:fld id="{B5DA846C-8D30-441A-B1E0-B376C61F31D1}" type="datetimeFigureOut">
+              <a:rPr lang="en-NZ" smtClean="0"/>
+              <a:t>13/03/2025</a:t>
+            </a:fld>
+            <a:endParaRPr lang="en-NZ"/>
+          </a:p>
+        </p:txBody>
+      </p:sp>
+      <p:sp>
+        <p:nvSpPr>
+          <p:cNvPr id="5" name="Footer Placeholder 4">
+            <a:extLst>
+              <a:ext uri="{FF2B5EF4-FFF2-40B4-BE49-F238E27FC236}">
+                <a16:creationId xmlns:a16="http://schemas.microsoft.com/office/drawing/2014/main" id="{BB1F6099-6467-D0BB-856B-21E0A1DDB73F}"/>
+              </a:ext>
+            </a:extLst>
+          </p:cNvPr>
+          <p:cNvSpPr>
+            <a:spLocks noGrp="1"/>
+          </p:cNvSpPr>
+          <p:nvPr>
+            <p:ph type="ftr" sz="quarter" idx="3"/>
+          </p:nvPr>
+        </p:nvSpPr>
+        <p:spPr>
+          <a:xfrm>
+            <a:off x="4038600" y="6356350"/>
+            <a:ext cx="4114800" cy="365125"/>
+          </a:xfrm>
+          <a:prstGeom prst="rect">
+            <a:avLst/>
+          </a:prstGeom>
+        </p:spPr>
+        <p:txBody>
+          <a:bodyPr vert="horz" lIns="91440" tIns="45720" rIns="91440" bIns="45720" rtlCol="0" anchor="ctr"/>
+          <a:lstStyle>
+            <a:lvl1pPr algn="ctr">
+              <a:defRPr sz="1200">
+                <a:solidFill>
+                  <a:schemeClr val="tx1">
+                    <a:tint val="75000"/>
+                  </a:schemeClr>
+                </a:solidFill>
+              </a:defRPr>
+            </a:lvl1pPr>
+          </a:lstStyle>
+          <a:p>
+            <a:endParaRPr lang="en-NZ"/>
+          </a:p>
+        </p:txBody>
+      </p:sp>
+      <p:sp>
+        <p:nvSpPr>
+          <p:cNvPr id="6" name="Slide Number Placeholder 5">
+            <a:extLst>
+              <a:ext uri="{FF2B5EF4-FFF2-40B4-BE49-F238E27FC236}">
+                <a16:creationId xmlns:a16="http://schemas.microsoft.com/office/drawing/2014/main" id="{449C62B0-9B32-302E-7A71-583B94EBC5DB}"/>
+              </a:ext>
+            </a:extLst>
+          </p:cNvPr>
+          <p:cNvSpPr>
+            <a:spLocks noGrp="1"/>
+          </p:cNvSpPr>
+          <p:nvPr>
+            <p:ph type="sldNum" sz="quarter" idx="4"/>
+          </p:nvPr>
+        </p:nvSpPr>
+        <p:spPr>
+          <a:xfrm>
+            <a:off x="8610600" y="6356350"/>
+            <a:ext cx="2743200" cy="365125"/>
+          </a:xfrm>
+          <a:prstGeom prst="rect">
+            <a:avLst/>
+          </a:prstGeom>
+        </p:spPr>
+        <p:txBody>
+          <a:bodyPr vert="horz" lIns="91440" tIns="45720" rIns="91440" bIns="45720" rtlCol="0" anchor="ctr"/>
+          <a:lstStyle>
+            <a:lvl1pPr algn="r">
+              <a:defRPr sz="1200">
+                <a:solidFill>
+                  <a:schemeClr val="tx1">
+                    <a:tint val="75000"/>
+                  </a:schemeClr>
+                </a:solidFill>
+              </a:defRPr>
+            </a:lvl1pPr>
+          </a:lstStyle>
+          <a:p>
+            <a:fld id="{10DE6AEF-D18C-4201-96D8-0790C0DC0E09}" type="slidenum">
+              <a:rPr lang="en-NZ" smtClean="0"/>
+              <a:t>‹#›</a:t>
+            </a:fld>
+            <a:endParaRPr lang="en-NZ"/>
+          </a:p>
+        </p:txBody>
+      </p:sp>
+    </p:spTree>
+    <p:extLst>
+      <p:ext uri="{BB962C8B-B14F-4D97-AF65-F5344CB8AC3E}">
+        <p14:creationId xmlns:p14="http://schemas.microsoft.com/office/powerpoint/2010/main" val="734466671"/>
+      </p:ext>
+    </p:extLst>
+  </p:cSld>
+  <p:clrMap bg1="lt1" tx1="dk1" bg2="lt2" tx2="dk2" accent1="accent1" accent2="accent2" accent3="accent3" accent4="accent4" accent5="accent5" accent6="accent6" hlink="hlink" folHlink="folHlink"/>
+  <p:sldLayoutIdLst>
+    <p:sldLayoutId id="2147483661" r:id="rId1"/>
+    <p:sldLayoutId id="2147483662" r:id="rId2"/>
+    <p:sldLayoutId id="2147483663" r:id="rId3"/>
+    <p:sldLayoutId id="2147483664" r:id="rId4"/>
+    <p:sldLayoutId id="2147483665" r:id="rId5"/>
+    <p:sldLayoutId id="2147483666" r:id="rId6"/>
+    <p:sldLayoutId id="2147483667" r:id="rId7"/>
+    <p:sldLayoutId id="2147483668" r:id="rId8"/>
+    <p:sldLayoutId id="2147483669" r:id="rId9"/>
+    <p:sldLayoutId id="2147483670" r:id="rId10"/>
+    <p:sldLayoutId id="2147483671" r:id="rId11"/>
+  </p:sldLayoutIdLst>
+  <p:txStyles>
+    <p:titleStyle>
+      <a:lvl1pPr algn="l" defTabSz="914400" rtl="0" eaLnBrk="1" latinLnBrk="0" hangingPunct="1">
+        <a:lnSpc>
+          <a:spcPct val="90000"/>
+        </a:lnSpc>
+        <a:spcBef>
+          <a:spcPct val="0"/>
+        </a:spcBef>
+        <a:buNone/>
+        <a:defRPr sz="4400" kern="1200">
+          <a:solidFill>
+            <a:schemeClr val="tx1"/>
+          </a:solidFill>
+          <a:latin typeface="+mj-lt"/>
+          <a:ea typeface="+mj-ea"/>
+          <a:cs typeface="+mj-cs"/>
+        </a:defRPr>
+      </a:lvl1pPr>
+    </p:titleStyle>
+    <p:bodyStyle>
+      <a:lvl1pPr marL="228600" indent="-228600" algn="l" defTabSz="914400" rtl="0" eaLnBrk="1" latinLnBrk="0" hangingPunct="1">
+        <a:lnSpc>
+          <a:spcPct val="90000"/>
+        </a:lnSpc>
+        <a:spcBef>
+          <a:spcPts val="1000"/>
+        </a:spcBef>
+        <a:buFont typeface="Arial" panose="020B0604020202020204" pitchFamily="34" charset="0"/>
+        <a:buChar char="•"/>
+        <a:defRPr sz="2800" kern="1200">
+          <a:solidFill>
+            <a:schemeClr val="tx1"/>
+          </a:solidFill>
+          <a:latin typeface="+mn-lt"/>
+          <a:ea typeface="+mn-ea"/>
+          <a:cs typeface="+mn-cs"/>
+        </a:defRPr>
+      </a:lvl1pPr>
+      <a:lvl2pPr marL="685800" indent="-228600" algn="l" defTabSz="914400" rtl="0" eaLnBrk="1" latinLnBrk="0" hangingPunct="1">
+        <a:lnSpc>
+          <a:spcPct val="90000"/>
+        </a:lnSpc>
+        <a:spcBef>
+          <a:spcPts val="500"/>
+        </a:spcBef>
+        <a:buFont typeface="Arial" panose="020B0604020202020204" pitchFamily="34" charset="0"/>
+        <a:buChar char="•"/>
+        <a:defRPr sz="2400" kern="1200">
+          <a:solidFill>
+            <a:schemeClr val="tx1"/>
+          </a:solidFill>
+          <a:latin typeface="+mn-lt"/>
+          <a:ea typeface="+mn-ea"/>
+          <a:cs typeface="+mn-cs"/>
+        </a:defRPr>
+      </a:lvl2pPr>
+      <a:lvl3pPr marL="1143000" indent="-228600" algn="l" defTabSz="914400" rtl="0" eaLnBrk="1" latinLnBrk="0" hangingPunct="1">
+        <a:lnSpc>
+          <a:spcPct val="90000"/>
+        </a:lnSpc>
+        <a:spcBef>
+          <a:spcPts val="500"/>
+        </a:spcBef>
+        <a:buFont typeface="Arial" panose="020B0604020202020204" pitchFamily="34" charset="0"/>
+        <a:buChar char="•"/>
+        <a:defRPr sz="2000" kern="1200">
+          <a:solidFill>
+            <a:schemeClr val="tx1"/>
+          </a:solidFill>
+          <a:latin typeface="+mn-lt"/>
+          <a:ea typeface="+mn-ea"/>
+          <a:cs typeface="+mn-cs"/>
+        </a:defRPr>
+      </a:lvl3pPr>
+      <a:lvl4pPr marL="1600200" indent="-228600" algn="l" defTabSz="914400" rtl="0" eaLnBrk="1" latinLnBrk="0" hangingPunct="1">
+        <a:lnSpc>
+          <a:spcPct val="90000"/>
+        </a:lnSpc>
+        <a:spcBef>
+          <a:spcPts val="500"/>
+        </a:spcBef>
+        <a:buFont typeface="Arial" panose="020B0604020202020204" pitchFamily="34" charset="0"/>
+        <a:buChar char="•"/>
+        <a:defRPr sz="1800" kern="1200">
+          <a:solidFill>
+            <a:schemeClr val="tx1"/>
+          </a:solidFill>
+          <a:latin typeface="+mn-lt"/>
+          <a:ea typeface="+mn-ea"/>
+          <a:cs typeface="+mn-cs"/>
+        </a:defRPr>
+      </a:lvl4pPr>
+      <a:lvl5pPr marL="2057400" indent="-228600" algn="l" defTabSz="914400" rtl="0" eaLnBrk="1" latinLnBrk="0" hangingPunct="1">
+        <a:lnSpc>
+          <a:spcPct val="90000"/>
+        </a:lnSpc>
+        <a:spcBef>
+          <a:spcPts val="500"/>
+        </a:spcBef>
+        <a:buFont typeface="Arial" panose="020B0604020202020204" pitchFamily="34" charset="0"/>
+        <a:buChar char="•"/>
+        <a:defRPr sz="1800" kern="1200">
+          <a:solidFill>
+            <a:schemeClr val="tx1"/>
+          </a:solidFill>
+          <a:latin typeface="+mn-lt"/>
+          <a:ea typeface="+mn-ea"/>
+          <a:cs typeface="+mn-cs"/>
+        </a:defRPr>
+      </a:lvl5pPr>
+      <a:lvl6pPr marL="2514600" indent="-228600" algn="l" defTabSz="914400" rtl="0" eaLnBrk="1" latinLnBrk="0" hangingPunct="1">
+        <a:lnSpc>
+          <a:spcPct val="90000"/>
+        </a:lnSpc>
+        <a:spcBef>
+          <a:spcPts val="500"/>
+        </a:spcBef>
+        <a:buFont typeface="Arial" panose="020B0604020202020204" pitchFamily="34" charset="0"/>
+        <a:buChar char="•"/>
+        <a:defRPr sz="1800" kern="1200">
+          <a:solidFill>
+            <a:schemeClr val="tx1"/>
+          </a:solidFill>
+          <a:latin typeface="+mn-lt"/>
+          <a:ea typeface="+mn-ea"/>
+          <a:cs typeface="+mn-cs"/>
+        </a:defRPr>
+      </a:lvl6pPr>
+      <a:lvl7pPr marL="2971800" indent="-228600" algn="l" defTabSz="914400" rtl="0" eaLnBrk="1" latinLnBrk="0" hangingPunct="1">
+        <a:lnSpc>
+          <a:spcPct val="90000"/>
+        </a:lnSpc>
+        <a:spcBef>
+          <a:spcPts val="500"/>
+        </a:spcBef>
+        <a:buFont typeface="Arial" panose="020B0604020202020204" pitchFamily="34" charset="0"/>
+        <a:buChar char="•"/>
+        <a:defRPr sz="1800" kern="1200">
+          <a:solidFill>
+            <a:schemeClr val="tx1"/>
+          </a:solidFill>
+          <a:latin typeface="+mn-lt"/>
+          <a:ea typeface="+mn-ea"/>
+          <a:cs typeface="+mn-cs"/>
+        </a:defRPr>
+      </a:lvl7pPr>
+      <a:lvl8pPr marL="3429000" indent="-228600" algn="l" defTabSz="914400" rtl="0" eaLnBrk="1" latinLnBrk="0" hangingPunct="1">
+        <a:lnSpc>
+          <a:spcPct val="90000"/>
+        </a:lnSpc>
+        <a:spcBef>
+          <a:spcPts val="500"/>
+        </a:spcBef>
+        <a:buFont typeface="Arial" panose="020B0604020202020204" pitchFamily="34" charset="0"/>
+        <a:buChar char="•"/>
+        <a:defRPr sz="1800" kern="1200">
+          <a:solidFill>
+            <a:schemeClr val="tx1"/>
+          </a:solidFill>
+          <a:latin typeface="+mn-lt"/>
+          <a:ea typeface="+mn-ea"/>
+          <a:cs typeface="+mn-cs"/>
+        </a:defRPr>
+      </a:lvl8pPr>
+      <a:lvl9pPr marL="3886200" indent="-228600" algn="l" defTabSz="914400" rtl="0" eaLnBrk="1" latinLnBrk="0" hangingPunct="1">
+        <a:lnSpc>
+          <a:spcPct val="90000"/>
+        </a:lnSpc>
+        <a:spcBef>
+          <a:spcPts val="500"/>
+        </a:spcBef>
+        <a:buFont typeface="Arial" panose="020B0604020202020204" pitchFamily="34" charset="0"/>
+        <a:buChar char="•"/>
+        <a:defRPr sz="1800" kern="1200">
+          <a:solidFill>
+            <a:schemeClr val="tx1"/>
+          </a:solidFill>
+          <a:latin typeface="+mn-lt"/>
+          <a:ea typeface="+mn-ea"/>
+          <a:cs typeface="+mn-cs"/>
+        </a:defRPr>
+      </a:lvl9pPr>
+    </p:bodyStyle>
+    <p:otherStyle>
+      <a:defPPr>
+        <a:defRPr lang="en-US"/>
+      </a:defPPr>
+      <a:lvl1pPr marL="0" algn="l" defTabSz="914400" rtl="0" eaLnBrk="1" latinLnBrk="0" hangingPunct="1">
+        <a:defRPr sz="1800" kern="1200">
+          <a:solidFill>
+            <a:schemeClr val="tx1"/>
+          </a:solidFill>
+          <a:latin typeface="+mn-lt"/>
+          <a:ea typeface="+mn-ea"/>
+          <a:cs typeface="+mn-cs"/>
+        </a:defRPr>
+      </a:lvl1pPr>
+      <a:lvl2pPr marL="457200" algn="l" defTabSz="914400" rtl="0" eaLnBrk="1" latinLnBrk="0" hangingPunct="1">
+        <a:defRPr sz="1800" kern="1200">
+          <a:solidFill>
+            <a:schemeClr val="tx1"/>
+          </a:solidFill>
+          <a:latin typeface="+mn-lt"/>
+          <a:ea typeface="+mn-ea"/>
+          <a:cs typeface="+mn-cs"/>
+        </a:defRPr>
+      </a:lvl2pPr>
+      <a:lvl3pPr marL="914400" algn="l" defTabSz="914400" rtl="0" eaLnBrk="1" latinLnBrk="0" hangingPunct="1">
+        <a:defRPr sz="1800" kern="1200">
+          <a:solidFill>
+            <a:schemeClr val="tx1"/>
+          </a:solidFill>
+          <a:latin typeface="+mn-lt"/>
+          <a:ea typeface="+mn-ea"/>
+          <a:cs typeface="+mn-cs"/>
+        </a:defRPr>
+      </a:lvl3pPr>
+      <a:lvl4pPr marL="1371600" algn="l" defTabSz="914400" rtl="0" eaLnBrk="1" latinLnBrk="0" hangingPunct="1">
+        <a:defRPr sz="1800" kern="1200">
+          <a:solidFill>
+            <a:schemeClr val="tx1"/>
+          </a:solidFill>
+          <a:latin typeface="+mn-lt"/>
+          <a:ea typeface="+mn-ea"/>
+          <a:cs typeface="+mn-cs"/>
+        </a:defRPr>
+      </a:lvl4pPr>
+      <a:lvl5pPr marL="1828800" algn="l" defTabSz="914400" rtl="0" eaLnBrk="1" latinLnBrk="0" hangingPunct="1">
+        <a:defRPr sz="1800" kern="1200">
+          <a:solidFill>
+            <a:schemeClr val="tx1"/>
+          </a:solidFill>
+          <a:latin typeface="+mn-lt"/>
+          <a:ea typeface="+mn-ea"/>
+          <a:cs typeface="+mn-cs"/>
+        </a:defRPr>
+      </a:lvl5pPr>
+      <a:lvl6pPr marL="2286000" algn="l" defTabSz="914400" rtl="0" eaLnBrk="1" latinLnBrk="0" hangingPunct="1">
+        <a:defRPr sz="1800" kern="1200">
+          <a:solidFill>
+            <a:schemeClr val="tx1"/>
+          </a:solidFill>
+          <a:latin typeface="+mn-lt"/>
+          <a:ea typeface="+mn-ea"/>
+          <a:cs typeface="+mn-cs"/>
+        </a:defRPr>
+      </a:lvl6pPr>
+      <a:lvl7pPr marL="2743200" algn="l" defTabSz="914400" rtl="0" eaLnBrk="1" latinLnBrk="0" hangingPunct="1">
+        <a:defRPr sz="1800" kern="1200">
+          <a:solidFill>
+            <a:schemeClr val="tx1"/>
+          </a:solidFill>
+          <a:latin typeface="+mn-lt"/>
+          <a:ea typeface="+mn-ea"/>
+          <a:cs typeface="+mn-cs"/>
+        </a:defRPr>
+      </a:lvl7pPr>
+      <a:lvl8pPr marL="3200400" algn="l" defTabSz="914400" rtl="0" eaLnBrk="1" latinLnBrk="0" hangingPunct="1">
+        <a:defRPr sz="1800" kern="1200">
+          <a:solidFill>
+            <a:schemeClr val="tx1"/>
+          </a:solidFill>
+          <a:latin typeface="+mn-lt"/>
+          <a:ea typeface="+mn-ea"/>
+          <a:cs typeface="+mn-cs"/>
+        </a:defRPr>
+      </a:lvl8pPr>
+      <a:lvl9pPr marL="3657600" algn="l" defTabSz="914400" rtl="0" eaLnBrk="1" latinLnBrk="0" hangingPunct="1">
+        <a:defRPr sz="1800" kern="1200">
+          <a:solidFill>
+            <a:schemeClr val="tx1"/>
+          </a:solidFill>
+          <a:latin typeface="+mn-lt"/>
+          <a:ea typeface="+mn-ea"/>
+          <a:cs typeface="+mn-cs"/>
+        </a:defRPr>
+      </a:lvl9pPr>
+    </p:otherStyle>
+  </p:txStyles>
+</p:sldMaster>
+</file>
+
 <file path=ppt/slides/slide1.xml><?xml version="1.0" encoding="utf-8"?>
 <p:sld xmlns:a="http://schemas.openxmlformats.org/drawingml/2006/main" xmlns:r="http://schemas.openxmlformats.org/officeDocument/2006/relationships" xmlns:p="http://schemas.openxmlformats.org/presentationml/2006/main">
   <p:cSld>
@@ -3968,6 +7188,2434 @@
     <p:extLst>
       <p:ext uri="{BB962C8B-B14F-4D97-AF65-F5344CB8AC3E}">
         <p14:creationId xmlns:p14="http://schemas.microsoft.com/office/powerpoint/2010/main" val="428995900"/>
+      </p:ext>
+    </p:extLst>
+  </p:cSld>
+  <p:clrMapOvr>
+    <a:masterClrMapping/>
+  </p:clrMapOvr>
+</p:sld>
+</file>
+
+<file path=ppt/slides/slide3.xml><?xml version="1.0" encoding="utf-8"?>
+<p:sld xmlns:a="http://schemas.openxmlformats.org/drawingml/2006/main" xmlns:r="http://schemas.openxmlformats.org/officeDocument/2006/relationships" xmlns:p="http://schemas.openxmlformats.org/presentationml/2006/main">
+  <p:cSld>
+    <p:spTree>
+      <p:nvGrpSpPr>
+        <p:cNvPr id="1" name=""/>
+        <p:cNvGrpSpPr/>
+        <p:nvPr/>
+      </p:nvGrpSpPr>
+      <p:grpSpPr>
+        <a:xfrm>
+          <a:off x="0" y="0"/>
+          <a:ext cx="0" cy="0"/>
+          <a:chOff x="0" y="0"/>
+          <a:chExt cx="0" cy="0"/>
+        </a:xfrm>
+      </p:grpSpPr>
+      <p:grpSp>
+        <p:nvGrpSpPr>
+          <p:cNvPr id="35" name="Group 34">
+            <a:extLst>
+              <a:ext uri="{FF2B5EF4-FFF2-40B4-BE49-F238E27FC236}">
+                <a16:creationId xmlns:a16="http://schemas.microsoft.com/office/drawing/2014/main" id="{8D7706ED-1E13-5B4F-CB5D-AA541F9CBB07}"/>
+              </a:ext>
+            </a:extLst>
+          </p:cNvPr>
+          <p:cNvGrpSpPr/>
+          <p:nvPr/>
+        </p:nvGrpSpPr>
+        <p:grpSpPr>
+          <a:xfrm>
+            <a:off x="504706" y="1182852"/>
+            <a:ext cx="2752660" cy="3715256"/>
+            <a:chOff x="581458" y="743361"/>
+            <a:chExt cx="2752660" cy="3715256"/>
+          </a:xfrm>
+        </p:grpSpPr>
+        <p:sp>
+          <p:nvSpPr>
+            <p:cNvPr id="4" name="Rectangle 3">
+              <a:extLst>
+                <a:ext uri="{FF2B5EF4-FFF2-40B4-BE49-F238E27FC236}">
+                  <a16:creationId xmlns:a16="http://schemas.microsoft.com/office/drawing/2014/main" id="{E07DE56E-EEC3-D270-D10E-77C97CF8EB59}"/>
+                </a:ext>
+              </a:extLst>
+            </p:cNvPr>
+            <p:cNvSpPr/>
+            <p:nvPr/>
+          </p:nvSpPr>
+          <p:spPr>
+            <a:xfrm>
+              <a:off x="1117453" y="1870022"/>
+              <a:ext cx="1236148" cy="908859"/>
+            </a:xfrm>
+            <a:prstGeom prst="rect">
+              <a:avLst/>
+            </a:prstGeom>
+            <a:solidFill>
+              <a:schemeClr val="accent6">
+                <a:lumMod val="75000"/>
+              </a:schemeClr>
+            </a:solidFill>
+            <a:ln>
+              <a:noFill/>
+            </a:ln>
+          </p:spPr>
+          <p:style>
+            <a:lnRef idx="2">
+              <a:schemeClr val="accent1">
+                <a:shade val="15000"/>
+              </a:schemeClr>
+            </a:lnRef>
+            <a:fillRef idx="1">
+              <a:schemeClr val="accent1"/>
+            </a:fillRef>
+            <a:effectRef idx="0">
+              <a:schemeClr val="accent1"/>
+            </a:effectRef>
+            <a:fontRef idx="minor">
+              <a:schemeClr val="lt1"/>
+            </a:fontRef>
+          </p:style>
+          <p:txBody>
+            <a:bodyPr rtlCol="0" anchor="ctr"/>
+            <a:lstStyle/>
+            <a:p>
+              <a:pPr marL="0" marR="0" lvl="0" indent="0" algn="ctr" defTabSz="914400" rtl="0" eaLnBrk="1" fontAlgn="auto" latinLnBrk="0" hangingPunct="1">
+                <a:lnSpc>
+                  <a:spcPct val="100000"/>
+                </a:lnSpc>
+                <a:spcBef>
+                  <a:spcPts val="0"/>
+                </a:spcBef>
+                <a:spcAft>
+                  <a:spcPts val="0"/>
+                </a:spcAft>
+                <a:buClrTx/>
+                <a:buSzTx/>
+                <a:buFontTx/>
+                <a:buNone/>
+                <a:tabLst/>
+                <a:defRPr/>
+              </a:pPr>
+              <a:r>
+                <a:rPr kumimoji="0" lang="pt-BR" sz="1400" b="0" i="0" u="none" strike="noStrike" kern="1200" cap="none" spc="0" normalizeH="0" baseline="0" noProof="0" dirty="0">
+                  <a:ln>
+                    <a:noFill/>
+                  </a:ln>
+                  <a:solidFill>
+                    <a:prstClr val="white"/>
+                  </a:solidFill>
+                  <a:effectLst/>
+                  <a:uLnTx/>
+                  <a:uFillTx/>
+                  <a:latin typeface="Calibri" panose="020F0502020204030204"/>
+                  <a:ea typeface="+mn-ea"/>
+                  <a:cs typeface="+mn-cs"/>
+                </a:rPr>
+                <a:t>Init GRASS</a:t>
+              </a:r>
+              <a:endParaRPr kumimoji="0" lang="en-NZ" sz="1400" b="0" i="0" u="none" strike="noStrike" kern="1200" cap="none" spc="0" normalizeH="0" baseline="0" noProof="0" dirty="0">
+                <a:ln>
+                  <a:noFill/>
+                </a:ln>
+                <a:solidFill>
+                  <a:prstClr val="white"/>
+                </a:solidFill>
+                <a:effectLst/>
+                <a:uLnTx/>
+                <a:uFillTx/>
+                <a:latin typeface="Calibri" panose="020F0502020204030204"/>
+                <a:ea typeface="+mn-ea"/>
+                <a:cs typeface="+mn-cs"/>
+              </a:endParaRPr>
+            </a:p>
+          </p:txBody>
+        </p:sp>
+        <p:pic>
+          <p:nvPicPr>
+            <p:cNvPr id="16" name="Picture 15">
+              <a:extLst>
+                <a:ext uri="{FF2B5EF4-FFF2-40B4-BE49-F238E27FC236}">
+                  <a16:creationId xmlns:a16="http://schemas.microsoft.com/office/drawing/2014/main" id="{8F86A971-756C-AF47-24CF-C4AD4F3BFCCA}"/>
+                </a:ext>
+              </a:extLst>
+            </p:cNvPr>
+            <p:cNvPicPr>
+              <a:picLocks noChangeAspect="1"/>
+            </p:cNvPicPr>
+            <p:nvPr/>
+          </p:nvPicPr>
+          <p:blipFill>
+            <a:blip r:embed="rId2"/>
+            <a:stretch>
+              <a:fillRect/>
+            </a:stretch>
+          </p:blipFill>
+          <p:spPr>
+            <a:xfrm>
+              <a:off x="832679" y="3070032"/>
+              <a:ext cx="1732033" cy="1063725"/>
+            </a:xfrm>
+            <a:prstGeom prst="rect">
+              <a:avLst/>
+            </a:prstGeom>
+          </p:spPr>
+        </p:pic>
+        <p:sp>
+          <p:nvSpPr>
+            <p:cNvPr id="18" name="TextBox 17">
+              <a:extLst>
+                <a:ext uri="{FF2B5EF4-FFF2-40B4-BE49-F238E27FC236}">
+                  <a16:creationId xmlns:a16="http://schemas.microsoft.com/office/drawing/2014/main" id="{D760B8F3-D4EF-1F2C-3A21-43A36CE8AD40}"/>
+                </a:ext>
+              </a:extLst>
+            </p:cNvPr>
+            <p:cNvSpPr txBox="1"/>
+            <p:nvPr/>
+          </p:nvSpPr>
+          <p:spPr>
+            <a:xfrm>
+              <a:off x="581458" y="4197007"/>
+              <a:ext cx="2752660" cy="261610"/>
+            </a:xfrm>
+            <a:prstGeom prst="rect">
+              <a:avLst/>
+            </a:prstGeom>
+            <a:noFill/>
+          </p:spPr>
+          <p:txBody>
+            <a:bodyPr wrap="square">
+              <a:spAutoFit/>
+            </a:bodyPr>
+            <a:lstStyle/>
+            <a:p>
+              <a:pPr marL="0" marR="0" lvl="0" indent="0" algn="l" defTabSz="914400" rtl="0" eaLnBrk="1" fontAlgn="auto" latinLnBrk="0" hangingPunct="1">
+                <a:lnSpc>
+                  <a:spcPct val="100000"/>
+                </a:lnSpc>
+                <a:spcBef>
+                  <a:spcPts val="0"/>
+                </a:spcBef>
+                <a:spcAft>
+                  <a:spcPts val="0"/>
+                </a:spcAft>
+                <a:buClrTx/>
+                <a:buSzTx/>
+                <a:buFontTx/>
+                <a:buNone/>
+                <a:tabLst/>
+                <a:defRPr/>
+              </a:pPr>
+              <a:r>
+                <a:rPr kumimoji="0" lang="pt-BR" sz="1100" b="0" i="0" u="none" strike="noStrike" kern="1200" cap="none" spc="0" normalizeH="0" baseline="0" noProof="0" dirty="0">
+                  <a:ln>
+                    <a:noFill/>
+                  </a:ln>
+                  <a:solidFill>
+                    <a:srgbClr val="000000"/>
+                  </a:solidFill>
+                  <a:effectLst/>
+                  <a:highlight>
+                    <a:srgbClr val="FFFFFF"/>
+                  </a:highlight>
+                  <a:uLnTx/>
+                  <a:uFillTx/>
+                  <a:latin typeface="Lato" panose="020F0502020204030203" pitchFamily="34" charset="0"/>
+                  <a:ea typeface="+mn-ea"/>
+                  <a:cs typeface="+mn-cs"/>
+                </a:rPr>
+                <a:t>EPSG:3857 - WGS 84 / Pseudo-Mercator</a:t>
+              </a:r>
+              <a:endParaRPr kumimoji="0" lang="en-NZ" sz="1100" b="0" i="0" u="none" strike="noStrike" kern="1200" cap="none" spc="0" normalizeH="0" baseline="0" noProof="0" dirty="0">
+                <a:ln>
+                  <a:noFill/>
+                </a:ln>
+                <a:solidFill>
+                  <a:prstClr val="black"/>
+                </a:solidFill>
+                <a:effectLst/>
+                <a:uLnTx/>
+                <a:uFillTx/>
+                <a:latin typeface="Calibri" panose="020F0502020204030204"/>
+                <a:ea typeface="+mn-ea"/>
+                <a:cs typeface="+mn-cs"/>
+              </a:endParaRPr>
+            </a:p>
+          </p:txBody>
+        </p:sp>
+        <p:sp>
+          <p:nvSpPr>
+            <p:cNvPr id="31" name="TextBox 30">
+              <a:extLst>
+                <a:ext uri="{FF2B5EF4-FFF2-40B4-BE49-F238E27FC236}">
+                  <a16:creationId xmlns:a16="http://schemas.microsoft.com/office/drawing/2014/main" id="{3EEFF085-0D05-0647-2C1D-1543D7645C87}"/>
+                </a:ext>
+              </a:extLst>
+            </p:cNvPr>
+            <p:cNvSpPr txBox="1"/>
+            <p:nvPr/>
+          </p:nvSpPr>
+          <p:spPr>
+            <a:xfrm>
+              <a:off x="1233665" y="2833924"/>
+              <a:ext cx="1703990" cy="261610"/>
+            </a:xfrm>
+            <a:prstGeom prst="rect">
+              <a:avLst/>
+            </a:prstGeom>
+            <a:noFill/>
+          </p:spPr>
+          <p:txBody>
+            <a:bodyPr wrap="square">
+              <a:spAutoFit/>
+            </a:bodyPr>
+            <a:lstStyle/>
+            <a:p>
+              <a:pPr marL="0" marR="0" lvl="0" indent="0" algn="l" defTabSz="914400" rtl="0" eaLnBrk="1" fontAlgn="auto" latinLnBrk="0" hangingPunct="1">
+                <a:lnSpc>
+                  <a:spcPct val="100000"/>
+                </a:lnSpc>
+                <a:spcBef>
+                  <a:spcPts val="0"/>
+                </a:spcBef>
+                <a:spcAft>
+                  <a:spcPts val="0"/>
+                </a:spcAft>
+                <a:buClrTx/>
+                <a:buSzTx/>
+                <a:buFontTx/>
+                <a:buNone/>
+                <a:tabLst/>
+                <a:defRPr/>
+              </a:pPr>
+              <a:r>
+                <a:rPr kumimoji="0" lang="en-NZ" sz="1100" b="0" i="0" u="none" strike="noStrike" kern="1200" cap="none" spc="0" normalizeH="0" baseline="0" noProof="0" dirty="0">
+                  <a:ln>
+                    <a:noFill/>
+                  </a:ln>
+                  <a:solidFill>
+                    <a:srgbClr val="000000"/>
+                  </a:solidFill>
+                  <a:effectLst/>
+                  <a:highlight>
+                    <a:srgbClr val="FFFFFF"/>
+                  </a:highlight>
+                  <a:uLnTx/>
+                  <a:uFillTx/>
+                  <a:latin typeface="Lato" panose="020F0502020204030203" pitchFamily="34" charset="0"/>
+                  <a:ea typeface="+mn-ea"/>
+                  <a:cs typeface="+mn-cs"/>
+                </a:rPr>
+                <a:t>land use </a:t>
+              </a:r>
+              <a:r>
+                <a:rPr kumimoji="0" lang="en-NZ" sz="1100" b="0" i="0" u="none" strike="noStrike" kern="1200" cap="none" spc="0" normalizeH="0" baseline="0" noProof="0" dirty="0" err="1">
+                  <a:ln>
+                    <a:noFill/>
+                  </a:ln>
+                  <a:solidFill>
+                    <a:srgbClr val="000000"/>
+                  </a:solidFill>
+                  <a:effectLst/>
+                  <a:highlight>
+                    <a:srgbClr val="FFFFFF"/>
+                  </a:highlight>
+                  <a:uLnTx/>
+                  <a:uFillTx/>
+                  <a:latin typeface="Lato" panose="020F0502020204030203" pitchFamily="34" charset="0"/>
+                  <a:ea typeface="+mn-ea"/>
+                  <a:cs typeface="+mn-cs"/>
+                </a:rPr>
+                <a:t>rast</a:t>
+              </a:r>
+              <a:endParaRPr kumimoji="0" lang="en-NZ" sz="1100" b="0" i="0" u="none" strike="noStrike" kern="1200" cap="none" spc="0" normalizeH="0" baseline="0" noProof="0" dirty="0">
+                <a:ln>
+                  <a:noFill/>
+                </a:ln>
+                <a:solidFill>
+                  <a:prstClr val="black"/>
+                </a:solidFill>
+                <a:effectLst/>
+                <a:uLnTx/>
+                <a:uFillTx/>
+                <a:latin typeface="Calibri" panose="020F0502020204030204"/>
+                <a:ea typeface="+mn-ea"/>
+                <a:cs typeface="+mn-cs"/>
+              </a:endParaRPr>
+            </a:p>
+          </p:txBody>
+        </p:sp>
+        <p:pic>
+          <p:nvPicPr>
+            <p:cNvPr id="33" name="Picture 32">
+              <a:extLst>
+                <a:ext uri="{FF2B5EF4-FFF2-40B4-BE49-F238E27FC236}">
+                  <a16:creationId xmlns:a16="http://schemas.microsoft.com/office/drawing/2014/main" id="{5840C527-2EB5-B086-1A00-0BF07ADEF705}"/>
+                </a:ext>
+              </a:extLst>
+            </p:cNvPr>
+            <p:cNvPicPr>
+              <a:picLocks noChangeAspect="1"/>
+            </p:cNvPicPr>
+            <p:nvPr/>
+          </p:nvPicPr>
+          <p:blipFill>
+            <a:blip r:embed="rId3"/>
+            <a:stretch>
+              <a:fillRect/>
+            </a:stretch>
+          </p:blipFill>
+          <p:spPr>
+            <a:xfrm>
+              <a:off x="1011627" y="743361"/>
+              <a:ext cx="723900" cy="866775"/>
+            </a:xfrm>
+            <a:prstGeom prst="rect">
+              <a:avLst/>
+            </a:prstGeom>
+          </p:spPr>
+        </p:pic>
+        <p:pic>
+          <p:nvPicPr>
+            <p:cNvPr id="34" name="Picture 33">
+              <a:extLst>
+                <a:ext uri="{FF2B5EF4-FFF2-40B4-BE49-F238E27FC236}">
+                  <a16:creationId xmlns:a16="http://schemas.microsoft.com/office/drawing/2014/main" id="{1A4A355A-D747-650E-DFF5-42A0A408C404}"/>
+                </a:ext>
+              </a:extLst>
+            </p:cNvPr>
+            <p:cNvPicPr>
+              <a:picLocks noChangeAspect="1"/>
+            </p:cNvPicPr>
+            <p:nvPr/>
+          </p:nvPicPr>
+          <p:blipFill>
+            <a:blip r:embed="rId4"/>
+            <a:stretch>
+              <a:fillRect/>
+            </a:stretch>
+          </p:blipFill>
+          <p:spPr>
+            <a:xfrm>
+              <a:off x="1801581" y="876226"/>
+              <a:ext cx="774072" cy="601044"/>
+            </a:xfrm>
+            <a:prstGeom prst="rect">
+              <a:avLst/>
+            </a:prstGeom>
+          </p:spPr>
+        </p:pic>
+      </p:grpSp>
+      <p:grpSp>
+        <p:nvGrpSpPr>
+          <p:cNvPr id="46" name="Group 45">
+            <a:extLst>
+              <a:ext uri="{FF2B5EF4-FFF2-40B4-BE49-F238E27FC236}">
+                <a16:creationId xmlns:a16="http://schemas.microsoft.com/office/drawing/2014/main" id="{41373859-6C83-7CEF-D238-418CAF8B614E}"/>
+              </a:ext>
+            </a:extLst>
+          </p:cNvPr>
+          <p:cNvGrpSpPr/>
+          <p:nvPr/>
+        </p:nvGrpSpPr>
+        <p:grpSpPr>
+          <a:xfrm>
+            <a:off x="3559652" y="1162532"/>
+            <a:ext cx="6178718" cy="3988587"/>
+            <a:chOff x="3771900" y="2595092"/>
+            <a:chExt cx="6178718" cy="3988587"/>
+          </a:xfrm>
+        </p:grpSpPr>
+        <p:sp>
+          <p:nvSpPr>
+            <p:cNvPr id="12" name="Rectangle 11">
+              <a:extLst>
+                <a:ext uri="{FF2B5EF4-FFF2-40B4-BE49-F238E27FC236}">
+                  <a16:creationId xmlns:a16="http://schemas.microsoft.com/office/drawing/2014/main" id="{F58BC527-02B3-75FD-AC17-F822F01B9AAD}"/>
+                </a:ext>
+              </a:extLst>
+            </p:cNvPr>
+            <p:cNvSpPr/>
+            <p:nvPr/>
+          </p:nvSpPr>
+          <p:spPr>
+            <a:xfrm>
+              <a:off x="3771900" y="2595092"/>
+              <a:ext cx="5935980" cy="3988587"/>
+            </a:xfrm>
+            <a:prstGeom prst="rect">
+              <a:avLst/>
+            </a:prstGeom>
+            <a:noFill/>
+            <a:ln w="38100"/>
+          </p:spPr>
+          <p:style>
+            <a:lnRef idx="1">
+              <a:schemeClr val="accent3"/>
+            </a:lnRef>
+            <a:fillRef idx="2">
+              <a:schemeClr val="accent3"/>
+            </a:fillRef>
+            <a:effectRef idx="1">
+              <a:schemeClr val="accent3"/>
+            </a:effectRef>
+            <a:fontRef idx="minor">
+              <a:schemeClr val="dk1"/>
+            </a:fontRef>
+          </p:style>
+          <p:txBody>
+            <a:bodyPr rtlCol="0" anchor="ctr"/>
+            <a:lstStyle/>
+            <a:p>
+              <a:pPr marL="0" marR="0" lvl="0" indent="0" algn="ctr" defTabSz="914400" rtl="0" eaLnBrk="1" fontAlgn="auto" latinLnBrk="0" hangingPunct="1">
+                <a:lnSpc>
+                  <a:spcPct val="100000"/>
+                </a:lnSpc>
+                <a:spcBef>
+                  <a:spcPts val="0"/>
+                </a:spcBef>
+                <a:spcAft>
+                  <a:spcPts val="0"/>
+                </a:spcAft>
+                <a:buClrTx/>
+                <a:buSzTx/>
+                <a:buFontTx/>
+                <a:buNone/>
+                <a:tabLst/>
+                <a:defRPr/>
+              </a:pPr>
+              <a:endParaRPr kumimoji="0" lang="en-NZ" sz="1800" b="0" i="0" u="none" strike="noStrike" kern="1200" cap="none" spc="0" normalizeH="0" baseline="0" noProof="0">
+                <a:ln>
+                  <a:noFill/>
+                </a:ln>
+                <a:solidFill>
+                  <a:prstClr val="black"/>
+                </a:solidFill>
+                <a:effectLst/>
+                <a:uLnTx/>
+                <a:uFillTx/>
+                <a:latin typeface="Calibri" panose="020F0502020204030204"/>
+                <a:ea typeface="+mn-ea"/>
+                <a:cs typeface="+mn-cs"/>
+              </a:endParaRPr>
+            </a:p>
+          </p:txBody>
+        </p:sp>
+        <p:sp>
+          <p:nvSpPr>
+            <p:cNvPr id="25" name="TextBox 24">
+              <a:extLst>
+                <a:ext uri="{FF2B5EF4-FFF2-40B4-BE49-F238E27FC236}">
+                  <a16:creationId xmlns:a16="http://schemas.microsoft.com/office/drawing/2014/main" id="{065B92E4-107E-3608-4DC5-33EE79622BB9}"/>
+                </a:ext>
+              </a:extLst>
+            </p:cNvPr>
+            <p:cNvSpPr txBox="1"/>
+            <p:nvPr/>
+          </p:nvSpPr>
+          <p:spPr>
+            <a:xfrm>
+              <a:off x="6558071" y="3550452"/>
+              <a:ext cx="3187526" cy="338554"/>
+            </a:xfrm>
+            <a:prstGeom prst="rect">
+              <a:avLst/>
+            </a:prstGeom>
+            <a:noFill/>
+          </p:spPr>
+          <p:txBody>
+            <a:bodyPr wrap="square">
+              <a:spAutoFit/>
+            </a:bodyPr>
+            <a:lstStyle/>
+            <a:p>
+              <a:pPr marL="0" marR="0" lvl="0" indent="0" algn="l" defTabSz="914400" rtl="0" eaLnBrk="1" fontAlgn="auto" latinLnBrk="0" hangingPunct="1">
+                <a:lnSpc>
+                  <a:spcPct val="100000"/>
+                </a:lnSpc>
+                <a:spcBef>
+                  <a:spcPts val="0"/>
+                </a:spcBef>
+                <a:spcAft>
+                  <a:spcPts val="0"/>
+                </a:spcAft>
+                <a:buClrTx/>
+                <a:buSzTx/>
+                <a:buFontTx/>
+                <a:buNone/>
+                <a:tabLst/>
+                <a:defRPr/>
+              </a:pPr>
+              <a:r>
+                <a:rPr kumimoji="0" lang="en-NZ" sz="800" b="0" i="0" u="none" strike="noStrike" kern="1200" cap="none" spc="0" normalizeH="0" baseline="0" noProof="0" dirty="0" err="1">
+                  <a:ln>
+                    <a:noFill/>
+                  </a:ln>
+                  <a:solidFill>
+                    <a:prstClr val="black"/>
+                  </a:solidFill>
+                  <a:effectLst/>
+                  <a:uLnTx/>
+                  <a:uFillTx/>
+                  <a:latin typeface="Courier New" panose="02070309020205020404" pitchFamily="49" charset="0"/>
+                  <a:ea typeface="+mn-ea"/>
+                  <a:cs typeface="Courier New" panose="02070309020205020404" pitchFamily="49" charset="0"/>
+                </a:rPr>
+                <a:t>execGRASS</a:t>
+              </a:r>
+              <a:r>
+                <a:rPr kumimoji="0" lang="en-NZ" sz="800" b="0" i="0" u="none" strike="noStrike" kern="1200" cap="none" spc="0" normalizeH="0" baseline="0" noProof="0" dirty="0">
+                  <a:ln>
+                    <a:noFill/>
+                  </a:ln>
+                  <a:solidFill>
+                    <a:prstClr val="black"/>
+                  </a:solidFill>
+                  <a:effectLst/>
+                  <a:uLnTx/>
+                  <a:uFillTx/>
+                  <a:latin typeface="Courier New" panose="02070309020205020404" pitchFamily="49" charset="0"/>
+                  <a:ea typeface="+mn-ea"/>
+                  <a:cs typeface="Courier New" panose="02070309020205020404" pitchFamily="49" charset="0"/>
+                </a:rPr>
+                <a:t>("</a:t>
+              </a:r>
+              <a:r>
+                <a:rPr kumimoji="0" lang="en-NZ" sz="800" b="0" i="0" u="none" strike="noStrike" kern="1200" cap="none" spc="0" normalizeH="0" baseline="0" noProof="0" dirty="0" err="1">
+                  <a:ln>
+                    <a:noFill/>
+                  </a:ln>
+                  <a:solidFill>
+                    <a:prstClr val="black"/>
+                  </a:solidFill>
+                  <a:effectLst/>
+                  <a:uLnTx/>
+                  <a:uFillTx/>
+                  <a:latin typeface="Courier New" panose="02070309020205020404" pitchFamily="49" charset="0"/>
+                  <a:ea typeface="+mn-ea"/>
+                  <a:cs typeface="Courier New" panose="02070309020205020404" pitchFamily="49" charset="0"/>
+                </a:rPr>
+                <a:t>g.proj</a:t>
+              </a:r>
+              <a:r>
+                <a:rPr kumimoji="0" lang="en-NZ" sz="800" b="0" i="0" u="none" strike="noStrike" kern="1200" cap="none" spc="0" normalizeH="0" baseline="0" noProof="0" dirty="0">
+                  <a:ln>
+                    <a:noFill/>
+                  </a:ln>
+                  <a:solidFill>
+                    <a:prstClr val="black"/>
+                  </a:solidFill>
+                  <a:effectLst/>
+                  <a:uLnTx/>
+                  <a:uFillTx/>
+                  <a:latin typeface="Courier New" panose="02070309020205020404" pitchFamily="49" charset="0"/>
+                  <a:ea typeface="+mn-ea"/>
+                  <a:cs typeface="Courier New" panose="02070309020205020404" pitchFamily="49" charset="0"/>
+                </a:rPr>
+                <a:t>", flags = "c", parameters = list(raster = "</a:t>
+              </a:r>
+              <a:r>
+                <a:rPr kumimoji="0" lang="en-NZ" sz="800" b="0" i="0" u="none" strike="noStrike" kern="1200" cap="none" spc="0" normalizeH="0" baseline="0" noProof="0" dirty="0" err="1">
+                  <a:ln>
+                    <a:noFill/>
+                  </a:ln>
+                  <a:solidFill>
+                    <a:prstClr val="black"/>
+                  </a:solidFill>
+                  <a:effectLst/>
+                  <a:uLnTx/>
+                  <a:uFillTx/>
+                  <a:latin typeface="Courier New" panose="02070309020205020404" pitchFamily="49" charset="0"/>
+                  <a:ea typeface="+mn-ea"/>
+                  <a:cs typeface="Courier New" panose="02070309020205020404" pitchFamily="49" charset="0"/>
+                </a:rPr>
+                <a:t>rast</a:t>
+              </a:r>
+              <a:r>
+                <a:rPr kumimoji="0" lang="en-NZ" sz="800" b="0" i="0" u="none" strike="noStrike" kern="1200" cap="none" spc="0" normalizeH="0" baseline="0" noProof="0" dirty="0">
+                  <a:ln>
+                    <a:noFill/>
+                  </a:ln>
+                  <a:solidFill>
+                    <a:prstClr val="black"/>
+                  </a:solidFill>
+                  <a:effectLst/>
+                  <a:uLnTx/>
+                  <a:uFillTx/>
+                  <a:latin typeface="Courier New" panose="02070309020205020404" pitchFamily="49" charset="0"/>
+                  <a:ea typeface="+mn-ea"/>
+                  <a:cs typeface="Courier New" panose="02070309020205020404" pitchFamily="49" charset="0"/>
+                </a:rPr>
+                <a:t>"))</a:t>
+              </a:r>
+            </a:p>
+          </p:txBody>
+        </p:sp>
+        <p:grpSp>
+          <p:nvGrpSpPr>
+            <p:cNvPr id="45" name="Group 44">
+              <a:extLst>
+                <a:ext uri="{FF2B5EF4-FFF2-40B4-BE49-F238E27FC236}">
+                  <a16:creationId xmlns:a16="http://schemas.microsoft.com/office/drawing/2014/main" id="{7E7A0D0E-9604-952D-C17C-0B964F88C9AB}"/>
+                </a:ext>
+              </a:extLst>
+            </p:cNvPr>
+            <p:cNvGrpSpPr/>
+            <p:nvPr/>
+          </p:nvGrpSpPr>
+          <p:grpSpPr>
+            <a:xfrm>
+              <a:off x="4447802" y="2676248"/>
+              <a:ext cx="5260078" cy="3510756"/>
+              <a:chOff x="4447802" y="2676248"/>
+              <a:chExt cx="5260078" cy="3510756"/>
+            </a:xfrm>
+          </p:grpSpPr>
+          <p:sp>
+            <p:nvSpPr>
+              <p:cNvPr id="5" name="Rectangle 4">
+                <a:extLst>
+                  <a:ext uri="{FF2B5EF4-FFF2-40B4-BE49-F238E27FC236}">
+                    <a16:creationId xmlns:a16="http://schemas.microsoft.com/office/drawing/2014/main" id="{6E0FAA16-8A22-9F0E-8A18-191DEB589CC2}"/>
+                  </a:ext>
+                </a:extLst>
+              </p:cNvPr>
+              <p:cNvSpPr/>
+              <p:nvPr/>
+            </p:nvSpPr>
+            <p:spPr>
+              <a:xfrm>
+                <a:off x="7405498" y="2676248"/>
+                <a:ext cx="1236148" cy="908859"/>
+              </a:xfrm>
+              <a:prstGeom prst="rect">
+                <a:avLst/>
+              </a:prstGeom>
+              <a:solidFill>
+                <a:schemeClr val="accent5">
+                  <a:lumMod val="60000"/>
+                  <a:lumOff val="40000"/>
+                </a:schemeClr>
+              </a:solidFill>
+              <a:ln>
+                <a:noFill/>
+              </a:ln>
+            </p:spPr>
+            <p:style>
+              <a:lnRef idx="2">
+                <a:schemeClr val="accent1">
+                  <a:shade val="15000"/>
+                </a:schemeClr>
+              </a:lnRef>
+              <a:fillRef idx="1">
+                <a:schemeClr val="accent1"/>
+              </a:fillRef>
+              <a:effectRef idx="0">
+                <a:schemeClr val="accent1"/>
+              </a:effectRef>
+              <a:fontRef idx="minor">
+                <a:schemeClr val="lt1"/>
+              </a:fontRef>
+            </p:style>
+            <p:txBody>
+              <a:bodyPr rtlCol="0" anchor="ctr"/>
+              <a:lstStyle/>
+              <a:p>
+                <a:pPr marL="0" marR="0" lvl="0" indent="0" algn="ctr" defTabSz="914400" rtl="0" eaLnBrk="1" fontAlgn="auto" latinLnBrk="0" hangingPunct="1">
+                  <a:lnSpc>
+                    <a:spcPct val="100000"/>
+                  </a:lnSpc>
+                  <a:spcBef>
+                    <a:spcPts val="0"/>
+                  </a:spcBef>
+                  <a:spcAft>
+                    <a:spcPts val="0"/>
+                  </a:spcAft>
+                  <a:buClrTx/>
+                  <a:buSzTx/>
+                  <a:buFontTx/>
+                  <a:buNone/>
+                  <a:tabLst/>
+                  <a:defRPr/>
+                </a:pPr>
+                <a:r>
+                  <a:rPr kumimoji="0" lang="pt-BR" sz="1400" b="0" i="0" u="none" strike="noStrike" kern="1200" cap="none" spc="0" normalizeH="0" baseline="0" noProof="0" dirty="0">
+                    <a:ln>
+                      <a:noFill/>
+                    </a:ln>
+                    <a:solidFill>
+                      <a:prstClr val="white"/>
+                    </a:solidFill>
+                    <a:effectLst/>
+                    <a:uLnTx/>
+                    <a:uFillTx/>
+                    <a:latin typeface="Calibri" panose="020F0502020204030204"/>
+                    <a:ea typeface="+mn-ea"/>
+                    <a:cs typeface="+mn-cs"/>
+                  </a:rPr>
+                  <a:t>Region projection</a:t>
+                </a:r>
+              </a:p>
+            </p:txBody>
+          </p:sp>
+          <p:sp>
+            <p:nvSpPr>
+              <p:cNvPr id="6" name="Rectangle 5">
+                <a:extLst>
+                  <a:ext uri="{FF2B5EF4-FFF2-40B4-BE49-F238E27FC236}">
+                    <a16:creationId xmlns:a16="http://schemas.microsoft.com/office/drawing/2014/main" id="{29966AB3-FC6C-8C3A-AC8D-0494F2F5B352}"/>
+                  </a:ext>
+                </a:extLst>
+              </p:cNvPr>
+              <p:cNvSpPr/>
+              <p:nvPr/>
+            </p:nvSpPr>
+            <p:spPr>
+              <a:xfrm>
+                <a:off x="7405498" y="5124690"/>
+                <a:ext cx="1236148" cy="908859"/>
+              </a:xfrm>
+              <a:prstGeom prst="rect">
+                <a:avLst/>
+              </a:prstGeom>
+              <a:solidFill>
+                <a:schemeClr val="accent5">
+                  <a:lumMod val="60000"/>
+                  <a:lumOff val="40000"/>
+                </a:schemeClr>
+              </a:solidFill>
+              <a:ln>
+                <a:noFill/>
+              </a:ln>
+            </p:spPr>
+            <p:style>
+              <a:lnRef idx="2">
+                <a:schemeClr val="accent1">
+                  <a:shade val="15000"/>
+                </a:schemeClr>
+              </a:lnRef>
+              <a:fillRef idx="1">
+                <a:schemeClr val="accent1"/>
+              </a:fillRef>
+              <a:effectRef idx="0">
+                <a:schemeClr val="accent1"/>
+              </a:effectRef>
+              <a:fontRef idx="minor">
+                <a:schemeClr val="lt1"/>
+              </a:fontRef>
+            </p:style>
+            <p:txBody>
+              <a:bodyPr rtlCol="0" anchor="ctr"/>
+              <a:lstStyle/>
+              <a:p>
+                <a:pPr marL="0" marR="0" lvl="0" indent="0" algn="ctr" defTabSz="914400" rtl="0" eaLnBrk="1" fontAlgn="auto" latinLnBrk="0" hangingPunct="1">
+                  <a:lnSpc>
+                    <a:spcPct val="100000"/>
+                  </a:lnSpc>
+                  <a:spcBef>
+                    <a:spcPts val="0"/>
+                  </a:spcBef>
+                  <a:spcAft>
+                    <a:spcPts val="0"/>
+                  </a:spcAft>
+                  <a:buClrTx/>
+                  <a:buSzTx/>
+                  <a:buFontTx/>
+                  <a:buNone/>
+                  <a:tabLst/>
+                  <a:defRPr/>
+                </a:pPr>
+                <a:r>
+                  <a:rPr kumimoji="0" lang="pt-BR" sz="1400" b="0" i="0" u="none" strike="noStrike" kern="1200" cap="none" spc="0" normalizeH="0" baseline="0" noProof="0" dirty="0">
+                    <a:ln>
+                      <a:noFill/>
+                    </a:ln>
+                    <a:solidFill>
+                      <a:prstClr val="white"/>
+                    </a:solidFill>
+                    <a:effectLst/>
+                    <a:uLnTx/>
+                    <a:uFillTx/>
+                    <a:latin typeface="Calibri" panose="020F0502020204030204"/>
+                    <a:ea typeface="+mn-ea"/>
+                    <a:cs typeface="+mn-cs"/>
+                  </a:rPr>
+                  <a:t>Region extent</a:t>
+                </a:r>
+              </a:p>
+            </p:txBody>
+          </p:sp>
+          <p:sp>
+            <p:nvSpPr>
+              <p:cNvPr id="7" name="Rectangle 6">
+                <a:extLst>
+                  <a:ext uri="{FF2B5EF4-FFF2-40B4-BE49-F238E27FC236}">
+                    <a16:creationId xmlns:a16="http://schemas.microsoft.com/office/drawing/2014/main" id="{2BC0E340-CF98-2107-1536-9AA271F951E8}"/>
+                  </a:ext>
+                </a:extLst>
+              </p:cNvPr>
+              <p:cNvSpPr/>
+              <p:nvPr/>
+            </p:nvSpPr>
+            <p:spPr>
+              <a:xfrm>
+                <a:off x="7398953" y="3857663"/>
+                <a:ext cx="1236148" cy="908859"/>
+              </a:xfrm>
+              <a:prstGeom prst="rect">
+                <a:avLst/>
+              </a:prstGeom>
+              <a:solidFill>
+                <a:schemeClr val="accent5">
+                  <a:lumMod val="60000"/>
+                  <a:lumOff val="40000"/>
+                </a:schemeClr>
+              </a:solidFill>
+              <a:ln>
+                <a:noFill/>
+              </a:ln>
+            </p:spPr>
+            <p:style>
+              <a:lnRef idx="2">
+                <a:schemeClr val="accent1">
+                  <a:shade val="15000"/>
+                </a:schemeClr>
+              </a:lnRef>
+              <a:fillRef idx="1">
+                <a:schemeClr val="accent1"/>
+              </a:fillRef>
+              <a:effectRef idx="0">
+                <a:schemeClr val="accent1"/>
+              </a:effectRef>
+              <a:fontRef idx="minor">
+                <a:schemeClr val="lt1"/>
+              </a:fontRef>
+            </p:style>
+            <p:txBody>
+              <a:bodyPr rtlCol="0" anchor="ctr"/>
+              <a:lstStyle/>
+              <a:p>
+                <a:pPr marL="0" marR="0" lvl="0" indent="0" algn="ctr" defTabSz="914400" rtl="0" eaLnBrk="1" fontAlgn="auto" latinLnBrk="0" hangingPunct="1">
+                  <a:lnSpc>
+                    <a:spcPct val="100000"/>
+                  </a:lnSpc>
+                  <a:spcBef>
+                    <a:spcPts val="0"/>
+                  </a:spcBef>
+                  <a:spcAft>
+                    <a:spcPts val="0"/>
+                  </a:spcAft>
+                  <a:buClrTx/>
+                  <a:buSzTx/>
+                  <a:buFontTx/>
+                  <a:buNone/>
+                  <a:tabLst/>
+                  <a:defRPr/>
+                </a:pPr>
+                <a:r>
+                  <a:rPr kumimoji="0" lang="pt-BR" sz="1400" b="0" i="0" u="none" strike="noStrike" kern="1200" cap="none" spc="0" normalizeH="0" baseline="0" noProof="0" dirty="0">
+                    <a:ln>
+                      <a:noFill/>
+                    </a:ln>
+                    <a:solidFill>
+                      <a:prstClr val="white"/>
+                    </a:solidFill>
+                    <a:effectLst/>
+                    <a:uLnTx/>
+                    <a:uFillTx/>
+                    <a:latin typeface="Calibri" panose="020F0502020204030204"/>
+                    <a:ea typeface="+mn-ea"/>
+                    <a:cs typeface="+mn-cs"/>
+                  </a:rPr>
+                  <a:t>Region</a:t>
+                </a:r>
+              </a:p>
+              <a:p>
+                <a:pPr marL="0" marR="0" lvl="0" indent="0" algn="ctr" defTabSz="914400" rtl="0" eaLnBrk="1" fontAlgn="auto" latinLnBrk="0" hangingPunct="1">
+                  <a:lnSpc>
+                    <a:spcPct val="100000"/>
+                  </a:lnSpc>
+                  <a:spcBef>
+                    <a:spcPts val="0"/>
+                  </a:spcBef>
+                  <a:spcAft>
+                    <a:spcPts val="0"/>
+                  </a:spcAft>
+                  <a:buClrTx/>
+                  <a:buSzTx/>
+                  <a:buFontTx/>
+                  <a:buNone/>
+                  <a:tabLst/>
+                  <a:defRPr/>
+                </a:pPr>
+                <a:r>
+                  <a:rPr kumimoji="0" lang="pt-BR" sz="1400" b="0" i="0" u="none" strike="noStrike" kern="1200" cap="none" spc="0" normalizeH="0" baseline="0" noProof="0" dirty="0">
+                    <a:ln>
+                      <a:noFill/>
+                    </a:ln>
+                    <a:solidFill>
+                      <a:prstClr val="white"/>
+                    </a:solidFill>
+                    <a:effectLst/>
+                    <a:uLnTx/>
+                    <a:uFillTx/>
+                    <a:latin typeface="Calibri" panose="020F0502020204030204"/>
+                    <a:ea typeface="+mn-ea"/>
+                    <a:cs typeface="+mn-cs"/>
+                  </a:rPr>
+                  <a:t>resolution</a:t>
+                </a:r>
+              </a:p>
+            </p:txBody>
+          </p:sp>
+          <p:sp>
+            <p:nvSpPr>
+              <p:cNvPr id="8" name="Rectangle 7">
+                <a:extLst>
+                  <a:ext uri="{FF2B5EF4-FFF2-40B4-BE49-F238E27FC236}">
+                    <a16:creationId xmlns:a16="http://schemas.microsoft.com/office/drawing/2014/main" id="{8349145C-32C5-ACAA-EB57-70F8462855C0}"/>
+                  </a:ext>
+                </a:extLst>
+              </p:cNvPr>
+              <p:cNvSpPr/>
+              <p:nvPr/>
+            </p:nvSpPr>
+            <p:spPr>
+              <a:xfrm>
+                <a:off x="4726731" y="3621654"/>
+                <a:ext cx="1236148" cy="908859"/>
+              </a:xfrm>
+              <a:prstGeom prst="rect">
+                <a:avLst/>
+              </a:prstGeom>
+              <a:solidFill>
+                <a:schemeClr val="accent6">
+                  <a:lumMod val="75000"/>
+                </a:schemeClr>
+              </a:solidFill>
+              <a:ln>
+                <a:noFill/>
+              </a:ln>
+            </p:spPr>
+            <p:style>
+              <a:lnRef idx="2">
+                <a:schemeClr val="accent1">
+                  <a:shade val="15000"/>
+                </a:schemeClr>
+              </a:lnRef>
+              <a:fillRef idx="1">
+                <a:schemeClr val="accent1"/>
+              </a:fillRef>
+              <a:effectRef idx="0">
+                <a:schemeClr val="accent1"/>
+              </a:effectRef>
+              <a:fontRef idx="minor">
+                <a:schemeClr val="lt1"/>
+              </a:fontRef>
+            </p:style>
+            <p:txBody>
+              <a:bodyPr rtlCol="0" anchor="ctr"/>
+              <a:lstStyle/>
+              <a:p>
+                <a:pPr marL="0" marR="0" lvl="0" indent="0" algn="ctr" defTabSz="914400" rtl="0" eaLnBrk="1" fontAlgn="auto" latinLnBrk="0" hangingPunct="1">
+                  <a:lnSpc>
+                    <a:spcPct val="100000"/>
+                  </a:lnSpc>
+                  <a:spcBef>
+                    <a:spcPts val="0"/>
+                  </a:spcBef>
+                  <a:spcAft>
+                    <a:spcPts val="0"/>
+                  </a:spcAft>
+                  <a:buClrTx/>
+                  <a:buSzTx/>
+                  <a:buFontTx/>
+                  <a:buNone/>
+                  <a:tabLst/>
+                  <a:defRPr/>
+                </a:pPr>
+                <a:r>
+                  <a:rPr kumimoji="0" lang="pt-BR" sz="1400" b="0" i="0" u="none" strike="noStrike" kern="1200" cap="none" spc="0" normalizeH="0" baseline="0" noProof="0" dirty="0">
+                    <a:ln>
+                      <a:noFill/>
+                    </a:ln>
+                    <a:solidFill>
+                      <a:prstClr val="white"/>
+                    </a:solidFill>
+                    <a:effectLst/>
+                    <a:uLnTx/>
+                    <a:uFillTx/>
+                    <a:latin typeface="Calibri" panose="020F0502020204030204"/>
+                    <a:ea typeface="+mn-ea"/>
+                    <a:cs typeface="+mn-cs"/>
+                  </a:rPr>
+                  <a:t>v.import</a:t>
+                </a:r>
+                <a:endParaRPr kumimoji="0" lang="en-NZ" sz="1400" b="0" i="0" u="none" strike="noStrike" kern="1200" cap="none" spc="0" normalizeH="0" baseline="0" noProof="0" dirty="0">
+                  <a:ln>
+                    <a:noFill/>
+                  </a:ln>
+                  <a:solidFill>
+                    <a:prstClr val="white"/>
+                  </a:solidFill>
+                  <a:effectLst/>
+                  <a:uLnTx/>
+                  <a:uFillTx/>
+                  <a:latin typeface="Calibri" panose="020F0502020204030204"/>
+                  <a:ea typeface="+mn-ea"/>
+                  <a:cs typeface="+mn-cs"/>
+                </a:endParaRPr>
+              </a:p>
+            </p:txBody>
+          </p:sp>
+          <p:pic>
+            <p:nvPicPr>
+              <p:cNvPr id="10" name="Picture 9">
+                <a:extLst>
+                  <a:ext uri="{FF2B5EF4-FFF2-40B4-BE49-F238E27FC236}">
+                    <a16:creationId xmlns:a16="http://schemas.microsoft.com/office/drawing/2014/main" id="{F821CD2D-5C94-61A3-64B4-955A84C9FE68}"/>
+                  </a:ext>
+                </a:extLst>
+              </p:cNvPr>
+              <p:cNvPicPr>
+                <a:picLocks noChangeAspect="1"/>
+              </p:cNvPicPr>
+              <p:nvPr/>
+            </p:nvPicPr>
+            <p:blipFill>
+              <a:blip r:embed="rId5"/>
+              <a:stretch>
+                <a:fillRect/>
+              </a:stretch>
+            </p:blipFill>
+            <p:spPr>
+              <a:xfrm>
+                <a:off x="4447802" y="5283404"/>
+                <a:ext cx="2004954" cy="903600"/>
+              </a:xfrm>
+              <a:prstGeom prst="rect">
+                <a:avLst/>
+              </a:prstGeom>
+            </p:spPr>
+          </p:pic>
+          <p:sp>
+            <p:nvSpPr>
+              <p:cNvPr id="14" name="TextBox 13">
+                <a:extLst>
+                  <a:ext uri="{FF2B5EF4-FFF2-40B4-BE49-F238E27FC236}">
+                    <a16:creationId xmlns:a16="http://schemas.microsoft.com/office/drawing/2014/main" id="{78645F33-2153-120B-68C2-E3D97B8DEAC6}"/>
+                  </a:ext>
+                </a:extLst>
+              </p:cNvPr>
+              <p:cNvSpPr txBox="1"/>
+              <p:nvPr/>
+            </p:nvSpPr>
+            <p:spPr>
+              <a:xfrm>
+                <a:off x="4726731" y="4907404"/>
+                <a:ext cx="1703990" cy="261610"/>
+              </a:xfrm>
+              <a:prstGeom prst="rect">
+                <a:avLst/>
+              </a:prstGeom>
+              <a:noFill/>
+            </p:spPr>
+            <p:txBody>
+              <a:bodyPr wrap="square">
+                <a:spAutoFit/>
+              </a:bodyPr>
+              <a:lstStyle/>
+              <a:p>
+                <a:pPr marL="0" marR="0" lvl="0" indent="0" algn="l" defTabSz="914400" rtl="0" eaLnBrk="1" fontAlgn="auto" latinLnBrk="0" hangingPunct="1">
+                  <a:lnSpc>
+                    <a:spcPct val="100000"/>
+                  </a:lnSpc>
+                  <a:spcBef>
+                    <a:spcPts val="0"/>
+                  </a:spcBef>
+                  <a:spcAft>
+                    <a:spcPts val="0"/>
+                  </a:spcAft>
+                  <a:buClrTx/>
+                  <a:buSzTx/>
+                  <a:buFontTx/>
+                  <a:buNone/>
+                  <a:tabLst/>
+                  <a:defRPr/>
+                </a:pPr>
+                <a:r>
+                  <a:rPr kumimoji="0" lang="en-NZ" sz="1100" b="0" i="0" u="none" strike="noStrike" kern="1200" cap="none" spc="0" normalizeH="0" baseline="0" noProof="0" dirty="0">
+                    <a:ln>
+                      <a:noFill/>
+                    </a:ln>
+                    <a:solidFill>
+                      <a:srgbClr val="000000"/>
+                    </a:solidFill>
+                    <a:effectLst/>
+                    <a:highlight>
+                      <a:srgbClr val="FFFFFF"/>
+                    </a:highlight>
+                    <a:uLnTx/>
+                    <a:uFillTx/>
+                    <a:latin typeface="Lato" panose="020F0502020204030203" pitchFamily="34" charset="0"/>
+                    <a:ea typeface="+mn-ea"/>
+                    <a:cs typeface="+mn-cs"/>
+                  </a:rPr>
+                  <a:t>EPSG:4326 - WGS 84</a:t>
+                </a:r>
+                <a:endParaRPr kumimoji="0" lang="en-NZ" sz="1100" b="0" i="0" u="none" strike="noStrike" kern="1200" cap="none" spc="0" normalizeH="0" baseline="0" noProof="0" dirty="0">
+                  <a:ln>
+                    <a:noFill/>
+                  </a:ln>
+                  <a:solidFill>
+                    <a:prstClr val="black"/>
+                  </a:solidFill>
+                  <a:effectLst/>
+                  <a:uLnTx/>
+                  <a:uFillTx/>
+                  <a:latin typeface="Calibri" panose="020F0502020204030204"/>
+                  <a:ea typeface="+mn-ea"/>
+                  <a:cs typeface="+mn-cs"/>
+                </a:endParaRPr>
+              </a:p>
+            </p:txBody>
+          </p:sp>
+          <p:sp>
+            <p:nvSpPr>
+              <p:cNvPr id="27" name="TextBox 26">
+                <a:extLst>
+                  <a:ext uri="{FF2B5EF4-FFF2-40B4-BE49-F238E27FC236}">
+                    <a16:creationId xmlns:a16="http://schemas.microsoft.com/office/drawing/2014/main" id="{45021953-823B-FE71-955C-2840F77D8C8B}"/>
+                  </a:ext>
+                </a:extLst>
+              </p:cNvPr>
+              <p:cNvSpPr txBox="1"/>
+              <p:nvPr/>
+            </p:nvSpPr>
+            <p:spPr>
+              <a:xfrm>
+                <a:off x="6595789" y="4729128"/>
+                <a:ext cx="3112091" cy="338554"/>
+              </a:xfrm>
+              <a:prstGeom prst="rect">
+                <a:avLst/>
+              </a:prstGeom>
+              <a:noFill/>
+            </p:spPr>
+            <p:txBody>
+              <a:bodyPr wrap="square">
+                <a:spAutoFit/>
+              </a:bodyPr>
+              <a:lstStyle/>
+              <a:p>
+                <a:pPr marL="0" marR="0" lvl="0" indent="0" algn="l" defTabSz="914400" rtl="0" eaLnBrk="1" fontAlgn="auto" latinLnBrk="0" hangingPunct="1">
+                  <a:lnSpc>
+                    <a:spcPct val="100000"/>
+                  </a:lnSpc>
+                  <a:spcBef>
+                    <a:spcPts val="0"/>
+                  </a:spcBef>
+                  <a:spcAft>
+                    <a:spcPts val="0"/>
+                  </a:spcAft>
+                  <a:buClrTx/>
+                  <a:buSzTx/>
+                  <a:buFontTx/>
+                  <a:buNone/>
+                  <a:tabLst/>
+                  <a:defRPr/>
+                </a:pPr>
+                <a:r>
+                  <a:rPr kumimoji="0" lang="en-NZ" sz="800" b="0" i="0" u="none" strike="noStrike" kern="1200" cap="none" spc="0" normalizeH="0" baseline="0" noProof="0" dirty="0" err="1">
+                    <a:ln>
+                      <a:noFill/>
+                    </a:ln>
+                    <a:solidFill>
+                      <a:prstClr val="black"/>
+                    </a:solidFill>
+                    <a:effectLst/>
+                    <a:uLnTx/>
+                    <a:uFillTx/>
+                    <a:latin typeface="Courier New" panose="02070309020205020404" pitchFamily="49" charset="0"/>
+                    <a:ea typeface="+mn-ea"/>
+                    <a:cs typeface="Courier New" panose="02070309020205020404" pitchFamily="49" charset="0"/>
+                  </a:rPr>
+                  <a:t>execGRASS</a:t>
+                </a:r>
+                <a:r>
+                  <a:rPr kumimoji="0" lang="en-NZ" sz="800" b="0" i="0" u="none" strike="noStrike" kern="1200" cap="none" spc="0" normalizeH="0" baseline="0" noProof="0" dirty="0">
+                    <a:ln>
+                      <a:noFill/>
+                    </a:ln>
+                    <a:solidFill>
+                      <a:prstClr val="black"/>
+                    </a:solidFill>
+                    <a:effectLst/>
+                    <a:uLnTx/>
+                    <a:uFillTx/>
+                    <a:latin typeface="Courier New" panose="02070309020205020404" pitchFamily="49" charset="0"/>
+                    <a:ea typeface="+mn-ea"/>
+                    <a:cs typeface="Courier New" panose="02070309020205020404" pitchFamily="49" charset="0"/>
+                  </a:rPr>
+                  <a:t>("</a:t>
+                </a:r>
+                <a:r>
+                  <a:rPr kumimoji="0" lang="en-NZ" sz="800" b="0" i="0" u="none" strike="noStrike" kern="1200" cap="none" spc="0" normalizeH="0" baseline="0" noProof="0" dirty="0" err="1">
+                    <a:ln>
+                      <a:noFill/>
+                    </a:ln>
+                    <a:solidFill>
+                      <a:prstClr val="black"/>
+                    </a:solidFill>
+                    <a:effectLst/>
+                    <a:uLnTx/>
+                    <a:uFillTx/>
+                    <a:latin typeface="Courier New" panose="02070309020205020404" pitchFamily="49" charset="0"/>
+                    <a:ea typeface="+mn-ea"/>
+                    <a:cs typeface="Courier New" panose="02070309020205020404" pitchFamily="49" charset="0"/>
+                  </a:rPr>
+                  <a:t>g.region</a:t>
+                </a:r>
+                <a:r>
+                  <a:rPr kumimoji="0" lang="en-NZ" sz="800" b="0" i="0" u="none" strike="noStrike" kern="1200" cap="none" spc="0" normalizeH="0" baseline="0" noProof="0" dirty="0">
+                    <a:ln>
+                      <a:noFill/>
+                    </a:ln>
+                    <a:solidFill>
+                      <a:prstClr val="black"/>
+                    </a:solidFill>
+                    <a:effectLst/>
+                    <a:uLnTx/>
+                    <a:uFillTx/>
+                    <a:latin typeface="Courier New" panose="02070309020205020404" pitchFamily="49" charset="0"/>
+                    <a:ea typeface="+mn-ea"/>
+                    <a:cs typeface="Courier New" panose="02070309020205020404" pitchFamily="49" charset="0"/>
+                  </a:rPr>
+                  <a:t>", parameters = list(raster = “</a:t>
+                </a:r>
+                <a:r>
+                  <a:rPr kumimoji="0" lang="en-NZ" sz="800" b="0" i="0" u="none" strike="noStrike" kern="1200" cap="none" spc="0" normalizeH="0" baseline="0" noProof="0" dirty="0" err="1">
+                    <a:ln>
+                      <a:noFill/>
+                    </a:ln>
+                    <a:solidFill>
+                      <a:prstClr val="black"/>
+                    </a:solidFill>
+                    <a:effectLst/>
+                    <a:uLnTx/>
+                    <a:uFillTx/>
+                    <a:latin typeface="Courier New" panose="02070309020205020404" pitchFamily="49" charset="0"/>
+                    <a:ea typeface="+mn-ea"/>
+                    <a:cs typeface="Courier New" panose="02070309020205020404" pitchFamily="49" charset="0"/>
+                  </a:rPr>
+                  <a:t>rast</a:t>
+                </a:r>
+                <a:r>
+                  <a:rPr kumimoji="0" lang="en-NZ" sz="800" b="0" i="0" u="none" strike="noStrike" kern="1200" cap="none" spc="0" normalizeH="0" baseline="0" noProof="0" dirty="0">
+                    <a:ln>
+                      <a:noFill/>
+                    </a:ln>
+                    <a:solidFill>
+                      <a:prstClr val="black"/>
+                    </a:solidFill>
+                    <a:effectLst/>
+                    <a:uLnTx/>
+                    <a:uFillTx/>
+                    <a:latin typeface="Courier New" panose="02070309020205020404" pitchFamily="49" charset="0"/>
+                    <a:ea typeface="+mn-ea"/>
+                    <a:cs typeface="Courier New" panose="02070309020205020404" pitchFamily="49" charset="0"/>
+                  </a:rPr>
+                  <a:t>"),  res=</a:t>
+                </a:r>
+                <a:r>
+                  <a:rPr kumimoji="0" lang="en-NZ" sz="800" b="0" i="0" u="none" strike="noStrike" kern="1200" cap="none" spc="0" normalizeH="0" baseline="0" noProof="0" dirty="0" err="1">
+                    <a:ln>
+                      <a:noFill/>
+                    </a:ln>
+                    <a:solidFill>
+                      <a:prstClr val="black"/>
+                    </a:solidFill>
+                    <a:effectLst/>
+                    <a:uLnTx/>
+                    <a:uFillTx/>
+                    <a:latin typeface="Courier New" panose="02070309020205020404" pitchFamily="49" charset="0"/>
+                    <a:ea typeface="+mn-ea"/>
+                    <a:cs typeface="Courier New" panose="02070309020205020404" pitchFamily="49" charset="0"/>
+                  </a:rPr>
+                  <a:t>wres</a:t>
+                </a:r>
+                <a:r>
+                  <a:rPr kumimoji="0" lang="en-NZ" sz="800" b="0" i="0" u="none" strike="noStrike" kern="1200" cap="none" spc="0" normalizeH="0" baseline="0" noProof="0" dirty="0">
+                    <a:ln>
+                      <a:noFill/>
+                    </a:ln>
+                    <a:solidFill>
+                      <a:prstClr val="black"/>
+                    </a:solidFill>
+                    <a:effectLst/>
+                    <a:uLnTx/>
+                    <a:uFillTx/>
+                    <a:latin typeface="Courier New" panose="02070309020205020404" pitchFamily="49" charset="0"/>
+                    <a:ea typeface="+mn-ea"/>
+                    <a:cs typeface="Courier New" panose="02070309020205020404" pitchFamily="49" charset="0"/>
+                  </a:rPr>
+                  <a:t>)</a:t>
+                </a:r>
+              </a:p>
+            </p:txBody>
+          </p:sp>
+          <p:sp>
+            <p:nvSpPr>
+              <p:cNvPr id="29" name="TextBox 28">
+                <a:extLst>
+                  <a:ext uri="{FF2B5EF4-FFF2-40B4-BE49-F238E27FC236}">
+                    <a16:creationId xmlns:a16="http://schemas.microsoft.com/office/drawing/2014/main" id="{A7051B35-4B1D-3C99-6CB8-2EB46266E7DC}"/>
+                  </a:ext>
+                </a:extLst>
+              </p:cNvPr>
+              <p:cNvSpPr txBox="1"/>
+              <p:nvPr/>
+            </p:nvSpPr>
+            <p:spPr>
+              <a:xfrm>
+                <a:off x="7611714" y="4489791"/>
+                <a:ext cx="1236149" cy="222970"/>
+              </a:xfrm>
+              <a:prstGeom prst="rect">
+                <a:avLst/>
+              </a:prstGeom>
+              <a:noFill/>
+            </p:spPr>
+            <p:txBody>
+              <a:bodyPr wrap="square">
+                <a:spAutoFit/>
+              </a:bodyPr>
+              <a:lstStyle/>
+              <a:p>
+                <a:pPr marL="0" marR="0" lvl="0" indent="0" algn="l" defTabSz="914400" rtl="0" eaLnBrk="1" fontAlgn="auto" latinLnBrk="0" hangingPunct="1">
+                  <a:lnSpc>
+                    <a:spcPct val="100000"/>
+                  </a:lnSpc>
+                  <a:spcBef>
+                    <a:spcPts val="0"/>
+                  </a:spcBef>
+                  <a:spcAft>
+                    <a:spcPts val="0"/>
+                  </a:spcAft>
+                  <a:buClrTx/>
+                  <a:buSzTx/>
+                  <a:buFontTx/>
+                  <a:buNone/>
+                  <a:tabLst/>
+                  <a:defRPr/>
+                </a:pPr>
+                <a:r>
+                  <a:rPr kumimoji="0" lang="en-NZ" sz="800" b="0" i="0" u="none" strike="noStrike" kern="1200" cap="none" spc="0" normalizeH="0" baseline="0" noProof="0" dirty="0" err="1">
+                    <a:ln>
+                      <a:noFill/>
+                    </a:ln>
+                    <a:solidFill>
+                      <a:prstClr val="black"/>
+                    </a:solidFill>
+                    <a:effectLst/>
+                    <a:uLnTx/>
+                    <a:uFillTx/>
+                    <a:latin typeface="Courier New" panose="02070309020205020404" pitchFamily="49" charset="0"/>
+                    <a:ea typeface="+mn-ea"/>
+                    <a:cs typeface="Courier New" panose="02070309020205020404" pitchFamily="49" charset="0"/>
+                  </a:rPr>
+                  <a:t>wres</a:t>
+                </a:r>
+                <a:r>
+                  <a:rPr kumimoji="0" lang="en-NZ" sz="800" b="0" i="0" u="none" strike="noStrike" kern="1200" cap="none" spc="0" normalizeH="0" baseline="0" noProof="0" dirty="0">
+                    <a:ln>
+                      <a:noFill/>
+                    </a:ln>
+                    <a:solidFill>
+                      <a:prstClr val="black"/>
+                    </a:solidFill>
+                    <a:effectLst/>
+                    <a:uLnTx/>
+                    <a:uFillTx/>
+                    <a:latin typeface="Courier New" panose="02070309020205020404" pitchFamily="49" charset="0"/>
+                    <a:ea typeface="+mn-ea"/>
+                    <a:cs typeface="Courier New" panose="02070309020205020404" pitchFamily="49" charset="0"/>
+                  </a:rPr>
+                  <a:t> &lt;- '100' </a:t>
+                </a:r>
+              </a:p>
+            </p:txBody>
+          </p:sp>
+          <p:sp>
+            <p:nvSpPr>
+              <p:cNvPr id="32" name="TextBox 31">
+                <a:extLst>
+                  <a:ext uri="{FF2B5EF4-FFF2-40B4-BE49-F238E27FC236}">
+                    <a16:creationId xmlns:a16="http://schemas.microsoft.com/office/drawing/2014/main" id="{3503F80F-E8E9-689A-C981-DDF2E5FE8B4C}"/>
+                  </a:ext>
+                </a:extLst>
+              </p:cNvPr>
+              <p:cNvSpPr txBox="1"/>
+              <p:nvPr/>
+            </p:nvSpPr>
+            <p:spPr>
+              <a:xfrm>
+                <a:off x="4793048" y="4621730"/>
+                <a:ext cx="1703990" cy="261610"/>
+              </a:xfrm>
+              <a:prstGeom prst="rect">
+                <a:avLst/>
+              </a:prstGeom>
+              <a:noFill/>
+            </p:spPr>
+            <p:txBody>
+              <a:bodyPr wrap="square">
+                <a:spAutoFit/>
+              </a:bodyPr>
+              <a:lstStyle/>
+              <a:p>
+                <a:pPr marL="0" marR="0" lvl="0" indent="0" algn="l" defTabSz="914400" rtl="0" eaLnBrk="1" fontAlgn="auto" latinLnBrk="0" hangingPunct="1">
+                  <a:lnSpc>
+                    <a:spcPct val="100000"/>
+                  </a:lnSpc>
+                  <a:spcBef>
+                    <a:spcPts val="0"/>
+                  </a:spcBef>
+                  <a:spcAft>
+                    <a:spcPts val="0"/>
+                  </a:spcAft>
+                  <a:buClrTx/>
+                  <a:buSzTx/>
+                  <a:buFontTx/>
+                  <a:buNone/>
+                  <a:tabLst/>
+                  <a:defRPr/>
+                </a:pPr>
+                <a:r>
+                  <a:rPr kumimoji="0" lang="en-NZ" sz="1100" b="0" i="0" u="none" strike="noStrike" kern="1200" cap="none" spc="0" normalizeH="0" baseline="0" noProof="0" dirty="0">
+                    <a:ln>
+                      <a:noFill/>
+                    </a:ln>
+                    <a:solidFill>
+                      <a:srgbClr val="000000"/>
+                    </a:solidFill>
+                    <a:effectLst/>
+                    <a:highlight>
+                      <a:srgbClr val="FFFFFF"/>
+                    </a:highlight>
+                    <a:uLnTx/>
+                    <a:uFillTx/>
+                    <a:latin typeface="Lato" panose="020F0502020204030203" pitchFamily="34" charset="0"/>
+                    <a:ea typeface="+mn-ea"/>
+                    <a:cs typeface="+mn-cs"/>
+                  </a:rPr>
+                  <a:t>human population</a:t>
+                </a:r>
+                <a:endParaRPr kumimoji="0" lang="en-NZ" sz="1100" b="0" i="0" u="none" strike="noStrike" kern="1200" cap="none" spc="0" normalizeH="0" baseline="0" noProof="0" dirty="0">
+                  <a:ln>
+                    <a:noFill/>
+                  </a:ln>
+                  <a:solidFill>
+                    <a:prstClr val="black"/>
+                  </a:solidFill>
+                  <a:effectLst/>
+                  <a:uLnTx/>
+                  <a:uFillTx/>
+                  <a:latin typeface="Calibri" panose="020F0502020204030204"/>
+                  <a:ea typeface="+mn-ea"/>
+                  <a:cs typeface="+mn-cs"/>
+                </a:endParaRPr>
+              </a:p>
+            </p:txBody>
+          </p:sp>
+        </p:grpSp>
+        <p:sp>
+          <p:nvSpPr>
+            <p:cNvPr id="23" name="TextBox 22">
+              <a:extLst>
+                <a:ext uri="{FF2B5EF4-FFF2-40B4-BE49-F238E27FC236}">
+                  <a16:creationId xmlns:a16="http://schemas.microsoft.com/office/drawing/2014/main" id="{0FCB3DBC-915E-9B48-5690-0F97EA698C29}"/>
+                </a:ext>
+              </a:extLst>
+            </p:cNvPr>
+            <p:cNvSpPr txBox="1"/>
+            <p:nvPr/>
+          </p:nvSpPr>
+          <p:spPr>
+            <a:xfrm>
+              <a:off x="7023940" y="6064689"/>
+              <a:ext cx="2926678" cy="369332"/>
+            </a:xfrm>
+            <a:prstGeom prst="rect">
+              <a:avLst/>
+            </a:prstGeom>
+            <a:noFill/>
+          </p:spPr>
+          <p:txBody>
+            <a:bodyPr wrap="square">
+              <a:spAutoFit/>
+            </a:bodyPr>
+            <a:lstStyle/>
+            <a:p>
+              <a:pPr marL="0" marR="0" lvl="0" indent="0" algn="l" defTabSz="914400" rtl="0" eaLnBrk="1" fontAlgn="auto" latinLnBrk="0" hangingPunct="1">
+                <a:lnSpc>
+                  <a:spcPct val="100000"/>
+                </a:lnSpc>
+                <a:spcBef>
+                  <a:spcPts val="0"/>
+                </a:spcBef>
+                <a:spcAft>
+                  <a:spcPts val="0"/>
+                </a:spcAft>
+                <a:buClrTx/>
+                <a:buSzTx/>
+                <a:buFontTx/>
+                <a:buNone/>
+                <a:tabLst/>
+                <a:defRPr/>
+              </a:pPr>
+              <a:r>
+                <a:rPr kumimoji="0" lang="en-NZ" sz="900" b="0" i="0" u="none" strike="noStrike" kern="1200" cap="none" spc="0" normalizeH="0" baseline="0" noProof="0" dirty="0" err="1">
+                  <a:ln>
+                    <a:noFill/>
+                  </a:ln>
+                  <a:solidFill>
+                    <a:prstClr val="black"/>
+                  </a:solidFill>
+                  <a:effectLst/>
+                  <a:uLnTx/>
+                  <a:uFillTx/>
+                  <a:latin typeface="Courier New" panose="02070309020205020404" pitchFamily="49" charset="0"/>
+                  <a:ea typeface="+mn-ea"/>
+                  <a:cs typeface="Courier New" panose="02070309020205020404" pitchFamily="49" charset="0"/>
+                </a:rPr>
+                <a:t>execGRASS</a:t>
+              </a:r>
+              <a:r>
+                <a:rPr kumimoji="0" lang="en-NZ" sz="900" b="0" i="0" u="none" strike="noStrike" kern="1200" cap="none" spc="0" normalizeH="0" baseline="0" noProof="0" dirty="0">
+                  <a:ln>
+                    <a:noFill/>
+                  </a:ln>
+                  <a:solidFill>
+                    <a:prstClr val="black"/>
+                  </a:solidFill>
+                  <a:effectLst/>
+                  <a:uLnTx/>
+                  <a:uFillTx/>
+                  <a:latin typeface="Courier New" panose="02070309020205020404" pitchFamily="49" charset="0"/>
+                  <a:ea typeface="+mn-ea"/>
+                  <a:cs typeface="Courier New" panose="02070309020205020404" pitchFamily="49" charset="0"/>
+                </a:rPr>
+                <a:t>("</a:t>
+              </a:r>
+              <a:r>
+                <a:rPr kumimoji="0" lang="en-NZ" sz="900" b="0" i="0" u="none" strike="noStrike" kern="1200" cap="none" spc="0" normalizeH="0" baseline="0" noProof="0" dirty="0" err="1">
+                  <a:ln>
+                    <a:noFill/>
+                  </a:ln>
+                  <a:solidFill>
+                    <a:prstClr val="black"/>
+                  </a:solidFill>
+                  <a:effectLst/>
+                  <a:uLnTx/>
+                  <a:uFillTx/>
+                  <a:latin typeface="Courier New" panose="02070309020205020404" pitchFamily="49" charset="0"/>
+                  <a:ea typeface="+mn-ea"/>
+                  <a:cs typeface="Courier New" panose="02070309020205020404" pitchFamily="49" charset="0"/>
+                </a:rPr>
+                <a:t>g.region</a:t>
+              </a:r>
+              <a:r>
+                <a:rPr kumimoji="0" lang="en-NZ" sz="900" b="0" i="0" u="none" strike="noStrike" kern="1200" cap="none" spc="0" normalizeH="0" baseline="0" noProof="0" dirty="0">
+                  <a:ln>
+                    <a:noFill/>
+                  </a:ln>
+                  <a:solidFill>
+                    <a:prstClr val="black"/>
+                  </a:solidFill>
+                  <a:effectLst/>
+                  <a:uLnTx/>
+                  <a:uFillTx/>
+                  <a:latin typeface="Courier New" panose="02070309020205020404" pitchFamily="49" charset="0"/>
+                  <a:ea typeface="+mn-ea"/>
+                  <a:cs typeface="Courier New" panose="02070309020205020404" pitchFamily="49" charset="0"/>
+                </a:rPr>
+                <a:t>", parameters = list(raster = "pop")</a:t>
+              </a:r>
+            </a:p>
+          </p:txBody>
+        </p:sp>
+      </p:grpSp>
+      <p:sp>
+        <p:nvSpPr>
+          <p:cNvPr id="47" name="Rectangle 46">
+            <a:extLst>
+              <a:ext uri="{FF2B5EF4-FFF2-40B4-BE49-F238E27FC236}">
+                <a16:creationId xmlns:a16="http://schemas.microsoft.com/office/drawing/2014/main" id="{510DBF8B-DDA6-14DD-8CEA-8C64991DD0E7}"/>
+              </a:ext>
+            </a:extLst>
+          </p:cNvPr>
+          <p:cNvSpPr/>
+          <p:nvPr/>
+        </p:nvSpPr>
+        <p:spPr>
+          <a:xfrm>
+            <a:off x="174731" y="1147705"/>
+            <a:ext cx="3266974" cy="3988587"/>
+          </a:xfrm>
+          <a:prstGeom prst="rect">
+            <a:avLst/>
+          </a:prstGeom>
+          <a:noFill/>
+          <a:ln w="38100"/>
+        </p:spPr>
+        <p:style>
+          <a:lnRef idx="1">
+            <a:schemeClr val="accent3"/>
+          </a:lnRef>
+          <a:fillRef idx="2">
+            <a:schemeClr val="accent3"/>
+          </a:fillRef>
+          <a:effectRef idx="1">
+            <a:schemeClr val="accent3"/>
+          </a:effectRef>
+          <a:fontRef idx="minor">
+            <a:schemeClr val="dk1"/>
+          </a:fontRef>
+        </p:style>
+        <p:txBody>
+          <a:bodyPr rtlCol="0" anchor="ctr"/>
+          <a:lstStyle/>
+          <a:p>
+            <a:pPr marL="0" marR="0" lvl="0" indent="0" algn="ctr" defTabSz="914400" rtl="0" eaLnBrk="1" fontAlgn="auto" latinLnBrk="0" hangingPunct="1">
+              <a:lnSpc>
+                <a:spcPct val="100000"/>
+              </a:lnSpc>
+              <a:spcBef>
+                <a:spcPts val="0"/>
+              </a:spcBef>
+              <a:spcAft>
+                <a:spcPts val="0"/>
+              </a:spcAft>
+              <a:buClrTx/>
+              <a:buSzTx/>
+              <a:buFontTx/>
+              <a:buNone/>
+              <a:tabLst/>
+              <a:defRPr/>
+            </a:pPr>
+            <a:endParaRPr kumimoji="0" lang="en-NZ" sz="1800" b="0" i="0" u="none" strike="noStrike" kern="1200" cap="none" spc="0" normalizeH="0" baseline="0" noProof="0">
+              <a:ln>
+                <a:noFill/>
+              </a:ln>
+              <a:solidFill>
+                <a:prstClr val="black"/>
+              </a:solidFill>
+              <a:effectLst/>
+              <a:uLnTx/>
+              <a:uFillTx/>
+              <a:latin typeface="Calibri" panose="020F0502020204030204"/>
+              <a:ea typeface="+mn-ea"/>
+              <a:cs typeface="+mn-cs"/>
+            </a:endParaRPr>
+          </a:p>
+        </p:txBody>
+      </p:sp>
+      <p:sp>
+        <p:nvSpPr>
+          <p:cNvPr id="50" name="Rectangle 49">
+            <a:extLst>
+              <a:ext uri="{FF2B5EF4-FFF2-40B4-BE49-F238E27FC236}">
+                <a16:creationId xmlns:a16="http://schemas.microsoft.com/office/drawing/2014/main" id="{4C096E4E-3CA3-0F0B-F680-6A16C8C7926A}"/>
+              </a:ext>
+            </a:extLst>
+          </p:cNvPr>
+          <p:cNvSpPr/>
+          <p:nvPr/>
+        </p:nvSpPr>
+        <p:spPr>
+          <a:xfrm>
+            <a:off x="10249119" y="1487132"/>
+            <a:ext cx="1236148" cy="454430"/>
+          </a:xfrm>
+          <a:prstGeom prst="rect">
+            <a:avLst/>
+          </a:prstGeom>
+          <a:solidFill>
+            <a:schemeClr val="accent6">
+              <a:lumMod val="40000"/>
+              <a:lumOff val="60000"/>
+            </a:schemeClr>
+          </a:solidFill>
+          <a:ln>
+            <a:noFill/>
+          </a:ln>
+        </p:spPr>
+        <p:style>
+          <a:lnRef idx="2">
+            <a:schemeClr val="accent1">
+              <a:shade val="15000"/>
+            </a:schemeClr>
+          </a:lnRef>
+          <a:fillRef idx="1">
+            <a:schemeClr val="accent1"/>
+          </a:fillRef>
+          <a:effectRef idx="0">
+            <a:schemeClr val="accent1"/>
+          </a:effectRef>
+          <a:fontRef idx="minor">
+            <a:schemeClr val="lt1"/>
+          </a:fontRef>
+        </p:style>
+        <p:txBody>
+          <a:bodyPr rtlCol="0" anchor="ctr"/>
+          <a:lstStyle/>
+          <a:p>
+            <a:pPr marL="0" marR="0" lvl="0" indent="0" algn="ctr" defTabSz="914400" rtl="0" eaLnBrk="1" fontAlgn="auto" latinLnBrk="0" hangingPunct="1">
+              <a:lnSpc>
+                <a:spcPct val="100000"/>
+              </a:lnSpc>
+              <a:spcBef>
+                <a:spcPts val="0"/>
+              </a:spcBef>
+              <a:spcAft>
+                <a:spcPts val="0"/>
+              </a:spcAft>
+              <a:buClrTx/>
+              <a:buSzTx/>
+              <a:buFontTx/>
+              <a:buNone/>
+              <a:tabLst/>
+              <a:defRPr/>
+            </a:pPr>
+            <a:r>
+              <a:rPr kumimoji="0" lang="pt-BR" sz="1400" b="0" i="0" u="none" strike="noStrike" kern="1200" cap="none" spc="0" normalizeH="0" baseline="0" noProof="0" dirty="0">
+                <a:ln>
+                  <a:noFill/>
+                </a:ln>
+                <a:solidFill>
+                  <a:prstClr val="white"/>
+                </a:solidFill>
+                <a:effectLst/>
+                <a:uLnTx/>
+                <a:uFillTx/>
+                <a:latin typeface="Calibri" panose="020F0502020204030204"/>
+                <a:ea typeface="+mn-ea"/>
+                <a:cs typeface="+mn-cs"/>
+              </a:rPr>
+              <a:t>eRIDE</a:t>
+            </a:r>
+          </a:p>
+        </p:txBody>
+      </p:sp>
+      <p:sp>
+        <p:nvSpPr>
+          <p:cNvPr id="51" name="Rectangle 50">
+            <a:extLst>
+              <a:ext uri="{FF2B5EF4-FFF2-40B4-BE49-F238E27FC236}">
+                <a16:creationId xmlns:a16="http://schemas.microsoft.com/office/drawing/2014/main" id="{AB80E548-C463-CC14-2628-B5E347287A37}"/>
+              </a:ext>
+            </a:extLst>
+          </p:cNvPr>
+          <p:cNvSpPr/>
+          <p:nvPr/>
+        </p:nvSpPr>
+        <p:spPr>
+          <a:xfrm>
+            <a:off x="10249119" y="3369037"/>
+            <a:ext cx="1236148" cy="454430"/>
+          </a:xfrm>
+          <a:prstGeom prst="rect">
+            <a:avLst/>
+          </a:prstGeom>
+          <a:solidFill>
+            <a:srgbClr val="F39F91"/>
+          </a:solidFill>
+          <a:ln>
+            <a:noFill/>
+          </a:ln>
+        </p:spPr>
+        <p:style>
+          <a:lnRef idx="2">
+            <a:schemeClr val="accent1">
+              <a:shade val="15000"/>
+            </a:schemeClr>
+          </a:lnRef>
+          <a:fillRef idx="1">
+            <a:schemeClr val="accent1"/>
+          </a:fillRef>
+          <a:effectRef idx="0">
+            <a:schemeClr val="accent1"/>
+          </a:effectRef>
+          <a:fontRef idx="minor">
+            <a:schemeClr val="lt1"/>
+          </a:fontRef>
+        </p:style>
+        <p:txBody>
+          <a:bodyPr rtlCol="0" anchor="ctr"/>
+          <a:lstStyle/>
+          <a:p>
+            <a:pPr marL="0" marR="0" lvl="0" indent="0" algn="ctr" defTabSz="914400" rtl="0" eaLnBrk="1" fontAlgn="auto" latinLnBrk="0" hangingPunct="1">
+              <a:lnSpc>
+                <a:spcPct val="100000"/>
+              </a:lnSpc>
+              <a:spcBef>
+                <a:spcPts val="0"/>
+              </a:spcBef>
+              <a:spcAft>
+                <a:spcPts val="0"/>
+              </a:spcAft>
+              <a:buClrTx/>
+              <a:buSzTx/>
+              <a:buFontTx/>
+              <a:buNone/>
+              <a:tabLst/>
+              <a:defRPr/>
+            </a:pPr>
+            <a:r>
+              <a:rPr kumimoji="0" lang="pt-BR" sz="1400" b="0" i="0" u="none" strike="noStrike" kern="1200" cap="none" spc="0" normalizeH="0" baseline="0" noProof="0" dirty="0">
+                <a:ln>
+                  <a:noFill/>
+                </a:ln>
+                <a:solidFill>
+                  <a:prstClr val="white"/>
+                </a:solidFill>
+                <a:effectLst/>
+                <a:uLnTx/>
+                <a:uFillTx/>
+                <a:latin typeface="Calibri" panose="020F0502020204030204"/>
+                <a:ea typeface="+mn-ea"/>
+                <a:cs typeface="+mn-cs"/>
+              </a:rPr>
+              <a:t>PAR</a:t>
+            </a:r>
+          </a:p>
+        </p:txBody>
+      </p:sp>
+      <p:sp>
+        <p:nvSpPr>
+          <p:cNvPr id="52" name="Rectangle 51">
+            <a:extLst>
+              <a:ext uri="{FF2B5EF4-FFF2-40B4-BE49-F238E27FC236}">
+                <a16:creationId xmlns:a16="http://schemas.microsoft.com/office/drawing/2014/main" id="{0A868294-B5BD-BE25-B32A-A08D3489F24B}"/>
+              </a:ext>
+            </a:extLst>
+          </p:cNvPr>
+          <p:cNvSpPr/>
+          <p:nvPr/>
+        </p:nvSpPr>
+        <p:spPr>
+          <a:xfrm>
+            <a:off x="9563338" y="1162532"/>
+            <a:ext cx="2493113" cy="3988587"/>
+          </a:xfrm>
+          <a:prstGeom prst="rect">
+            <a:avLst/>
+          </a:prstGeom>
+          <a:noFill/>
+          <a:ln w="38100"/>
+        </p:spPr>
+        <p:style>
+          <a:lnRef idx="1">
+            <a:schemeClr val="accent3"/>
+          </a:lnRef>
+          <a:fillRef idx="2">
+            <a:schemeClr val="accent3"/>
+          </a:fillRef>
+          <a:effectRef idx="1">
+            <a:schemeClr val="accent3"/>
+          </a:effectRef>
+          <a:fontRef idx="minor">
+            <a:schemeClr val="dk1"/>
+          </a:fontRef>
+        </p:style>
+        <p:txBody>
+          <a:bodyPr rtlCol="0" anchor="ctr"/>
+          <a:lstStyle/>
+          <a:p>
+            <a:pPr marL="0" marR="0" lvl="0" indent="0" algn="ctr" defTabSz="914400" rtl="0" eaLnBrk="1" fontAlgn="auto" latinLnBrk="0" hangingPunct="1">
+              <a:lnSpc>
+                <a:spcPct val="100000"/>
+              </a:lnSpc>
+              <a:spcBef>
+                <a:spcPts val="0"/>
+              </a:spcBef>
+              <a:spcAft>
+                <a:spcPts val="0"/>
+              </a:spcAft>
+              <a:buClrTx/>
+              <a:buSzTx/>
+              <a:buFontTx/>
+              <a:buNone/>
+              <a:tabLst/>
+              <a:defRPr/>
+            </a:pPr>
+            <a:endParaRPr kumimoji="0" lang="en-NZ" sz="1800" b="0" i="0" u="none" strike="noStrike" kern="1200" cap="none" spc="0" normalizeH="0" baseline="0" noProof="0">
+              <a:ln>
+                <a:noFill/>
+              </a:ln>
+              <a:solidFill>
+                <a:prstClr val="black"/>
+              </a:solidFill>
+              <a:effectLst/>
+              <a:uLnTx/>
+              <a:uFillTx/>
+              <a:latin typeface="Calibri" panose="020F0502020204030204"/>
+              <a:ea typeface="+mn-ea"/>
+              <a:cs typeface="+mn-cs"/>
+            </a:endParaRPr>
+          </a:p>
+        </p:txBody>
+      </p:sp>
+      <p:sp>
+        <p:nvSpPr>
+          <p:cNvPr id="57" name="TextBox 56">
+            <a:extLst>
+              <a:ext uri="{FF2B5EF4-FFF2-40B4-BE49-F238E27FC236}">
+                <a16:creationId xmlns:a16="http://schemas.microsoft.com/office/drawing/2014/main" id="{D3C238D6-D3CD-1ECC-E339-FDFAE21EC38A}"/>
+              </a:ext>
+            </a:extLst>
+          </p:cNvPr>
+          <p:cNvSpPr txBox="1"/>
+          <p:nvPr/>
+        </p:nvSpPr>
+        <p:spPr>
+          <a:xfrm>
+            <a:off x="9738370" y="1196551"/>
+            <a:ext cx="2411430" cy="276999"/>
+          </a:xfrm>
+          <a:prstGeom prst="rect">
+            <a:avLst/>
+          </a:prstGeom>
+          <a:noFill/>
+        </p:spPr>
+        <p:txBody>
+          <a:bodyPr wrap="square">
+            <a:spAutoFit/>
+          </a:bodyPr>
+          <a:lstStyle/>
+          <a:p>
+            <a:pPr marL="0" marR="0" lvl="0" indent="0" algn="l" defTabSz="914400" rtl="0" eaLnBrk="1" fontAlgn="auto" latinLnBrk="0" hangingPunct="1">
+              <a:lnSpc>
+                <a:spcPct val="100000"/>
+              </a:lnSpc>
+              <a:spcBef>
+                <a:spcPts val="0"/>
+              </a:spcBef>
+              <a:spcAft>
+                <a:spcPts val="0"/>
+              </a:spcAft>
+              <a:buClrTx/>
+              <a:buSzTx/>
+              <a:buFontTx/>
+              <a:buNone/>
+              <a:tabLst/>
+              <a:defRPr/>
+            </a:pPr>
+            <a:r>
+              <a:rPr kumimoji="0" lang="en-NZ" sz="1200" b="0" i="0" u="none" strike="noStrike" kern="1200" cap="none" spc="0" normalizeH="0" baseline="0" noProof="0" dirty="0" err="1">
+                <a:ln>
+                  <a:noFill/>
+                </a:ln>
+                <a:solidFill>
+                  <a:prstClr val="black"/>
+                </a:solidFill>
+                <a:effectLst/>
+                <a:uLnTx/>
+                <a:uFillTx/>
+                <a:latin typeface="Courier New" panose="02070309020205020404" pitchFamily="49" charset="0"/>
+                <a:ea typeface="+mn-ea"/>
+                <a:cs typeface="Courier New" panose="02070309020205020404" pitchFamily="49" charset="0"/>
+              </a:rPr>
+              <a:t>eride_run</a:t>
+            </a:r>
+            <a:r>
+              <a:rPr kumimoji="0" lang="en-NZ" sz="1200" b="0" i="0" u="none" strike="noStrike" kern="1200" cap="none" spc="0" normalizeH="0" baseline="0" noProof="0" dirty="0">
+                <a:ln>
+                  <a:noFill/>
+                </a:ln>
+                <a:solidFill>
+                  <a:prstClr val="black"/>
+                </a:solidFill>
+                <a:effectLst/>
+                <a:uLnTx/>
+                <a:uFillTx/>
+                <a:latin typeface="Courier New" panose="02070309020205020404" pitchFamily="49" charset="0"/>
+                <a:ea typeface="+mn-ea"/>
+                <a:cs typeface="Courier New" panose="02070309020205020404" pitchFamily="49" charset="0"/>
+              </a:rPr>
+              <a:t>("</a:t>
+            </a:r>
+            <a:r>
+              <a:rPr kumimoji="0" lang="en-NZ" sz="1200" b="0" i="0" u="none" strike="noStrike" kern="1200" cap="none" spc="0" normalizeH="0" baseline="0" noProof="0" dirty="0" err="1">
+                <a:ln>
+                  <a:noFill/>
+                </a:ln>
+                <a:solidFill>
+                  <a:prstClr val="black"/>
+                </a:solidFill>
+                <a:effectLst/>
+                <a:uLnTx/>
+                <a:uFillTx/>
+                <a:latin typeface="Courier New" panose="02070309020205020404" pitchFamily="49" charset="0"/>
+                <a:ea typeface="+mn-ea"/>
+                <a:cs typeface="Courier New" panose="02070309020205020404" pitchFamily="49" charset="0"/>
+              </a:rPr>
+              <a:t>rast</a:t>
+            </a:r>
+            <a:r>
+              <a:rPr kumimoji="0" lang="en-NZ" sz="1200" b="0" i="0" u="none" strike="noStrike" kern="1200" cap="none" spc="0" normalizeH="0" baseline="0" noProof="0" dirty="0">
+                <a:ln>
+                  <a:noFill/>
+                </a:ln>
+                <a:solidFill>
+                  <a:prstClr val="black"/>
+                </a:solidFill>
+                <a:effectLst/>
+                <a:uLnTx/>
+                <a:uFillTx/>
+                <a:latin typeface="Courier New" panose="02070309020205020404" pitchFamily="49" charset="0"/>
+                <a:ea typeface="+mn-ea"/>
+                <a:cs typeface="Courier New" panose="02070309020205020404" pitchFamily="49" charset="0"/>
+              </a:rPr>
+              <a:t>", "pop")</a:t>
+            </a:r>
+          </a:p>
+        </p:txBody>
+      </p:sp>
+      <p:sp>
+        <p:nvSpPr>
+          <p:cNvPr id="60" name="TextBox 59">
+            <a:extLst>
+              <a:ext uri="{FF2B5EF4-FFF2-40B4-BE49-F238E27FC236}">
+                <a16:creationId xmlns:a16="http://schemas.microsoft.com/office/drawing/2014/main" id="{E53515AC-A3A2-E1D4-2796-3191FC0968AD}"/>
+              </a:ext>
+            </a:extLst>
+          </p:cNvPr>
+          <p:cNvSpPr txBox="1"/>
+          <p:nvPr/>
+        </p:nvSpPr>
+        <p:spPr>
+          <a:xfrm>
+            <a:off x="9838040" y="822357"/>
+            <a:ext cx="2149395" cy="323165"/>
+          </a:xfrm>
+          <a:prstGeom prst="rect">
+            <a:avLst/>
+          </a:prstGeom>
+          <a:noFill/>
+        </p:spPr>
+        <p:txBody>
+          <a:bodyPr wrap="square">
+            <a:spAutoFit/>
+          </a:bodyPr>
+          <a:lstStyle/>
+          <a:p>
+            <a:pPr marL="0" marR="0" lvl="0" indent="0" algn="l" defTabSz="914400" rtl="0" eaLnBrk="1" fontAlgn="auto" latinLnBrk="0" hangingPunct="1">
+              <a:lnSpc>
+                <a:spcPct val="100000"/>
+              </a:lnSpc>
+              <a:spcBef>
+                <a:spcPts val="0"/>
+              </a:spcBef>
+              <a:spcAft>
+                <a:spcPts val="0"/>
+              </a:spcAft>
+              <a:buClrTx/>
+              <a:buSzTx/>
+              <a:buFontTx/>
+              <a:buNone/>
+              <a:tabLst/>
+              <a:defRPr/>
+            </a:pPr>
+            <a:r>
+              <a:rPr kumimoji="0" lang="en-NZ" sz="1500" b="0" i="0" u="none" strike="noStrike" kern="1200" cap="none" spc="0" normalizeH="0" baseline="0" noProof="0" dirty="0" err="1">
+                <a:ln>
+                  <a:noFill/>
+                </a:ln>
+                <a:solidFill>
+                  <a:srgbClr val="000000"/>
+                </a:solidFill>
+                <a:effectLst/>
+                <a:highlight>
+                  <a:srgbClr val="FFFFFF"/>
+                </a:highlight>
+                <a:uLnTx/>
+                <a:uFillTx/>
+                <a:latin typeface="Lato" panose="020F0502020204030203" pitchFamily="34" charset="0"/>
+                <a:ea typeface="+mn-ea"/>
+                <a:cs typeface="+mn-cs"/>
+              </a:rPr>
+              <a:t>eRIDE</a:t>
+            </a:r>
+            <a:r>
+              <a:rPr kumimoji="0" lang="en-NZ" sz="1500" b="0" i="0" u="none" strike="noStrike" kern="1200" cap="none" spc="0" normalizeH="0" baseline="0" noProof="0" dirty="0">
+                <a:ln>
+                  <a:noFill/>
+                </a:ln>
+                <a:solidFill>
+                  <a:srgbClr val="000000"/>
+                </a:solidFill>
+                <a:effectLst/>
+                <a:highlight>
+                  <a:srgbClr val="FFFFFF"/>
+                </a:highlight>
+                <a:uLnTx/>
+                <a:uFillTx/>
+                <a:latin typeface="Lato" panose="020F0502020204030203" pitchFamily="34" charset="0"/>
+                <a:ea typeface="+mn-ea"/>
+                <a:cs typeface="+mn-cs"/>
+              </a:rPr>
+              <a:t> source function</a:t>
+            </a:r>
+            <a:endParaRPr kumimoji="0" lang="en-NZ" sz="1500" b="0" i="0" u="none" strike="noStrike" kern="1200" cap="none" spc="0" normalizeH="0" baseline="0" noProof="0" dirty="0">
+              <a:ln>
+                <a:noFill/>
+              </a:ln>
+              <a:solidFill>
+                <a:prstClr val="black"/>
+              </a:solidFill>
+              <a:effectLst/>
+              <a:uLnTx/>
+              <a:uFillTx/>
+              <a:latin typeface="Calibri" panose="020F0502020204030204"/>
+              <a:ea typeface="+mn-ea"/>
+              <a:cs typeface="+mn-cs"/>
+            </a:endParaRPr>
+          </a:p>
+        </p:txBody>
+      </p:sp>
+      <p:sp>
+        <p:nvSpPr>
+          <p:cNvPr id="61" name="TextBox 60">
+            <a:extLst>
+              <a:ext uri="{FF2B5EF4-FFF2-40B4-BE49-F238E27FC236}">
+                <a16:creationId xmlns:a16="http://schemas.microsoft.com/office/drawing/2014/main" id="{EEFB2E83-8CF5-156B-5F20-BDBB84BCCCAD}"/>
+              </a:ext>
+            </a:extLst>
+          </p:cNvPr>
+          <p:cNvSpPr txBox="1"/>
+          <p:nvPr/>
+        </p:nvSpPr>
+        <p:spPr>
+          <a:xfrm>
+            <a:off x="5959697" y="781713"/>
+            <a:ext cx="1703990" cy="323165"/>
+          </a:xfrm>
+          <a:prstGeom prst="rect">
+            <a:avLst/>
+          </a:prstGeom>
+          <a:noFill/>
+        </p:spPr>
+        <p:txBody>
+          <a:bodyPr wrap="square">
+            <a:spAutoFit/>
+          </a:bodyPr>
+          <a:lstStyle/>
+          <a:p>
+            <a:pPr marL="0" marR="0" lvl="0" indent="0" algn="l" defTabSz="914400" rtl="0" eaLnBrk="1" fontAlgn="auto" latinLnBrk="0" hangingPunct="1">
+              <a:lnSpc>
+                <a:spcPct val="100000"/>
+              </a:lnSpc>
+              <a:spcBef>
+                <a:spcPts val="0"/>
+              </a:spcBef>
+              <a:spcAft>
+                <a:spcPts val="0"/>
+              </a:spcAft>
+              <a:buClrTx/>
+              <a:buSzTx/>
+              <a:buFontTx/>
+              <a:buNone/>
+              <a:tabLst/>
+              <a:defRPr/>
+            </a:pPr>
+            <a:r>
+              <a:rPr kumimoji="0" lang="en-US" sz="1500" b="0" i="0" u="none" strike="noStrike" kern="1200" cap="none" spc="0" normalizeH="0" baseline="0" noProof="0" dirty="0">
+                <a:ln>
+                  <a:noFill/>
+                </a:ln>
+                <a:solidFill>
+                  <a:srgbClr val="000000"/>
+                </a:solidFill>
+                <a:effectLst/>
+                <a:highlight>
+                  <a:srgbClr val="FFFFFF"/>
+                </a:highlight>
+                <a:uLnTx/>
+                <a:uFillTx/>
+                <a:latin typeface="Lato" panose="020F0502020204030203" pitchFamily="34" charset="0"/>
+                <a:ea typeface="+mn-ea"/>
+                <a:cs typeface="+mn-cs"/>
+              </a:rPr>
+              <a:t>Region set up</a:t>
+            </a:r>
+            <a:endParaRPr kumimoji="0" lang="en-NZ" sz="1500" b="0" i="0" u="none" strike="noStrike" kern="1200" cap="none" spc="0" normalizeH="0" baseline="0" noProof="0" dirty="0">
+              <a:ln>
+                <a:noFill/>
+              </a:ln>
+              <a:solidFill>
+                <a:prstClr val="black"/>
+              </a:solidFill>
+              <a:effectLst/>
+              <a:uLnTx/>
+              <a:uFillTx/>
+              <a:latin typeface="Calibri" panose="020F0502020204030204"/>
+              <a:ea typeface="+mn-ea"/>
+              <a:cs typeface="+mn-cs"/>
+            </a:endParaRPr>
+          </a:p>
+        </p:txBody>
+      </p:sp>
+      <p:sp>
+        <p:nvSpPr>
+          <p:cNvPr id="62" name="TextBox 61">
+            <a:extLst>
+              <a:ext uri="{FF2B5EF4-FFF2-40B4-BE49-F238E27FC236}">
+                <a16:creationId xmlns:a16="http://schemas.microsoft.com/office/drawing/2014/main" id="{C04767D8-702E-9633-6310-DE3B9D604CF1}"/>
+              </a:ext>
+            </a:extLst>
+          </p:cNvPr>
+          <p:cNvSpPr txBox="1"/>
+          <p:nvPr/>
+        </p:nvSpPr>
+        <p:spPr>
+          <a:xfrm>
+            <a:off x="833275" y="815014"/>
+            <a:ext cx="1988764" cy="323165"/>
+          </a:xfrm>
+          <a:prstGeom prst="rect">
+            <a:avLst/>
+          </a:prstGeom>
+          <a:noFill/>
+        </p:spPr>
+        <p:txBody>
+          <a:bodyPr wrap="square">
+            <a:spAutoFit/>
+          </a:bodyPr>
+          <a:lstStyle/>
+          <a:p>
+            <a:pPr marL="0" marR="0" lvl="0" indent="0" algn="l" defTabSz="914400" rtl="0" eaLnBrk="1" fontAlgn="auto" latinLnBrk="0" hangingPunct="1">
+              <a:lnSpc>
+                <a:spcPct val="100000"/>
+              </a:lnSpc>
+              <a:spcBef>
+                <a:spcPts val="0"/>
+              </a:spcBef>
+              <a:spcAft>
+                <a:spcPts val="0"/>
+              </a:spcAft>
+              <a:buClrTx/>
+              <a:buSzTx/>
+              <a:buFontTx/>
+              <a:buNone/>
+              <a:tabLst/>
+              <a:defRPr/>
+            </a:pPr>
+            <a:r>
+              <a:rPr kumimoji="0" lang="en-US" sz="1500" b="0" i="0" u="none" strike="noStrike" kern="1200" cap="none" spc="0" normalizeH="0" baseline="0" noProof="0" dirty="0">
+                <a:ln>
+                  <a:noFill/>
+                </a:ln>
+                <a:solidFill>
+                  <a:srgbClr val="000000"/>
+                </a:solidFill>
+                <a:effectLst/>
+                <a:highlight>
+                  <a:srgbClr val="FFFFFF"/>
+                </a:highlight>
+                <a:uLnTx/>
+                <a:uFillTx/>
+                <a:latin typeface="Lato" panose="020F0502020204030203" pitchFamily="34" charset="0"/>
+                <a:ea typeface="+mn-ea"/>
+                <a:cs typeface="+mn-cs"/>
+              </a:rPr>
+              <a:t>Environment set up</a:t>
+            </a:r>
+            <a:endParaRPr kumimoji="0" lang="en-NZ" sz="1500" b="0" i="0" u="none" strike="noStrike" kern="1200" cap="none" spc="0" normalizeH="0" baseline="0" noProof="0" dirty="0">
+              <a:ln>
+                <a:noFill/>
+              </a:ln>
+              <a:solidFill>
+                <a:prstClr val="black"/>
+              </a:solidFill>
+              <a:effectLst/>
+              <a:uLnTx/>
+              <a:uFillTx/>
+              <a:latin typeface="Calibri" panose="020F0502020204030204"/>
+              <a:ea typeface="+mn-ea"/>
+              <a:cs typeface="+mn-cs"/>
+            </a:endParaRPr>
+          </a:p>
+        </p:txBody>
+      </p:sp>
+      <p:pic>
+        <p:nvPicPr>
+          <p:cNvPr id="2" name="Picture 1">
+            <a:extLst>
+              <a:ext uri="{FF2B5EF4-FFF2-40B4-BE49-F238E27FC236}">
+                <a16:creationId xmlns:a16="http://schemas.microsoft.com/office/drawing/2014/main" id="{AF767236-823B-4D9B-AF55-ED65EA1C6583}"/>
+              </a:ext>
+            </a:extLst>
+          </p:cNvPr>
+          <p:cNvPicPr>
+            <a:picLocks noChangeAspect="1"/>
+          </p:cNvPicPr>
+          <p:nvPr/>
+        </p:nvPicPr>
+        <p:blipFill>
+          <a:blip r:embed="rId6"/>
+          <a:stretch>
+            <a:fillRect/>
+          </a:stretch>
+        </p:blipFill>
+        <p:spPr>
+          <a:xfrm>
+            <a:off x="9871949" y="3927321"/>
+            <a:ext cx="1955725" cy="901680"/>
+          </a:xfrm>
+          <a:prstGeom prst="rect">
+            <a:avLst/>
+          </a:prstGeom>
+        </p:spPr>
+      </p:pic>
+      <p:pic>
+        <p:nvPicPr>
+          <p:cNvPr id="13" name="Picture 12">
+            <a:extLst>
+              <a:ext uri="{FF2B5EF4-FFF2-40B4-BE49-F238E27FC236}">
+                <a16:creationId xmlns:a16="http://schemas.microsoft.com/office/drawing/2014/main" id="{AB91C909-34D6-4807-6559-9746EE424132}"/>
+              </a:ext>
+            </a:extLst>
+          </p:cNvPr>
+          <p:cNvPicPr>
+            <a:picLocks noChangeAspect="1"/>
+          </p:cNvPicPr>
+          <p:nvPr/>
+        </p:nvPicPr>
+        <p:blipFill>
+          <a:blip r:embed="rId7"/>
+          <a:stretch>
+            <a:fillRect/>
+          </a:stretch>
+        </p:blipFill>
+        <p:spPr>
+          <a:xfrm>
+            <a:off x="9659007" y="2202287"/>
+            <a:ext cx="2075744" cy="906025"/>
+          </a:xfrm>
+          <a:prstGeom prst="rect">
+            <a:avLst/>
+          </a:prstGeom>
+        </p:spPr>
+      </p:pic>
+    </p:spTree>
+    <p:extLst>
+      <p:ext uri="{BB962C8B-B14F-4D97-AF65-F5344CB8AC3E}">
+        <p14:creationId xmlns:p14="http://schemas.microsoft.com/office/powerpoint/2010/main" val="3108474657"/>
       </p:ext>
     </p:extLst>
   </p:cSld>
@@ -4290,4 +9938,299 @@
     </a:ext>
   </a:extLst>
 </a:theme>
+</file>
+
+<file path=ppt/theme/theme2.xml><?xml version="1.0" encoding="utf-8"?>
+<a:theme xmlns:a="http://schemas.openxmlformats.org/drawingml/2006/main" name="1_Office Theme">
+  <a:themeElements>
+    <a:clrScheme name="Office">
+      <a:dk1>
+        <a:sysClr val="windowText" lastClr="000000"/>
+      </a:dk1>
+      <a:lt1>
+        <a:sysClr val="window" lastClr="FFFFFF"/>
+      </a:lt1>
+      <a:dk2>
+        <a:srgbClr val="44546A"/>
+      </a:dk2>
+      <a:lt2>
+        <a:srgbClr val="E7E6E6"/>
+      </a:lt2>
+      <a:accent1>
+        <a:srgbClr val="4472C4"/>
+      </a:accent1>
+      <a:accent2>
+        <a:srgbClr val="ED7D31"/>
+      </a:accent2>
+      <a:accent3>
+        <a:srgbClr val="A5A5A5"/>
+      </a:accent3>
+      <a:accent4>
+        <a:srgbClr val="FFC000"/>
+      </a:accent4>
+      <a:accent5>
+        <a:srgbClr val="5B9BD5"/>
+      </a:accent5>
+      <a:accent6>
+        <a:srgbClr val="70AD47"/>
+      </a:accent6>
+      <a:hlink>
+        <a:srgbClr val="0563C1"/>
+      </a:hlink>
+      <a:folHlink>
+        <a:srgbClr val="954F72"/>
+      </a:folHlink>
+    </a:clrScheme>
+    <a:fontScheme name="Office">
+      <a:majorFont>
+        <a:latin typeface="Calibri Light" panose="020F0302020204030204"/>
+        <a:ea typeface=""/>
+        <a:cs typeface=""/>
+        <a:font script="Jpan" typeface="游ゴシック Light"/>
+        <a:font script="Hang" typeface="맑은 고딕"/>
+        <a:font script="Hans" typeface="等线 Light"/>
+        <a:font script="Hant" typeface="新細明體"/>
+        <a:font script="Arab" typeface="Times New Roman"/>
+        <a:font script="Hebr" typeface="Times New Roman"/>
+        <a:font script="Thai" typeface="Angsana New"/>
+        <a:font script="Ethi" typeface="Nyala"/>
+        <a:font script="Beng" typeface="Vrinda"/>
+        <a:font script="Gujr" typeface="Shruti"/>
+        <a:font script="Khmr" typeface="MoolBoran"/>
+        <a:font script="Knda" typeface="Tunga"/>
+        <a:font script="Guru" typeface="Raavi"/>
+        <a:font script="Cans" typeface="Euphemia"/>
+        <a:font script="Cher" typeface="Plantagenet Cherokee"/>
+        <a:font script="Yiii" typeface="Microsoft Yi Baiti"/>
+        <a:font script="Tibt" typeface="Microsoft Himalaya"/>
+        <a:font script="Thaa" typeface="MV Boli"/>
+        <a:font script="Deva" typeface="Mangal"/>
+        <a:font script="Telu" typeface="Gautami"/>
+        <a:font script="Taml" typeface="Latha"/>
+        <a:font script="Syrc" typeface="Estrangelo Edessa"/>
+        <a:font script="Orya" typeface="Kalinga"/>
+        <a:font script="Mlym" typeface="Kartika"/>
+        <a:font script="Laoo" typeface="DokChampa"/>
+        <a:font script="Sinh" typeface="Iskoola Pota"/>
+        <a:font script="Mong" typeface="Mongolian Baiti"/>
+        <a:font script="Viet" typeface="Times New Roman"/>
+        <a:font script="Uigh" typeface="Microsoft Uighur"/>
+        <a:font script="Geor" typeface="Sylfaen"/>
+        <a:font script="Armn" typeface="Arial"/>
+        <a:font script="Bugi" typeface="Leelawadee UI"/>
+        <a:font script="Bopo" typeface="Microsoft JhengHei"/>
+        <a:font script="Java" typeface="Javanese Text"/>
+        <a:font script="Lisu" typeface="Segoe UI"/>
+        <a:font script="Mymr" typeface="Myanmar Text"/>
+        <a:font script="Nkoo" typeface="Ebrima"/>
+        <a:font script="Olck" typeface="Nirmala UI"/>
+        <a:font script="Osma" typeface="Ebrima"/>
+        <a:font script="Phag" typeface="Phagspa"/>
+        <a:font script="Syrn" typeface="Estrangelo Edessa"/>
+        <a:font script="Syrj" typeface="Estrangelo Edessa"/>
+        <a:font script="Syre" typeface="Estrangelo Edessa"/>
+        <a:font script="Sora" typeface="Nirmala UI"/>
+        <a:font script="Tale" typeface="Microsoft Tai Le"/>
+        <a:font script="Talu" typeface="Microsoft New Tai Lue"/>
+        <a:font script="Tfng" typeface="Ebrima"/>
+      </a:majorFont>
+      <a:minorFont>
+        <a:latin typeface="Calibri" panose="020F0502020204030204"/>
+        <a:ea typeface=""/>
+        <a:cs typeface=""/>
+        <a:font script="Jpan" typeface="游ゴシック"/>
+        <a:font script="Hang" typeface="맑은 고딕"/>
+        <a:font script="Hans" typeface="等线"/>
+        <a:font script="Hant" typeface="新細明體"/>
+        <a:font script="Arab" typeface="Arial"/>
+        <a:font script="Hebr" typeface="Arial"/>
+        <a:font script="Thai" typeface="Cordia New"/>
+        <a:font script="Ethi" typeface="Nyala"/>
+        <a:font script="Beng" typeface="Vrinda"/>
+        <a:font script="Gujr" typeface="Shruti"/>
+        <a:font script="Khmr" typeface="DaunPenh"/>
+        <a:font script="Knda" typeface="Tunga"/>
+        <a:font script="Guru" typeface="Raavi"/>
+        <a:font script="Cans" typeface="Euphemia"/>
+        <a:font script="Cher" typeface="Plantagenet Cherokee"/>
+        <a:font script="Yiii" typeface="Microsoft Yi Baiti"/>
+        <a:font script="Tibt" typeface="Microsoft Himalaya"/>
+        <a:font script="Thaa" typeface="MV Boli"/>
+        <a:font script="Deva" typeface="Mangal"/>
+        <a:font script="Telu" typeface="Gautami"/>
+        <a:font script="Taml" typeface="Latha"/>
+        <a:font script="Syrc" typeface="Estrangelo Edessa"/>
+        <a:font script="Orya" typeface="Kalinga"/>
+        <a:font script="Mlym" typeface="Kartika"/>
+        <a:font script="Laoo" typeface="DokChampa"/>
+        <a:font script="Sinh" typeface="Iskoola Pota"/>
+        <a:font script="Mong" typeface="Mongolian Baiti"/>
+        <a:font script="Viet" typeface="Arial"/>
+        <a:font script="Uigh" typeface="Microsoft Uighur"/>
+        <a:font script="Geor" typeface="Sylfaen"/>
+        <a:font script="Armn" typeface="Arial"/>
+        <a:font script="Bugi" typeface="Leelawadee UI"/>
+        <a:font script="Bopo" typeface="Microsoft JhengHei"/>
+        <a:font script="Java" typeface="Javanese Text"/>
+        <a:font script="Lisu" typeface="Segoe UI"/>
+        <a:font script="Mymr" typeface="Myanmar Text"/>
+        <a:font script="Nkoo" typeface="Ebrima"/>
+        <a:font script="Olck" typeface="Nirmala UI"/>
+        <a:font script="Osma" typeface="Ebrima"/>
+        <a:font script="Phag" typeface="Phagspa"/>
+        <a:font script="Syrn" typeface="Estrangelo Edessa"/>
+        <a:font script="Syrj" typeface="Estrangelo Edessa"/>
+        <a:font script="Syre" typeface="Estrangelo Edessa"/>
+        <a:font script="Sora" typeface="Nirmala UI"/>
+        <a:font script="Tale" typeface="Microsoft Tai Le"/>
+        <a:font script="Talu" typeface="Microsoft New Tai Lue"/>
+        <a:font script="Tfng" typeface="Ebrima"/>
+      </a:minorFont>
+    </a:fontScheme>
+    <a:fmtScheme name="Office">
+      <a:fillStyleLst>
+        <a:solidFill>
+          <a:schemeClr val="phClr"/>
+        </a:solidFill>
+        <a:gradFill rotWithShape="1">
+          <a:gsLst>
+            <a:gs pos="0">
+              <a:schemeClr val="phClr">
+                <a:lumMod val="110000"/>
+                <a:satMod val="105000"/>
+                <a:tint val="67000"/>
+              </a:schemeClr>
+            </a:gs>
+            <a:gs pos="50000">
+              <a:schemeClr val="phClr">
+                <a:lumMod val="105000"/>
+                <a:satMod val="103000"/>
+                <a:tint val="73000"/>
+              </a:schemeClr>
+            </a:gs>
+            <a:gs pos="100000">
+              <a:schemeClr val="phClr">
+                <a:lumMod val="105000"/>
+                <a:satMod val="109000"/>
+                <a:tint val="81000"/>
+              </a:schemeClr>
+            </a:gs>
+          </a:gsLst>
+          <a:lin ang="5400000" scaled="0"/>
+        </a:gradFill>
+        <a:gradFill rotWithShape="1">
+          <a:gsLst>
+            <a:gs pos="0">
+              <a:schemeClr val="phClr">
+                <a:satMod val="103000"/>
+                <a:lumMod val="102000"/>
+                <a:tint val="94000"/>
+              </a:schemeClr>
+            </a:gs>
+            <a:gs pos="50000">
+              <a:schemeClr val="phClr">
+                <a:satMod val="110000"/>
+                <a:lumMod val="100000"/>
+                <a:shade val="100000"/>
+              </a:schemeClr>
+            </a:gs>
+            <a:gs pos="100000">
+              <a:schemeClr val="phClr">
+                <a:lumMod val="99000"/>
+                <a:satMod val="120000"/>
+                <a:shade val="78000"/>
+              </a:schemeClr>
+            </a:gs>
+          </a:gsLst>
+          <a:lin ang="5400000" scaled="0"/>
+        </a:gradFill>
+      </a:fillStyleLst>
+      <a:lnStyleLst>
+        <a:ln w="6350" cap="flat" cmpd="sng" algn="ctr">
+          <a:solidFill>
+            <a:schemeClr val="phClr"/>
+          </a:solidFill>
+          <a:prstDash val="solid"/>
+          <a:miter lim="800000"/>
+        </a:ln>
+        <a:ln w="12700" cap="flat" cmpd="sng" algn="ctr">
+          <a:solidFill>
+            <a:schemeClr val="phClr"/>
+          </a:solidFill>
+          <a:prstDash val="solid"/>
+          <a:miter lim="800000"/>
+        </a:ln>
+        <a:ln w="19050" cap="flat" cmpd="sng" algn="ctr">
+          <a:solidFill>
+            <a:schemeClr val="phClr"/>
+          </a:solidFill>
+          <a:prstDash val="solid"/>
+          <a:miter lim="800000"/>
+        </a:ln>
+      </a:lnStyleLst>
+      <a:effectStyleLst>
+        <a:effectStyle>
+          <a:effectLst/>
+        </a:effectStyle>
+        <a:effectStyle>
+          <a:effectLst/>
+        </a:effectStyle>
+        <a:effectStyle>
+          <a:effectLst>
+            <a:outerShdw blurRad="57150" dist="19050" dir="5400000" algn="ctr" rotWithShape="0">
+              <a:srgbClr val="000000">
+                <a:alpha val="63000"/>
+              </a:srgbClr>
+            </a:outerShdw>
+          </a:effectLst>
+        </a:effectStyle>
+      </a:effectStyleLst>
+      <a:bgFillStyleLst>
+        <a:solidFill>
+          <a:schemeClr val="phClr"/>
+        </a:solidFill>
+        <a:solidFill>
+          <a:schemeClr val="phClr">
+            <a:tint val="95000"/>
+            <a:satMod val="170000"/>
+          </a:schemeClr>
+        </a:solidFill>
+        <a:gradFill rotWithShape="1">
+          <a:gsLst>
+            <a:gs pos="0">
+              <a:schemeClr val="phClr">
+                <a:tint val="93000"/>
+                <a:satMod val="150000"/>
+                <a:shade val="98000"/>
+                <a:lumMod val="102000"/>
+              </a:schemeClr>
+            </a:gs>
+            <a:gs pos="50000">
+              <a:schemeClr val="phClr">
+                <a:tint val="98000"/>
+                <a:satMod val="130000"/>
+                <a:shade val="90000"/>
+                <a:lumMod val="103000"/>
+              </a:schemeClr>
+            </a:gs>
+            <a:gs pos="100000">
+              <a:schemeClr val="phClr">
+                <a:shade val="63000"/>
+                <a:satMod val="120000"/>
+              </a:schemeClr>
+            </a:gs>
+          </a:gsLst>
+          <a:lin ang="5400000" scaled="0"/>
+        </a:gradFill>
+      </a:bgFillStyleLst>
+    </a:fmtScheme>
+  </a:themeElements>
+  <a:objectDefaults/>
+  <a:extraClrSchemeLst/>
+  <a:extLst>
+    <a:ext uri="{05A4C25C-085E-4340-85A3-A5531E510DB2}">
+      <thm15:themeFamily xmlns:thm15="http://schemas.microsoft.com/office/thememl/2012/main" name="Office Theme" id="{62F939B6-93AF-4DB8-9C6B-D6C7DFDC589F}" vid="{4A3C46E8-61CC-4603-A589-7422A47A8E4A}"/>
+    </a:ext>
+  </a:extLst>
+</a:theme>
 </file>
--- a/results/Figures/Figures.pptx
+++ b/results/Figures/Figures.pptx
@@ -7,7 +7,7 @@
   </p:sldMasterIdLst>
   <p:sldIdLst>
     <p:sldId id="257" r:id="rId3"/>
-    <p:sldId id="256" r:id="rId4"/>
+    <p:sldId id="265" r:id="rId4"/>
     <p:sldId id="264" r:id="rId5"/>
   </p:sldIdLst>
   <p:sldSz cx="12192000" cy="6858000"/>
@@ -381,7 +381,7 @@
           <a:p>
             <a:fld id="{36C3FE58-7E73-4F9D-B8E5-B7E1B043D37A}" type="datetimeFigureOut">
               <a:rPr lang="en-NZ" smtClean="0"/>
-              <a:t>13/03/2025</a:t>
+              <a:t>14/03/2025</a:t>
             </a:fld>
             <a:endParaRPr lang="en-NZ"/>
           </a:p>
@@ -581,7 +581,7 @@
           <a:p>
             <a:fld id="{36C3FE58-7E73-4F9D-B8E5-B7E1B043D37A}" type="datetimeFigureOut">
               <a:rPr lang="en-NZ" smtClean="0"/>
-              <a:t>13/03/2025</a:t>
+              <a:t>14/03/2025</a:t>
             </a:fld>
             <a:endParaRPr lang="en-NZ"/>
           </a:p>
@@ -791,7 +791,7 @@
           <a:p>
             <a:fld id="{36C3FE58-7E73-4F9D-B8E5-B7E1B043D37A}" type="datetimeFigureOut">
               <a:rPr lang="en-NZ" smtClean="0"/>
-              <a:t>13/03/2025</a:t>
+              <a:t>14/03/2025</a:t>
             </a:fld>
             <a:endParaRPr lang="en-NZ"/>
           </a:p>
@@ -1013,7 +1013,7 @@
           <a:p>
             <a:fld id="{B5DA846C-8D30-441A-B1E0-B376C61F31D1}" type="datetimeFigureOut">
               <a:rPr lang="en-NZ" smtClean="0"/>
-              <a:t>13/03/2025</a:t>
+              <a:t>14/03/2025</a:t>
             </a:fld>
             <a:endParaRPr lang="en-NZ"/>
           </a:p>
@@ -1213,7 +1213,7 @@
           <a:p>
             <a:fld id="{B5DA846C-8D30-441A-B1E0-B376C61F31D1}" type="datetimeFigureOut">
               <a:rPr lang="en-NZ" smtClean="0"/>
-              <a:t>13/03/2025</a:t>
+              <a:t>14/03/2025</a:t>
             </a:fld>
             <a:endParaRPr lang="en-NZ"/>
           </a:p>
@@ -1489,7 +1489,7 @@
           <a:p>
             <a:fld id="{B5DA846C-8D30-441A-B1E0-B376C61F31D1}" type="datetimeFigureOut">
               <a:rPr lang="en-NZ" smtClean="0"/>
-              <a:t>13/03/2025</a:t>
+              <a:t>14/03/2025</a:t>
             </a:fld>
             <a:endParaRPr lang="en-NZ"/>
           </a:p>
@@ -1757,7 +1757,7 @@
           <a:p>
             <a:fld id="{B5DA846C-8D30-441A-B1E0-B376C61F31D1}" type="datetimeFigureOut">
               <a:rPr lang="en-NZ" smtClean="0"/>
-              <a:t>13/03/2025</a:t>
+              <a:t>14/03/2025</a:t>
             </a:fld>
             <a:endParaRPr lang="en-NZ"/>
           </a:p>
@@ -2172,7 +2172,7 @@
           <a:p>
             <a:fld id="{B5DA846C-8D30-441A-B1E0-B376C61F31D1}" type="datetimeFigureOut">
               <a:rPr lang="en-NZ" smtClean="0"/>
-              <a:t>13/03/2025</a:t>
+              <a:t>14/03/2025</a:t>
             </a:fld>
             <a:endParaRPr lang="en-NZ"/>
           </a:p>
@@ -2314,7 +2314,7 @@
           <a:p>
             <a:fld id="{B5DA846C-8D30-441A-B1E0-B376C61F31D1}" type="datetimeFigureOut">
               <a:rPr lang="en-NZ" smtClean="0"/>
-              <a:t>13/03/2025</a:t>
+              <a:t>14/03/2025</a:t>
             </a:fld>
             <a:endParaRPr lang="en-NZ"/>
           </a:p>
@@ -2427,7 +2427,7 @@
           <a:p>
             <a:fld id="{B5DA846C-8D30-441A-B1E0-B376C61F31D1}" type="datetimeFigureOut">
               <a:rPr lang="en-NZ" smtClean="0"/>
-              <a:t>13/03/2025</a:t>
+              <a:t>14/03/2025</a:t>
             </a:fld>
             <a:endParaRPr lang="en-NZ"/>
           </a:p>
@@ -2740,7 +2740,7 @@
           <a:p>
             <a:fld id="{B5DA846C-8D30-441A-B1E0-B376C61F31D1}" type="datetimeFigureOut">
               <a:rPr lang="en-NZ" smtClean="0"/>
-              <a:t>13/03/2025</a:t>
+              <a:t>14/03/2025</a:t>
             </a:fld>
             <a:endParaRPr lang="en-NZ"/>
           </a:p>
@@ -2940,7 +2940,7 @@
           <a:p>
             <a:fld id="{36C3FE58-7E73-4F9D-B8E5-B7E1B043D37A}" type="datetimeFigureOut">
               <a:rPr lang="en-NZ" smtClean="0"/>
-              <a:t>13/03/2025</a:t>
+              <a:t>14/03/2025</a:t>
             </a:fld>
             <a:endParaRPr lang="en-NZ"/>
           </a:p>
@@ -3229,7 +3229,7 @@
           <a:p>
             <a:fld id="{B5DA846C-8D30-441A-B1E0-B376C61F31D1}" type="datetimeFigureOut">
               <a:rPr lang="en-NZ" smtClean="0"/>
-              <a:t>13/03/2025</a:t>
+              <a:t>14/03/2025</a:t>
             </a:fld>
             <a:endParaRPr lang="en-NZ"/>
           </a:p>
@@ -3429,7 +3429,7 @@
           <a:p>
             <a:fld id="{B5DA846C-8D30-441A-B1E0-B376C61F31D1}" type="datetimeFigureOut">
               <a:rPr lang="en-NZ" smtClean="0"/>
-              <a:t>13/03/2025</a:t>
+              <a:t>14/03/2025</a:t>
             </a:fld>
             <a:endParaRPr lang="en-NZ"/>
           </a:p>
@@ -3639,7 +3639,7 @@
           <a:p>
             <a:fld id="{B5DA846C-8D30-441A-B1E0-B376C61F31D1}" type="datetimeFigureOut">
               <a:rPr lang="en-NZ" smtClean="0"/>
-              <a:t>13/03/2025</a:t>
+              <a:t>14/03/2025</a:t>
             </a:fld>
             <a:endParaRPr lang="en-NZ"/>
           </a:p>
@@ -3915,7 +3915,7 @@
           <a:p>
             <a:fld id="{36C3FE58-7E73-4F9D-B8E5-B7E1B043D37A}" type="datetimeFigureOut">
               <a:rPr lang="en-NZ" smtClean="0"/>
-              <a:t>13/03/2025</a:t>
+              <a:t>14/03/2025</a:t>
             </a:fld>
             <a:endParaRPr lang="en-NZ"/>
           </a:p>
@@ -4183,7 +4183,7 @@
           <a:p>
             <a:fld id="{36C3FE58-7E73-4F9D-B8E5-B7E1B043D37A}" type="datetimeFigureOut">
               <a:rPr lang="en-NZ" smtClean="0"/>
-              <a:t>13/03/2025</a:t>
+              <a:t>14/03/2025</a:t>
             </a:fld>
             <a:endParaRPr lang="en-NZ"/>
           </a:p>
@@ -4598,7 +4598,7 @@
           <a:p>
             <a:fld id="{36C3FE58-7E73-4F9D-B8E5-B7E1B043D37A}" type="datetimeFigureOut">
               <a:rPr lang="en-NZ" smtClean="0"/>
-              <a:t>13/03/2025</a:t>
+              <a:t>14/03/2025</a:t>
             </a:fld>
             <a:endParaRPr lang="en-NZ"/>
           </a:p>
@@ -4740,7 +4740,7 @@
           <a:p>
             <a:fld id="{36C3FE58-7E73-4F9D-B8E5-B7E1B043D37A}" type="datetimeFigureOut">
               <a:rPr lang="en-NZ" smtClean="0"/>
-              <a:t>13/03/2025</a:t>
+              <a:t>14/03/2025</a:t>
             </a:fld>
             <a:endParaRPr lang="en-NZ"/>
           </a:p>
@@ -4853,7 +4853,7 @@
           <a:p>
             <a:fld id="{36C3FE58-7E73-4F9D-B8E5-B7E1B043D37A}" type="datetimeFigureOut">
               <a:rPr lang="en-NZ" smtClean="0"/>
-              <a:t>13/03/2025</a:t>
+              <a:t>14/03/2025</a:t>
             </a:fld>
             <a:endParaRPr lang="en-NZ"/>
           </a:p>
@@ -5166,7 +5166,7 @@
           <a:p>
             <a:fld id="{36C3FE58-7E73-4F9D-B8E5-B7E1B043D37A}" type="datetimeFigureOut">
               <a:rPr lang="en-NZ" smtClean="0"/>
-              <a:t>13/03/2025</a:t>
+              <a:t>14/03/2025</a:t>
             </a:fld>
             <a:endParaRPr lang="en-NZ"/>
           </a:p>
@@ -5455,7 +5455,7 @@
           <a:p>
             <a:fld id="{36C3FE58-7E73-4F9D-B8E5-B7E1B043D37A}" type="datetimeFigureOut">
               <a:rPr lang="en-NZ" smtClean="0"/>
-              <a:t>13/03/2025</a:t>
+              <a:t>14/03/2025</a:t>
             </a:fld>
             <a:endParaRPr lang="en-NZ"/>
           </a:p>
@@ -5698,7 +5698,7 @@
           <a:p>
             <a:fld id="{36C3FE58-7E73-4F9D-B8E5-B7E1B043D37A}" type="datetimeFigureOut">
               <a:rPr lang="en-NZ" smtClean="0"/>
-              <a:t>13/03/2025</a:t>
+              <a:t>14/03/2025</a:t>
             </a:fld>
             <a:endParaRPr lang="en-NZ"/>
           </a:p>
@@ -6268,7 +6268,7 @@
           <a:p>
             <a:fld id="{B5DA846C-8D30-441A-B1E0-B376C61F31D1}" type="datetimeFigureOut">
               <a:rPr lang="en-NZ" smtClean="0"/>
-              <a:t>13/03/2025</a:t>
+              <a:t>14/03/2025</a:t>
             </a:fld>
             <a:endParaRPr lang="en-NZ"/>
           </a:p>
@@ -6687,10 +6687,10 @@
       </p:grpSpPr>
       <p:grpSp>
         <p:nvGrpSpPr>
-          <p:cNvPr id="8" name="Group 7">
-            <a:extLst>
-              <a:ext uri="{FF2B5EF4-FFF2-40B4-BE49-F238E27FC236}">
-                <a16:creationId xmlns:a16="http://schemas.microsoft.com/office/drawing/2014/main" id="{CFBB7448-00A9-3314-0F00-1B4A5B1F754C}"/>
+          <p:cNvPr id="9" name="Group 8">
+            <a:extLst>
+              <a:ext uri="{FF2B5EF4-FFF2-40B4-BE49-F238E27FC236}">
+                <a16:creationId xmlns:a16="http://schemas.microsoft.com/office/drawing/2014/main" id="{89C60B41-F913-C751-E75C-125D84C97839}"/>
               </a:ext>
             </a:extLst>
           </p:cNvPr>
@@ -6699,18 +6699,18 @@
         </p:nvGrpSpPr>
         <p:grpSpPr>
           <a:xfrm>
-            <a:off x="844062" y="-725394"/>
-            <a:ext cx="12192000" cy="13300364"/>
-            <a:chOff x="844062" y="-725394"/>
-            <a:chExt cx="12192000" cy="13300364"/>
+            <a:off x="0" y="-2319251"/>
+            <a:ext cx="12192000" cy="12398433"/>
+            <a:chOff x="0" y="-2319251"/>
+            <a:chExt cx="12192000" cy="12398433"/>
           </a:xfrm>
         </p:grpSpPr>
         <p:pic>
           <p:nvPicPr>
-            <p:cNvPr id="5" name="Picture 4" descr="A graph of a cost and cost reduction&#10;&#10;Description automatically generated with medium confidence">
+            <p:cNvPr id="3" name="Picture 2" descr="A graph of a cost and cost reduction&#10;&#10;AI-generated content may be incorrect.">
               <a:extLst>
                 <a:ext uri="{FF2B5EF4-FFF2-40B4-BE49-F238E27FC236}">
-                  <a16:creationId xmlns:a16="http://schemas.microsoft.com/office/drawing/2014/main" id="{95507BD0-C6DB-96EE-B050-D25A3E68BA5F}"/>
+                  <a16:creationId xmlns:a16="http://schemas.microsoft.com/office/drawing/2014/main" id="{322AF4CE-DE7D-E63E-20AD-07E68C2BED25}"/>
                 </a:ext>
               </a:extLst>
             </p:cNvPr>
@@ -6733,7 +6733,7 @@
           </p:blipFill>
           <p:spPr>
             <a:xfrm>
-              <a:off x="844062" y="-725394"/>
+              <a:off x="0" y="-2319251"/>
               <a:ext cx="12192000" cy="6650182"/>
             </a:xfrm>
             <a:prstGeom prst="rect">
@@ -6743,10 +6743,10 @@
         </p:pic>
         <p:pic>
           <p:nvPicPr>
-            <p:cNvPr id="7" name="Picture 6" descr="A graph of a graph of a graph of a graph of a graph of a graph of a graph of a graph of a graph of a graph of a graph of a graph of a graph of&#10;&#10;Description automatically generated">
+            <p:cNvPr id="6" name="Picture 5" descr="A graph of a graph of a graph of a graph of a graph of a graph of a graph of a graph of a graph of a graph of a graph of a graph of a graph of&#10;&#10;AI-generated content may be incorrect.">
               <a:extLst>
                 <a:ext uri="{FF2B5EF4-FFF2-40B4-BE49-F238E27FC236}">
-                  <a16:creationId xmlns:a16="http://schemas.microsoft.com/office/drawing/2014/main" id="{29588AF4-CBC0-EB94-088B-E8D84AFBAEE5}"/>
+                  <a16:creationId xmlns:a16="http://schemas.microsoft.com/office/drawing/2014/main" id="{7AB1736E-76D9-CF91-6053-80568F82134A}"/>
                 </a:ext>
               </a:extLst>
             </p:cNvPr>
@@ -6769,7 +6769,7 @@
           </p:blipFill>
           <p:spPr>
             <a:xfrm>
-              <a:off x="844062" y="5924788"/>
+              <a:off x="0" y="3429000"/>
               <a:ext cx="12192000" cy="6650182"/>
             </a:xfrm>
             <a:prstGeom prst="rect">
@@ -6796,7 +6796,13 @@
   <p:cSld>
     <p:spTree>
       <p:nvGrpSpPr>
-        <p:cNvPr id="1" name=""/>
+        <p:cNvPr id="1" name="">
+          <a:extLst>
+            <a:ext uri="{FF2B5EF4-FFF2-40B4-BE49-F238E27FC236}">
+              <a16:creationId xmlns:a16="http://schemas.microsoft.com/office/drawing/2014/main" id="{CF900821-6232-89E1-4FF8-17527CFAD07E}"/>
+            </a:ext>
+          </a:extLst>
+        </p:cNvPr>
         <p:cNvGrpSpPr/>
         <p:nvPr/>
       </p:nvGrpSpPr>
@@ -6808,82 +6814,12 @@
           <a:chExt cx="0" cy="0"/>
         </a:xfrm>
       </p:grpSpPr>
-      <p:pic>
-        <p:nvPicPr>
-          <p:cNvPr id="19" name="Picture 18" descr="A map of indonesia with orange lines&#10;&#10;Description automatically generated">
-            <a:extLst>
-              <a:ext uri="{FF2B5EF4-FFF2-40B4-BE49-F238E27FC236}">
-                <a16:creationId xmlns:a16="http://schemas.microsoft.com/office/drawing/2014/main" id="{B9B80687-EF43-4A7C-DE6F-A2E1AF6CA549}"/>
-              </a:ext>
-            </a:extLst>
-          </p:cNvPr>
-          <p:cNvPicPr>
-            <a:picLocks noChangeAspect="1"/>
-          </p:cNvPicPr>
-          <p:nvPr/>
-        </p:nvPicPr>
-        <p:blipFill>
-          <a:blip r:embed="rId2" cstate="hqprint">
-            <a:extLst>
-              <a:ext uri="{28A0092B-C50C-407E-A947-70E740481C1C}">
-                <a14:useLocalDpi xmlns:a14="http://schemas.microsoft.com/office/drawing/2010/main" val="0"/>
-              </a:ext>
-            </a:extLst>
-          </a:blip>
-          <a:srcRect b="10006"/>
-          <a:stretch/>
-        </p:blipFill>
-        <p:spPr>
-          <a:xfrm>
-            <a:off x="3283995" y="402056"/>
-            <a:ext cx="4625892" cy="2312142"/>
-          </a:xfrm>
-          <a:prstGeom prst="rect">
-            <a:avLst/>
-          </a:prstGeom>
-        </p:spPr>
-      </p:pic>
-      <p:pic>
-        <p:nvPicPr>
-          <p:cNvPr id="17" name="Picture 16" descr="A map of a country&#10;&#10;Description automatically generated with medium confidence">
-            <a:extLst>
-              <a:ext uri="{FF2B5EF4-FFF2-40B4-BE49-F238E27FC236}">
-                <a16:creationId xmlns:a16="http://schemas.microsoft.com/office/drawing/2014/main" id="{E0892CBE-E835-534B-26CC-A165C271592B}"/>
-              </a:ext>
-            </a:extLst>
-          </p:cNvPr>
-          <p:cNvPicPr>
-            <a:picLocks noChangeAspect="1"/>
-          </p:cNvPicPr>
-          <p:nvPr/>
-        </p:nvPicPr>
-        <p:blipFill>
-          <a:blip r:embed="rId3" cstate="hqprint">
-            <a:extLst>
-              <a:ext uri="{28A0092B-C50C-407E-A947-70E740481C1C}">
-                <a14:useLocalDpi xmlns:a14="http://schemas.microsoft.com/office/drawing/2010/main" val="0"/>
-              </a:ext>
-            </a:extLst>
-          </a:blip>
-          <a:srcRect t="7315"/>
-          <a:stretch/>
-        </p:blipFill>
-        <p:spPr>
-          <a:xfrm>
-            <a:off x="3284182" y="2425623"/>
-            <a:ext cx="4625892" cy="2381272"/>
-          </a:xfrm>
-          <a:prstGeom prst="rect">
-            <a:avLst/>
-          </a:prstGeom>
-        </p:spPr>
-      </p:pic>
       <p:grpSp>
         <p:nvGrpSpPr>
-          <p:cNvPr id="14" name="Group 13">
-            <a:extLst>
-              <a:ext uri="{FF2B5EF4-FFF2-40B4-BE49-F238E27FC236}">
-                <a16:creationId xmlns:a16="http://schemas.microsoft.com/office/drawing/2014/main" id="{57D51D2D-C9C6-1801-D358-EAC3BC658A5D}"/>
+          <p:cNvPr id="4" name="Group 3">
+            <a:extLst>
+              <a:ext uri="{FF2B5EF4-FFF2-40B4-BE49-F238E27FC236}">
+                <a16:creationId xmlns:a16="http://schemas.microsoft.com/office/drawing/2014/main" id="{6F606358-D700-4669-BCDB-AD6E553C76CC}"/>
               </a:ext>
             </a:extLst>
           </p:cNvPr>
@@ -6892,18 +6828,88 @@
         </p:nvGrpSpPr>
         <p:grpSpPr>
           <a:xfrm>
-            <a:off x="3269127" y="454094"/>
-            <a:ext cx="5677730" cy="6063546"/>
-            <a:chOff x="3269127" y="454094"/>
-            <a:chExt cx="5677730" cy="6063546"/>
+            <a:off x="3269127" y="377672"/>
+            <a:ext cx="5677730" cy="6139968"/>
+            <a:chOff x="3269127" y="377672"/>
+            <a:chExt cx="5677730" cy="6139968"/>
           </a:xfrm>
         </p:grpSpPr>
+        <p:pic>
+          <p:nvPicPr>
+            <p:cNvPr id="17" name="Picture 16" descr="A map of a country&#10;&#10;Description automatically generated with medium confidence">
+              <a:extLst>
+                <a:ext uri="{FF2B5EF4-FFF2-40B4-BE49-F238E27FC236}">
+                  <a16:creationId xmlns:a16="http://schemas.microsoft.com/office/drawing/2014/main" id="{A805F33F-0BE7-9B5E-E615-F72A107F1782}"/>
+                </a:ext>
+              </a:extLst>
+            </p:cNvPr>
+            <p:cNvPicPr>
+              <a:picLocks noChangeAspect="1"/>
+            </p:cNvPicPr>
+            <p:nvPr/>
+          </p:nvPicPr>
+          <p:blipFill>
+            <a:blip r:embed="rId2" cstate="hqprint">
+              <a:extLst>
+                <a:ext uri="{28A0092B-C50C-407E-A947-70E740481C1C}">
+                  <a14:useLocalDpi xmlns:a14="http://schemas.microsoft.com/office/drawing/2010/main" val="0"/>
+                </a:ext>
+              </a:extLst>
+            </a:blip>
+            <a:srcRect t="7315"/>
+            <a:stretch/>
+          </p:blipFill>
+          <p:spPr>
+            <a:xfrm>
+              <a:off x="3284182" y="2425623"/>
+              <a:ext cx="4625892" cy="2381272"/>
+            </a:xfrm>
+            <a:prstGeom prst="rect">
+              <a:avLst/>
+            </a:prstGeom>
+          </p:spPr>
+        </p:pic>
+        <p:pic>
+          <p:nvPicPr>
+            <p:cNvPr id="19" name="Picture 18" descr="A map of indonesia with orange lines&#10;&#10;Description automatically generated">
+              <a:extLst>
+                <a:ext uri="{FF2B5EF4-FFF2-40B4-BE49-F238E27FC236}">
+                  <a16:creationId xmlns:a16="http://schemas.microsoft.com/office/drawing/2014/main" id="{35DDF412-12BE-E346-E618-A864E555BF66}"/>
+                </a:ext>
+              </a:extLst>
+            </p:cNvPr>
+            <p:cNvPicPr>
+              <a:picLocks noChangeAspect="1"/>
+            </p:cNvPicPr>
+            <p:nvPr/>
+          </p:nvPicPr>
+          <p:blipFill>
+            <a:blip r:embed="rId3" cstate="hqprint">
+              <a:extLst>
+                <a:ext uri="{28A0092B-C50C-407E-A947-70E740481C1C}">
+                  <a14:useLocalDpi xmlns:a14="http://schemas.microsoft.com/office/drawing/2010/main" val="0"/>
+                </a:ext>
+              </a:extLst>
+            </a:blip>
+            <a:srcRect b="10006"/>
+            <a:stretch/>
+          </p:blipFill>
+          <p:spPr>
+            <a:xfrm>
+              <a:off x="3283995" y="377672"/>
+              <a:ext cx="4625892" cy="2312142"/>
+            </a:xfrm>
+            <a:prstGeom prst="rect">
+              <a:avLst/>
+            </a:prstGeom>
+          </p:spPr>
+        </p:pic>
         <p:pic>
           <p:nvPicPr>
             <p:cNvPr id="1032" name="Picture 8">
               <a:extLst>
                 <a:ext uri="{FF2B5EF4-FFF2-40B4-BE49-F238E27FC236}">
-                  <a16:creationId xmlns:a16="http://schemas.microsoft.com/office/drawing/2014/main" id="{462D9AE4-DE02-9F53-DEEF-0B4EF4B6A3A1}"/>
+                  <a16:creationId xmlns:a16="http://schemas.microsoft.com/office/drawing/2014/main" id="{F6B1792E-D7F5-F9D4-F36C-160CF8C41A87}"/>
                 </a:ext>
               </a:extLst>
             </p:cNvPr>
@@ -6948,7 +6954,7 @@
             <p:cNvPr id="5" name="Picture 4">
               <a:extLst>
                 <a:ext uri="{FF2B5EF4-FFF2-40B4-BE49-F238E27FC236}">
-                  <a16:creationId xmlns:a16="http://schemas.microsoft.com/office/drawing/2014/main" id="{B909D83E-1F41-6A3F-F295-C0C581ED7249}"/>
+                  <a16:creationId xmlns:a16="http://schemas.microsoft.com/office/drawing/2014/main" id="{F0BE966B-1962-48E8-4CF1-9D6C324C0338}"/>
                 </a:ext>
               </a:extLst>
             </p:cNvPr>
@@ -6978,7 +6984,7 @@
             <p:cNvPr id="6" name="Picture 5">
               <a:extLst>
                 <a:ext uri="{FF2B5EF4-FFF2-40B4-BE49-F238E27FC236}">
-                  <a16:creationId xmlns:a16="http://schemas.microsoft.com/office/drawing/2014/main" id="{C72F46E5-1FAA-0F37-5D28-F16A04620B0F}"/>
+                  <a16:creationId xmlns:a16="http://schemas.microsoft.com/office/drawing/2014/main" id="{56FCA600-A9F4-8FE5-BA46-DBED27EB8444}"/>
                 </a:ext>
               </a:extLst>
             </p:cNvPr>
@@ -7008,7 +7014,7 @@
             <p:cNvPr id="7" name="TextBox 6">
               <a:extLst>
                 <a:ext uri="{FF2B5EF4-FFF2-40B4-BE49-F238E27FC236}">
-                  <a16:creationId xmlns:a16="http://schemas.microsoft.com/office/drawing/2014/main" id="{6F6E8DBC-6036-326B-AC2A-AD2F914BA074}"/>
+                  <a16:creationId xmlns:a16="http://schemas.microsoft.com/office/drawing/2014/main" id="{A00F3311-96FE-DA37-F918-4728D236AE8E}"/>
                 </a:ext>
               </a:extLst>
             </p:cNvPr>
@@ -7044,7 +7050,7 @@
             <p:cNvPr id="8" name="TextBox 7">
               <a:extLst>
                 <a:ext uri="{FF2B5EF4-FFF2-40B4-BE49-F238E27FC236}">
-                  <a16:creationId xmlns:a16="http://schemas.microsoft.com/office/drawing/2014/main" id="{5048DBBF-4B0D-7035-89C1-5A66CA902A86}"/>
+                  <a16:creationId xmlns:a16="http://schemas.microsoft.com/office/drawing/2014/main" id="{48D03AC9-FC7F-4D1E-F90B-6A353613183C}"/>
                 </a:ext>
               </a:extLst>
             </p:cNvPr>
@@ -7080,7 +7086,7 @@
             <p:cNvPr id="11" name="TextBox 10">
               <a:extLst>
                 <a:ext uri="{FF2B5EF4-FFF2-40B4-BE49-F238E27FC236}">
-                  <a16:creationId xmlns:a16="http://schemas.microsoft.com/office/drawing/2014/main" id="{53309313-8EFD-84A2-0992-FB5997EF49FA}"/>
+                  <a16:creationId xmlns:a16="http://schemas.microsoft.com/office/drawing/2014/main" id="{1CB3EC47-7743-DF6A-3144-B272BF4F1F90}"/>
                 </a:ext>
               </a:extLst>
             </p:cNvPr>
@@ -7113,10 +7119,46 @@
         </p:sp>
         <p:sp>
           <p:nvSpPr>
+            <p:cNvPr id="10" name="TextBox 9">
+              <a:extLst>
+                <a:ext uri="{FF2B5EF4-FFF2-40B4-BE49-F238E27FC236}">
+                  <a16:creationId xmlns:a16="http://schemas.microsoft.com/office/drawing/2014/main" id="{010452C3-9874-B2AE-5706-7E6A91869597}"/>
+                </a:ext>
+              </a:extLst>
+            </p:cNvPr>
+            <p:cNvSpPr txBox="1"/>
+            <p:nvPr/>
+          </p:nvSpPr>
+          <p:spPr>
+            <a:xfrm>
+              <a:off x="3286980" y="2527284"/>
+              <a:ext cx="324128" cy="369332"/>
+            </a:xfrm>
+            <a:prstGeom prst="rect">
+              <a:avLst/>
+            </a:prstGeom>
+            <a:noFill/>
+          </p:spPr>
+          <p:txBody>
+            <a:bodyPr wrap="none" rtlCol="0">
+              <a:spAutoFit/>
+            </a:bodyPr>
+            <a:lstStyle/>
+            <a:p>
+              <a:r>
+                <a:rPr lang="pt-BR" dirty="0"/>
+                <a:t>B</a:t>
+              </a:r>
+              <a:endParaRPr lang="en-NZ" dirty="0"/>
+            </a:p>
+          </p:txBody>
+        </p:sp>
+        <p:sp>
+          <p:nvSpPr>
             <p:cNvPr id="9" name="TextBox 8">
               <a:extLst>
                 <a:ext uri="{FF2B5EF4-FFF2-40B4-BE49-F238E27FC236}">
-                  <a16:creationId xmlns:a16="http://schemas.microsoft.com/office/drawing/2014/main" id="{AA6B657D-7405-97B9-F851-DB4193F3E968}"/>
+                  <a16:creationId xmlns:a16="http://schemas.microsoft.com/office/drawing/2014/main" id="{758A18A3-F2DC-BE96-C9FC-667B914DEFCD}"/>
                 </a:ext>
               </a:extLst>
             </p:cNvPr>
@@ -7147,47 +7189,11 @@
             </a:p>
           </p:txBody>
         </p:sp>
-        <p:sp>
-          <p:nvSpPr>
-            <p:cNvPr id="10" name="TextBox 9">
-              <a:extLst>
-                <a:ext uri="{FF2B5EF4-FFF2-40B4-BE49-F238E27FC236}">
-                  <a16:creationId xmlns:a16="http://schemas.microsoft.com/office/drawing/2014/main" id="{E6B326C4-9980-674B-3BD1-BAF7ED5601CE}"/>
-                </a:ext>
-              </a:extLst>
-            </p:cNvPr>
-            <p:cNvSpPr txBox="1"/>
-            <p:nvPr/>
-          </p:nvSpPr>
-          <p:spPr>
-            <a:xfrm>
-              <a:off x="3286980" y="2527284"/>
-              <a:ext cx="324128" cy="369332"/>
-            </a:xfrm>
-            <a:prstGeom prst="rect">
-              <a:avLst/>
-            </a:prstGeom>
-            <a:noFill/>
-          </p:spPr>
-          <p:txBody>
-            <a:bodyPr wrap="none" rtlCol="0">
-              <a:spAutoFit/>
-            </a:bodyPr>
-            <a:lstStyle/>
-            <a:p>
-              <a:r>
-                <a:rPr lang="pt-BR" dirty="0"/>
-                <a:t>B</a:t>
-              </a:r>
-              <a:endParaRPr lang="en-NZ" dirty="0"/>
-            </a:p>
-          </p:txBody>
-        </p:sp>
       </p:grpSp>
     </p:spTree>
     <p:extLst>
       <p:ext uri="{BB962C8B-B14F-4D97-AF65-F5344CB8AC3E}">
-        <p14:creationId xmlns:p14="http://schemas.microsoft.com/office/powerpoint/2010/main" val="428995900"/>
+        <p14:creationId xmlns:p14="http://schemas.microsoft.com/office/powerpoint/2010/main" val="4285927749"/>
       </p:ext>
     </p:extLst>
   </p:cSld>
@@ -7216,10 +7222,10 @@
       </p:grpSpPr>
       <p:grpSp>
         <p:nvGrpSpPr>
-          <p:cNvPr id="35" name="Group 34">
-            <a:extLst>
-              <a:ext uri="{FF2B5EF4-FFF2-40B4-BE49-F238E27FC236}">
-                <a16:creationId xmlns:a16="http://schemas.microsoft.com/office/drawing/2014/main" id="{8D7706ED-1E13-5B4F-CB5D-AA541F9CBB07}"/>
+          <p:cNvPr id="3" name="Group 2">
+            <a:extLst>
+              <a:ext uri="{FF2B5EF4-FFF2-40B4-BE49-F238E27FC236}">
+                <a16:creationId xmlns:a16="http://schemas.microsoft.com/office/drawing/2014/main" id="{AA207B84-192F-2975-021E-AC86AFDDA21C}"/>
               </a:ext>
             </a:extLst>
           </p:cNvPr>
@@ -7228,638 +7234,18 @@
         </p:nvGrpSpPr>
         <p:grpSpPr>
           <a:xfrm>
-            <a:off x="504706" y="1182852"/>
-            <a:ext cx="2752660" cy="3715256"/>
-            <a:chOff x="581458" y="743361"/>
-            <a:chExt cx="2752660" cy="3715256"/>
+            <a:off x="174731" y="781713"/>
+            <a:ext cx="11975069" cy="4369406"/>
+            <a:chOff x="174731" y="781713"/>
+            <a:chExt cx="11975069" cy="4369406"/>
           </a:xfrm>
         </p:grpSpPr>
-        <p:sp>
-          <p:nvSpPr>
-            <p:cNvPr id="4" name="Rectangle 3">
+        <p:grpSp>
+          <p:nvGrpSpPr>
+            <p:cNvPr id="35" name="Group 34">
               <a:extLst>
                 <a:ext uri="{FF2B5EF4-FFF2-40B4-BE49-F238E27FC236}">
-                  <a16:creationId xmlns:a16="http://schemas.microsoft.com/office/drawing/2014/main" id="{E07DE56E-EEC3-D270-D10E-77C97CF8EB59}"/>
-                </a:ext>
-              </a:extLst>
-            </p:cNvPr>
-            <p:cNvSpPr/>
-            <p:nvPr/>
-          </p:nvSpPr>
-          <p:spPr>
-            <a:xfrm>
-              <a:off x="1117453" y="1870022"/>
-              <a:ext cx="1236148" cy="908859"/>
-            </a:xfrm>
-            <a:prstGeom prst="rect">
-              <a:avLst/>
-            </a:prstGeom>
-            <a:solidFill>
-              <a:schemeClr val="accent6">
-                <a:lumMod val="75000"/>
-              </a:schemeClr>
-            </a:solidFill>
-            <a:ln>
-              <a:noFill/>
-            </a:ln>
-          </p:spPr>
-          <p:style>
-            <a:lnRef idx="2">
-              <a:schemeClr val="accent1">
-                <a:shade val="15000"/>
-              </a:schemeClr>
-            </a:lnRef>
-            <a:fillRef idx="1">
-              <a:schemeClr val="accent1"/>
-            </a:fillRef>
-            <a:effectRef idx="0">
-              <a:schemeClr val="accent1"/>
-            </a:effectRef>
-            <a:fontRef idx="minor">
-              <a:schemeClr val="lt1"/>
-            </a:fontRef>
-          </p:style>
-          <p:txBody>
-            <a:bodyPr rtlCol="0" anchor="ctr"/>
-            <a:lstStyle/>
-            <a:p>
-              <a:pPr marL="0" marR="0" lvl="0" indent="0" algn="ctr" defTabSz="914400" rtl="0" eaLnBrk="1" fontAlgn="auto" latinLnBrk="0" hangingPunct="1">
-                <a:lnSpc>
-                  <a:spcPct val="100000"/>
-                </a:lnSpc>
-                <a:spcBef>
-                  <a:spcPts val="0"/>
-                </a:spcBef>
-                <a:spcAft>
-                  <a:spcPts val="0"/>
-                </a:spcAft>
-                <a:buClrTx/>
-                <a:buSzTx/>
-                <a:buFontTx/>
-                <a:buNone/>
-                <a:tabLst/>
-                <a:defRPr/>
-              </a:pPr>
-              <a:r>
-                <a:rPr kumimoji="0" lang="pt-BR" sz="1400" b="0" i="0" u="none" strike="noStrike" kern="1200" cap="none" spc="0" normalizeH="0" baseline="0" noProof="0" dirty="0">
-                  <a:ln>
-                    <a:noFill/>
-                  </a:ln>
-                  <a:solidFill>
-                    <a:prstClr val="white"/>
-                  </a:solidFill>
-                  <a:effectLst/>
-                  <a:uLnTx/>
-                  <a:uFillTx/>
-                  <a:latin typeface="Calibri" panose="020F0502020204030204"/>
-                  <a:ea typeface="+mn-ea"/>
-                  <a:cs typeface="+mn-cs"/>
-                </a:rPr>
-                <a:t>Init GRASS</a:t>
-              </a:r>
-              <a:endParaRPr kumimoji="0" lang="en-NZ" sz="1400" b="0" i="0" u="none" strike="noStrike" kern="1200" cap="none" spc="0" normalizeH="0" baseline="0" noProof="0" dirty="0">
-                <a:ln>
-                  <a:noFill/>
-                </a:ln>
-                <a:solidFill>
-                  <a:prstClr val="white"/>
-                </a:solidFill>
-                <a:effectLst/>
-                <a:uLnTx/>
-                <a:uFillTx/>
-                <a:latin typeface="Calibri" panose="020F0502020204030204"/>
-                <a:ea typeface="+mn-ea"/>
-                <a:cs typeface="+mn-cs"/>
-              </a:endParaRPr>
-            </a:p>
-          </p:txBody>
-        </p:sp>
-        <p:pic>
-          <p:nvPicPr>
-            <p:cNvPr id="16" name="Picture 15">
-              <a:extLst>
-                <a:ext uri="{FF2B5EF4-FFF2-40B4-BE49-F238E27FC236}">
-                  <a16:creationId xmlns:a16="http://schemas.microsoft.com/office/drawing/2014/main" id="{8F86A971-756C-AF47-24CF-C4AD4F3BFCCA}"/>
-                </a:ext>
-              </a:extLst>
-            </p:cNvPr>
-            <p:cNvPicPr>
-              <a:picLocks noChangeAspect="1"/>
-            </p:cNvPicPr>
-            <p:nvPr/>
-          </p:nvPicPr>
-          <p:blipFill>
-            <a:blip r:embed="rId2"/>
-            <a:stretch>
-              <a:fillRect/>
-            </a:stretch>
-          </p:blipFill>
-          <p:spPr>
-            <a:xfrm>
-              <a:off x="832679" y="3070032"/>
-              <a:ext cx="1732033" cy="1063725"/>
-            </a:xfrm>
-            <a:prstGeom prst="rect">
-              <a:avLst/>
-            </a:prstGeom>
-          </p:spPr>
-        </p:pic>
-        <p:sp>
-          <p:nvSpPr>
-            <p:cNvPr id="18" name="TextBox 17">
-              <a:extLst>
-                <a:ext uri="{FF2B5EF4-FFF2-40B4-BE49-F238E27FC236}">
-                  <a16:creationId xmlns:a16="http://schemas.microsoft.com/office/drawing/2014/main" id="{D760B8F3-D4EF-1F2C-3A21-43A36CE8AD40}"/>
-                </a:ext>
-              </a:extLst>
-            </p:cNvPr>
-            <p:cNvSpPr txBox="1"/>
-            <p:nvPr/>
-          </p:nvSpPr>
-          <p:spPr>
-            <a:xfrm>
-              <a:off x="581458" y="4197007"/>
-              <a:ext cx="2752660" cy="261610"/>
-            </a:xfrm>
-            <a:prstGeom prst="rect">
-              <a:avLst/>
-            </a:prstGeom>
-            <a:noFill/>
-          </p:spPr>
-          <p:txBody>
-            <a:bodyPr wrap="square">
-              <a:spAutoFit/>
-            </a:bodyPr>
-            <a:lstStyle/>
-            <a:p>
-              <a:pPr marL="0" marR="0" lvl="0" indent="0" algn="l" defTabSz="914400" rtl="0" eaLnBrk="1" fontAlgn="auto" latinLnBrk="0" hangingPunct="1">
-                <a:lnSpc>
-                  <a:spcPct val="100000"/>
-                </a:lnSpc>
-                <a:spcBef>
-                  <a:spcPts val="0"/>
-                </a:spcBef>
-                <a:spcAft>
-                  <a:spcPts val="0"/>
-                </a:spcAft>
-                <a:buClrTx/>
-                <a:buSzTx/>
-                <a:buFontTx/>
-                <a:buNone/>
-                <a:tabLst/>
-                <a:defRPr/>
-              </a:pPr>
-              <a:r>
-                <a:rPr kumimoji="0" lang="pt-BR" sz="1100" b="0" i="0" u="none" strike="noStrike" kern="1200" cap="none" spc="0" normalizeH="0" baseline="0" noProof="0" dirty="0">
-                  <a:ln>
-                    <a:noFill/>
-                  </a:ln>
-                  <a:solidFill>
-                    <a:srgbClr val="000000"/>
-                  </a:solidFill>
-                  <a:effectLst/>
-                  <a:highlight>
-                    <a:srgbClr val="FFFFFF"/>
-                  </a:highlight>
-                  <a:uLnTx/>
-                  <a:uFillTx/>
-                  <a:latin typeface="Lato" panose="020F0502020204030203" pitchFamily="34" charset="0"/>
-                  <a:ea typeface="+mn-ea"/>
-                  <a:cs typeface="+mn-cs"/>
-                </a:rPr>
-                <a:t>EPSG:3857 - WGS 84 / Pseudo-Mercator</a:t>
-              </a:r>
-              <a:endParaRPr kumimoji="0" lang="en-NZ" sz="1100" b="0" i="0" u="none" strike="noStrike" kern="1200" cap="none" spc="0" normalizeH="0" baseline="0" noProof="0" dirty="0">
-                <a:ln>
-                  <a:noFill/>
-                </a:ln>
-                <a:solidFill>
-                  <a:prstClr val="black"/>
-                </a:solidFill>
-                <a:effectLst/>
-                <a:uLnTx/>
-                <a:uFillTx/>
-                <a:latin typeface="Calibri" panose="020F0502020204030204"/>
-                <a:ea typeface="+mn-ea"/>
-                <a:cs typeface="+mn-cs"/>
-              </a:endParaRPr>
-            </a:p>
-          </p:txBody>
-        </p:sp>
-        <p:sp>
-          <p:nvSpPr>
-            <p:cNvPr id="31" name="TextBox 30">
-              <a:extLst>
-                <a:ext uri="{FF2B5EF4-FFF2-40B4-BE49-F238E27FC236}">
-                  <a16:creationId xmlns:a16="http://schemas.microsoft.com/office/drawing/2014/main" id="{3EEFF085-0D05-0647-2C1D-1543D7645C87}"/>
-                </a:ext>
-              </a:extLst>
-            </p:cNvPr>
-            <p:cNvSpPr txBox="1"/>
-            <p:nvPr/>
-          </p:nvSpPr>
-          <p:spPr>
-            <a:xfrm>
-              <a:off x="1233665" y="2833924"/>
-              <a:ext cx="1703990" cy="261610"/>
-            </a:xfrm>
-            <a:prstGeom prst="rect">
-              <a:avLst/>
-            </a:prstGeom>
-            <a:noFill/>
-          </p:spPr>
-          <p:txBody>
-            <a:bodyPr wrap="square">
-              <a:spAutoFit/>
-            </a:bodyPr>
-            <a:lstStyle/>
-            <a:p>
-              <a:pPr marL="0" marR="0" lvl="0" indent="0" algn="l" defTabSz="914400" rtl="0" eaLnBrk="1" fontAlgn="auto" latinLnBrk="0" hangingPunct="1">
-                <a:lnSpc>
-                  <a:spcPct val="100000"/>
-                </a:lnSpc>
-                <a:spcBef>
-                  <a:spcPts val="0"/>
-                </a:spcBef>
-                <a:spcAft>
-                  <a:spcPts val="0"/>
-                </a:spcAft>
-                <a:buClrTx/>
-                <a:buSzTx/>
-                <a:buFontTx/>
-                <a:buNone/>
-                <a:tabLst/>
-                <a:defRPr/>
-              </a:pPr>
-              <a:r>
-                <a:rPr kumimoji="0" lang="en-NZ" sz="1100" b="0" i="0" u="none" strike="noStrike" kern="1200" cap="none" spc="0" normalizeH="0" baseline="0" noProof="0" dirty="0">
-                  <a:ln>
-                    <a:noFill/>
-                  </a:ln>
-                  <a:solidFill>
-                    <a:srgbClr val="000000"/>
-                  </a:solidFill>
-                  <a:effectLst/>
-                  <a:highlight>
-                    <a:srgbClr val="FFFFFF"/>
-                  </a:highlight>
-                  <a:uLnTx/>
-                  <a:uFillTx/>
-                  <a:latin typeface="Lato" panose="020F0502020204030203" pitchFamily="34" charset="0"/>
-                  <a:ea typeface="+mn-ea"/>
-                  <a:cs typeface="+mn-cs"/>
-                </a:rPr>
-                <a:t>land use </a:t>
-              </a:r>
-              <a:r>
-                <a:rPr kumimoji="0" lang="en-NZ" sz="1100" b="0" i="0" u="none" strike="noStrike" kern="1200" cap="none" spc="0" normalizeH="0" baseline="0" noProof="0" dirty="0" err="1">
-                  <a:ln>
-                    <a:noFill/>
-                  </a:ln>
-                  <a:solidFill>
-                    <a:srgbClr val="000000"/>
-                  </a:solidFill>
-                  <a:effectLst/>
-                  <a:highlight>
-                    <a:srgbClr val="FFFFFF"/>
-                  </a:highlight>
-                  <a:uLnTx/>
-                  <a:uFillTx/>
-                  <a:latin typeface="Lato" panose="020F0502020204030203" pitchFamily="34" charset="0"/>
-                  <a:ea typeface="+mn-ea"/>
-                  <a:cs typeface="+mn-cs"/>
-                </a:rPr>
-                <a:t>rast</a:t>
-              </a:r>
-              <a:endParaRPr kumimoji="0" lang="en-NZ" sz="1100" b="0" i="0" u="none" strike="noStrike" kern="1200" cap="none" spc="0" normalizeH="0" baseline="0" noProof="0" dirty="0">
-                <a:ln>
-                  <a:noFill/>
-                </a:ln>
-                <a:solidFill>
-                  <a:prstClr val="black"/>
-                </a:solidFill>
-                <a:effectLst/>
-                <a:uLnTx/>
-                <a:uFillTx/>
-                <a:latin typeface="Calibri" panose="020F0502020204030204"/>
-                <a:ea typeface="+mn-ea"/>
-                <a:cs typeface="+mn-cs"/>
-              </a:endParaRPr>
-            </a:p>
-          </p:txBody>
-        </p:sp>
-        <p:pic>
-          <p:nvPicPr>
-            <p:cNvPr id="33" name="Picture 32">
-              <a:extLst>
-                <a:ext uri="{FF2B5EF4-FFF2-40B4-BE49-F238E27FC236}">
-                  <a16:creationId xmlns:a16="http://schemas.microsoft.com/office/drawing/2014/main" id="{5840C527-2EB5-B086-1A00-0BF07ADEF705}"/>
-                </a:ext>
-              </a:extLst>
-            </p:cNvPr>
-            <p:cNvPicPr>
-              <a:picLocks noChangeAspect="1"/>
-            </p:cNvPicPr>
-            <p:nvPr/>
-          </p:nvPicPr>
-          <p:blipFill>
-            <a:blip r:embed="rId3"/>
-            <a:stretch>
-              <a:fillRect/>
-            </a:stretch>
-          </p:blipFill>
-          <p:spPr>
-            <a:xfrm>
-              <a:off x="1011627" y="743361"/>
-              <a:ext cx="723900" cy="866775"/>
-            </a:xfrm>
-            <a:prstGeom prst="rect">
-              <a:avLst/>
-            </a:prstGeom>
-          </p:spPr>
-        </p:pic>
-        <p:pic>
-          <p:nvPicPr>
-            <p:cNvPr id="34" name="Picture 33">
-              <a:extLst>
-                <a:ext uri="{FF2B5EF4-FFF2-40B4-BE49-F238E27FC236}">
-                  <a16:creationId xmlns:a16="http://schemas.microsoft.com/office/drawing/2014/main" id="{1A4A355A-D747-650E-DFF5-42A0A408C404}"/>
-                </a:ext>
-              </a:extLst>
-            </p:cNvPr>
-            <p:cNvPicPr>
-              <a:picLocks noChangeAspect="1"/>
-            </p:cNvPicPr>
-            <p:nvPr/>
-          </p:nvPicPr>
-          <p:blipFill>
-            <a:blip r:embed="rId4"/>
-            <a:stretch>
-              <a:fillRect/>
-            </a:stretch>
-          </p:blipFill>
-          <p:spPr>
-            <a:xfrm>
-              <a:off x="1801581" y="876226"/>
-              <a:ext cx="774072" cy="601044"/>
-            </a:xfrm>
-            <a:prstGeom prst="rect">
-              <a:avLst/>
-            </a:prstGeom>
-          </p:spPr>
-        </p:pic>
-      </p:grpSp>
-      <p:grpSp>
-        <p:nvGrpSpPr>
-          <p:cNvPr id="46" name="Group 45">
-            <a:extLst>
-              <a:ext uri="{FF2B5EF4-FFF2-40B4-BE49-F238E27FC236}">
-                <a16:creationId xmlns:a16="http://schemas.microsoft.com/office/drawing/2014/main" id="{41373859-6C83-7CEF-D238-418CAF8B614E}"/>
-              </a:ext>
-            </a:extLst>
-          </p:cNvPr>
-          <p:cNvGrpSpPr/>
-          <p:nvPr/>
-        </p:nvGrpSpPr>
-        <p:grpSpPr>
-          <a:xfrm>
-            <a:off x="3559652" y="1162532"/>
-            <a:ext cx="6178718" cy="3988587"/>
-            <a:chOff x="3771900" y="2595092"/>
-            <a:chExt cx="6178718" cy="3988587"/>
-          </a:xfrm>
-        </p:grpSpPr>
-        <p:sp>
-          <p:nvSpPr>
-            <p:cNvPr id="12" name="Rectangle 11">
-              <a:extLst>
-                <a:ext uri="{FF2B5EF4-FFF2-40B4-BE49-F238E27FC236}">
-                  <a16:creationId xmlns:a16="http://schemas.microsoft.com/office/drawing/2014/main" id="{F58BC527-02B3-75FD-AC17-F822F01B9AAD}"/>
-                </a:ext>
-              </a:extLst>
-            </p:cNvPr>
-            <p:cNvSpPr/>
-            <p:nvPr/>
-          </p:nvSpPr>
-          <p:spPr>
-            <a:xfrm>
-              <a:off x="3771900" y="2595092"/>
-              <a:ext cx="5935980" cy="3988587"/>
-            </a:xfrm>
-            <a:prstGeom prst="rect">
-              <a:avLst/>
-            </a:prstGeom>
-            <a:noFill/>
-            <a:ln w="38100"/>
-          </p:spPr>
-          <p:style>
-            <a:lnRef idx="1">
-              <a:schemeClr val="accent3"/>
-            </a:lnRef>
-            <a:fillRef idx="2">
-              <a:schemeClr val="accent3"/>
-            </a:fillRef>
-            <a:effectRef idx="1">
-              <a:schemeClr val="accent3"/>
-            </a:effectRef>
-            <a:fontRef idx="minor">
-              <a:schemeClr val="dk1"/>
-            </a:fontRef>
-          </p:style>
-          <p:txBody>
-            <a:bodyPr rtlCol="0" anchor="ctr"/>
-            <a:lstStyle/>
-            <a:p>
-              <a:pPr marL="0" marR="0" lvl="0" indent="0" algn="ctr" defTabSz="914400" rtl="0" eaLnBrk="1" fontAlgn="auto" latinLnBrk="0" hangingPunct="1">
-                <a:lnSpc>
-                  <a:spcPct val="100000"/>
-                </a:lnSpc>
-                <a:spcBef>
-                  <a:spcPts val="0"/>
-                </a:spcBef>
-                <a:spcAft>
-                  <a:spcPts val="0"/>
-                </a:spcAft>
-                <a:buClrTx/>
-                <a:buSzTx/>
-                <a:buFontTx/>
-                <a:buNone/>
-                <a:tabLst/>
-                <a:defRPr/>
-              </a:pPr>
-              <a:endParaRPr kumimoji="0" lang="en-NZ" sz="1800" b="0" i="0" u="none" strike="noStrike" kern="1200" cap="none" spc="0" normalizeH="0" baseline="0" noProof="0">
-                <a:ln>
-                  <a:noFill/>
-                </a:ln>
-                <a:solidFill>
-                  <a:prstClr val="black"/>
-                </a:solidFill>
-                <a:effectLst/>
-                <a:uLnTx/>
-                <a:uFillTx/>
-                <a:latin typeface="Calibri" panose="020F0502020204030204"/>
-                <a:ea typeface="+mn-ea"/>
-                <a:cs typeface="+mn-cs"/>
-              </a:endParaRPr>
-            </a:p>
-          </p:txBody>
-        </p:sp>
-        <p:sp>
-          <p:nvSpPr>
-            <p:cNvPr id="25" name="TextBox 24">
-              <a:extLst>
-                <a:ext uri="{FF2B5EF4-FFF2-40B4-BE49-F238E27FC236}">
-                  <a16:creationId xmlns:a16="http://schemas.microsoft.com/office/drawing/2014/main" id="{065B92E4-107E-3608-4DC5-33EE79622BB9}"/>
-                </a:ext>
-              </a:extLst>
-            </p:cNvPr>
-            <p:cNvSpPr txBox="1"/>
-            <p:nvPr/>
-          </p:nvSpPr>
-          <p:spPr>
-            <a:xfrm>
-              <a:off x="6558071" y="3550452"/>
-              <a:ext cx="3187526" cy="338554"/>
-            </a:xfrm>
-            <a:prstGeom prst="rect">
-              <a:avLst/>
-            </a:prstGeom>
-            <a:noFill/>
-          </p:spPr>
-          <p:txBody>
-            <a:bodyPr wrap="square">
-              <a:spAutoFit/>
-            </a:bodyPr>
-            <a:lstStyle/>
-            <a:p>
-              <a:pPr marL="0" marR="0" lvl="0" indent="0" algn="l" defTabSz="914400" rtl="0" eaLnBrk="1" fontAlgn="auto" latinLnBrk="0" hangingPunct="1">
-                <a:lnSpc>
-                  <a:spcPct val="100000"/>
-                </a:lnSpc>
-                <a:spcBef>
-                  <a:spcPts val="0"/>
-                </a:spcBef>
-                <a:spcAft>
-                  <a:spcPts val="0"/>
-                </a:spcAft>
-                <a:buClrTx/>
-                <a:buSzTx/>
-                <a:buFontTx/>
-                <a:buNone/>
-                <a:tabLst/>
-                <a:defRPr/>
-              </a:pPr>
-              <a:r>
-                <a:rPr kumimoji="0" lang="en-NZ" sz="800" b="0" i="0" u="none" strike="noStrike" kern="1200" cap="none" spc="0" normalizeH="0" baseline="0" noProof="0" dirty="0" err="1">
-                  <a:ln>
-                    <a:noFill/>
-                  </a:ln>
-                  <a:solidFill>
-                    <a:prstClr val="black"/>
-                  </a:solidFill>
-                  <a:effectLst/>
-                  <a:uLnTx/>
-                  <a:uFillTx/>
-                  <a:latin typeface="Courier New" panose="02070309020205020404" pitchFamily="49" charset="0"/>
-                  <a:ea typeface="+mn-ea"/>
-                  <a:cs typeface="Courier New" panose="02070309020205020404" pitchFamily="49" charset="0"/>
-                </a:rPr>
-                <a:t>execGRASS</a:t>
-              </a:r>
-              <a:r>
-                <a:rPr kumimoji="0" lang="en-NZ" sz="800" b="0" i="0" u="none" strike="noStrike" kern="1200" cap="none" spc="0" normalizeH="0" baseline="0" noProof="0" dirty="0">
-                  <a:ln>
-                    <a:noFill/>
-                  </a:ln>
-                  <a:solidFill>
-                    <a:prstClr val="black"/>
-                  </a:solidFill>
-                  <a:effectLst/>
-                  <a:uLnTx/>
-                  <a:uFillTx/>
-                  <a:latin typeface="Courier New" panose="02070309020205020404" pitchFamily="49" charset="0"/>
-                  <a:ea typeface="+mn-ea"/>
-                  <a:cs typeface="Courier New" panose="02070309020205020404" pitchFamily="49" charset="0"/>
-                </a:rPr>
-                <a:t>("</a:t>
-              </a:r>
-              <a:r>
-                <a:rPr kumimoji="0" lang="en-NZ" sz="800" b="0" i="0" u="none" strike="noStrike" kern="1200" cap="none" spc="0" normalizeH="0" baseline="0" noProof="0" dirty="0" err="1">
-                  <a:ln>
-                    <a:noFill/>
-                  </a:ln>
-                  <a:solidFill>
-                    <a:prstClr val="black"/>
-                  </a:solidFill>
-                  <a:effectLst/>
-                  <a:uLnTx/>
-                  <a:uFillTx/>
-                  <a:latin typeface="Courier New" panose="02070309020205020404" pitchFamily="49" charset="0"/>
-                  <a:ea typeface="+mn-ea"/>
-                  <a:cs typeface="Courier New" panose="02070309020205020404" pitchFamily="49" charset="0"/>
-                </a:rPr>
-                <a:t>g.proj</a:t>
-              </a:r>
-              <a:r>
-                <a:rPr kumimoji="0" lang="en-NZ" sz="800" b="0" i="0" u="none" strike="noStrike" kern="1200" cap="none" spc="0" normalizeH="0" baseline="0" noProof="0" dirty="0">
-                  <a:ln>
-                    <a:noFill/>
-                  </a:ln>
-                  <a:solidFill>
-                    <a:prstClr val="black"/>
-                  </a:solidFill>
-                  <a:effectLst/>
-                  <a:uLnTx/>
-                  <a:uFillTx/>
-                  <a:latin typeface="Courier New" panose="02070309020205020404" pitchFamily="49" charset="0"/>
-                  <a:ea typeface="+mn-ea"/>
-                  <a:cs typeface="Courier New" panose="02070309020205020404" pitchFamily="49" charset="0"/>
-                </a:rPr>
-                <a:t>", flags = "c", parameters = list(raster = "</a:t>
-              </a:r>
-              <a:r>
-                <a:rPr kumimoji="0" lang="en-NZ" sz="800" b="0" i="0" u="none" strike="noStrike" kern="1200" cap="none" spc="0" normalizeH="0" baseline="0" noProof="0" dirty="0" err="1">
-                  <a:ln>
-                    <a:noFill/>
-                  </a:ln>
-                  <a:solidFill>
-                    <a:prstClr val="black"/>
-                  </a:solidFill>
-                  <a:effectLst/>
-                  <a:uLnTx/>
-                  <a:uFillTx/>
-                  <a:latin typeface="Courier New" panose="02070309020205020404" pitchFamily="49" charset="0"/>
-                  <a:ea typeface="+mn-ea"/>
-                  <a:cs typeface="Courier New" panose="02070309020205020404" pitchFamily="49" charset="0"/>
-                </a:rPr>
-                <a:t>rast</a:t>
-              </a:r>
-              <a:r>
-                <a:rPr kumimoji="0" lang="en-NZ" sz="800" b="0" i="0" u="none" strike="noStrike" kern="1200" cap="none" spc="0" normalizeH="0" baseline="0" noProof="0" dirty="0">
-                  <a:ln>
-                    <a:noFill/>
-                  </a:ln>
-                  <a:solidFill>
-                    <a:prstClr val="black"/>
-                  </a:solidFill>
-                  <a:effectLst/>
-                  <a:uLnTx/>
-                  <a:uFillTx/>
-                  <a:latin typeface="Courier New" panose="02070309020205020404" pitchFamily="49" charset="0"/>
-                  <a:ea typeface="+mn-ea"/>
-                  <a:cs typeface="Courier New" panose="02070309020205020404" pitchFamily="49" charset="0"/>
-                </a:rPr>
-                <a:t>"))</a:t>
-              </a:r>
-            </a:p>
-          </p:txBody>
-        </p:sp>
-        <p:grpSp>
-          <p:nvGrpSpPr>
-            <p:cNvPr id="45" name="Group 44">
-              <a:extLst>
-                <a:ext uri="{FF2B5EF4-FFF2-40B4-BE49-F238E27FC236}">
-                  <a16:creationId xmlns:a16="http://schemas.microsoft.com/office/drawing/2014/main" id="{7E7A0D0E-9604-952D-C17C-0B964F88C9AB}"/>
+                  <a16:creationId xmlns:a16="http://schemas.microsoft.com/office/drawing/2014/main" id="{8D7706ED-1E13-5B4F-CB5D-AA541F9CBB07}"/>
                 </a:ext>
               </a:extLst>
             </p:cNvPr>
@@ -7868,18 +7254,18 @@
           </p:nvGrpSpPr>
           <p:grpSpPr>
             <a:xfrm>
-              <a:off x="4447802" y="2676248"/>
-              <a:ext cx="5260078" cy="3510756"/>
-              <a:chOff x="4447802" y="2676248"/>
-              <a:chExt cx="5260078" cy="3510756"/>
+              <a:off x="504706" y="1182852"/>
+              <a:ext cx="2752660" cy="3715256"/>
+              <a:chOff x="581458" y="743361"/>
+              <a:chExt cx="2752660" cy="3715256"/>
             </a:xfrm>
           </p:grpSpPr>
           <p:sp>
             <p:nvSpPr>
-              <p:cNvPr id="5" name="Rectangle 4">
+              <p:cNvPr id="4" name="Rectangle 3">
                 <a:extLst>
                   <a:ext uri="{FF2B5EF4-FFF2-40B4-BE49-F238E27FC236}">
-                    <a16:creationId xmlns:a16="http://schemas.microsoft.com/office/drawing/2014/main" id="{6E0FAA16-8A22-9F0E-8A18-191DEB589CC2}"/>
+                    <a16:creationId xmlns:a16="http://schemas.microsoft.com/office/drawing/2014/main" id="{E07DE56E-EEC3-D270-D10E-77C97CF8EB59}"/>
                   </a:ext>
                 </a:extLst>
               </p:cNvPr>
@@ -7888,304 +7274,7 @@
             </p:nvSpPr>
             <p:spPr>
               <a:xfrm>
-                <a:off x="7405498" y="2676248"/>
-                <a:ext cx="1236148" cy="908859"/>
-              </a:xfrm>
-              <a:prstGeom prst="rect">
-                <a:avLst/>
-              </a:prstGeom>
-              <a:solidFill>
-                <a:schemeClr val="accent5">
-                  <a:lumMod val="60000"/>
-                  <a:lumOff val="40000"/>
-                </a:schemeClr>
-              </a:solidFill>
-              <a:ln>
-                <a:noFill/>
-              </a:ln>
-            </p:spPr>
-            <p:style>
-              <a:lnRef idx="2">
-                <a:schemeClr val="accent1">
-                  <a:shade val="15000"/>
-                </a:schemeClr>
-              </a:lnRef>
-              <a:fillRef idx="1">
-                <a:schemeClr val="accent1"/>
-              </a:fillRef>
-              <a:effectRef idx="0">
-                <a:schemeClr val="accent1"/>
-              </a:effectRef>
-              <a:fontRef idx="minor">
-                <a:schemeClr val="lt1"/>
-              </a:fontRef>
-            </p:style>
-            <p:txBody>
-              <a:bodyPr rtlCol="0" anchor="ctr"/>
-              <a:lstStyle/>
-              <a:p>
-                <a:pPr marL="0" marR="0" lvl="0" indent="0" algn="ctr" defTabSz="914400" rtl="0" eaLnBrk="1" fontAlgn="auto" latinLnBrk="0" hangingPunct="1">
-                  <a:lnSpc>
-                    <a:spcPct val="100000"/>
-                  </a:lnSpc>
-                  <a:spcBef>
-                    <a:spcPts val="0"/>
-                  </a:spcBef>
-                  <a:spcAft>
-                    <a:spcPts val="0"/>
-                  </a:spcAft>
-                  <a:buClrTx/>
-                  <a:buSzTx/>
-                  <a:buFontTx/>
-                  <a:buNone/>
-                  <a:tabLst/>
-                  <a:defRPr/>
-                </a:pPr>
-                <a:r>
-                  <a:rPr kumimoji="0" lang="pt-BR" sz="1400" b="0" i="0" u="none" strike="noStrike" kern="1200" cap="none" spc="0" normalizeH="0" baseline="0" noProof="0" dirty="0">
-                    <a:ln>
-                      <a:noFill/>
-                    </a:ln>
-                    <a:solidFill>
-                      <a:prstClr val="white"/>
-                    </a:solidFill>
-                    <a:effectLst/>
-                    <a:uLnTx/>
-                    <a:uFillTx/>
-                    <a:latin typeface="Calibri" panose="020F0502020204030204"/>
-                    <a:ea typeface="+mn-ea"/>
-                    <a:cs typeface="+mn-cs"/>
-                  </a:rPr>
-                  <a:t>Region projection</a:t>
-                </a:r>
-              </a:p>
-            </p:txBody>
-          </p:sp>
-          <p:sp>
-            <p:nvSpPr>
-              <p:cNvPr id="6" name="Rectangle 5">
-                <a:extLst>
-                  <a:ext uri="{FF2B5EF4-FFF2-40B4-BE49-F238E27FC236}">
-                    <a16:creationId xmlns:a16="http://schemas.microsoft.com/office/drawing/2014/main" id="{29966AB3-FC6C-8C3A-AC8D-0494F2F5B352}"/>
-                  </a:ext>
-                </a:extLst>
-              </p:cNvPr>
-              <p:cNvSpPr/>
-              <p:nvPr/>
-            </p:nvSpPr>
-            <p:spPr>
-              <a:xfrm>
-                <a:off x="7405498" y="5124690"/>
-                <a:ext cx="1236148" cy="908859"/>
-              </a:xfrm>
-              <a:prstGeom prst="rect">
-                <a:avLst/>
-              </a:prstGeom>
-              <a:solidFill>
-                <a:schemeClr val="accent5">
-                  <a:lumMod val="60000"/>
-                  <a:lumOff val="40000"/>
-                </a:schemeClr>
-              </a:solidFill>
-              <a:ln>
-                <a:noFill/>
-              </a:ln>
-            </p:spPr>
-            <p:style>
-              <a:lnRef idx="2">
-                <a:schemeClr val="accent1">
-                  <a:shade val="15000"/>
-                </a:schemeClr>
-              </a:lnRef>
-              <a:fillRef idx="1">
-                <a:schemeClr val="accent1"/>
-              </a:fillRef>
-              <a:effectRef idx="0">
-                <a:schemeClr val="accent1"/>
-              </a:effectRef>
-              <a:fontRef idx="minor">
-                <a:schemeClr val="lt1"/>
-              </a:fontRef>
-            </p:style>
-            <p:txBody>
-              <a:bodyPr rtlCol="0" anchor="ctr"/>
-              <a:lstStyle/>
-              <a:p>
-                <a:pPr marL="0" marR="0" lvl="0" indent="0" algn="ctr" defTabSz="914400" rtl="0" eaLnBrk="1" fontAlgn="auto" latinLnBrk="0" hangingPunct="1">
-                  <a:lnSpc>
-                    <a:spcPct val="100000"/>
-                  </a:lnSpc>
-                  <a:spcBef>
-                    <a:spcPts val="0"/>
-                  </a:spcBef>
-                  <a:spcAft>
-                    <a:spcPts val="0"/>
-                  </a:spcAft>
-                  <a:buClrTx/>
-                  <a:buSzTx/>
-                  <a:buFontTx/>
-                  <a:buNone/>
-                  <a:tabLst/>
-                  <a:defRPr/>
-                </a:pPr>
-                <a:r>
-                  <a:rPr kumimoji="0" lang="pt-BR" sz="1400" b="0" i="0" u="none" strike="noStrike" kern="1200" cap="none" spc="0" normalizeH="0" baseline="0" noProof="0" dirty="0">
-                    <a:ln>
-                      <a:noFill/>
-                    </a:ln>
-                    <a:solidFill>
-                      <a:prstClr val="white"/>
-                    </a:solidFill>
-                    <a:effectLst/>
-                    <a:uLnTx/>
-                    <a:uFillTx/>
-                    <a:latin typeface="Calibri" panose="020F0502020204030204"/>
-                    <a:ea typeface="+mn-ea"/>
-                    <a:cs typeface="+mn-cs"/>
-                  </a:rPr>
-                  <a:t>Region extent</a:t>
-                </a:r>
-              </a:p>
-            </p:txBody>
-          </p:sp>
-          <p:sp>
-            <p:nvSpPr>
-              <p:cNvPr id="7" name="Rectangle 6">
-                <a:extLst>
-                  <a:ext uri="{FF2B5EF4-FFF2-40B4-BE49-F238E27FC236}">
-                    <a16:creationId xmlns:a16="http://schemas.microsoft.com/office/drawing/2014/main" id="{2BC0E340-CF98-2107-1536-9AA271F951E8}"/>
-                  </a:ext>
-                </a:extLst>
-              </p:cNvPr>
-              <p:cNvSpPr/>
-              <p:nvPr/>
-            </p:nvSpPr>
-            <p:spPr>
-              <a:xfrm>
-                <a:off x="7398953" y="3857663"/>
-                <a:ext cx="1236148" cy="908859"/>
-              </a:xfrm>
-              <a:prstGeom prst="rect">
-                <a:avLst/>
-              </a:prstGeom>
-              <a:solidFill>
-                <a:schemeClr val="accent5">
-                  <a:lumMod val="60000"/>
-                  <a:lumOff val="40000"/>
-                </a:schemeClr>
-              </a:solidFill>
-              <a:ln>
-                <a:noFill/>
-              </a:ln>
-            </p:spPr>
-            <p:style>
-              <a:lnRef idx="2">
-                <a:schemeClr val="accent1">
-                  <a:shade val="15000"/>
-                </a:schemeClr>
-              </a:lnRef>
-              <a:fillRef idx="1">
-                <a:schemeClr val="accent1"/>
-              </a:fillRef>
-              <a:effectRef idx="0">
-                <a:schemeClr val="accent1"/>
-              </a:effectRef>
-              <a:fontRef idx="minor">
-                <a:schemeClr val="lt1"/>
-              </a:fontRef>
-            </p:style>
-            <p:txBody>
-              <a:bodyPr rtlCol="0" anchor="ctr"/>
-              <a:lstStyle/>
-              <a:p>
-                <a:pPr marL="0" marR="0" lvl="0" indent="0" algn="ctr" defTabSz="914400" rtl="0" eaLnBrk="1" fontAlgn="auto" latinLnBrk="0" hangingPunct="1">
-                  <a:lnSpc>
-                    <a:spcPct val="100000"/>
-                  </a:lnSpc>
-                  <a:spcBef>
-                    <a:spcPts val="0"/>
-                  </a:spcBef>
-                  <a:spcAft>
-                    <a:spcPts val="0"/>
-                  </a:spcAft>
-                  <a:buClrTx/>
-                  <a:buSzTx/>
-                  <a:buFontTx/>
-                  <a:buNone/>
-                  <a:tabLst/>
-                  <a:defRPr/>
-                </a:pPr>
-                <a:r>
-                  <a:rPr kumimoji="0" lang="pt-BR" sz="1400" b="0" i="0" u="none" strike="noStrike" kern="1200" cap="none" spc="0" normalizeH="0" baseline="0" noProof="0" dirty="0">
-                    <a:ln>
-                      <a:noFill/>
-                    </a:ln>
-                    <a:solidFill>
-                      <a:prstClr val="white"/>
-                    </a:solidFill>
-                    <a:effectLst/>
-                    <a:uLnTx/>
-                    <a:uFillTx/>
-                    <a:latin typeface="Calibri" panose="020F0502020204030204"/>
-                    <a:ea typeface="+mn-ea"/>
-                    <a:cs typeface="+mn-cs"/>
-                  </a:rPr>
-                  <a:t>Region</a:t>
-                </a:r>
-              </a:p>
-              <a:p>
-                <a:pPr marL="0" marR="0" lvl="0" indent="0" algn="ctr" defTabSz="914400" rtl="0" eaLnBrk="1" fontAlgn="auto" latinLnBrk="0" hangingPunct="1">
-                  <a:lnSpc>
-                    <a:spcPct val="100000"/>
-                  </a:lnSpc>
-                  <a:spcBef>
-                    <a:spcPts val="0"/>
-                  </a:spcBef>
-                  <a:spcAft>
-                    <a:spcPts val="0"/>
-                  </a:spcAft>
-                  <a:buClrTx/>
-                  <a:buSzTx/>
-                  <a:buFontTx/>
-                  <a:buNone/>
-                  <a:tabLst/>
-                  <a:defRPr/>
-                </a:pPr>
-                <a:r>
-                  <a:rPr kumimoji="0" lang="pt-BR" sz="1400" b="0" i="0" u="none" strike="noStrike" kern="1200" cap="none" spc="0" normalizeH="0" baseline="0" noProof="0" dirty="0">
-                    <a:ln>
-                      <a:noFill/>
-                    </a:ln>
-                    <a:solidFill>
-                      <a:prstClr val="white"/>
-                    </a:solidFill>
-                    <a:effectLst/>
-                    <a:uLnTx/>
-                    <a:uFillTx/>
-                    <a:latin typeface="Calibri" panose="020F0502020204030204"/>
-                    <a:ea typeface="+mn-ea"/>
-                    <a:cs typeface="+mn-cs"/>
-                  </a:rPr>
-                  <a:t>resolution</a:t>
-                </a:r>
-              </a:p>
-            </p:txBody>
-          </p:sp>
-          <p:sp>
-            <p:nvSpPr>
-              <p:cNvPr id="8" name="Rectangle 7">
-                <a:extLst>
-                  <a:ext uri="{FF2B5EF4-FFF2-40B4-BE49-F238E27FC236}">
-                    <a16:creationId xmlns:a16="http://schemas.microsoft.com/office/drawing/2014/main" id="{8349145C-32C5-ACAA-EB57-70F8462855C0}"/>
-                  </a:ext>
-                </a:extLst>
-              </p:cNvPr>
-              <p:cNvSpPr/>
-              <p:nvPr/>
-            </p:nvSpPr>
-            <p:spPr>
-              <a:xfrm>
-                <a:off x="4726731" y="3621654"/>
+                <a:off x="1117453" y="1870022"/>
                 <a:ext cx="1236148" cy="908859"/>
               </a:xfrm>
               <a:prstGeom prst="rect">
@@ -8252,7 +7341,7 @@
                     <a:ea typeface="+mn-ea"/>
                     <a:cs typeface="+mn-cs"/>
                   </a:rPr>
-                  <a:t>v.import</a:t>
+                  <a:t>Init GRASS</a:t>
                 </a:r>
                 <a:endParaRPr kumimoji="0" lang="en-NZ" sz="1400" b="0" i="0" u="none" strike="noStrike" kern="1200" cap="none" spc="0" normalizeH="0" baseline="0" noProof="0" dirty="0">
                   <a:ln>
@@ -8273,10 +7362,10 @@
           </p:sp>
           <p:pic>
             <p:nvPicPr>
-              <p:cNvPr id="10" name="Picture 9">
+              <p:cNvPr id="16" name="Picture 15">
                 <a:extLst>
                   <a:ext uri="{FF2B5EF4-FFF2-40B4-BE49-F238E27FC236}">
-                    <a16:creationId xmlns:a16="http://schemas.microsoft.com/office/drawing/2014/main" id="{F821CD2D-5C94-61A3-64B4-955A84C9FE68}"/>
+                    <a16:creationId xmlns:a16="http://schemas.microsoft.com/office/drawing/2014/main" id="{8F86A971-756C-AF47-24CF-C4AD4F3BFCCA}"/>
                   </a:ext>
                 </a:extLst>
               </p:cNvPr>
@@ -8286,15 +7375,15 @@
               <p:nvPr/>
             </p:nvPicPr>
             <p:blipFill>
-              <a:blip r:embed="rId5"/>
+              <a:blip r:embed="rId2"/>
               <a:stretch>
                 <a:fillRect/>
               </a:stretch>
             </p:blipFill>
             <p:spPr>
               <a:xfrm>
-                <a:off x="4447802" y="5283404"/>
-                <a:ext cx="2004954" cy="903600"/>
+                <a:off x="832679" y="3070032"/>
+                <a:ext cx="1732033" cy="1063725"/>
               </a:xfrm>
               <a:prstGeom prst="rect">
                 <a:avLst/>
@@ -8303,10 +7392,10 @@
           </p:pic>
           <p:sp>
             <p:nvSpPr>
-              <p:cNvPr id="14" name="TextBox 13">
+              <p:cNvPr id="18" name="TextBox 17">
                 <a:extLst>
                   <a:ext uri="{FF2B5EF4-FFF2-40B4-BE49-F238E27FC236}">
-                    <a16:creationId xmlns:a16="http://schemas.microsoft.com/office/drawing/2014/main" id="{78645F33-2153-120B-68C2-E3D97B8DEAC6}"/>
+                    <a16:creationId xmlns:a16="http://schemas.microsoft.com/office/drawing/2014/main" id="{D760B8F3-D4EF-1F2C-3A21-43A36CE8AD40}"/>
                   </a:ext>
                 </a:extLst>
               </p:cNvPr>
@@ -8315,7 +7404,89 @@
             </p:nvSpPr>
             <p:spPr>
               <a:xfrm>
-                <a:off x="4726731" y="4907404"/>
+                <a:off x="581458" y="4197007"/>
+                <a:ext cx="2752660" cy="261610"/>
+              </a:xfrm>
+              <a:prstGeom prst="rect">
+                <a:avLst/>
+              </a:prstGeom>
+              <a:noFill/>
+            </p:spPr>
+            <p:txBody>
+              <a:bodyPr wrap="square">
+                <a:spAutoFit/>
+              </a:bodyPr>
+              <a:lstStyle/>
+              <a:p>
+                <a:pPr marL="0" marR="0" lvl="0" indent="0" algn="l" defTabSz="914400" rtl="0" eaLnBrk="1" fontAlgn="auto" latinLnBrk="0" hangingPunct="1">
+                  <a:lnSpc>
+                    <a:spcPct val="100000"/>
+                  </a:lnSpc>
+                  <a:spcBef>
+                    <a:spcPts val="0"/>
+                  </a:spcBef>
+                  <a:spcAft>
+                    <a:spcPts val="0"/>
+                  </a:spcAft>
+                  <a:buClrTx/>
+                  <a:buSzTx/>
+                  <a:buFontTx/>
+                  <a:buNone/>
+                  <a:tabLst/>
+                  <a:defRPr/>
+                </a:pPr>
+                <a:r>
+                  <a:rPr kumimoji="0" lang="pt-BR" sz="1100" b="0" i="0" u="none" strike="noStrike" kern="1200" cap="none" spc="0" normalizeH="0" baseline="0" noProof="0" dirty="0">
+                    <a:ln>
+                      <a:noFill/>
+                    </a:ln>
+                    <a:solidFill>
+                      <a:srgbClr val="000000"/>
+                    </a:solidFill>
+                    <a:effectLst/>
+                    <a:highlight>
+                      <a:srgbClr val="FFFFFF"/>
+                    </a:highlight>
+                    <a:uLnTx/>
+                    <a:uFillTx/>
+                    <a:latin typeface="Lato" panose="020F0502020204030203" pitchFamily="34" charset="0"/>
+                    <a:ea typeface="+mn-ea"/>
+                    <a:cs typeface="+mn-cs"/>
+                  </a:rPr>
+                  <a:t>EPSG:3857 - WGS 84 / Pseudo-Mercator</a:t>
+                </a:r>
+                <a:endParaRPr kumimoji="0" lang="en-NZ" sz="1100" b="0" i="0" u="none" strike="noStrike" kern="1200" cap="none" spc="0" normalizeH="0" baseline="0" noProof="0" dirty="0">
+                  <a:ln>
+                    <a:noFill/>
+                  </a:ln>
+                  <a:solidFill>
+                    <a:prstClr val="black"/>
+                  </a:solidFill>
+                  <a:effectLst/>
+                  <a:uLnTx/>
+                  <a:uFillTx/>
+                  <a:latin typeface="Calibri" panose="020F0502020204030204"/>
+                  <a:ea typeface="+mn-ea"/>
+                  <a:cs typeface="+mn-cs"/>
+                </a:endParaRPr>
+              </a:p>
+            </p:txBody>
+          </p:sp>
+          <p:sp>
+            <p:nvSpPr>
+              <p:cNvPr id="31" name="TextBox 30">
+                <a:extLst>
+                  <a:ext uri="{FF2B5EF4-FFF2-40B4-BE49-F238E27FC236}">
+                    <a16:creationId xmlns:a16="http://schemas.microsoft.com/office/drawing/2014/main" id="{3EEFF085-0D05-0647-2C1D-1543D7645C87}"/>
+                  </a:ext>
+                </a:extLst>
+              </p:cNvPr>
+              <p:cNvSpPr txBox="1"/>
+              <p:nvPr/>
+            </p:nvSpPr>
+            <p:spPr>
+              <a:xfrm>
+                <a:off x="1233665" y="2833924"/>
                 <a:ext cx="1703990" cy="261610"/>
               </a:xfrm>
               <a:prstGeom prst="rect">
@@ -8364,7 +7535,27 @@
                     <a:ea typeface="+mn-ea"/>
                     <a:cs typeface="+mn-cs"/>
                   </a:rPr>
-                  <a:t>EPSG:4326 - WGS 84</a:t>
+                  <a:t>land use </a:t>
+                </a:r>
+                <a:r>
+                  <a:rPr kumimoji="0" lang="en-NZ" sz="1100" b="0" i="0" u="none" strike="noStrike" kern="1200" cap="none" spc="0" normalizeH="0" baseline="0" noProof="0" dirty="0" err="1">
+                    <a:ln>
+                      <a:noFill/>
+                    </a:ln>
+                    <a:solidFill>
+                      <a:srgbClr val="000000"/>
+                    </a:solidFill>
+                    <a:effectLst/>
+                    <a:highlight>
+                      <a:srgbClr val="FFFFFF"/>
+                    </a:highlight>
+                    <a:uLnTx/>
+                    <a:uFillTx/>
+                    <a:latin typeface="Lato" panose="020F0502020204030203" pitchFamily="34" charset="0"/>
+                    <a:ea typeface="+mn-ea"/>
+                    <a:cs typeface="+mn-cs"/>
+                  </a:rPr>
+                  <a:t>rast</a:t>
                 </a:r>
                 <a:endParaRPr kumimoji="0" lang="en-NZ" sz="1100" b="0" i="0" u="none" strike="noStrike" kern="1200" cap="none" spc="0" normalizeH="0" baseline="0" noProof="0" dirty="0">
                   <a:ln>
@@ -8383,12 +7574,168 @@
               </a:p>
             </p:txBody>
           </p:sp>
+          <p:pic>
+            <p:nvPicPr>
+              <p:cNvPr id="33" name="Picture 32">
+                <a:extLst>
+                  <a:ext uri="{FF2B5EF4-FFF2-40B4-BE49-F238E27FC236}">
+                    <a16:creationId xmlns:a16="http://schemas.microsoft.com/office/drawing/2014/main" id="{5840C527-2EB5-B086-1A00-0BF07ADEF705}"/>
+                  </a:ext>
+                </a:extLst>
+              </p:cNvPr>
+              <p:cNvPicPr>
+                <a:picLocks noChangeAspect="1"/>
+              </p:cNvPicPr>
+              <p:nvPr/>
+            </p:nvPicPr>
+            <p:blipFill>
+              <a:blip r:embed="rId3"/>
+              <a:stretch>
+                <a:fillRect/>
+              </a:stretch>
+            </p:blipFill>
+            <p:spPr>
+              <a:xfrm>
+                <a:off x="1011627" y="743361"/>
+                <a:ext cx="723900" cy="866775"/>
+              </a:xfrm>
+              <a:prstGeom prst="rect">
+                <a:avLst/>
+              </a:prstGeom>
+            </p:spPr>
+          </p:pic>
+          <p:pic>
+            <p:nvPicPr>
+              <p:cNvPr id="34" name="Picture 33">
+                <a:extLst>
+                  <a:ext uri="{FF2B5EF4-FFF2-40B4-BE49-F238E27FC236}">
+                    <a16:creationId xmlns:a16="http://schemas.microsoft.com/office/drawing/2014/main" id="{1A4A355A-D747-650E-DFF5-42A0A408C404}"/>
+                  </a:ext>
+                </a:extLst>
+              </p:cNvPr>
+              <p:cNvPicPr>
+                <a:picLocks noChangeAspect="1"/>
+              </p:cNvPicPr>
+              <p:nvPr/>
+            </p:nvPicPr>
+            <p:blipFill>
+              <a:blip r:embed="rId4"/>
+              <a:stretch>
+                <a:fillRect/>
+              </a:stretch>
+            </p:blipFill>
+            <p:spPr>
+              <a:xfrm>
+                <a:off x="1801581" y="876226"/>
+                <a:ext cx="774072" cy="601044"/>
+              </a:xfrm>
+              <a:prstGeom prst="rect">
+                <a:avLst/>
+              </a:prstGeom>
+            </p:spPr>
+          </p:pic>
+        </p:grpSp>
+        <p:grpSp>
+          <p:nvGrpSpPr>
+            <p:cNvPr id="46" name="Group 45">
+              <a:extLst>
+                <a:ext uri="{FF2B5EF4-FFF2-40B4-BE49-F238E27FC236}">
+                  <a16:creationId xmlns:a16="http://schemas.microsoft.com/office/drawing/2014/main" id="{41373859-6C83-7CEF-D238-418CAF8B614E}"/>
+                </a:ext>
+              </a:extLst>
+            </p:cNvPr>
+            <p:cNvGrpSpPr/>
+            <p:nvPr/>
+          </p:nvGrpSpPr>
+          <p:grpSpPr>
+            <a:xfrm>
+              <a:off x="3559652" y="1162532"/>
+              <a:ext cx="6178718" cy="3988587"/>
+              <a:chOff x="3771900" y="2595092"/>
+              <a:chExt cx="6178718" cy="3988587"/>
+            </a:xfrm>
+          </p:grpSpPr>
           <p:sp>
             <p:nvSpPr>
-              <p:cNvPr id="27" name="TextBox 26">
+              <p:cNvPr id="12" name="Rectangle 11">
                 <a:extLst>
                   <a:ext uri="{FF2B5EF4-FFF2-40B4-BE49-F238E27FC236}">
-                    <a16:creationId xmlns:a16="http://schemas.microsoft.com/office/drawing/2014/main" id="{45021953-823B-FE71-955C-2840F77D8C8B}"/>
+                    <a16:creationId xmlns:a16="http://schemas.microsoft.com/office/drawing/2014/main" id="{F58BC527-02B3-75FD-AC17-F822F01B9AAD}"/>
+                  </a:ext>
+                </a:extLst>
+              </p:cNvPr>
+              <p:cNvSpPr/>
+              <p:nvPr/>
+            </p:nvSpPr>
+            <p:spPr>
+              <a:xfrm>
+                <a:off x="3771900" y="2595092"/>
+                <a:ext cx="5935980" cy="3988587"/>
+              </a:xfrm>
+              <a:prstGeom prst="rect">
+                <a:avLst/>
+              </a:prstGeom>
+              <a:noFill/>
+              <a:ln w="38100"/>
+            </p:spPr>
+            <p:style>
+              <a:lnRef idx="1">
+                <a:schemeClr val="accent3"/>
+              </a:lnRef>
+              <a:fillRef idx="2">
+                <a:schemeClr val="accent3"/>
+              </a:fillRef>
+              <a:effectRef idx="1">
+                <a:schemeClr val="accent3"/>
+              </a:effectRef>
+              <a:fontRef idx="minor">
+                <a:schemeClr val="dk1"/>
+              </a:fontRef>
+            </p:style>
+            <p:txBody>
+              <a:bodyPr rtlCol="0" anchor="ctr"/>
+              <a:lstStyle/>
+              <a:p>
+                <a:pPr marL="0" marR="0" lvl="0" indent="0" algn="ctr" defTabSz="914400" rtl="0" eaLnBrk="1" fontAlgn="auto" latinLnBrk="0" hangingPunct="1">
+                  <a:lnSpc>
+                    <a:spcPct val="100000"/>
+                  </a:lnSpc>
+                  <a:spcBef>
+                    <a:spcPts val="0"/>
+                  </a:spcBef>
+                  <a:spcAft>
+                    <a:spcPts val="0"/>
+                  </a:spcAft>
+                  <a:buClrTx/>
+                  <a:buSzTx/>
+                  <a:buFontTx/>
+                  <a:buNone/>
+                  <a:tabLst/>
+                  <a:defRPr/>
+                </a:pPr>
+                <a:endParaRPr kumimoji="0" lang="en-NZ" sz="1800" b="0" i="0" u="none" strike="noStrike" kern="1200" cap="none" spc="0" normalizeH="0" baseline="0" noProof="0">
+                  <a:ln>
+                    <a:noFill/>
+                  </a:ln>
+                  <a:solidFill>
+                    <a:prstClr val="black"/>
+                  </a:solidFill>
+                  <a:effectLst/>
+                  <a:uLnTx/>
+                  <a:uFillTx/>
+                  <a:latin typeface="Calibri" panose="020F0502020204030204"/>
+                  <a:ea typeface="+mn-ea"/>
+                  <a:cs typeface="+mn-cs"/>
+                </a:endParaRPr>
+              </a:p>
+            </p:txBody>
+          </p:sp>
+          <p:sp>
+            <p:nvSpPr>
+              <p:cNvPr id="25" name="TextBox 24">
+                <a:extLst>
+                  <a:ext uri="{FF2B5EF4-FFF2-40B4-BE49-F238E27FC236}">
+                    <a16:creationId xmlns:a16="http://schemas.microsoft.com/office/drawing/2014/main" id="{065B92E4-107E-3608-4DC5-33EE79622BB9}"/>
                   </a:ext>
                 </a:extLst>
               </p:cNvPr>
@@ -8397,8 +7744,8 @@
             </p:nvSpPr>
             <p:spPr>
               <a:xfrm>
-                <a:off x="6595789" y="4729128"/>
-                <a:ext cx="3112091" cy="338554"/>
+                <a:off x="6558071" y="3550452"/>
+                <a:ext cx="3187526" cy="338554"/>
               </a:xfrm>
               <a:prstGeom prst="rect">
                 <a:avLst/>
@@ -8477,7 +7824,7 @@
                     <a:ea typeface="+mn-ea"/>
                     <a:cs typeface="Courier New" panose="02070309020205020404" pitchFamily="49" charset="0"/>
                   </a:rPr>
-                  <a:t>g.region</a:t>
+                  <a:t>g.proj</a:t>
                 </a:r>
                 <a:r>
                   <a:rPr kumimoji="0" lang="en-NZ" sz="800" b="0" i="0" u="none" strike="noStrike" kern="1200" cap="none" spc="0" normalizeH="0" baseline="0" noProof="0" dirty="0">
@@ -8494,7 +7841,7 @@
                     <a:ea typeface="+mn-ea"/>
                     <a:cs typeface="Courier New" panose="02070309020205020404" pitchFamily="49" charset="0"/>
                   </a:rPr>
-                  <a:t>", parameters = list(raster = “</a:t>
+                  <a:t>", flags = "c", parameters = list(raster = "</a:t>
                 </a:r>
                 <a:r>
                   <a:rPr kumimoji="0" lang="en-NZ" sz="800" b="0" i="0" u="none" strike="noStrike" kern="1200" cap="none" spc="0" normalizeH="0" baseline="0" noProof="0" dirty="0" err="1">
@@ -8528,10 +7875,524 @@
                     <a:ea typeface="+mn-ea"/>
                     <a:cs typeface="Courier New" panose="02070309020205020404" pitchFamily="49" charset="0"/>
                   </a:rPr>
-                  <a:t>"),  res=</a:t>
+                  <a:t>"))</a:t>
                 </a:r>
-                <a:r>
-                  <a:rPr kumimoji="0" lang="en-NZ" sz="800" b="0" i="0" u="none" strike="noStrike" kern="1200" cap="none" spc="0" normalizeH="0" baseline="0" noProof="0" dirty="0" err="1">
+              </a:p>
+            </p:txBody>
+          </p:sp>
+          <p:grpSp>
+            <p:nvGrpSpPr>
+              <p:cNvPr id="45" name="Group 44">
+                <a:extLst>
+                  <a:ext uri="{FF2B5EF4-FFF2-40B4-BE49-F238E27FC236}">
+                    <a16:creationId xmlns:a16="http://schemas.microsoft.com/office/drawing/2014/main" id="{7E7A0D0E-9604-952D-C17C-0B964F88C9AB}"/>
+                  </a:ext>
+                </a:extLst>
+              </p:cNvPr>
+              <p:cNvGrpSpPr/>
+              <p:nvPr/>
+            </p:nvGrpSpPr>
+            <p:grpSpPr>
+              <a:xfrm>
+                <a:off x="4447802" y="2676248"/>
+                <a:ext cx="5260078" cy="3510756"/>
+                <a:chOff x="4447802" y="2676248"/>
+                <a:chExt cx="5260078" cy="3510756"/>
+              </a:xfrm>
+            </p:grpSpPr>
+            <p:sp>
+              <p:nvSpPr>
+                <p:cNvPr id="5" name="Rectangle 4">
+                  <a:extLst>
+                    <a:ext uri="{FF2B5EF4-FFF2-40B4-BE49-F238E27FC236}">
+                      <a16:creationId xmlns:a16="http://schemas.microsoft.com/office/drawing/2014/main" id="{6E0FAA16-8A22-9F0E-8A18-191DEB589CC2}"/>
+                    </a:ext>
+                  </a:extLst>
+                </p:cNvPr>
+                <p:cNvSpPr/>
+                <p:nvPr/>
+              </p:nvSpPr>
+              <p:spPr>
+                <a:xfrm>
+                  <a:off x="7405498" y="2676248"/>
+                  <a:ext cx="1236148" cy="908859"/>
+                </a:xfrm>
+                <a:prstGeom prst="rect">
+                  <a:avLst/>
+                </a:prstGeom>
+                <a:solidFill>
+                  <a:schemeClr val="accent5">
+                    <a:lumMod val="60000"/>
+                    <a:lumOff val="40000"/>
+                  </a:schemeClr>
+                </a:solidFill>
+                <a:ln>
+                  <a:noFill/>
+                </a:ln>
+              </p:spPr>
+              <p:style>
+                <a:lnRef idx="2">
+                  <a:schemeClr val="accent1">
+                    <a:shade val="15000"/>
+                  </a:schemeClr>
+                </a:lnRef>
+                <a:fillRef idx="1">
+                  <a:schemeClr val="accent1"/>
+                </a:fillRef>
+                <a:effectRef idx="0">
+                  <a:schemeClr val="accent1"/>
+                </a:effectRef>
+                <a:fontRef idx="minor">
+                  <a:schemeClr val="lt1"/>
+                </a:fontRef>
+              </p:style>
+              <p:txBody>
+                <a:bodyPr rtlCol="0" anchor="ctr"/>
+                <a:lstStyle/>
+                <a:p>
+                  <a:pPr marL="0" marR="0" lvl="0" indent="0" algn="ctr" defTabSz="914400" rtl="0" eaLnBrk="1" fontAlgn="auto" latinLnBrk="0" hangingPunct="1">
+                    <a:lnSpc>
+                      <a:spcPct val="100000"/>
+                    </a:lnSpc>
+                    <a:spcBef>
+                      <a:spcPts val="0"/>
+                    </a:spcBef>
+                    <a:spcAft>
+                      <a:spcPts val="0"/>
+                    </a:spcAft>
+                    <a:buClrTx/>
+                    <a:buSzTx/>
+                    <a:buFontTx/>
+                    <a:buNone/>
+                    <a:tabLst/>
+                    <a:defRPr/>
+                  </a:pPr>
+                  <a:r>
+                    <a:rPr kumimoji="0" lang="pt-BR" sz="1400" b="0" i="0" u="none" strike="noStrike" kern="1200" cap="none" spc="0" normalizeH="0" baseline="0" noProof="0" dirty="0">
+                      <a:ln>
+                        <a:noFill/>
+                      </a:ln>
+                      <a:solidFill>
+                        <a:prstClr val="white"/>
+                      </a:solidFill>
+                      <a:effectLst/>
+                      <a:uLnTx/>
+                      <a:uFillTx/>
+                      <a:latin typeface="Calibri" panose="020F0502020204030204"/>
+                      <a:ea typeface="+mn-ea"/>
+                      <a:cs typeface="+mn-cs"/>
+                    </a:rPr>
+                    <a:t>Region projection</a:t>
+                  </a:r>
+                </a:p>
+              </p:txBody>
+            </p:sp>
+            <p:sp>
+              <p:nvSpPr>
+                <p:cNvPr id="6" name="Rectangle 5">
+                  <a:extLst>
+                    <a:ext uri="{FF2B5EF4-FFF2-40B4-BE49-F238E27FC236}">
+                      <a16:creationId xmlns:a16="http://schemas.microsoft.com/office/drawing/2014/main" id="{29966AB3-FC6C-8C3A-AC8D-0494F2F5B352}"/>
+                    </a:ext>
+                  </a:extLst>
+                </p:cNvPr>
+                <p:cNvSpPr/>
+                <p:nvPr/>
+              </p:nvSpPr>
+              <p:spPr>
+                <a:xfrm>
+                  <a:off x="7405498" y="5124690"/>
+                  <a:ext cx="1236148" cy="908859"/>
+                </a:xfrm>
+                <a:prstGeom prst="rect">
+                  <a:avLst/>
+                </a:prstGeom>
+                <a:solidFill>
+                  <a:schemeClr val="accent5">
+                    <a:lumMod val="60000"/>
+                    <a:lumOff val="40000"/>
+                  </a:schemeClr>
+                </a:solidFill>
+                <a:ln>
+                  <a:noFill/>
+                </a:ln>
+              </p:spPr>
+              <p:style>
+                <a:lnRef idx="2">
+                  <a:schemeClr val="accent1">
+                    <a:shade val="15000"/>
+                  </a:schemeClr>
+                </a:lnRef>
+                <a:fillRef idx="1">
+                  <a:schemeClr val="accent1"/>
+                </a:fillRef>
+                <a:effectRef idx="0">
+                  <a:schemeClr val="accent1"/>
+                </a:effectRef>
+                <a:fontRef idx="minor">
+                  <a:schemeClr val="lt1"/>
+                </a:fontRef>
+              </p:style>
+              <p:txBody>
+                <a:bodyPr rtlCol="0" anchor="ctr"/>
+                <a:lstStyle/>
+                <a:p>
+                  <a:pPr marL="0" marR="0" lvl="0" indent="0" algn="ctr" defTabSz="914400" rtl="0" eaLnBrk="1" fontAlgn="auto" latinLnBrk="0" hangingPunct="1">
+                    <a:lnSpc>
+                      <a:spcPct val="100000"/>
+                    </a:lnSpc>
+                    <a:spcBef>
+                      <a:spcPts val="0"/>
+                    </a:spcBef>
+                    <a:spcAft>
+                      <a:spcPts val="0"/>
+                    </a:spcAft>
+                    <a:buClrTx/>
+                    <a:buSzTx/>
+                    <a:buFontTx/>
+                    <a:buNone/>
+                    <a:tabLst/>
+                    <a:defRPr/>
+                  </a:pPr>
+                  <a:r>
+                    <a:rPr kumimoji="0" lang="pt-BR" sz="1400" b="0" i="0" u="none" strike="noStrike" kern="1200" cap="none" spc="0" normalizeH="0" baseline="0" noProof="0" dirty="0">
+                      <a:ln>
+                        <a:noFill/>
+                      </a:ln>
+                      <a:solidFill>
+                        <a:prstClr val="white"/>
+                      </a:solidFill>
+                      <a:effectLst/>
+                      <a:uLnTx/>
+                      <a:uFillTx/>
+                      <a:latin typeface="Calibri" panose="020F0502020204030204"/>
+                      <a:ea typeface="+mn-ea"/>
+                      <a:cs typeface="+mn-cs"/>
+                    </a:rPr>
+                    <a:t>Region extent</a:t>
+                  </a:r>
+                </a:p>
+              </p:txBody>
+            </p:sp>
+            <p:sp>
+              <p:nvSpPr>
+                <p:cNvPr id="7" name="Rectangle 6">
+                  <a:extLst>
+                    <a:ext uri="{FF2B5EF4-FFF2-40B4-BE49-F238E27FC236}">
+                      <a16:creationId xmlns:a16="http://schemas.microsoft.com/office/drawing/2014/main" id="{2BC0E340-CF98-2107-1536-9AA271F951E8}"/>
+                    </a:ext>
+                  </a:extLst>
+                </p:cNvPr>
+                <p:cNvSpPr/>
+                <p:nvPr/>
+              </p:nvSpPr>
+              <p:spPr>
+                <a:xfrm>
+                  <a:off x="7398953" y="3857663"/>
+                  <a:ext cx="1236148" cy="908859"/>
+                </a:xfrm>
+                <a:prstGeom prst="rect">
+                  <a:avLst/>
+                </a:prstGeom>
+                <a:solidFill>
+                  <a:schemeClr val="accent5">
+                    <a:lumMod val="60000"/>
+                    <a:lumOff val="40000"/>
+                  </a:schemeClr>
+                </a:solidFill>
+                <a:ln>
+                  <a:noFill/>
+                </a:ln>
+              </p:spPr>
+              <p:style>
+                <a:lnRef idx="2">
+                  <a:schemeClr val="accent1">
+                    <a:shade val="15000"/>
+                  </a:schemeClr>
+                </a:lnRef>
+                <a:fillRef idx="1">
+                  <a:schemeClr val="accent1"/>
+                </a:fillRef>
+                <a:effectRef idx="0">
+                  <a:schemeClr val="accent1"/>
+                </a:effectRef>
+                <a:fontRef idx="minor">
+                  <a:schemeClr val="lt1"/>
+                </a:fontRef>
+              </p:style>
+              <p:txBody>
+                <a:bodyPr rtlCol="0" anchor="ctr"/>
+                <a:lstStyle/>
+                <a:p>
+                  <a:pPr marL="0" marR="0" lvl="0" indent="0" algn="ctr" defTabSz="914400" rtl="0" eaLnBrk="1" fontAlgn="auto" latinLnBrk="0" hangingPunct="1">
+                    <a:lnSpc>
+                      <a:spcPct val="100000"/>
+                    </a:lnSpc>
+                    <a:spcBef>
+                      <a:spcPts val="0"/>
+                    </a:spcBef>
+                    <a:spcAft>
+                      <a:spcPts val="0"/>
+                    </a:spcAft>
+                    <a:buClrTx/>
+                    <a:buSzTx/>
+                    <a:buFontTx/>
+                    <a:buNone/>
+                    <a:tabLst/>
+                    <a:defRPr/>
+                  </a:pPr>
+                  <a:r>
+                    <a:rPr kumimoji="0" lang="pt-BR" sz="1400" b="0" i="0" u="none" strike="noStrike" kern="1200" cap="none" spc="0" normalizeH="0" baseline="0" noProof="0" dirty="0">
+                      <a:ln>
+                        <a:noFill/>
+                      </a:ln>
+                      <a:solidFill>
+                        <a:prstClr val="white"/>
+                      </a:solidFill>
+                      <a:effectLst/>
+                      <a:uLnTx/>
+                      <a:uFillTx/>
+                      <a:latin typeface="Calibri" panose="020F0502020204030204"/>
+                      <a:ea typeface="+mn-ea"/>
+                      <a:cs typeface="+mn-cs"/>
+                    </a:rPr>
+                    <a:t>Region</a:t>
+                  </a:r>
+                </a:p>
+                <a:p>
+                  <a:pPr marL="0" marR="0" lvl="0" indent="0" algn="ctr" defTabSz="914400" rtl="0" eaLnBrk="1" fontAlgn="auto" latinLnBrk="0" hangingPunct="1">
+                    <a:lnSpc>
+                      <a:spcPct val="100000"/>
+                    </a:lnSpc>
+                    <a:spcBef>
+                      <a:spcPts val="0"/>
+                    </a:spcBef>
+                    <a:spcAft>
+                      <a:spcPts val="0"/>
+                    </a:spcAft>
+                    <a:buClrTx/>
+                    <a:buSzTx/>
+                    <a:buFontTx/>
+                    <a:buNone/>
+                    <a:tabLst/>
+                    <a:defRPr/>
+                  </a:pPr>
+                  <a:r>
+                    <a:rPr kumimoji="0" lang="pt-BR" sz="1400" b="0" i="0" u="none" strike="noStrike" kern="1200" cap="none" spc="0" normalizeH="0" baseline="0" noProof="0" dirty="0">
+                      <a:ln>
+                        <a:noFill/>
+                      </a:ln>
+                      <a:solidFill>
+                        <a:prstClr val="white"/>
+                      </a:solidFill>
+                      <a:effectLst/>
+                      <a:uLnTx/>
+                      <a:uFillTx/>
+                      <a:latin typeface="Calibri" panose="020F0502020204030204"/>
+                      <a:ea typeface="+mn-ea"/>
+                      <a:cs typeface="+mn-cs"/>
+                    </a:rPr>
+                    <a:t>resolution</a:t>
+                  </a:r>
+                </a:p>
+              </p:txBody>
+            </p:sp>
+            <p:sp>
+              <p:nvSpPr>
+                <p:cNvPr id="8" name="Rectangle 7">
+                  <a:extLst>
+                    <a:ext uri="{FF2B5EF4-FFF2-40B4-BE49-F238E27FC236}">
+                      <a16:creationId xmlns:a16="http://schemas.microsoft.com/office/drawing/2014/main" id="{8349145C-32C5-ACAA-EB57-70F8462855C0}"/>
+                    </a:ext>
+                  </a:extLst>
+                </p:cNvPr>
+                <p:cNvSpPr/>
+                <p:nvPr/>
+              </p:nvSpPr>
+              <p:spPr>
+                <a:xfrm>
+                  <a:off x="4726731" y="3621654"/>
+                  <a:ext cx="1236148" cy="908859"/>
+                </a:xfrm>
+                <a:prstGeom prst="rect">
+                  <a:avLst/>
+                </a:prstGeom>
+                <a:solidFill>
+                  <a:schemeClr val="accent6">
+                    <a:lumMod val="75000"/>
+                  </a:schemeClr>
+                </a:solidFill>
+                <a:ln>
+                  <a:noFill/>
+                </a:ln>
+              </p:spPr>
+              <p:style>
+                <a:lnRef idx="2">
+                  <a:schemeClr val="accent1">
+                    <a:shade val="15000"/>
+                  </a:schemeClr>
+                </a:lnRef>
+                <a:fillRef idx="1">
+                  <a:schemeClr val="accent1"/>
+                </a:fillRef>
+                <a:effectRef idx="0">
+                  <a:schemeClr val="accent1"/>
+                </a:effectRef>
+                <a:fontRef idx="minor">
+                  <a:schemeClr val="lt1"/>
+                </a:fontRef>
+              </p:style>
+              <p:txBody>
+                <a:bodyPr rtlCol="0" anchor="ctr"/>
+                <a:lstStyle/>
+                <a:p>
+                  <a:pPr marL="0" marR="0" lvl="0" indent="0" algn="ctr" defTabSz="914400" rtl="0" eaLnBrk="1" fontAlgn="auto" latinLnBrk="0" hangingPunct="1">
+                    <a:lnSpc>
+                      <a:spcPct val="100000"/>
+                    </a:lnSpc>
+                    <a:spcBef>
+                      <a:spcPts val="0"/>
+                    </a:spcBef>
+                    <a:spcAft>
+                      <a:spcPts val="0"/>
+                    </a:spcAft>
+                    <a:buClrTx/>
+                    <a:buSzTx/>
+                    <a:buFontTx/>
+                    <a:buNone/>
+                    <a:tabLst/>
+                    <a:defRPr/>
+                  </a:pPr>
+                  <a:r>
+                    <a:rPr kumimoji="0" lang="pt-BR" sz="1400" b="0" i="0" u="none" strike="noStrike" kern="1200" cap="none" spc="0" normalizeH="0" baseline="0" noProof="0" dirty="0">
+                      <a:ln>
+                        <a:noFill/>
+                      </a:ln>
+                      <a:solidFill>
+                        <a:prstClr val="white"/>
+                      </a:solidFill>
+                      <a:effectLst/>
+                      <a:uLnTx/>
+                      <a:uFillTx/>
+                      <a:latin typeface="Calibri" panose="020F0502020204030204"/>
+                      <a:ea typeface="+mn-ea"/>
+                      <a:cs typeface="+mn-cs"/>
+                    </a:rPr>
+                    <a:t>v.import</a:t>
+                  </a:r>
+                  <a:endParaRPr kumimoji="0" lang="en-NZ" sz="1400" b="0" i="0" u="none" strike="noStrike" kern="1200" cap="none" spc="0" normalizeH="0" baseline="0" noProof="0" dirty="0">
+                    <a:ln>
+                      <a:noFill/>
+                    </a:ln>
+                    <a:solidFill>
+                      <a:prstClr val="white"/>
+                    </a:solidFill>
+                    <a:effectLst/>
+                    <a:uLnTx/>
+                    <a:uFillTx/>
+                    <a:latin typeface="Calibri" panose="020F0502020204030204"/>
+                    <a:ea typeface="+mn-ea"/>
+                    <a:cs typeface="+mn-cs"/>
+                  </a:endParaRPr>
+                </a:p>
+              </p:txBody>
+            </p:sp>
+            <p:pic>
+              <p:nvPicPr>
+                <p:cNvPr id="10" name="Picture 9">
+                  <a:extLst>
+                    <a:ext uri="{FF2B5EF4-FFF2-40B4-BE49-F238E27FC236}">
+                      <a16:creationId xmlns:a16="http://schemas.microsoft.com/office/drawing/2014/main" id="{F821CD2D-5C94-61A3-64B4-955A84C9FE68}"/>
+                    </a:ext>
+                  </a:extLst>
+                </p:cNvPr>
+                <p:cNvPicPr>
+                  <a:picLocks noChangeAspect="1"/>
+                </p:cNvPicPr>
+                <p:nvPr/>
+              </p:nvPicPr>
+              <p:blipFill>
+                <a:blip r:embed="rId5"/>
+                <a:stretch>
+                  <a:fillRect/>
+                </a:stretch>
+              </p:blipFill>
+              <p:spPr>
+                <a:xfrm>
+                  <a:off x="4447802" y="5283404"/>
+                  <a:ext cx="2004954" cy="903600"/>
+                </a:xfrm>
+                <a:prstGeom prst="rect">
+                  <a:avLst/>
+                </a:prstGeom>
+              </p:spPr>
+            </p:pic>
+            <p:sp>
+              <p:nvSpPr>
+                <p:cNvPr id="14" name="TextBox 13">
+                  <a:extLst>
+                    <a:ext uri="{FF2B5EF4-FFF2-40B4-BE49-F238E27FC236}">
+                      <a16:creationId xmlns:a16="http://schemas.microsoft.com/office/drawing/2014/main" id="{78645F33-2153-120B-68C2-E3D97B8DEAC6}"/>
+                    </a:ext>
+                  </a:extLst>
+                </p:cNvPr>
+                <p:cNvSpPr txBox="1"/>
+                <p:nvPr/>
+              </p:nvSpPr>
+              <p:spPr>
+                <a:xfrm>
+                  <a:off x="4726731" y="4907404"/>
+                  <a:ext cx="1703990" cy="261610"/>
+                </a:xfrm>
+                <a:prstGeom prst="rect">
+                  <a:avLst/>
+                </a:prstGeom>
+                <a:noFill/>
+              </p:spPr>
+              <p:txBody>
+                <a:bodyPr wrap="square">
+                  <a:spAutoFit/>
+                </a:bodyPr>
+                <a:lstStyle/>
+                <a:p>
+                  <a:pPr marL="0" marR="0" lvl="0" indent="0" algn="l" defTabSz="914400" rtl="0" eaLnBrk="1" fontAlgn="auto" latinLnBrk="0" hangingPunct="1">
+                    <a:lnSpc>
+                      <a:spcPct val="100000"/>
+                    </a:lnSpc>
+                    <a:spcBef>
+                      <a:spcPts val="0"/>
+                    </a:spcBef>
+                    <a:spcAft>
+                      <a:spcPts val="0"/>
+                    </a:spcAft>
+                    <a:buClrTx/>
+                    <a:buSzTx/>
+                    <a:buFontTx/>
+                    <a:buNone/>
+                    <a:tabLst/>
+                    <a:defRPr/>
+                  </a:pPr>
+                  <a:r>
+                    <a:rPr kumimoji="0" lang="en-NZ" sz="1100" b="0" i="0" u="none" strike="noStrike" kern="1200" cap="none" spc="0" normalizeH="0" baseline="0" noProof="0" dirty="0">
+                      <a:ln>
+                        <a:noFill/>
+                      </a:ln>
+                      <a:solidFill>
+                        <a:srgbClr val="000000"/>
+                      </a:solidFill>
+                      <a:effectLst/>
+                      <a:highlight>
+                        <a:srgbClr val="FFFFFF"/>
+                      </a:highlight>
+                      <a:uLnTx/>
+                      <a:uFillTx/>
+                      <a:latin typeface="Lato" panose="020F0502020204030203" pitchFamily="34" charset="0"/>
+                      <a:ea typeface="+mn-ea"/>
+                      <a:cs typeface="+mn-cs"/>
+                    </a:rPr>
+                    <a:t>EPSG:4326 - WGS 84</a:t>
+                  </a:r>
+                  <a:endParaRPr kumimoji="0" lang="en-NZ" sz="1100" b="0" i="0" u="none" strike="noStrike" kern="1200" cap="none" spc="0" normalizeH="0" baseline="0" noProof="0" dirty="0">
                     <a:ln>
                       <a:noFill/>
                     </a:ln>
@@ -8541,14 +8402,345 @@
                     <a:effectLst/>
                     <a:uLnTx/>
                     <a:uFillTx/>
-                    <a:latin typeface="Courier New" panose="02070309020205020404" pitchFamily="49" charset="0"/>
+                    <a:latin typeface="Calibri" panose="020F0502020204030204"/>
                     <a:ea typeface="+mn-ea"/>
-                    <a:cs typeface="Courier New" panose="02070309020205020404" pitchFamily="49" charset="0"/>
-                  </a:rPr>
-                  <a:t>wres</a:t>
-                </a:r>
-                <a:r>
-                  <a:rPr kumimoji="0" lang="en-NZ" sz="800" b="0" i="0" u="none" strike="noStrike" kern="1200" cap="none" spc="0" normalizeH="0" baseline="0" noProof="0" dirty="0">
+                    <a:cs typeface="+mn-cs"/>
+                  </a:endParaRPr>
+                </a:p>
+              </p:txBody>
+            </p:sp>
+            <p:sp>
+              <p:nvSpPr>
+                <p:cNvPr id="27" name="TextBox 26">
+                  <a:extLst>
+                    <a:ext uri="{FF2B5EF4-FFF2-40B4-BE49-F238E27FC236}">
+                      <a16:creationId xmlns:a16="http://schemas.microsoft.com/office/drawing/2014/main" id="{45021953-823B-FE71-955C-2840F77D8C8B}"/>
+                    </a:ext>
+                  </a:extLst>
+                </p:cNvPr>
+                <p:cNvSpPr txBox="1"/>
+                <p:nvPr/>
+              </p:nvSpPr>
+              <p:spPr>
+                <a:xfrm>
+                  <a:off x="6595789" y="4729128"/>
+                  <a:ext cx="3112091" cy="338554"/>
+                </a:xfrm>
+                <a:prstGeom prst="rect">
+                  <a:avLst/>
+                </a:prstGeom>
+                <a:noFill/>
+              </p:spPr>
+              <p:txBody>
+                <a:bodyPr wrap="square">
+                  <a:spAutoFit/>
+                </a:bodyPr>
+                <a:lstStyle/>
+                <a:p>
+                  <a:pPr marL="0" marR="0" lvl="0" indent="0" algn="l" defTabSz="914400" rtl="0" eaLnBrk="1" fontAlgn="auto" latinLnBrk="0" hangingPunct="1">
+                    <a:lnSpc>
+                      <a:spcPct val="100000"/>
+                    </a:lnSpc>
+                    <a:spcBef>
+                      <a:spcPts val="0"/>
+                    </a:spcBef>
+                    <a:spcAft>
+                      <a:spcPts val="0"/>
+                    </a:spcAft>
+                    <a:buClrTx/>
+                    <a:buSzTx/>
+                    <a:buFontTx/>
+                    <a:buNone/>
+                    <a:tabLst/>
+                    <a:defRPr/>
+                  </a:pPr>
+                  <a:r>
+                    <a:rPr kumimoji="0" lang="en-NZ" sz="800" b="0" i="0" u="none" strike="noStrike" kern="1200" cap="none" spc="0" normalizeH="0" baseline="0" noProof="0" dirty="0" err="1">
+                      <a:ln>
+                        <a:noFill/>
+                      </a:ln>
+                      <a:solidFill>
+                        <a:prstClr val="black"/>
+                      </a:solidFill>
+                      <a:effectLst/>
+                      <a:uLnTx/>
+                      <a:uFillTx/>
+                      <a:latin typeface="Courier New" panose="02070309020205020404" pitchFamily="49" charset="0"/>
+                      <a:ea typeface="+mn-ea"/>
+                      <a:cs typeface="Courier New" panose="02070309020205020404" pitchFamily="49" charset="0"/>
+                    </a:rPr>
+                    <a:t>execGRASS</a:t>
+                  </a:r>
+                  <a:r>
+                    <a:rPr kumimoji="0" lang="en-NZ" sz="800" b="0" i="0" u="none" strike="noStrike" kern="1200" cap="none" spc="0" normalizeH="0" baseline="0" noProof="0" dirty="0">
+                      <a:ln>
+                        <a:noFill/>
+                      </a:ln>
+                      <a:solidFill>
+                        <a:prstClr val="black"/>
+                      </a:solidFill>
+                      <a:effectLst/>
+                      <a:uLnTx/>
+                      <a:uFillTx/>
+                      <a:latin typeface="Courier New" panose="02070309020205020404" pitchFamily="49" charset="0"/>
+                      <a:ea typeface="+mn-ea"/>
+                      <a:cs typeface="Courier New" panose="02070309020205020404" pitchFamily="49" charset="0"/>
+                    </a:rPr>
+                    <a:t>("</a:t>
+                  </a:r>
+                  <a:r>
+                    <a:rPr kumimoji="0" lang="en-NZ" sz="800" b="0" i="0" u="none" strike="noStrike" kern="1200" cap="none" spc="0" normalizeH="0" baseline="0" noProof="0" dirty="0" err="1">
+                      <a:ln>
+                        <a:noFill/>
+                      </a:ln>
+                      <a:solidFill>
+                        <a:prstClr val="black"/>
+                      </a:solidFill>
+                      <a:effectLst/>
+                      <a:uLnTx/>
+                      <a:uFillTx/>
+                      <a:latin typeface="Courier New" panose="02070309020205020404" pitchFamily="49" charset="0"/>
+                      <a:ea typeface="+mn-ea"/>
+                      <a:cs typeface="Courier New" panose="02070309020205020404" pitchFamily="49" charset="0"/>
+                    </a:rPr>
+                    <a:t>g.region</a:t>
+                  </a:r>
+                  <a:r>
+                    <a:rPr kumimoji="0" lang="en-NZ" sz="800" b="0" i="0" u="none" strike="noStrike" kern="1200" cap="none" spc="0" normalizeH="0" baseline="0" noProof="0" dirty="0">
+                      <a:ln>
+                        <a:noFill/>
+                      </a:ln>
+                      <a:solidFill>
+                        <a:prstClr val="black"/>
+                      </a:solidFill>
+                      <a:effectLst/>
+                      <a:uLnTx/>
+                      <a:uFillTx/>
+                      <a:latin typeface="Courier New" panose="02070309020205020404" pitchFamily="49" charset="0"/>
+                      <a:ea typeface="+mn-ea"/>
+                      <a:cs typeface="Courier New" panose="02070309020205020404" pitchFamily="49" charset="0"/>
+                    </a:rPr>
+                    <a:t>", parameters = list(raster = “</a:t>
+                  </a:r>
+                  <a:r>
+                    <a:rPr kumimoji="0" lang="en-NZ" sz="800" b="0" i="0" u="none" strike="noStrike" kern="1200" cap="none" spc="0" normalizeH="0" baseline="0" noProof="0" dirty="0" err="1">
+                      <a:ln>
+                        <a:noFill/>
+                      </a:ln>
+                      <a:solidFill>
+                        <a:prstClr val="black"/>
+                      </a:solidFill>
+                      <a:effectLst/>
+                      <a:uLnTx/>
+                      <a:uFillTx/>
+                      <a:latin typeface="Courier New" panose="02070309020205020404" pitchFamily="49" charset="0"/>
+                      <a:ea typeface="+mn-ea"/>
+                      <a:cs typeface="Courier New" panose="02070309020205020404" pitchFamily="49" charset="0"/>
+                    </a:rPr>
+                    <a:t>rast</a:t>
+                  </a:r>
+                  <a:r>
+                    <a:rPr kumimoji="0" lang="en-NZ" sz="800" b="0" i="0" u="none" strike="noStrike" kern="1200" cap="none" spc="0" normalizeH="0" baseline="0" noProof="0" dirty="0">
+                      <a:ln>
+                        <a:noFill/>
+                      </a:ln>
+                      <a:solidFill>
+                        <a:prstClr val="black"/>
+                      </a:solidFill>
+                      <a:effectLst/>
+                      <a:uLnTx/>
+                      <a:uFillTx/>
+                      <a:latin typeface="Courier New" panose="02070309020205020404" pitchFamily="49" charset="0"/>
+                      <a:ea typeface="+mn-ea"/>
+                      <a:cs typeface="Courier New" panose="02070309020205020404" pitchFamily="49" charset="0"/>
+                    </a:rPr>
+                    <a:t>"),  res=</a:t>
+                  </a:r>
+                  <a:r>
+                    <a:rPr kumimoji="0" lang="en-NZ" sz="800" b="0" i="0" u="none" strike="noStrike" kern="1200" cap="none" spc="0" normalizeH="0" baseline="0" noProof="0" dirty="0" err="1">
+                      <a:ln>
+                        <a:noFill/>
+                      </a:ln>
+                      <a:solidFill>
+                        <a:prstClr val="black"/>
+                      </a:solidFill>
+                      <a:effectLst/>
+                      <a:uLnTx/>
+                      <a:uFillTx/>
+                      <a:latin typeface="Courier New" panose="02070309020205020404" pitchFamily="49" charset="0"/>
+                      <a:ea typeface="+mn-ea"/>
+                      <a:cs typeface="Courier New" panose="02070309020205020404" pitchFamily="49" charset="0"/>
+                    </a:rPr>
+                    <a:t>wres</a:t>
+                  </a:r>
+                  <a:r>
+                    <a:rPr kumimoji="0" lang="en-NZ" sz="800" b="0" i="0" u="none" strike="noStrike" kern="1200" cap="none" spc="0" normalizeH="0" baseline="0" noProof="0" dirty="0">
+                      <a:ln>
+                        <a:noFill/>
+                      </a:ln>
+                      <a:solidFill>
+                        <a:prstClr val="black"/>
+                      </a:solidFill>
+                      <a:effectLst/>
+                      <a:uLnTx/>
+                      <a:uFillTx/>
+                      <a:latin typeface="Courier New" panose="02070309020205020404" pitchFamily="49" charset="0"/>
+                      <a:ea typeface="+mn-ea"/>
+                      <a:cs typeface="Courier New" panose="02070309020205020404" pitchFamily="49" charset="0"/>
+                    </a:rPr>
+                    <a:t>)</a:t>
+                  </a:r>
+                </a:p>
+              </p:txBody>
+            </p:sp>
+            <p:sp>
+              <p:nvSpPr>
+                <p:cNvPr id="29" name="TextBox 28">
+                  <a:extLst>
+                    <a:ext uri="{FF2B5EF4-FFF2-40B4-BE49-F238E27FC236}">
+                      <a16:creationId xmlns:a16="http://schemas.microsoft.com/office/drawing/2014/main" id="{A7051B35-4B1D-3C99-6CB8-2EB46266E7DC}"/>
+                    </a:ext>
+                  </a:extLst>
+                </p:cNvPr>
+                <p:cNvSpPr txBox="1"/>
+                <p:nvPr/>
+              </p:nvSpPr>
+              <p:spPr>
+                <a:xfrm>
+                  <a:off x="7611714" y="4489791"/>
+                  <a:ext cx="1236149" cy="222970"/>
+                </a:xfrm>
+                <a:prstGeom prst="rect">
+                  <a:avLst/>
+                </a:prstGeom>
+                <a:noFill/>
+              </p:spPr>
+              <p:txBody>
+                <a:bodyPr wrap="square">
+                  <a:spAutoFit/>
+                </a:bodyPr>
+                <a:lstStyle/>
+                <a:p>
+                  <a:pPr marL="0" marR="0" lvl="0" indent="0" algn="l" defTabSz="914400" rtl="0" eaLnBrk="1" fontAlgn="auto" latinLnBrk="0" hangingPunct="1">
+                    <a:lnSpc>
+                      <a:spcPct val="100000"/>
+                    </a:lnSpc>
+                    <a:spcBef>
+                      <a:spcPts val="0"/>
+                    </a:spcBef>
+                    <a:spcAft>
+                      <a:spcPts val="0"/>
+                    </a:spcAft>
+                    <a:buClrTx/>
+                    <a:buSzTx/>
+                    <a:buFontTx/>
+                    <a:buNone/>
+                    <a:tabLst/>
+                    <a:defRPr/>
+                  </a:pPr>
+                  <a:r>
+                    <a:rPr kumimoji="0" lang="en-NZ" sz="800" b="0" i="0" u="none" strike="noStrike" kern="1200" cap="none" spc="0" normalizeH="0" baseline="0" noProof="0" dirty="0" err="1">
+                      <a:ln>
+                        <a:noFill/>
+                      </a:ln>
+                      <a:solidFill>
+                        <a:prstClr val="black"/>
+                      </a:solidFill>
+                      <a:effectLst/>
+                      <a:uLnTx/>
+                      <a:uFillTx/>
+                      <a:latin typeface="Courier New" panose="02070309020205020404" pitchFamily="49" charset="0"/>
+                      <a:ea typeface="+mn-ea"/>
+                      <a:cs typeface="Courier New" panose="02070309020205020404" pitchFamily="49" charset="0"/>
+                    </a:rPr>
+                    <a:t>wres</a:t>
+                  </a:r>
+                  <a:r>
+                    <a:rPr kumimoji="0" lang="en-NZ" sz="800" b="0" i="0" u="none" strike="noStrike" kern="1200" cap="none" spc="0" normalizeH="0" baseline="0" noProof="0" dirty="0">
+                      <a:ln>
+                        <a:noFill/>
+                      </a:ln>
+                      <a:solidFill>
+                        <a:prstClr val="black"/>
+                      </a:solidFill>
+                      <a:effectLst/>
+                      <a:uLnTx/>
+                      <a:uFillTx/>
+                      <a:latin typeface="Courier New" panose="02070309020205020404" pitchFamily="49" charset="0"/>
+                      <a:ea typeface="+mn-ea"/>
+                      <a:cs typeface="Courier New" panose="02070309020205020404" pitchFamily="49" charset="0"/>
+                    </a:rPr>
+                    <a:t> &lt;- '100' </a:t>
+                  </a:r>
+                </a:p>
+              </p:txBody>
+            </p:sp>
+            <p:sp>
+              <p:nvSpPr>
+                <p:cNvPr id="32" name="TextBox 31">
+                  <a:extLst>
+                    <a:ext uri="{FF2B5EF4-FFF2-40B4-BE49-F238E27FC236}">
+                      <a16:creationId xmlns:a16="http://schemas.microsoft.com/office/drawing/2014/main" id="{3503F80F-E8E9-689A-C981-DDF2E5FE8B4C}"/>
+                    </a:ext>
+                  </a:extLst>
+                </p:cNvPr>
+                <p:cNvSpPr txBox="1"/>
+                <p:nvPr/>
+              </p:nvSpPr>
+              <p:spPr>
+                <a:xfrm>
+                  <a:off x="4793048" y="4621730"/>
+                  <a:ext cx="1703990" cy="261610"/>
+                </a:xfrm>
+                <a:prstGeom prst="rect">
+                  <a:avLst/>
+                </a:prstGeom>
+                <a:noFill/>
+              </p:spPr>
+              <p:txBody>
+                <a:bodyPr wrap="square">
+                  <a:spAutoFit/>
+                </a:bodyPr>
+                <a:lstStyle/>
+                <a:p>
+                  <a:pPr marL="0" marR="0" lvl="0" indent="0" algn="l" defTabSz="914400" rtl="0" eaLnBrk="1" fontAlgn="auto" latinLnBrk="0" hangingPunct="1">
+                    <a:lnSpc>
+                      <a:spcPct val="100000"/>
+                    </a:lnSpc>
+                    <a:spcBef>
+                      <a:spcPts val="0"/>
+                    </a:spcBef>
+                    <a:spcAft>
+                      <a:spcPts val="0"/>
+                    </a:spcAft>
+                    <a:buClrTx/>
+                    <a:buSzTx/>
+                    <a:buFontTx/>
+                    <a:buNone/>
+                    <a:tabLst/>
+                    <a:defRPr/>
+                  </a:pPr>
+                  <a:r>
+                    <a:rPr kumimoji="0" lang="en-NZ" sz="1100" b="0" i="0" u="none" strike="noStrike" kern="1200" cap="none" spc="0" normalizeH="0" baseline="0" noProof="0" dirty="0">
+                      <a:ln>
+                        <a:noFill/>
+                      </a:ln>
+                      <a:solidFill>
+                        <a:srgbClr val="000000"/>
+                      </a:solidFill>
+                      <a:effectLst/>
+                      <a:highlight>
+                        <a:srgbClr val="FFFFFF"/>
+                      </a:highlight>
+                      <a:uLnTx/>
+                      <a:uFillTx/>
+                      <a:latin typeface="Lato" panose="020F0502020204030203" pitchFamily="34" charset="0"/>
+                      <a:ea typeface="+mn-ea"/>
+                      <a:cs typeface="+mn-cs"/>
+                    </a:rPr>
+                    <a:t>human population</a:t>
+                  </a:r>
+                  <a:endParaRPr kumimoji="0" lang="en-NZ" sz="1100" b="0" i="0" u="none" strike="noStrike" kern="1200" cap="none" spc="0" normalizeH="0" baseline="0" noProof="0" dirty="0">
                     <a:ln>
                       <a:noFill/>
                     </a:ln>
@@ -8558,21 +8750,20 @@
                     <a:effectLst/>
                     <a:uLnTx/>
                     <a:uFillTx/>
-                    <a:latin typeface="Courier New" panose="02070309020205020404" pitchFamily="49" charset="0"/>
+                    <a:latin typeface="Calibri" panose="020F0502020204030204"/>
                     <a:ea typeface="+mn-ea"/>
-                    <a:cs typeface="Courier New" panose="02070309020205020404" pitchFamily="49" charset="0"/>
-                  </a:rPr>
-                  <a:t>)</a:t>
-                </a:r>
-              </a:p>
-            </p:txBody>
-          </p:sp>
+                    <a:cs typeface="+mn-cs"/>
+                  </a:endParaRPr>
+                </a:p>
+              </p:txBody>
+            </p:sp>
+          </p:grpSp>
           <p:sp>
             <p:nvSpPr>
-              <p:cNvPr id="29" name="TextBox 28">
+              <p:cNvPr id="23" name="TextBox 22">
                 <a:extLst>
                   <a:ext uri="{FF2B5EF4-FFF2-40B4-BE49-F238E27FC236}">
-                    <a16:creationId xmlns:a16="http://schemas.microsoft.com/office/drawing/2014/main" id="{A7051B35-4B1D-3C99-6CB8-2EB46266E7DC}"/>
+                    <a16:creationId xmlns:a16="http://schemas.microsoft.com/office/drawing/2014/main" id="{0FCB3DBC-915E-9B48-5690-0F97EA698C29}"/>
                   </a:ext>
                 </a:extLst>
               </p:cNvPr>
@@ -8581,8 +8772,8 @@
             </p:nvSpPr>
             <p:spPr>
               <a:xfrm>
-                <a:off x="7611714" y="4489791"/>
-                <a:ext cx="1236149" cy="222970"/>
+                <a:off x="7023940" y="6064689"/>
+                <a:ext cx="2926678" cy="369332"/>
               </a:xfrm>
               <a:prstGeom prst="rect">
                 <a:avLst/>
@@ -8613,7 +8804,7 @@
                   <a:defRPr/>
                 </a:pPr>
                 <a:r>
-                  <a:rPr kumimoji="0" lang="en-NZ" sz="800" b="0" i="0" u="none" strike="noStrike" kern="1200" cap="none" spc="0" normalizeH="0" baseline="0" noProof="0" dirty="0" err="1">
+                  <a:rPr kumimoji="0" lang="en-NZ" sz="900" b="0" i="0" u="none" strike="noStrike" kern="1200" cap="none" spc="0" normalizeH="0" baseline="0" noProof="0" dirty="0" err="1">
                     <a:ln>
                       <a:noFill/>
                     </a:ln>
@@ -8627,10 +8818,10 @@
                     <a:ea typeface="+mn-ea"/>
                     <a:cs typeface="Courier New" panose="02070309020205020404" pitchFamily="49" charset="0"/>
                   </a:rPr>
-                  <a:t>wres</a:t>
+                  <a:t>execGRASS</a:t>
                 </a:r>
                 <a:r>
-                  <a:rPr kumimoji="0" lang="en-NZ" sz="800" b="0" i="0" u="none" strike="noStrike" kern="1200" cap="none" spc="0" normalizeH="0" baseline="0" noProof="0" dirty="0">
+                  <a:rPr kumimoji="0" lang="en-NZ" sz="900" b="0" i="0" u="none" strike="noStrike" kern="1200" cap="none" spc="0" normalizeH="0" baseline="0" noProof="0" dirty="0">
                     <a:ln>
                       <a:noFill/>
                     </a:ln>
@@ -8644,82 +8835,195 @@
                     <a:ea typeface="+mn-ea"/>
                     <a:cs typeface="Courier New" panose="02070309020205020404" pitchFamily="49" charset="0"/>
                   </a:rPr>
-                  <a:t> &lt;- '100' </a:t>
+                  <a:t>("</a:t>
+                </a:r>
+                <a:r>
+                  <a:rPr kumimoji="0" lang="en-NZ" sz="900" b="0" i="0" u="none" strike="noStrike" kern="1200" cap="none" spc="0" normalizeH="0" baseline="0" noProof="0" dirty="0" err="1">
+                    <a:ln>
+                      <a:noFill/>
+                    </a:ln>
+                    <a:solidFill>
+                      <a:prstClr val="black"/>
+                    </a:solidFill>
+                    <a:effectLst/>
+                    <a:uLnTx/>
+                    <a:uFillTx/>
+                    <a:latin typeface="Courier New" panose="02070309020205020404" pitchFamily="49" charset="0"/>
+                    <a:ea typeface="+mn-ea"/>
+                    <a:cs typeface="Courier New" panose="02070309020205020404" pitchFamily="49" charset="0"/>
+                  </a:rPr>
+                  <a:t>g.region</a:t>
+                </a:r>
+                <a:r>
+                  <a:rPr kumimoji="0" lang="en-NZ" sz="900" b="0" i="0" u="none" strike="noStrike" kern="1200" cap="none" spc="0" normalizeH="0" baseline="0" noProof="0" dirty="0">
+                    <a:ln>
+                      <a:noFill/>
+                    </a:ln>
+                    <a:solidFill>
+                      <a:prstClr val="black"/>
+                    </a:solidFill>
+                    <a:effectLst/>
+                    <a:uLnTx/>
+                    <a:uFillTx/>
+                    <a:latin typeface="Courier New" panose="02070309020205020404" pitchFamily="49" charset="0"/>
+                    <a:ea typeface="+mn-ea"/>
+                    <a:cs typeface="Courier New" panose="02070309020205020404" pitchFamily="49" charset="0"/>
+                  </a:rPr>
+                  <a:t>", parameters = list(raster = "pop")</a:t>
                 </a:r>
               </a:p>
             </p:txBody>
           </p:sp>
-          <p:sp>
-            <p:nvSpPr>
-              <p:cNvPr id="32" name="TextBox 31">
-                <a:extLst>
-                  <a:ext uri="{FF2B5EF4-FFF2-40B4-BE49-F238E27FC236}">
-                    <a16:creationId xmlns:a16="http://schemas.microsoft.com/office/drawing/2014/main" id="{3503F80F-E8E9-689A-C981-DDF2E5FE8B4C}"/>
-                  </a:ext>
-                </a:extLst>
-              </p:cNvPr>
-              <p:cNvSpPr txBox="1"/>
-              <p:nvPr/>
-            </p:nvSpPr>
-            <p:spPr>
-              <a:xfrm>
-                <a:off x="4793048" y="4621730"/>
-                <a:ext cx="1703990" cy="261610"/>
-              </a:xfrm>
-              <a:prstGeom prst="rect">
-                <a:avLst/>
-              </a:prstGeom>
+        </p:grpSp>
+        <p:sp>
+          <p:nvSpPr>
+            <p:cNvPr id="47" name="Rectangle 46">
+              <a:extLst>
+                <a:ext uri="{FF2B5EF4-FFF2-40B4-BE49-F238E27FC236}">
+                  <a16:creationId xmlns:a16="http://schemas.microsoft.com/office/drawing/2014/main" id="{510DBF8B-DDA6-14DD-8CEA-8C64991DD0E7}"/>
+                </a:ext>
+              </a:extLst>
+            </p:cNvPr>
+            <p:cNvSpPr/>
+            <p:nvPr/>
+          </p:nvSpPr>
+          <p:spPr>
+            <a:xfrm>
+              <a:off x="174731" y="1147705"/>
+              <a:ext cx="3266974" cy="3988587"/>
+            </a:xfrm>
+            <a:prstGeom prst="rect">
+              <a:avLst/>
+            </a:prstGeom>
+            <a:noFill/>
+            <a:ln w="38100"/>
+          </p:spPr>
+          <p:style>
+            <a:lnRef idx="1">
+              <a:schemeClr val="accent3"/>
+            </a:lnRef>
+            <a:fillRef idx="2">
+              <a:schemeClr val="accent3"/>
+            </a:fillRef>
+            <a:effectRef idx="1">
+              <a:schemeClr val="accent3"/>
+            </a:effectRef>
+            <a:fontRef idx="minor">
+              <a:schemeClr val="dk1"/>
+            </a:fontRef>
+          </p:style>
+          <p:txBody>
+            <a:bodyPr rtlCol="0" anchor="ctr"/>
+            <a:lstStyle/>
+            <a:p>
+              <a:pPr marL="0" marR="0" lvl="0" indent="0" algn="ctr" defTabSz="914400" rtl="0" eaLnBrk="1" fontAlgn="auto" latinLnBrk="0" hangingPunct="1">
+                <a:lnSpc>
+                  <a:spcPct val="100000"/>
+                </a:lnSpc>
+                <a:spcBef>
+                  <a:spcPts val="0"/>
+                </a:spcBef>
+                <a:spcAft>
+                  <a:spcPts val="0"/>
+                </a:spcAft>
+                <a:buClrTx/>
+                <a:buSzTx/>
+                <a:buFontTx/>
+                <a:buNone/>
+                <a:tabLst/>
+                <a:defRPr/>
+              </a:pPr>
+              <a:endParaRPr kumimoji="0" lang="en-NZ" sz="1800" b="0" i="0" u="none" strike="noStrike" kern="1200" cap="none" spc="0" normalizeH="0" baseline="0" noProof="0">
+                <a:ln>
+                  <a:noFill/>
+                </a:ln>
+                <a:solidFill>
+                  <a:prstClr val="black"/>
+                </a:solidFill>
+                <a:effectLst/>
+                <a:uLnTx/>
+                <a:uFillTx/>
+                <a:latin typeface="Calibri" panose="020F0502020204030204"/>
+                <a:ea typeface="+mn-ea"/>
+                <a:cs typeface="+mn-cs"/>
+              </a:endParaRPr>
+            </a:p>
+          </p:txBody>
+        </p:sp>
+        <p:sp>
+          <p:nvSpPr>
+            <p:cNvPr id="50" name="Rectangle 49">
+              <a:extLst>
+                <a:ext uri="{FF2B5EF4-FFF2-40B4-BE49-F238E27FC236}">
+                  <a16:creationId xmlns:a16="http://schemas.microsoft.com/office/drawing/2014/main" id="{4C096E4E-3CA3-0F0B-F680-6A16C8C7926A}"/>
+                </a:ext>
+              </a:extLst>
+            </p:cNvPr>
+            <p:cNvSpPr/>
+            <p:nvPr/>
+          </p:nvSpPr>
+          <p:spPr>
+            <a:xfrm>
+              <a:off x="10249119" y="1487132"/>
+              <a:ext cx="1236148" cy="454430"/>
+            </a:xfrm>
+            <a:prstGeom prst="rect">
+              <a:avLst/>
+            </a:prstGeom>
+            <a:solidFill>
+              <a:schemeClr val="accent6">
+                <a:lumMod val="40000"/>
+                <a:lumOff val="60000"/>
+              </a:schemeClr>
+            </a:solidFill>
+            <a:ln>
               <a:noFill/>
-            </p:spPr>
-            <p:txBody>
-              <a:bodyPr wrap="square">
-                <a:spAutoFit/>
-              </a:bodyPr>
-              <a:lstStyle/>
-              <a:p>
-                <a:pPr marL="0" marR="0" lvl="0" indent="0" algn="l" defTabSz="914400" rtl="0" eaLnBrk="1" fontAlgn="auto" latinLnBrk="0" hangingPunct="1">
-                  <a:lnSpc>
-                    <a:spcPct val="100000"/>
-                  </a:lnSpc>
-                  <a:spcBef>
-                    <a:spcPts val="0"/>
-                  </a:spcBef>
-                  <a:spcAft>
-                    <a:spcPts val="0"/>
-                  </a:spcAft>
-                  <a:buClrTx/>
-                  <a:buSzTx/>
-                  <a:buFontTx/>
-                  <a:buNone/>
-                  <a:tabLst/>
-                  <a:defRPr/>
-                </a:pPr>
-                <a:r>
-                  <a:rPr kumimoji="0" lang="en-NZ" sz="1100" b="0" i="0" u="none" strike="noStrike" kern="1200" cap="none" spc="0" normalizeH="0" baseline="0" noProof="0" dirty="0">
-                    <a:ln>
-                      <a:noFill/>
-                    </a:ln>
-                    <a:solidFill>
-                      <a:srgbClr val="000000"/>
-                    </a:solidFill>
-                    <a:effectLst/>
-                    <a:highlight>
-                      <a:srgbClr val="FFFFFF"/>
-                    </a:highlight>
-                    <a:uLnTx/>
-                    <a:uFillTx/>
-                    <a:latin typeface="Lato" panose="020F0502020204030203" pitchFamily="34" charset="0"/>
-                    <a:ea typeface="+mn-ea"/>
-                    <a:cs typeface="+mn-cs"/>
-                  </a:rPr>
-                  <a:t>human population</a:t>
-                </a:r>
-                <a:endParaRPr kumimoji="0" lang="en-NZ" sz="1100" b="0" i="0" u="none" strike="noStrike" kern="1200" cap="none" spc="0" normalizeH="0" baseline="0" noProof="0" dirty="0">
+            </a:ln>
+          </p:spPr>
+          <p:style>
+            <a:lnRef idx="2">
+              <a:schemeClr val="accent1">
+                <a:shade val="15000"/>
+              </a:schemeClr>
+            </a:lnRef>
+            <a:fillRef idx="1">
+              <a:schemeClr val="accent1"/>
+            </a:fillRef>
+            <a:effectRef idx="0">
+              <a:schemeClr val="accent1"/>
+            </a:effectRef>
+            <a:fontRef idx="minor">
+              <a:schemeClr val="lt1"/>
+            </a:fontRef>
+          </p:style>
+          <p:txBody>
+            <a:bodyPr rtlCol="0" anchor="ctr"/>
+            <a:lstStyle/>
+            <a:p>
+              <a:pPr marL="0" marR="0" lvl="0" indent="0" algn="ctr" defTabSz="914400" rtl="0" eaLnBrk="1" fontAlgn="auto" latinLnBrk="0" hangingPunct="1">
+                <a:lnSpc>
+                  <a:spcPct val="100000"/>
+                </a:lnSpc>
+                <a:spcBef>
+                  <a:spcPts val="0"/>
+                </a:spcBef>
+                <a:spcAft>
+                  <a:spcPts val="0"/>
+                </a:spcAft>
+                <a:buClrTx/>
+                <a:buSzTx/>
+                <a:buFontTx/>
+                <a:buNone/>
+                <a:tabLst/>
+                <a:defRPr/>
+              </a:pPr>
+              <a:r>
+                <a:rPr kumimoji="0" lang="pt-BR" sz="1400" b="0" i="0" u="none" strike="noStrike" kern="1200" cap="none" spc="0" normalizeH="0" baseline="0" noProof="0" dirty="0">
                   <a:ln>
                     <a:noFill/>
                   </a:ln>
                   <a:solidFill>
-                    <a:prstClr val="black"/>
+                    <a:prstClr val="white"/>
                   </a:solidFill>
                   <a:effectLst/>
                   <a:uLnTx/>
@@ -8727,17 +9031,177 @@
                   <a:latin typeface="Calibri" panose="020F0502020204030204"/>
                   <a:ea typeface="+mn-ea"/>
                   <a:cs typeface="+mn-cs"/>
-                </a:endParaRPr>
-              </a:p>
-            </p:txBody>
-          </p:sp>
-        </p:grpSp>
+                </a:rPr>
+                <a:t>eRIDE</a:t>
+              </a:r>
+            </a:p>
+          </p:txBody>
+        </p:sp>
         <p:sp>
           <p:nvSpPr>
-            <p:cNvPr id="23" name="TextBox 22">
+            <p:cNvPr id="51" name="Rectangle 50">
               <a:extLst>
                 <a:ext uri="{FF2B5EF4-FFF2-40B4-BE49-F238E27FC236}">
-                  <a16:creationId xmlns:a16="http://schemas.microsoft.com/office/drawing/2014/main" id="{0FCB3DBC-915E-9B48-5690-0F97EA698C29}"/>
+                  <a16:creationId xmlns:a16="http://schemas.microsoft.com/office/drawing/2014/main" id="{AB80E548-C463-CC14-2628-B5E347287A37}"/>
+                </a:ext>
+              </a:extLst>
+            </p:cNvPr>
+            <p:cNvSpPr/>
+            <p:nvPr/>
+          </p:nvSpPr>
+          <p:spPr>
+            <a:xfrm>
+              <a:off x="10249119" y="3369037"/>
+              <a:ext cx="1236148" cy="454430"/>
+            </a:xfrm>
+            <a:prstGeom prst="rect">
+              <a:avLst/>
+            </a:prstGeom>
+            <a:solidFill>
+              <a:srgbClr val="F39F91"/>
+            </a:solidFill>
+            <a:ln>
+              <a:noFill/>
+            </a:ln>
+          </p:spPr>
+          <p:style>
+            <a:lnRef idx="2">
+              <a:schemeClr val="accent1">
+                <a:shade val="15000"/>
+              </a:schemeClr>
+            </a:lnRef>
+            <a:fillRef idx="1">
+              <a:schemeClr val="accent1"/>
+            </a:fillRef>
+            <a:effectRef idx="0">
+              <a:schemeClr val="accent1"/>
+            </a:effectRef>
+            <a:fontRef idx="minor">
+              <a:schemeClr val="lt1"/>
+            </a:fontRef>
+          </p:style>
+          <p:txBody>
+            <a:bodyPr rtlCol="0" anchor="ctr"/>
+            <a:lstStyle/>
+            <a:p>
+              <a:pPr marL="0" marR="0" lvl="0" indent="0" algn="ctr" defTabSz="914400" rtl="0" eaLnBrk="1" fontAlgn="auto" latinLnBrk="0" hangingPunct="1">
+                <a:lnSpc>
+                  <a:spcPct val="100000"/>
+                </a:lnSpc>
+                <a:spcBef>
+                  <a:spcPts val="0"/>
+                </a:spcBef>
+                <a:spcAft>
+                  <a:spcPts val="0"/>
+                </a:spcAft>
+                <a:buClrTx/>
+                <a:buSzTx/>
+                <a:buFontTx/>
+                <a:buNone/>
+                <a:tabLst/>
+                <a:defRPr/>
+              </a:pPr>
+              <a:r>
+                <a:rPr kumimoji="0" lang="pt-BR" sz="1400" b="0" i="0" u="none" strike="noStrike" kern="1200" cap="none" spc="0" normalizeH="0" baseline="0" noProof="0" dirty="0">
+                  <a:ln>
+                    <a:noFill/>
+                  </a:ln>
+                  <a:solidFill>
+                    <a:prstClr val="white"/>
+                  </a:solidFill>
+                  <a:effectLst/>
+                  <a:uLnTx/>
+                  <a:uFillTx/>
+                  <a:latin typeface="Calibri" panose="020F0502020204030204"/>
+                  <a:ea typeface="+mn-ea"/>
+                  <a:cs typeface="+mn-cs"/>
+                </a:rPr>
+                <a:t>PAR</a:t>
+              </a:r>
+            </a:p>
+          </p:txBody>
+        </p:sp>
+        <p:sp>
+          <p:nvSpPr>
+            <p:cNvPr id="52" name="Rectangle 51">
+              <a:extLst>
+                <a:ext uri="{FF2B5EF4-FFF2-40B4-BE49-F238E27FC236}">
+                  <a16:creationId xmlns:a16="http://schemas.microsoft.com/office/drawing/2014/main" id="{0A868294-B5BD-BE25-B32A-A08D3489F24B}"/>
+                </a:ext>
+              </a:extLst>
+            </p:cNvPr>
+            <p:cNvSpPr/>
+            <p:nvPr/>
+          </p:nvSpPr>
+          <p:spPr>
+            <a:xfrm>
+              <a:off x="9563338" y="1162532"/>
+              <a:ext cx="2493113" cy="3988587"/>
+            </a:xfrm>
+            <a:prstGeom prst="rect">
+              <a:avLst/>
+            </a:prstGeom>
+            <a:noFill/>
+            <a:ln w="38100"/>
+          </p:spPr>
+          <p:style>
+            <a:lnRef idx="1">
+              <a:schemeClr val="accent3"/>
+            </a:lnRef>
+            <a:fillRef idx="2">
+              <a:schemeClr val="accent3"/>
+            </a:fillRef>
+            <a:effectRef idx="1">
+              <a:schemeClr val="accent3"/>
+            </a:effectRef>
+            <a:fontRef idx="minor">
+              <a:schemeClr val="dk1"/>
+            </a:fontRef>
+          </p:style>
+          <p:txBody>
+            <a:bodyPr rtlCol="0" anchor="ctr"/>
+            <a:lstStyle/>
+            <a:p>
+              <a:pPr marL="0" marR="0" lvl="0" indent="0" algn="ctr" defTabSz="914400" rtl="0" eaLnBrk="1" fontAlgn="auto" latinLnBrk="0" hangingPunct="1">
+                <a:lnSpc>
+                  <a:spcPct val="100000"/>
+                </a:lnSpc>
+                <a:spcBef>
+                  <a:spcPts val="0"/>
+                </a:spcBef>
+                <a:spcAft>
+                  <a:spcPts val="0"/>
+                </a:spcAft>
+                <a:buClrTx/>
+                <a:buSzTx/>
+                <a:buFontTx/>
+                <a:buNone/>
+                <a:tabLst/>
+                <a:defRPr/>
+              </a:pPr>
+              <a:endParaRPr kumimoji="0" lang="en-NZ" sz="1800" b="0" i="0" u="none" strike="noStrike" kern="1200" cap="none" spc="0" normalizeH="0" baseline="0" noProof="0">
+                <a:ln>
+                  <a:noFill/>
+                </a:ln>
+                <a:solidFill>
+                  <a:prstClr val="black"/>
+                </a:solidFill>
+                <a:effectLst/>
+                <a:uLnTx/>
+                <a:uFillTx/>
+                <a:latin typeface="Calibri" panose="020F0502020204030204"/>
+                <a:ea typeface="+mn-ea"/>
+                <a:cs typeface="+mn-cs"/>
+              </a:endParaRPr>
+            </a:p>
+          </p:txBody>
+        </p:sp>
+        <p:sp>
+          <p:nvSpPr>
+            <p:cNvPr id="57" name="TextBox 56">
+              <a:extLst>
+                <a:ext uri="{FF2B5EF4-FFF2-40B4-BE49-F238E27FC236}">
+                  <a16:creationId xmlns:a16="http://schemas.microsoft.com/office/drawing/2014/main" id="{D3C238D6-D3CD-1ECC-E339-FDFAE21EC38A}"/>
                 </a:ext>
               </a:extLst>
             </p:cNvPr>
@@ -8746,8 +9210,8 @@
           </p:nvSpPr>
           <p:spPr>
             <a:xfrm>
-              <a:off x="7023940" y="6064689"/>
-              <a:ext cx="2926678" cy="369332"/>
+              <a:off x="9738370" y="1196551"/>
+              <a:ext cx="2411430" cy="276999"/>
             </a:xfrm>
             <a:prstGeom prst="rect">
               <a:avLst/>
@@ -8778,7 +9242,7 @@
                 <a:defRPr/>
               </a:pPr>
               <a:r>
-                <a:rPr kumimoji="0" lang="en-NZ" sz="900" b="0" i="0" u="none" strike="noStrike" kern="1200" cap="none" spc="0" normalizeH="0" baseline="0" noProof="0" dirty="0" err="1">
+                <a:rPr kumimoji="0" lang="en-NZ" sz="1200" b="0" i="0" u="none" strike="noStrike" kern="1200" cap="none" spc="0" normalizeH="0" baseline="0" noProof="0" dirty="0" err="1">
                   <a:ln>
                     <a:noFill/>
                   </a:ln>
@@ -8792,10 +9256,10 @@
                   <a:ea typeface="+mn-ea"/>
                   <a:cs typeface="Courier New" panose="02070309020205020404" pitchFamily="49" charset="0"/>
                 </a:rPr>
-                <a:t>execGRASS</a:t>
+                <a:t>eride_run</a:t>
               </a:r>
               <a:r>
-                <a:rPr kumimoji="0" lang="en-NZ" sz="900" b="0" i="0" u="none" strike="noStrike" kern="1200" cap="none" spc="0" normalizeH="0" baseline="0" noProof="0" dirty="0">
+                <a:rPr kumimoji="0" lang="en-NZ" sz="1200" b="0" i="0" u="none" strike="noStrike" kern="1200" cap="none" spc="0" normalizeH="0" baseline="0" noProof="0" dirty="0">
                   <a:ln>
                     <a:noFill/>
                   </a:ln>
@@ -8812,7 +9276,7 @@
                 <a:t>("</a:t>
               </a:r>
               <a:r>
-                <a:rPr kumimoji="0" lang="en-NZ" sz="900" b="0" i="0" u="none" strike="noStrike" kern="1200" cap="none" spc="0" normalizeH="0" baseline="0" noProof="0" dirty="0" err="1">
+                <a:rPr kumimoji="0" lang="en-NZ" sz="1200" b="0" i="0" u="none" strike="noStrike" kern="1200" cap="none" spc="0" normalizeH="0" baseline="0" noProof="0" dirty="0" err="1">
                   <a:ln>
                     <a:noFill/>
                   </a:ln>
@@ -8826,10 +9290,10 @@
                   <a:ea typeface="+mn-ea"/>
                   <a:cs typeface="Courier New" panose="02070309020205020404" pitchFamily="49" charset="0"/>
                 </a:rPr>
-                <a:t>g.region</a:t>
+                <a:t>rast</a:t>
               </a:r>
               <a:r>
-                <a:rPr kumimoji="0" lang="en-NZ" sz="900" b="0" i="0" u="none" strike="noStrike" kern="1200" cap="none" spc="0" normalizeH="0" baseline="0" noProof="0" dirty="0">
+                <a:rPr kumimoji="0" lang="en-NZ" sz="1200" b="0" i="0" u="none" strike="noStrike" kern="1200" cap="none" spc="0" normalizeH="0" baseline="0" noProof="0" dirty="0">
                   <a:ln>
                     <a:noFill/>
                   </a:ln>
@@ -8843,380 +9307,97 @@
                   <a:ea typeface="+mn-ea"/>
                   <a:cs typeface="Courier New" panose="02070309020205020404" pitchFamily="49" charset="0"/>
                 </a:rPr>
-                <a:t>", parameters = list(raster = "pop")</a:t>
+                <a:t>", "pop")</a:t>
               </a:r>
             </a:p>
           </p:txBody>
         </p:sp>
-      </p:grpSp>
-      <p:sp>
-        <p:nvSpPr>
-          <p:cNvPr id="47" name="Rectangle 46">
-            <a:extLst>
-              <a:ext uri="{FF2B5EF4-FFF2-40B4-BE49-F238E27FC236}">
-                <a16:creationId xmlns:a16="http://schemas.microsoft.com/office/drawing/2014/main" id="{510DBF8B-DDA6-14DD-8CEA-8C64991DD0E7}"/>
-              </a:ext>
-            </a:extLst>
-          </p:cNvPr>
-          <p:cNvSpPr/>
-          <p:nvPr/>
-        </p:nvSpPr>
-        <p:spPr>
-          <a:xfrm>
-            <a:off x="174731" y="1147705"/>
-            <a:ext cx="3266974" cy="3988587"/>
-          </a:xfrm>
-          <a:prstGeom prst="rect">
-            <a:avLst/>
-          </a:prstGeom>
-          <a:noFill/>
-          <a:ln w="38100"/>
-        </p:spPr>
-        <p:style>
-          <a:lnRef idx="1">
-            <a:schemeClr val="accent3"/>
-          </a:lnRef>
-          <a:fillRef idx="2">
-            <a:schemeClr val="accent3"/>
-          </a:fillRef>
-          <a:effectRef idx="1">
-            <a:schemeClr val="accent3"/>
-          </a:effectRef>
-          <a:fontRef idx="minor">
-            <a:schemeClr val="dk1"/>
-          </a:fontRef>
-        </p:style>
-        <p:txBody>
-          <a:bodyPr rtlCol="0" anchor="ctr"/>
-          <a:lstStyle/>
-          <a:p>
-            <a:pPr marL="0" marR="0" lvl="0" indent="0" algn="ctr" defTabSz="914400" rtl="0" eaLnBrk="1" fontAlgn="auto" latinLnBrk="0" hangingPunct="1">
-              <a:lnSpc>
-                <a:spcPct val="100000"/>
-              </a:lnSpc>
-              <a:spcBef>
-                <a:spcPts val="0"/>
-              </a:spcBef>
-              <a:spcAft>
-                <a:spcPts val="0"/>
-              </a:spcAft>
-              <a:buClrTx/>
-              <a:buSzTx/>
-              <a:buFontTx/>
-              <a:buNone/>
-              <a:tabLst/>
-              <a:defRPr/>
-            </a:pPr>
-            <a:endParaRPr kumimoji="0" lang="en-NZ" sz="1800" b="0" i="0" u="none" strike="noStrike" kern="1200" cap="none" spc="0" normalizeH="0" baseline="0" noProof="0">
-              <a:ln>
-                <a:noFill/>
-              </a:ln>
-              <a:solidFill>
-                <a:prstClr val="black"/>
-              </a:solidFill>
-              <a:effectLst/>
-              <a:uLnTx/>
-              <a:uFillTx/>
-              <a:latin typeface="Calibri" panose="020F0502020204030204"/>
-              <a:ea typeface="+mn-ea"/>
-              <a:cs typeface="+mn-cs"/>
-            </a:endParaRPr>
-          </a:p>
-        </p:txBody>
-      </p:sp>
-      <p:sp>
-        <p:nvSpPr>
-          <p:cNvPr id="50" name="Rectangle 49">
-            <a:extLst>
-              <a:ext uri="{FF2B5EF4-FFF2-40B4-BE49-F238E27FC236}">
-                <a16:creationId xmlns:a16="http://schemas.microsoft.com/office/drawing/2014/main" id="{4C096E4E-3CA3-0F0B-F680-6A16C8C7926A}"/>
-              </a:ext>
-            </a:extLst>
-          </p:cNvPr>
-          <p:cNvSpPr/>
-          <p:nvPr/>
-        </p:nvSpPr>
-        <p:spPr>
-          <a:xfrm>
-            <a:off x="10249119" y="1487132"/>
-            <a:ext cx="1236148" cy="454430"/>
-          </a:xfrm>
-          <a:prstGeom prst="rect">
-            <a:avLst/>
-          </a:prstGeom>
-          <a:solidFill>
-            <a:schemeClr val="accent6">
-              <a:lumMod val="40000"/>
-              <a:lumOff val="60000"/>
-            </a:schemeClr>
-          </a:solidFill>
-          <a:ln>
+        <p:sp>
+          <p:nvSpPr>
+            <p:cNvPr id="60" name="TextBox 59">
+              <a:extLst>
+                <a:ext uri="{FF2B5EF4-FFF2-40B4-BE49-F238E27FC236}">
+                  <a16:creationId xmlns:a16="http://schemas.microsoft.com/office/drawing/2014/main" id="{E53515AC-A3A2-E1D4-2796-3191FC0968AD}"/>
+                </a:ext>
+              </a:extLst>
+            </p:cNvPr>
+            <p:cNvSpPr txBox="1"/>
+            <p:nvPr/>
+          </p:nvSpPr>
+          <p:spPr>
+            <a:xfrm>
+              <a:off x="9838040" y="822357"/>
+              <a:ext cx="2149395" cy="323165"/>
+            </a:xfrm>
+            <a:prstGeom prst="rect">
+              <a:avLst/>
+            </a:prstGeom>
             <a:noFill/>
-          </a:ln>
-        </p:spPr>
-        <p:style>
-          <a:lnRef idx="2">
-            <a:schemeClr val="accent1">
-              <a:shade val="15000"/>
-            </a:schemeClr>
-          </a:lnRef>
-          <a:fillRef idx="1">
-            <a:schemeClr val="accent1"/>
-          </a:fillRef>
-          <a:effectRef idx="0">
-            <a:schemeClr val="accent1"/>
-          </a:effectRef>
-          <a:fontRef idx="minor">
-            <a:schemeClr val="lt1"/>
-          </a:fontRef>
-        </p:style>
-        <p:txBody>
-          <a:bodyPr rtlCol="0" anchor="ctr"/>
-          <a:lstStyle/>
-          <a:p>
-            <a:pPr marL="0" marR="0" lvl="0" indent="0" algn="ctr" defTabSz="914400" rtl="0" eaLnBrk="1" fontAlgn="auto" latinLnBrk="0" hangingPunct="1">
-              <a:lnSpc>
-                <a:spcPct val="100000"/>
-              </a:lnSpc>
-              <a:spcBef>
-                <a:spcPts val="0"/>
-              </a:spcBef>
-              <a:spcAft>
-                <a:spcPts val="0"/>
-              </a:spcAft>
-              <a:buClrTx/>
-              <a:buSzTx/>
-              <a:buFontTx/>
-              <a:buNone/>
-              <a:tabLst/>
-              <a:defRPr/>
-            </a:pPr>
-            <a:r>
-              <a:rPr kumimoji="0" lang="pt-BR" sz="1400" b="0" i="0" u="none" strike="noStrike" kern="1200" cap="none" spc="0" normalizeH="0" baseline="0" noProof="0" dirty="0">
-                <a:ln>
-                  <a:noFill/>
-                </a:ln>
-                <a:solidFill>
-                  <a:prstClr val="white"/>
-                </a:solidFill>
-                <a:effectLst/>
-                <a:uLnTx/>
-                <a:uFillTx/>
-                <a:latin typeface="Calibri" panose="020F0502020204030204"/>
-                <a:ea typeface="+mn-ea"/>
-                <a:cs typeface="+mn-cs"/>
-              </a:rPr>
-              <a:t>eRIDE</a:t>
-            </a:r>
-          </a:p>
-        </p:txBody>
-      </p:sp>
-      <p:sp>
-        <p:nvSpPr>
-          <p:cNvPr id="51" name="Rectangle 50">
-            <a:extLst>
-              <a:ext uri="{FF2B5EF4-FFF2-40B4-BE49-F238E27FC236}">
-                <a16:creationId xmlns:a16="http://schemas.microsoft.com/office/drawing/2014/main" id="{AB80E548-C463-CC14-2628-B5E347287A37}"/>
-              </a:ext>
-            </a:extLst>
-          </p:cNvPr>
-          <p:cNvSpPr/>
-          <p:nvPr/>
-        </p:nvSpPr>
-        <p:spPr>
-          <a:xfrm>
-            <a:off x="10249119" y="3369037"/>
-            <a:ext cx="1236148" cy="454430"/>
-          </a:xfrm>
-          <a:prstGeom prst="rect">
-            <a:avLst/>
-          </a:prstGeom>
-          <a:solidFill>
-            <a:srgbClr val="F39F91"/>
-          </a:solidFill>
-          <a:ln>
-            <a:noFill/>
-          </a:ln>
-        </p:spPr>
-        <p:style>
-          <a:lnRef idx="2">
-            <a:schemeClr val="accent1">
-              <a:shade val="15000"/>
-            </a:schemeClr>
-          </a:lnRef>
-          <a:fillRef idx="1">
-            <a:schemeClr val="accent1"/>
-          </a:fillRef>
-          <a:effectRef idx="0">
-            <a:schemeClr val="accent1"/>
-          </a:effectRef>
-          <a:fontRef idx="minor">
-            <a:schemeClr val="lt1"/>
-          </a:fontRef>
-        </p:style>
-        <p:txBody>
-          <a:bodyPr rtlCol="0" anchor="ctr"/>
-          <a:lstStyle/>
-          <a:p>
-            <a:pPr marL="0" marR="0" lvl="0" indent="0" algn="ctr" defTabSz="914400" rtl="0" eaLnBrk="1" fontAlgn="auto" latinLnBrk="0" hangingPunct="1">
-              <a:lnSpc>
-                <a:spcPct val="100000"/>
-              </a:lnSpc>
-              <a:spcBef>
-                <a:spcPts val="0"/>
-              </a:spcBef>
-              <a:spcAft>
-                <a:spcPts val="0"/>
-              </a:spcAft>
-              <a:buClrTx/>
-              <a:buSzTx/>
-              <a:buFontTx/>
-              <a:buNone/>
-              <a:tabLst/>
-              <a:defRPr/>
-            </a:pPr>
-            <a:r>
-              <a:rPr kumimoji="0" lang="pt-BR" sz="1400" b="0" i="0" u="none" strike="noStrike" kern="1200" cap="none" spc="0" normalizeH="0" baseline="0" noProof="0" dirty="0">
-                <a:ln>
-                  <a:noFill/>
-                </a:ln>
-                <a:solidFill>
-                  <a:prstClr val="white"/>
-                </a:solidFill>
-                <a:effectLst/>
-                <a:uLnTx/>
-                <a:uFillTx/>
-                <a:latin typeface="Calibri" panose="020F0502020204030204"/>
-                <a:ea typeface="+mn-ea"/>
-                <a:cs typeface="+mn-cs"/>
-              </a:rPr>
-              <a:t>PAR</a:t>
-            </a:r>
-          </a:p>
-        </p:txBody>
-      </p:sp>
-      <p:sp>
-        <p:nvSpPr>
-          <p:cNvPr id="52" name="Rectangle 51">
-            <a:extLst>
-              <a:ext uri="{FF2B5EF4-FFF2-40B4-BE49-F238E27FC236}">
-                <a16:creationId xmlns:a16="http://schemas.microsoft.com/office/drawing/2014/main" id="{0A868294-B5BD-BE25-B32A-A08D3489F24B}"/>
-              </a:ext>
-            </a:extLst>
-          </p:cNvPr>
-          <p:cNvSpPr/>
-          <p:nvPr/>
-        </p:nvSpPr>
-        <p:spPr>
-          <a:xfrm>
-            <a:off x="9563338" y="1162532"/>
-            <a:ext cx="2493113" cy="3988587"/>
-          </a:xfrm>
-          <a:prstGeom prst="rect">
-            <a:avLst/>
-          </a:prstGeom>
-          <a:noFill/>
-          <a:ln w="38100"/>
-        </p:spPr>
-        <p:style>
-          <a:lnRef idx="1">
-            <a:schemeClr val="accent3"/>
-          </a:lnRef>
-          <a:fillRef idx="2">
-            <a:schemeClr val="accent3"/>
-          </a:fillRef>
-          <a:effectRef idx="1">
-            <a:schemeClr val="accent3"/>
-          </a:effectRef>
-          <a:fontRef idx="minor">
-            <a:schemeClr val="dk1"/>
-          </a:fontRef>
-        </p:style>
-        <p:txBody>
-          <a:bodyPr rtlCol="0" anchor="ctr"/>
-          <a:lstStyle/>
-          <a:p>
-            <a:pPr marL="0" marR="0" lvl="0" indent="0" algn="ctr" defTabSz="914400" rtl="0" eaLnBrk="1" fontAlgn="auto" latinLnBrk="0" hangingPunct="1">
-              <a:lnSpc>
-                <a:spcPct val="100000"/>
-              </a:lnSpc>
-              <a:spcBef>
-                <a:spcPts val="0"/>
-              </a:spcBef>
-              <a:spcAft>
-                <a:spcPts val="0"/>
-              </a:spcAft>
-              <a:buClrTx/>
-              <a:buSzTx/>
-              <a:buFontTx/>
-              <a:buNone/>
-              <a:tabLst/>
-              <a:defRPr/>
-            </a:pPr>
-            <a:endParaRPr kumimoji="0" lang="en-NZ" sz="1800" b="0" i="0" u="none" strike="noStrike" kern="1200" cap="none" spc="0" normalizeH="0" baseline="0" noProof="0">
-              <a:ln>
-                <a:noFill/>
-              </a:ln>
-              <a:solidFill>
-                <a:prstClr val="black"/>
-              </a:solidFill>
-              <a:effectLst/>
-              <a:uLnTx/>
-              <a:uFillTx/>
-              <a:latin typeface="Calibri" panose="020F0502020204030204"/>
-              <a:ea typeface="+mn-ea"/>
-              <a:cs typeface="+mn-cs"/>
-            </a:endParaRPr>
-          </a:p>
-        </p:txBody>
-      </p:sp>
-      <p:sp>
-        <p:nvSpPr>
-          <p:cNvPr id="57" name="TextBox 56">
-            <a:extLst>
-              <a:ext uri="{FF2B5EF4-FFF2-40B4-BE49-F238E27FC236}">
-                <a16:creationId xmlns:a16="http://schemas.microsoft.com/office/drawing/2014/main" id="{D3C238D6-D3CD-1ECC-E339-FDFAE21EC38A}"/>
-              </a:ext>
-            </a:extLst>
-          </p:cNvPr>
-          <p:cNvSpPr txBox="1"/>
-          <p:nvPr/>
-        </p:nvSpPr>
-        <p:spPr>
-          <a:xfrm>
-            <a:off x="9738370" y="1196551"/>
-            <a:ext cx="2411430" cy="276999"/>
-          </a:xfrm>
-          <a:prstGeom prst="rect">
-            <a:avLst/>
-          </a:prstGeom>
-          <a:noFill/>
-        </p:spPr>
-        <p:txBody>
-          <a:bodyPr wrap="square">
-            <a:spAutoFit/>
-          </a:bodyPr>
-          <a:lstStyle/>
-          <a:p>
-            <a:pPr marL="0" marR="0" lvl="0" indent="0" algn="l" defTabSz="914400" rtl="0" eaLnBrk="1" fontAlgn="auto" latinLnBrk="0" hangingPunct="1">
-              <a:lnSpc>
-                <a:spcPct val="100000"/>
-              </a:lnSpc>
-              <a:spcBef>
-                <a:spcPts val="0"/>
-              </a:spcBef>
-              <a:spcAft>
-                <a:spcPts val="0"/>
-              </a:spcAft>
-              <a:buClrTx/>
-              <a:buSzTx/>
-              <a:buFontTx/>
-              <a:buNone/>
-              <a:tabLst/>
-              <a:defRPr/>
-            </a:pPr>
-            <a:r>
-              <a:rPr kumimoji="0" lang="en-NZ" sz="1200" b="0" i="0" u="none" strike="noStrike" kern="1200" cap="none" spc="0" normalizeH="0" baseline="0" noProof="0" dirty="0" err="1">
+          </p:spPr>
+          <p:txBody>
+            <a:bodyPr wrap="square">
+              <a:spAutoFit/>
+            </a:bodyPr>
+            <a:lstStyle/>
+            <a:p>
+              <a:pPr marL="0" marR="0" lvl="0" indent="0" algn="l" defTabSz="914400" rtl="0" eaLnBrk="1" fontAlgn="auto" latinLnBrk="0" hangingPunct="1">
+                <a:lnSpc>
+                  <a:spcPct val="100000"/>
+                </a:lnSpc>
+                <a:spcBef>
+                  <a:spcPts val="0"/>
+                </a:spcBef>
+                <a:spcAft>
+                  <a:spcPts val="0"/>
+                </a:spcAft>
+                <a:buClrTx/>
+                <a:buSzTx/>
+                <a:buFontTx/>
+                <a:buNone/>
+                <a:tabLst/>
+                <a:defRPr/>
+              </a:pPr>
+              <a:r>
+                <a:rPr kumimoji="0" lang="en-NZ" sz="1500" b="0" i="0" u="none" strike="noStrike" kern="1200" cap="none" spc="0" normalizeH="0" baseline="0" noProof="0" dirty="0" err="1">
+                  <a:ln>
+                    <a:noFill/>
+                  </a:ln>
+                  <a:solidFill>
+                    <a:srgbClr val="000000"/>
+                  </a:solidFill>
+                  <a:effectLst/>
+                  <a:highlight>
+                    <a:srgbClr val="FFFFFF"/>
+                  </a:highlight>
+                  <a:uLnTx/>
+                  <a:uFillTx/>
+                  <a:latin typeface="Lato" panose="020F0502020204030203" pitchFamily="34" charset="0"/>
+                  <a:ea typeface="+mn-ea"/>
+                  <a:cs typeface="+mn-cs"/>
+                </a:rPr>
+                <a:t>eRIDE</a:t>
+              </a:r>
+              <a:r>
+                <a:rPr kumimoji="0" lang="en-NZ" sz="1500" b="0" i="0" u="none" strike="noStrike" kern="1200" cap="none" spc="0" normalizeH="0" baseline="0" noProof="0" dirty="0">
+                  <a:ln>
+                    <a:noFill/>
+                  </a:ln>
+                  <a:solidFill>
+                    <a:srgbClr val="000000"/>
+                  </a:solidFill>
+                  <a:effectLst/>
+                  <a:highlight>
+                    <a:srgbClr val="FFFFFF"/>
+                  </a:highlight>
+                  <a:uLnTx/>
+                  <a:uFillTx/>
+                  <a:latin typeface="Lato" panose="020F0502020204030203" pitchFamily="34" charset="0"/>
+                  <a:ea typeface="+mn-ea"/>
+                  <a:cs typeface="+mn-cs"/>
+                </a:rPr>
+                <a:t> source function</a:t>
+              </a:r>
+              <a:endParaRPr kumimoji="0" lang="en-NZ" sz="1500" b="0" i="0" u="none" strike="noStrike" kern="1200" cap="none" spc="0" normalizeH="0" baseline="0" noProof="0" dirty="0">
                 <a:ln>
                   <a:noFill/>
                 </a:ln>
@@ -9226,14 +9407,79 @@
                 <a:effectLst/>
                 <a:uLnTx/>
                 <a:uFillTx/>
-                <a:latin typeface="Courier New" panose="02070309020205020404" pitchFamily="49" charset="0"/>
+                <a:latin typeface="Calibri" panose="020F0502020204030204"/>
                 <a:ea typeface="+mn-ea"/>
-                <a:cs typeface="Courier New" panose="02070309020205020404" pitchFamily="49" charset="0"/>
-              </a:rPr>
-              <a:t>eride_run</a:t>
-            </a:r>
-            <a:r>
-              <a:rPr kumimoji="0" lang="en-NZ" sz="1200" b="0" i="0" u="none" strike="noStrike" kern="1200" cap="none" spc="0" normalizeH="0" baseline="0" noProof="0" dirty="0">
+                <a:cs typeface="+mn-cs"/>
+              </a:endParaRPr>
+            </a:p>
+          </p:txBody>
+        </p:sp>
+        <p:sp>
+          <p:nvSpPr>
+            <p:cNvPr id="61" name="TextBox 60">
+              <a:extLst>
+                <a:ext uri="{FF2B5EF4-FFF2-40B4-BE49-F238E27FC236}">
+                  <a16:creationId xmlns:a16="http://schemas.microsoft.com/office/drawing/2014/main" id="{EEFB2E83-8CF5-156B-5F20-BDBB84BCCCAD}"/>
+                </a:ext>
+              </a:extLst>
+            </p:cNvPr>
+            <p:cNvSpPr txBox="1"/>
+            <p:nvPr/>
+          </p:nvSpPr>
+          <p:spPr>
+            <a:xfrm>
+              <a:off x="5959697" y="781713"/>
+              <a:ext cx="1703990" cy="323165"/>
+            </a:xfrm>
+            <a:prstGeom prst="rect">
+              <a:avLst/>
+            </a:prstGeom>
+            <a:noFill/>
+          </p:spPr>
+          <p:txBody>
+            <a:bodyPr wrap="square">
+              <a:spAutoFit/>
+            </a:bodyPr>
+            <a:lstStyle/>
+            <a:p>
+              <a:pPr marL="0" marR="0" lvl="0" indent="0" algn="l" defTabSz="914400" rtl="0" eaLnBrk="1" fontAlgn="auto" latinLnBrk="0" hangingPunct="1">
+                <a:lnSpc>
+                  <a:spcPct val="100000"/>
+                </a:lnSpc>
+                <a:spcBef>
+                  <a:spcPts val="0"/>
+                </a:spcBef>
+                <a:spcAft>
+                  <a:spcPts val="0"/>
+                </a:spcAft>
+                <a:buClrTx/>
+                <a:buSzTx/>
+                <a:buFontTx/>
+                <a:buNone/>
+                <a:tabLst/>
+                <a:defRPr/>
+              </a:pPr>
+              <a:r>
+                <a:rPr kumimoji="0" lang="en-US" sz="1500" b="0" i="0" u="none" strike="noStrike" kern="1200" cap="none" spc="0" normalizeH="0" baseline="0" noProof="0" dirty="0">
+                  <a:ln>
+                    <a:noFill/>
+                  </a:ln>
+                  <a:solidFill>
+                    <a:srgbClr val="000000"/>
+                  </a:solidFill>
+                  <a:effectLst/>
+                  <a:highlight>
+                    <a:srgbClr val="FFFFFF"/>
+                  </a:highlight>
+                  <a:uLnTx/>
+                  <a:uFillTx/>
+                  <a:latin typeface="Lato" panose="020F0502020204030203" pitchFamily="34" charset="0"/>
+                  <a:ea typeface="+mn-ea"/>
+                  <a:cs typeface="+mn-cs"/>
+                </a:rPr>
+                <a:t>Region set up</a:t>
+              </a:r>
+              <a:endParaRPr kumimoji="0" lang="en-NZ" sz="1500" b="0" i="0" u="none" strike="noStrike" kern="1200" cap="none" spc="0" normalizeH="0" baseline="0" noProof="0" dirty="0">
                 <a:ln>
                   <a:noFill/>
                 </a:ln>
@@ -9243,14 +9489,79 @@
                 <a:effectLst/>
                 <a:uLnTx/>
                 <a:uFillTx/>
-                <a:latin typeface="Courier New" panose="02070309020205020404" pitchFamily="49" charset="0"/>
+                <a:latin typeface="Calibri" panose="020F0502020204030204"/>
                 <a:ea typeface="+mn-ea"/>
-                <a:cs typeface="Courier New" panose="02070309020205020404" pitchFamily="49" charset="0"/>
-              </a:rPr>
-              <a:t>("</a:t>
-            </a:r>
-            <a:r>
-              <a:rPr kumimoji="0" lang="en-NZ" sz="1200" b="0" i="0" u="none" strike="noStrike" kern="1200" cap="none" spc="0" normalizeH="0" baseline="0" noProof="0" dirty="0" err="1">
+                <a:cs typeface="+mn-cs"/>
+              </a:endParaRPr>
+            </a:p>
+          </p:txBody>
+        </p:sp>
+        <p:sp>
+          <p:nvSpPr>
+            <p:cNvPr id="62" name="TextBox 61">
+              <a:extLst>
+                <a:ext uri="{FF2B5EF4-FFF2-40B4-BE49-F238E27FC236}">
+                  <a16:creationId xmlns:a16="http://schemas.microsoft.com/office/drawing/2014/main" id="{C04767D8-702E-9633-6310-DE3B9D604CF1}"/>
+                </a:ext>
+              </a:extLst>
+            </p:cNvPr>
+            <p:cNvSpPr txBox="1"/>
+            <p:nvPr/>
+          </p:nvSpPr>
+          <p:spPr>
+            <a:xfrm>
+              <a:off x="833275" y="815014"/>
+              <a:ext cx="1988764" cy="323165"/>
+            </a:xfrm>
+            <a:prstGeom prst="rect">
+              <a:avLst/>
+            </a:prstGeom>
+            <a:noFill/>
+          </p:spPr>
+          <p:txBody>
+            <a:bodyPr wrap="square">
+              <a:spAutoFit/>
+            </a:bodyPr>
+            <a:lstStyle/>
+            <a:p>
+              <a:pPr marL="0" marR="0" lvl="0" indent="0" algn="l" defTabSz="914400" rtl="0" eaLnBrk="1" fontAlgn="auto" latinLnBrk="0" hangingPunct="1">
+                <a:lnSpc>
+                  <a:spcPct val="100000"/>
+                </a:lnSpc>
+                <a:spcBef>
+                  <a:spcPts val="0"/>
+                </a:spcBef>
+                <a:spcAft>
+                  <a:spcPts val="0"/>
+                </a:spcAft>
+                <a:buClrTx/>
+                <a:buSzTx/>
+                <a:buFontTx/>
+                <a:buNone/>
+                <a:tabLst/>
+                <a:defRPr/>
+              </a:pPr>
+              <a:r>
+                <a:rPr kumimoji="0" lang="en-US" sz="1500" b="0" i="0" u="none" strike="noStrike" kern="1200" cap="none" spc="0" normalizeH="0" baseline="0" noProof="0" dirty="0">
+                  <a:ln>
+                    <a:noFill/>
+                  </a:ln>
+                  <a:solidFill>
+                    <a:srgbClr val="000000"/>
+                  </a:solidFill>
+                  <a:effectLst/>
+                  <a:highlight>
+                    <a:srgbClr val="FFFFFF"/>
+                  </a:highlight>
+                  <a:uLnTx/>
+                  <a:uFillTx/>
+                  <a:latin typeface="Lato" panose="020F0502020204030203" pitchFamily="34" charset="0"/>
+                  <a:ea typeface="+mn-ea"/>
+                  <a:cs typeface="+mn-cs"/>
+                </a:rPr>
+                <a:t>Environment set up</a:t>
+              </a:r>
+              <a:endParaRPr kumimoji="0" lang="en-NZ" sz="1500" b="0" i="0" u="none" strike="noStrike" kern="1200" cap="none" spc="0" normalizeH="0" baseline="0" noProof="0" dirty="0">
                 <a:ln>
                   <a:noFill/>
                 </a:ln>
@@ -9260,358 +9571,74 @@
                 <a:effectLst/>
                 <a:uLnTx/>
                 <a:uFillTx/>
-                <a:latin typeface="Courier New" panose="02070309020205020404" pitchFamily="49" charset="0"/>
-                <a:ea typeface="+mn-ea"/>
-                <a:cs typeface="Courier New" panose="02070309020205020404" pitchFamily="49" charset="0"/>
-              </a:rPr>
-              <a:t>rast</a:t>
-            </a:r>
-            <a:r>
-              <a:rPr kumimoji="0" lang="en-NZ" sz="1200" b="0" i="0" u="none" strike="noStrike" kern="1200" cap="none" spc="0" normalizeH="0" baseline="0" noProof="0" dirty="0">
-                <a:ln>
-                  <a:noFill/>
-                </a:ln>
-                <a:solidFill>
-                  <a:prstClr val="black"/>
-                </a:solidFill>
-                <a:effectLst/>
-                <a:uLnTx/>
-                <a:uFillTx/>
-                <a:latin typeface="Courier New" panose="02070309020205020404" pitchFamily="49" charset="0"/>
-                <a:ea typeface="+mn-ea"/>
-                <a:cs typeface="Courier New" panose="02070309020205020404" pitchFamily="49" charset="0"/>
-              </a:rPr>
-              <a:t>", "pop")</a:t>
-            </a:r>
-          </a:p>
-        </p:txBody>
-      </p:sp>
-      <p:sp>
-        <p:nvSpPr>
-          <p:cNvPr id="60" name="TextBox 59">
-            <a:extLst>
-              <a:ext uri="{FF2B5EF4-FFF2-40B4-BE49-F238E27FC236}">
-                <a16:creationId xmlns:a16="http://schemas.microsoft.com/office/drawing/2014/main" id="{E53515AC-A3A2-E1D4-2796-3191FC0968AD}"/>
-              </a:ext>
-            </a:extLst>
-          </p:cNvPr>
-          <p:cNvSpPr txBox="1"/>
-          <p:nvPr/>
-        </p:nvSpPr>
-        <p:spPr>
-          <a:xfrm>
-            <a:off x="9838040" y="822357"/>
-            <a:ext cx="2149395" cy="323165"/>
-          </a:xfrm>
-          <a:prstGeom prst="rect">
-            <a:avLst/>
-          </a:prstGeom>
-          <a:noFill/>
-        </p:spPr>
-        <p:txBody>
-          <a:bodyPr wrap="square">
-            <a:spAutoFit/>
-          </a:bodyPr>
-          <a:lstStyle/>
-          <a:p>
-            <a:pPr marL="0" marR="0" lvl="0" indent="0" algn="l" defTabSz="914400" rtl="0" eaLnBrk="1" fontAlgn="auto" latinLnBrk="0" hangingPunct="1">
-              <a:lnSpc>
-                <a:spcPct val="100000"/>
-              </a:lnSpc>
-              <a:spcBef>
-                <a:spcPts val="0"/>
-              </a:spcBef>
-              <a:spcAft>
-                <a:spcPts val="0"/>
-              </a:spcAft>
-              <a:buClrTx/>
-              <a:buSzTx/>
-              <a:buFontTx/>
-              <a:buNone/>
-              <a:tabLst/>
-              <a:defRPr/>
-            </a:pPr>
-            <a:r>
-              <a:rPr kumimoji="0" lang="en-NZ" sz="1500" b="0" i="0" u="none" strike="noStrike" kern="1200" cap="none" spc="0" normalizeH="0" baseline="0" noProof="0" dirty="0" err="1">
-                <a:ln>
-                  <a:noFill/>
-                </a:ln>
-                <a:solidFill>
-                  <a:srgbClr val="000000"/>
-                </a:solidFill>
-                <a:effectLst/>
-                <a:highlight>
-                  <a:srgbClr val="FFFFFF"/>
-                </a:highlight>
-                <a:uLnTx/>
-                <a:uFillTx/>
-                <a:latin typeface="Lato" panose="020F0502020204030203" pitchFamily="34" charset="0"/>
+                <a:latin typeface="Calibri" panose="020F0502020204030204"/>
                 <a:ea typeface="+mn-ea"/>
                 <a:cs typeface="+mn-cs"/>
-              </a:rPr>
-              <a:t>eRIDE</a:t>
-            </a:r>
-            <a:r>
-              <a:rPr kumimoji="0" lang="en-NZ" sz="1500" b="0" i="0" u="none" strike="noStrike" kern="1200" cap="none" spc="0" normalizeH="0" baseline="0" noProof="0" dirty="0">
-                <a:ln>
-                  <a:noFill/>
-                </a:ln>
-                <a:solidFill>
-                  <a:srgbClr val="000000"/>
-                </a:solidFill>
-                <a:effectLst/>
-                <a:highlight>
-                  <a:srgbClr val="FFFFFF"/>
-                </a:highlight>
-                <a:uLnTx/>
-                <a:uFillTx/>
-                <a:latin typeface="Lato" panose="020F0502020204030203" pitchFamily="34" charset="0"/>
-                <a:ea typeface="+mn-ea"/>
-                <a:cs typeface="+mn-cs"/>
-              </a:rPr>
-              <a:t> source function</a:t>
-            </a:r>
-            <a:endParaRPr kumimoji="0" lang="en-NZ" sz="1500" b="0" i="0" u="none" strike="noStrike" kern="1200" cap="none" spc="0" normalizeH="0" baseline="0" noProof="0" dirty="0">
-              <a:ln>
-                <a:noFill/>
-              </a:ln>
-              <a:solidFill>
-                <a:prstClr val="black"/>
-              </a:solidFill>
-              <a:effectLst/>
-              <a:uLnTx/>
-              <a:uFillTx/>
-              <a:latin typeface="Calibri" panose="020F0502020204030204"/>
-              <a:ea typeface="+mn-ea"/>
-              <a:cs typeface="+mn-cs"/>
-            </a:endParaRPr>
-          </a:p>
-        </p:txBody>
-      </p:sp>
-      <p:sp>
-        <p:nvSpPr>
-          <p:cNvPr id="61" name="TextBox 60">
-            <a:extLst>
-              <a:ext uri="{FF2B5EF4-FFF2-40B4-BE49-F238E27FC236}">
-                <a16:creationId xmlns:a16="http://schemas.microsoft.com/office/drawing/2014/main" id="{EEFB2E83-8CF5-156B-5F20-BDBB84BCCCAD}"/>
-              </a:ext>
-            </a:extLst>
-          </p:cNvPr>
-          <p:cNvSpPr txBox="1"/>
-          <p:nvPr/>
-        </p:nvSpPr>
-        <p:spPr>
-          <a:xfrm>
-            <a:off x="5959697" y="781713"/>
-            <a:ext cx="1703990" cy="323165"/>
-          </a:xfrm>
-          <a:prstGeom prst="rect">
-            <a:avLst/>
-          </a:prstGeom>
-          <a:noFill/>
-        </p:spPr>
-        <p:txBody>
-          <a:bodyPr wrap="square">
-            <a:spAutoFit/>
-          </a:bodyPr>
-          <a:lstStyle/>
-          <a:p>
-            <a:pPr marL="0" marR="0" lvl="0" indent="0" algn="l" defTabSz="914400" rtl="0" eaLnBrk="1" fontAlgn="auto" latinLnBrk="0" hangingPunct="1">
-              <a:lnSpc>
-                <a:spcPct val="100000"/>
-              </a:lnSpc>
-              <a:spcBef>
-                <a:spcPts val="0"/>
-              </a:spcBef>
-              <a:spcAft>
-                <a:spcPts val="0"/>
-              </a:spcAft>
-              <a:buClrTx/>
-              <a:buSzTx/>
-              <a:buFontTx/>
-              <a:buNone/>
-              <a:tabLst/>
-              <a:defRPr/>
-            </a:pPr>
-            <a:r>
-              <a:rPr kumimoji="0" lang="en-US" sz="1500" b="0" i="0" u="none" strike="noStrike" kern="1200" cap="none" spc="0" normalizeH="0" baseline="0" noProof="0" dirty="0">
-                <a:ln>
-                  <a:noFill/>
-                </a:ln>
-                <a:solidFill>
-                  <a:srgbClr val="000000"/>
-                </a:solidFill>
-                <a:effectLst/>
-                <a:highlight>
-                  <a:srgbClr val="FFFFFF"/>
-                </a:highlight>
-                <a:uLnTx/>
-                <a:uFillTx/>
-                <a:latin typeface="Lato" panose="020F0502020204030203" pitchFamily="34" charset="0"/>
-                <a:ea typeface="+mn-ea"/>
-                <a:cs typeface="+mn-cs"/>
-              </a:rPr>
-              <a:t>Region set up</a:t>
-            </a:r>
-            <a:endParaRPr kumimoji="0" lang="en-NZ" sz="1500" b="0" i="0" u="none" strike="noStrike" kern="1200" cap="none" spc="0" normalizeH="0" baseline="0" noProof="0" dirty="0">
-              <a:ln>
-                <a:noFill/>
-              </a:ln>
-              <a:solidFill>
-                <a:prstClr val="black"/>
-              </a:solidFill>
-              <a:effectLst/>
-              <a:uLnTx/>
-              <a:uFillTx/>
-              <a:latin typeface="Calibri" panose="020F0502020204030204"/>
-              <a:ea typeface="+mn-ea"/>
-              <a:cs typeface="+mn-cs"/>
-            </a:endParaRPr>
-          </a:p>
-        </p:txBody>
-      </p:sp>
-      <p:sp>
-        <p:nvSpPr>
-          <p:cNvPr id="62" name="TextBox 61">
-            <a:extLst>
-              <a:ext uri="{FF2B5EF4-FFF2-40B4-BE49-F238E27FC236}">
-                <a16:creationId xmlns:a16="http://schemas.microsoft.com/office/drawing/2014/main" id="{C04767D8-702E-9633-6310-DE3B9D604CF1}"/>
-              </a:ext>
-            </a:extLst>
-          </p:cNvPr>
-          <p:cNvSpPr txBox="1"/>
-          <p:nvPr/>
-        </p:nvSpPr>
-        <p:spPr>
-          <a:xfrm>
-            <a:off x="833275" y="815014"/>
-            <a:ext cx="1988764" cy="323165"/>
-          </a:xfrm>
-          <a:prstGeom prst="rect">
-            <a:avLst/>
-          </a:prstGeom>
-          <a:noFill/>
-        </p:spPr>
-        <p:txBody>
-          <a:bodyPr wrap="square">
-            <a:spAutoFit/>
-          </a:bodyPr>
-          <a:lstStyle/>
-          <a:p>
-            <a:pPr marL="0" marR="0" lvl="0" indent="0" algn="l" defTabSz="914400" rtl="0" eaLnBrk="1" fontAlgn="auto" latinLnBrk="0" hangingPunct="1">
-              <a:lnSpc>
-                <a:spcPct val="100000"/>
-              </a:lnSpc>
-              <a:spcBef>
-                <a:spcPts val="0"/>
-              </a:spcBef>
-              <a:spcAft>
-                <a:spcPts val="0"/>
-              </a:spcAft>
-              <a:buClrTx/>
-              <a:buSzTx/>
-              <a:buFontTx/>
-              <a:buNone/>
-              <a:tabLst/>
-              <a:defRPr/>
-            </a:pPr>
-            <a:r>
-              <a:rPr kumimoji="0" lang="en-US" sz="1500" b="0" i="0" u="none" strike="noStrike" kern="1200" cap="none" spc="0" normalizeH="0" baseline="0" noProof="0" dirty="0">
-                <a:ln>
-                  <a:noFill/>
-                </a:ln>
-                <a:solidFill>
-                  <a:srgbClr val="000000"/>
-                </a:solidFill>
-                <a:effectLst/>
-                <a:highlight>
-                  <a:srgbClr val="FFFFFF"/>
-                </a:highlight>
-                <a:uLnTx/>
-                <a:uFillTx/>
-                <a:latin typeface="Lato" panose="020F0502020204030203" pitchFamily="34" charset="0"/>
-                <a:ea typeface="+mn-ea"/>
-                <a:cs typeface="+mn-cs"/>
-              </a:rPr>
-              <a:t>Environment set up</a:t>
-            </a:r>
-            <a:endParaRPr kumimoji="0" lang="en-NZ" sz="1500" b="0" i="0" u="none" strike="noStrike" kern="1200" cap="none" spc="0" normalizeH="0" baseline="0" noProof="0" dirty="0">
-              <a:ln>
-                <a:noFill/>
-              </a:ln>
-              <a:solidFill>
-                <a:prstClr val="black"/>
-              </a:solidFill>
-              <a:effectLst/>
-              <a:uLnTx/>
-              <a:uFillTx/>
-              <a:latin typeface="Calibri" panose="020F0502020204030204"/>
-              <a:ea typeface="+mn-ea"/>
-              <a:cs typeface="+mn-cs"/>
-            </a:endParaRPr>
-          </a:p>
-        </p:txBody>
-      </p:sp>
-      <p:pic>
-        <p:nvPicPr>
-          <p:cNvPr id="2" name="Picture 1">
-            <a:extLst>
-              <a:ext uri="{FF2B5EF4-FFF2-40B4-BE49-F238E27FC236}">
-                <a16:creationId xmlns:a16="http://schemas.microsoft.com/office/drawing/2014/main" id="{AF767236-823B-4D9B-AF55-ED65EA1C6583}"/>
-              </a:ext>
-            </a:extLst>
-          </p:cNvPr>
-          <p:cNvPicPr>
-            <a:picLocks noChangeAspect="1"/>
-          </p:cNvPicPr>
-          <p:nvPr/>
-        </p:nvPicPr>
-        <p:blipFill>
-          <a:blip r:embed="rId6"/>
-          <a:stretch>
-            <a:fillRect/>
-          </a:stretch>
-        </p:blipFill>
-        <p:spPr>
-          <a:xfrm>
-            <a:off x="9871949" y="3927321"/>
-            <a:ext cx="1955725" cy="901680"/>
-          </a:xfrm>
-          <a:prstGeom prst="rect">
-            <a:avLst/>
-          </a:prstGeom>
-        </p:spPr>
-      </p:pic>
-      <p:pic>
-        <p:nvPicPr>
-          <p:cNvPr id="13" name="Picture 12">
-            <a:extLst>
-              <a:ext uri="{FF2B5EF4-FFF2-40B4-BE49-F238E27FC236}">
-                <a16:creationId xmlns:a16="http://schemas.microsoft.com/office/drawing/2014/main" id="{AB91C909-34D6-4807-6559-9746EE424132}"/>
-              </a:ext>
-            </a:extLst>
-          </p:cNvPr>
-          <p:cNvPicPr>
-            <a:picLocks noChangeAspect="1"/>
-          </p:cNvPicPr>
-          <p:nvPr/>
-        </p:nvPicPr>
-        <p:blipFill>
-          <a:blip r:embed="rId7"/>
-          <a:stretch>
-            <a:fillRect/>
-          </a:stretch>
-        </p:blipFill>
-        <p:spPr>
-          <a:xfrm>
-            <a:off x="9659007" y="2202287"/>
-            <a:ext cx="2075744" cy="906025"/>
-          </a:xfrm>
-          <a:prstGeom prst="rect">
-            <a:avLst/>
-          </a:prstGeom>
-        </p:spPr>
-      </p:pic>
+              </a:endParaRPr>
+            </a:p>
+          </p:txBody>
+        </p:sp>
+        <p:pic>
+          <p:nvPicPr>
+            <p:cNvPr id="2" name="Picture 1">
+              <a:extLst>
+                <a:ext uri="{FF2B5EF4-FFF2-40B4-BE49-F238E27FC236}">
+                  <a16:creationId xmlns:a16="http://schemas.microsoft.com/office/drawing/2014/main" id="{AF767236-823B-4D9B-AF55-ED65EA1C6583}"/>
+                </a:ext>
+              </a:extLst>
+            </p:cNvPr>
+            <p:cNvPicPr>
+              <a:picLocks noChangeAspect="1"/>
+            </p:cNvPicPr>
+            <p:nvPr/>
+          </p:nvPicPr>
+          <p:blipFill>
+            <a:blip r:embed="rId6"/>
+            <a:stretch>
+              <a:fillRect/>
+            </a:stretch>
+          </p:blipFill>
+          <p:spPr>
+            <a:xfrm>
+              <a:off x="9871949" y="3927321"/>
+              <a:ext cx="1955725" cy="901680"/>
+            </a:xfrm>
+            <a:prstGeom prst="rect">
+              <a:avLst/>
+            </a:prstGeom>
+          </p:spPr>
+        </p:pic>
+        <p:pic>
+          <p:nvPicPr>
+            <p:cNvPr id="13" name="Picture 12">
+              <a:extLst>
+                <a:ext uri="{FF2B5EF4-FFF2-40B4-BE49-F238E27FC236}">
+                  <a16:creationId xmlns:a16="http://schemas.microsoft.com/office/drawing/2014/main" id="{AB91C909-34D6-4807-6559-9746EE424132}"/>
+                </a:ext>
+              </a:extLst>
+            </p:cNvPr>
+            <p:cNvPicPr>
+              <a:picLocks noChangeAspect="1"/>
+            </p:cNvPicPr>
+            <p:nvPr/>
+          </p:nvPicPr>
+          <p:blipFill>
+            <a:blip r:embed="rId7"/>
+            <a:stretch>
+              <a:fillRect/>
+            </a:stretch>
+          </p:blipFill>
+          <p:spPr>
+            <a:xfrm>
+              <a:off x="9659007" y="2202287"/>
+              <a:ext cx="2075744" cy="906025"/>
+            </a:xfrm>
+            <a:prstGeom prst="rect">
+              <a:avLst/>
+            </a:prstGeom>
+          </p:spPr>
+        </p:pic>
+      </p:grpSp>
     </p:spTree>
     <p:extLst>
       <p:ext uri="{BB962C8B-B14F-4D97-AF65-F5344CB8AC3E}">

--- a/results/Figures/Figures.pptx
+++ b/results/Figures/Figures.pptx
@@ -381,7 +381,7 @@
           <a:p>
             <a:fld id="{36C3FE58-7E73-4F9D-B8E5-B7E1B043D37A}" type="datetimeFigureOut">
               <a:rPr lang="en-NZ" smtClean="0"/>
-              <a:t>14/03/2025</a:t>
+              <a:t>27/03/2025</a:t>
             </a:fld>
             <a:endParaRPr lang="en-NZ"/>
           </a:p>
@@ -581,7 +581,7 @@
           <a:p>
             <a:fld id="{36C3FE58-7E73-4F9D-B8E5-B7E1B043D37A}" type="datetimeFigureOut">
               <a:rPr lang="en-NZ" smtClean="0"/>
-              <a:t>14/03/2025</a:t>
+              <a:t>27/03/2025</a:t>
             </a:fld>
             <a:endParaRPr lang="en-NZ"/>
           </a:p>
@@ -791,7 +791,7 @@
           <a:p>
             <a:fld id="{36C3FE58-7E73-4F9D-B8E5-B7E1B043D37A}" type="datetimeFigureOut">
               <a:rPr lang="en-NZ" smtClean="0"/>
-              <a:t>14/03/2025</a:t>
+              <a:t>27/03/2025</a:t>
             </a:fld>
             <a:endParaRPr lang="en-NZ"/>
           </a:p>
@@ -1013,7 +1013,7 @@
           <a:p>
             <a:fld id="{B5DA846C-8D30-441A-B1E0-B376C61F31D1}" type="datetimeFigureOut">
               <a:rPr lang="en-NZ" smtClean="0"/>
-              <a:t>14/03/2025</a:t>
+              <a:t>27/03/2025</a:t>
             </a:fld>
             <a:endParaRPr lang="en-NZ"/>
           </a:p>
@@ -1213,7 +1213,7 @@
           <a:p>
             <a:fld id="{B5DA846C-8D30-441A-B1E0-B376C61F31D1}" type="datetimeFigureOut">
               <a:rPr lang="en-NZ" smtClean="0"/>
-              <a:t>14/03/2025</a:t>
+              <a:t>27/03/2025</a:t>
             </a:fld>
             <a:endParaRPr lang="en-NZ"/>
           </a:p>
@@ -1489,7 +1489,7 @@
           <a:p>
             <a:fld id="{B5DA846C-8D30-441A-B1E0-B376C61F31D1}" type="datetimeFigureOut">
               <a:rPr lang="en-NZ" smtClean="0"/>
-              <a:t>14/03/2025</a:t>
+              <a:t>27/03/2025</a:t>
             </a:fld>
             <a:endParaRPr lang="en-NZ"/>
           </a:p>
@@ -1757,7 +1757,7 @@
           <a:p>
             <a:fld id="{B5DA846C-8D30-441A-B1E0-B376C61F31D1}" type="datetimeFigureOut">
               <a:rPr lang="en-NZ" smtClean="0"/>
-              <a:t>14/03/2025</a:t>
+              <a:t>27/03/2025</a:t>
             </a:fld>
             <a:endParaRPr lang="en-NZ"/>
           </a:p>
@@ -2172,7 +2172,7 @@
           <a:p>
             <a:fld id="{B5DA846C-8D30-441A-B1E0-B376C61F31D1}" type="datetimeFigureOut">
               <a:rPr lang="en-NZ" smtClean="0"/>
-              <a:t>14/03/2025</a:t>
+              <a:t>27/03/2025</a:t>
             </a:fld>
             <a:endParaRPr lang="en-NZ"/>
           </a:p>
@@ -2314,7 +2314,7 @@
           <a:p>
             <a:fld id="{B5DA846C-8D30-441A-B1E0-B376C61F31D1}" type="datetimeFigureOut">
               <a:rPr lang="en-NZ" smtClean="0"/>
-              <a:t>14/03/2025</a:t>
+              <a:t>27/03/2025</a:t>
             </a:fld>
             <a:endParaRPr lang="en-NZ"/>
           </a:p>
@@ -2427,7 +2427,7 @@
           <a:p>
             <a:fld id="{B5DA846C-8D30-441A-B1E0-B376C61F31D1}" type="datetimeFigureOut">
               <a:rPr lang="en-NZ" smtClean="0"/>
-              <a:t>14/03/2025</a:t>
+              <a:t>27/03/2025</a:t>
             </a:fld>
             <a:endParaRPr lang="en-NZ"/>
           </a:p>
@@ -2740,7 +2740,7 @@
           <a:p>
             <a:fld id="{B5DA846C-8D30-441A-B1E0-B376C61F31D1}" type="datetimeFigureOut">
               <a:rPr lang="en-NZ" smtClean="0"/>
-              <a:t>14/03/2025</a:t>
+              <a:t>27/03/2025</a:t>
             </a:fld>
             <a:endParaRPr lang="en-NZ"/>
           </a:p>
@@ -2940,7 +2940,7 @@
           <a:p>
             <a:fld id="{36C3FE58-7E73-4F9D-B8E5-B7E1B043D37A}" type="datetimeFigureOut">
               <a:rPr lang="en-NZ" smtClean="0"/>
-              <a:t>14/03/2025</a:t>
+              <a:t>27/03/2025</a:t>
             </a:fld>
             <a:endParaRPr lang="en-NZ"/>
           </a:p>
@@ -3229,7 +3229,7 @@
           <a:p>
             <a:fld id="{B5DA846C-8D30-441A-B1E0-B376C61F31D1}" type="datetimeFigureOut">
               <a:rPr lang="en-NZ" smtClean="0"/>
-              <a:t>14/03/2025</a:t>
+              <a:t>27/03/2025</a:t>
             </a:fld>
             <a:endParaRPr lang="en-NZ"/>
           </a:p>
@@ -3429,7 +3429,7 @@
           <a:p>
             <a:fld id="{B5DA846C-8D30-441A-B1E0-B376C61F31D1}" type="datetimeFigureOut">
               <a:rPr lang="en-NZ" smtClean="0"/>
-              <a:t>14/03/2025</a:t>
+              <a:t>27/03/2025</a:t>
             </a:fld>
             <a:endParaRPr lang="en-NZ"/>
           </a:p>
@@ -3639,7 +3639,7 @@
           <a:p>
             <a:fld id="{B5DA846C-8D30-441A-B1E0-B376C61F31D1}" type="datetimeFigureOut">
               <a:rPr lang="en-NZ" smtClean="0"/>
-              <a:t>14/03/2025</a:t>
+              <a:t>27/03/2025</a:t>
             </a:fld>
             <a:endParaRPr lang="en-NZ"/>
           </a:p>
@@ -3915,7 +3915,7 @@
           <a:p>
             <a:fld id="{36C3FE58-7E73-4F9D-B8E5-B7E1B043D37A}" type="datetimeFigureOut">
               <a:rPr lang="en-NZ" smtClean="0"/>
-              <a:t>14/03/2025</a:t>
+              <a:t>27/03/2025</a:t>
             </a:fld>
             <a:endParaRPr lang="en-NZ"/>
           </a:p>
@@ -4183,7 +4183,7 @@
           <a:p>
             <a:fld id="{36C3FE58-7E73-4F9D-B8E5-B7E1B043D37A}" type="datetimeFigureOut">
               <a:rPr lang="en-NZ" smtClean="0"/>
-              <a:t>14/03/2025</a:t>
+              <a:t>27/03/2025</a:t>
             </a:fld>
             <a:endParaRPr lang="en-NZ"/>
           </a:p>
@@ -4598,7 +4598,7 @@
           <a:p>
             <a:fld id="{36C3FE58-7E73-4F9D-B8E5-B7E1B043D37A}" type="datetimeFigureOut">
               <a:rPr lang="en-NZ" smtClean="0"/>
-              <a:t>14/03/2025</a:t>
+              <a:t>27/03/2025</a:t>
             </a:fld>
             <a:endParaRPr lang="en-NZ"/>
           </a:p>
@@ -4740,7 +4740,7 @@
           <a:p>
             <a:fld id="{36C3FE58-7E73-4F9D-B8E5-B7E1B043D37A}" type="datetimeFigureOut">
               <a:rPr lang="en-NZ" smtClean="0"/>
-              <a:t>14/03/2025</a:t>
+              <a:t>27/03/2025</a:t>
             </a:fld>
             <a:endParaRPr lang="en-NZ"/>
           </a:p>
@@ -4853,7 +4853,7 @@
           <a:p>
             <a:fld id="{36C3FE58-7E73-4F9D-B8E5-B7E1B043D37A}" type="datetimeFigureOut">
               <a:rPr lang="en-NZ" smtClean="0"/>
-              <a:t>14/03/2025</a:t>
+              <a:t>27/03/2025</a:t>
             </a:fld>
             <a:endParaRPr lang="en-NZ"/>
           </a:p>
@@ -5166,7 +5166,7 @@
           <a:p>
             <a:fld id="{36C3FE58-7E73-4F9D-B8E5-B7E1B043D37A}" type="datetimeFigureOut">
               <a:rPr lang="en-NZ" smtClean="0"/>
-              <a:t>14/03/2025</a:t>
+              <a:t>27/03/2025</a:t>
             </a:fld>
             <a:endParaRPr lang="en-NZ"/>
           </a:p>
@@ -5455,7 +5455,7 @@
           <a:p>
             <a:fld id="{36C3FE58-7E73-4F9D-B8E5-B7E1B043D37A}" type="datetimeFigureOut">
               <a:rPr lang="en-NZ" smtClean="0"/>
-              <a:t>14/03/2025</a:t>
+              <a:t>27/03/2025</a:t>
             </a:fld>
             <a:endParaRPr lang="en-NZ"/>
           </a:p>
@@ -5698,7 +5698,7 @@
           <a:p>
             <a:fld id="{36C3FE58-7E73-4F9D-B8E5-B7E1B043D37A}" type="datetimeFigureOut">
               <a:rPr lang="en-NZ" smtClean="0"/>
-              <a:t>14/03/2025</a:t>
+              <a:t>27/03/2025</a:t>
             </a:fld>
             <a:endParaRPr lang="en-NZ"/>
           </a:p>
@@ -6268,7 +6268,7 @@
           <a:p>
             <a:fld id="{B5DA846C-8D30-441A-B1E0-B376C61F31D1}" type="datetimeFigureOut">
               <a:rPr lang="en-NZ" smtClean="0"/>
-              <a:t>14/03/2025</a:t>
+              <a:t>27/03/2025</a:t>
             </a:fld>
             <a:endParaRPr lang="en-NZ"/>
           </a:p>
@@ -6816,10 +6816,10 @@
       </p:grpSpPr>
       <p:grpSp>
         <p:nvGrpSpPr>
-          <p:cNvPr id="4" name="Group 3">
-            <a:extLst>
-              <a:ext uri="{FF2B5EF4-FFF2-40B4-BE49-F238E27FC236}">
-                <a16:creationId xmlns:a16="http://schemas.microsoft.com/office/drawing/2014/main" id="{6F606358-D700-4669-BCDB-AD6E553C76CC}"/>
+          <p:cNvPr id="3" name="Group 2">
+            <a:extLst>
+              <a:ext uri="{FF2B5EF4-FFF2-40B4-BE49-F238E27FC236}">
+                <a16:creationId xmlns:a16="http://schemas.microsoft.com/office/drawing/2014/main" id="{4F3EB32A-F08A-B19A-C069-A7C8C597BB31}"/>
               </a:ext>
             </a:extLst>
           </p:cNvPr>
@@ -6834,47 +6834,388 @@
             <a:chExt cx="5677730" cy="6139968"/>
           </a:xfrm>
         </p:grpSpPr>
-        <p:pic>
-          <p:nvPicPr>
-            <p:cNvPr id="17" name="Picture 16" descr="A map of a country&#10;&#10;Description automatically generated with medium confidence">
+        <p:grpSp>
+          <p:nvGrpSpPr>
+            <p:cNvPr id="4" name="Group 3">
               <a:extLst>
                 <a:ext uri="{FF2B5EF4-FFF2-40B4-BE49-F238E27FC236}">
-                  <a16:creationId xmlns:a16="http://schemas.microsoft.com/office/drawing/2014/main" id="{A805F33F-0BE7-9B5E-E615-F72A107F1782}"/>
+                  <a16:creationId xmlns:a16="http://schemas.microsoft.com/office/drawing/2014/main" id="{6F606358-D700-4669-BCDB-AD6E553C76CC}"/>
                 </a:ext>
               </a:extLst>
             </p:cNvPr>
-            <p:cNvPicPr>
-              <a:picLocks noChangeAspect="1"/>
-            </p:cNvPicPr>
+            <p:cNvGrpSpPr/>
             <p:nvPr/>
-          </p:nvPicPr>
-          <p:blipFill>
-            <a:blip r:embed="rId2" cstate="hqprint">
+          </p:nvGrpSpPr>
+          <p:grpSpPr>
+            <a:xfrm>
+              <a:off x="3269127" y="377672"/>
+              <a:ext cx="5677730" cy="6139968"/>
+              <a:chOff x="3269127" y="377672"/>
+              <a:chExt cx="5677730" cy="6139968"/>
+            </a:xfrm>
+          </p:grpSpPr>
+          <p:pic>
+            <p:nvPicPr>
+              <p:cNvPr id="17" name="Picture 16" descr="A map of a country&#10;&#10;Description automatically generated with medium confidence">
+                <a:extLst>
+                  <a:ext uri="{FF2B5EF4-FFF2-40B4-BE49-F238E27FC236}">
+                    <a16:creationId xmlns:a16="http://schemas.microsoft.com/office/drawing/2014/main" id="{A805F33F-0BE7-9B5E-E615-F72A107F1782}"/>
+                  </a:ext>
+                </a:extLst>
+              </p:cNvPr>
+              <p:cNvPicPr>
+                <a:picLocks noChangeAspect="1"/>
+              </p:cNvPicPr>
+              <p:nvPr/>
+            </p:nvPicPr>
+            <p:blipFill>
+              <a:blip r:embed="rId2" cstate="hqprint">
+                <a:extLst>
+                  <a:ext uri="{28A0092B-C50C-407E-A947-70E740481C1C}">
+                    <a14:useLocalDpi xmlns:a14="http://schemas.microsoft.com/office/drawing/2010/main" val="0"/>
+                  </a:ext>
+                </a:extLst>
+              </a:blip>
+              <a:srcRect t="7315"/>
+              <a:stretch/>
+            </p:blipFill>
+            <p:spPr>
+              <a:xfrm>
+                <a:off x="3284182" y="2425623"/>
+                <a:ext cx="4625892" cy="2381272"/>
+              </a:xfrm>
+              <a:prstGeom prst="rect">
+                <a:avLst/>
+              </a:prstGeom>
+            </p:spPr>
+          </p:pic>
+          <p:pic>
+            <p:nvPicPr>
+              <p:cNvPr id="19" name="Picture 18" descr="A map of indonesia with orange lines&#10;&#10;Description automatically generated">
+                <a:extLst>
+                  <a:ext uri="{FF2B5EF4-FFF2-40B4-BE49-F238E27FC236}">
+                    <a16:creationId xmlns:a16="http://schemas.microsoft.com/office/drawing/2014/main" id="{35DDF412-12BE-E346-E618-A864E555BF66}"/>
+                  </a:ext>
+                </a:extLst>
+              </p:cNvPr>
+              <p:cNvPicPr>
+                <a:picLocks noChangeAspect="1"/>
+              </p:cNvPicPr>
+              <p:nvPr/>
+            </p:nvPicPr>
+            <p:blipFill>
+              <a:blip r:embed="rId3" cstate="hqprint">
+                <a:extLst>
+                  <a:ext uri="{28A0092B-C50C-407E-A947-70E740481C1C}">
+                    <a14:useLocalDpi xmlns:a14="http://schemas.microsoft.com/office/drawing/2010/main" val="0"/>
+                  </a:ext>
+                </a:extLst>
+              </a:blip>
+              <a:srcRect b="10006"/>
+              <a:stretch/>
+            </p:blipFill>
+            <p:spPr>
+              <a:xfrm>
+                <a:off x="3283995" y="377672"/>
+                <a:ext cx="4625892" cy="2312142"/>
+              </a:xfrm>
+              <a:prstGeom prst="rect">
+                <a:avLst/>
+              </a:prstGeom>
+            </p:spPr>
+          </p:pic>
+          <p:pic>
+            <p:nvPicPr>
+              <p:cNvPr id="1032" name="Picture 8">
+                <a:extLst>
+                  <a:ext uri="{FF2B5EF4-FFF2-40B4-BE49-F238E27FC236}">
+                    <a16:creationId xmlns:a16="http://schemas.microsoft.com/office/drawing/2014/main" id="{F6B1792E-D7F5-F9D4-F36C-160CF8C41A87}"/>
+                  </a:ext>
+                </a:extLst>
+              </p:cNvPr>
+              <p:cNvPicPr>
+                <a:picLocks noChangeAspect="1" noChangeArrowheads="1"/>
+              </p:cNvPicPr>
+              <p:nvPr/>
+            </p:nvPicPr>
+            <p:blipFill rotWithShape="1">
+              <a:blip r:embed="rId4">
+                <a:extLst>
+                  <a:ext uri="{28A0092B-C50C-407E-A947-70E740481C1C}">
+                    <a14:useLocalDpi xmlns:a14="http://schemas.microsoft.com/office/drawing/2010/main" val="0"/>
+                  </a:ext>
+                </a:extLst>
+              </a:blip>
+              <a:srcRect t="36982" b="34640"/>
+              <a:stretch/>
+            </p:blipFill>
+            <p:spPr bwMode="auto">
+              <a:xfrm>
+                <a:off x="3282657" y="4571454"/>
+                <a:ext cx="5664200" cy="1946186"/>
+              </a:xfrm>
+              <a:prstGeom prst="rect">
+                <a:avLst/>
+              </a:prstGeom>
+              <a:noFill/>
               <a:extLst>
-                <a:ext uri="{28A0092B-C50C-407E-A947-70E740481C1C}">
-                  <a14:useLocalDpi xmlns:a14="http://schemas.microsoft.com/office/drawing/2010/main" val="0"/>
+                <a:ext uri="{909E8E84-426E-40DD-AFC4-6F175D3DCCD1}">
+                  <a14:hiddenFill xmlns:a14="http://schemas.microsoft.com/office/drawing/2010/main">
+                    <a:solidFill>
+                      <a:srgbClr val="FFFFFF"/>
+                    </a:solidFill>
+                  </a14:hiddenFill>
                 </a:ext>
               </a:extLst>
-            </a:blip>
-            <a:srcRect t="7315"/>
-            <a:stretch/>
-          </p:blipFill>
-          <p:spPr>
-            <a:xfrm>
-              <a:off x="3284182" y="2425623"/>
-              <a:ext cx="4625892" cy="2381272"/>
-            </a:xfrm>
-            <a:prstGeom prst="rect">
-              <a:avLst/>
-            </a:prstGeom>
-          </p:spPr>
-        </p:pic>
+            </p:spPr>
+          </p:pic>
+          <p:pic>
+            <p:nvPicPr>
+              <p:cNvPr id="5" name="Picture 4">
+                <a:extLst>
+                  <a:ext uri="{FF2B5EF4-FFF2-40B4-BE49-F238E27FC236}">
+                    <a16:creationId xmlns:a16="http://schemas.microsoft.com/office/drawing/2014/main" id="{F0BE966B-1962-48E8-4CF1-9D6C324C0338}"/>
+                  </a:ext>
+                </a:extLst>
+              </p:cNvPr>
+              <p:cNvPicPr>
+                <a:picLocks noChangeAspect="1"/>
+              </p:cNvPicPr>
+              <p:nvPr/>
+            </p:nvPicPr>
+            <p:blipFill>
+              <a:blip r:embed="rId5"/>
+              <a:stretch>
+                <a:fillRect/>
+              </a:stretch>
+            </p:blipFill>
+            <p:spPr>
+              <a:xfrm>
+                <a:off x="7637272" y="4979087"/>
+                <a:ext cx="1309585" cy="257175"/>
+              </a:xfrm>
+              <a:prstGeom prst="rect">
+                <a:avLst/>
+              </a:prstGeom>
+            </p:spPr>
+          </p:pic>
+          <p:pic>
+            <p:nvPicPr>
+              <p:cNvPr id="6" name="Picture 5">
+                <a:extLst>
+                  <a:ext uri="{FF2B5EF4-FFF2-40B4-BE49-F238E27FC236}">
+                    <a16:creationId xmlns:a16="http://schemas.microsoft.com/office/drawing/2014/main" id="{56FCA600-A9F4-8FE5-BA46-DBED27EB8444}"/>
+                  </a:ext>
+                </a:extLst>
+              </p:cNvPr>
+              <p:cNvPicPr>
+                <a:picLocks noChangeAspect="1"/>
+              </p:cNvPicPr>
+              <p:nvPr/>
+            </p:nvPicPr>
+            <p:blipFill>
+              <a:blip r:embed="rId5"/>
+              <a:stretch>
+                <a:fillRect/>
+              </a:stretch>
+            </p:blipFill>
+            <p:spPr>
+              <a:xfrm rot="5400000">
+                <a:off x="7969516" y="5212673"/>
+                <a:ext cx="782401" cy="829579"/>
+              </a:xfrm>
+              <a:prstGeom prst="rect">
+                <a:avLst/>
+              </a:prstGeom>
+            </p:spPr>
+          </p:pic>
+          <p:sp>
+            <p:nvSpPr>
+              <p:cNvPr id="7" name="TextBox 6">
+                <a:extLst>
+                  <a:ext uri="{FF2B5EF4-FFF2-40B4-BE49-F238E27FC236}">
+                    <a16:creationId xmlns:a16="http://schemas.microsoft.com/office/drawing/2014/main" id="{A00F3311-96FE-DA37-F918-4728D236AE8E}"/>
+                  </a:ext>
+                </a:extLst>
+              </p:cNvPr>
+              <p:cNvSpPr txBox="1"/>
+              <p:nvPr/>
+            </p:nvSpPr>
+            <p:spPr>
+              <a:xfrm>
+                <a:off x="7847208" y="5191223"/>
+                <a:ext cx="549806" cy="261610"/>
+              </a:xfrm>
+              <a:prstGeom prst="rect">
+                <a:avLst/>
+              </a:prstGeom>
+              <a:noFill/>
+            </p:spPr>
+            <p:txBody>
+              <a:bodyPr wrap="square" rtlCol="0">
+                <a:spAutoFit/>
+              </a:bodyPr>
+              <a:lstStyle/>
+              <a:p>
+                <a:r>
+                  <a:rPr lang="pt-BR" sz="1050" dirty="0"/>
+                  <a:t>High</a:t>
+                </a:r>
+                <a:endParaRPr lang="en-NZ" sz="1050" dirty="0"/>
+              </a:p>
+            </p:txBody>
+          </p:sp>
+          <p:sp>
+            <p:nvSpPr>
+              <p:cNvPr id="8" name="TextBox 7">
+                <a:extLst>
+                  <a:ext uri="{FF2B5EF4-FFF2-40B4-BE49-F238E27FC236}">
+                    <a16:creationId xmlns:a16="http://schemas.microsoft.com/office/drawing/2014/main" id="{48D03AC9-FC7F-4D1E-F90B-6A353613183C}"/>
+                  </a:ext>
+                </a:extLst>
+              </p:cNvPr>
+              <p:cNvSpPr txBox="1"/>
+              <p:nvPr/>
+            </p:nvSpPr>
+            <p:spPr>
+              <a:xfrm>
+                <a:off x="7844820" y="5842240"/>
+                <a:ext cx="549806" cy="261610"/>
+              </a:xfrm>
+              <a:prstGeom prst="rect">
+                <a:avLst/>
+              </a:prstGeom>
+              <a:noFill/>
+            </p:spPr>
+            <p:txBody>
+              <a:bodyPr wrap="square" rtlCol="0">
+                <a:spAutoFit/>
+              </a:bodyPr>
+              <a:lstStyle/>
+              <a:p>
+                <a:r>
+                  <a:rPr lang="pt-BR" sz="1050" dirty="0"/>
+                  <a:t>Low</a:t>
+                </a:r>
+                <a:endParaRPr lang="en-NZ" sz="1050" dirty="0"/>
+              </a:p>
+            </p:txBody>
+          </p:sp>
+          <p:sp>
+            <p:nvSpPr>
+              <p:cNvPr id="11" name="TextBox 10">
+                <a:extLst>
+                  <a:ext uri="{FF2B5EF4-FFF2-40B4-BE49-F238E27FC236}">
+                    <a16:creationId xmlns:a16="http://schemas.microsoft.com/office/drawing/2014/main" id="{1CB3EC47-7743-DF6A-3144-B272BF4F1F90}"/>
+                  </a:ext>
+                </a:extLst>
+              </p:cNvPr>
+              <p:cNvSpPr txBox="1"/>
+              <p:nvPr/>
+            </p:nvSpPr>
+            <p:spPr>
+              <a:xfrm>
+                <a:off x="3269127" y="4343169"/>
+                <a:ext cx="344966" cy="369332"/>
+              </a:xfrm>
+              <a:prstGeom prst="rect">
+                <a:avLst/>
+              </a:prstGeom>
+              <a:noFill/>
+            </p:spPr>
+            <p:txBody>
+              <a:bodyPr wrap="none" rtlCol="0">
+                <a:spAutoFit/>
+              </a:bodyPr>
+              <a:lstStyle/>
+              <a:p>
+                <a:r>
+                  <a:rPr lang="pt-BR" dirty="0"/>
+                  <a:t>C</a:t>
+                </a:r>
+                <a:endParaRPr lang="en-NZ" dirty="0"/>
+              </a:p>
+            </p:txBody>
+          </p:sp>
+          <p:sp>
+            <p:nvSpPr>
+              <p:cNvPr id="10" name="TextBox 9">
+                <a:extLst>
+                  <a:ext uri="{FF2B5EF4-FFF2-40B4-BE49-F238E27FC236}">
+                    <a16:creationId xmlns:a16="http://schemas.microsoft.com/office/drawing/2014/main" id="{010452C3-9874-B2AE-5706-7E6A91869597}"/>
+                  </a:ext>
+                </a:extLst>
+              </p:cNvPr>
+              <p:cNvSpPr txBox="1"/>
+              <p:nvPr/>
+            </p:nvSpPr>
+            <p:spPr>
+              <a:xfrm>
+                <a:off x="3286980" y="2527284"/>
+                <a:ext cx="324128" cy="369332"/>
+              </a:xfrm>
+              <a:prstGeom prst="rect">
+                <a:avLst/>
+              </a:prstGeom>
+              <a:noFill/>
+            </p:spPr>
+            <p:txBody>
+              <a:bodyPr wrap="none" rtlCol="0">
+                <a:spAutoFit/>
+              </a:bodyPr>
+              <a:lstStyle/>
+              <a:p>
+                <a:r>
+                  <a:rPr lang="pt-BR" dirty="0"/>
+                  <a:t>B</a:t>
+                </a:r>
+                <a:endParaRPr lang="en-NZ" dirty="0"/>
+              </a:p>
+            </p:txBody>
+          </p:sp>
+          <p:sp>
+            <p:nvSpPr>
+              <p:cNvPr id="9" name="TextBox 8">
+                <a:extLst>
+                  <a:ext uri="{FF2B5EF4-FFF2-40B4-BE49-F238E27FC236}">
+                    <a16:creationId xmlns:a16="http://schemas.microsoft.com/office/drawing/2014/main" id="{758A18A3-F2DC-BE96-C9FC-667B914DEFCD}"/>
+                  </a:ext>
+                </a:extLst>
+              </p:cNvPr>
+              <p:cNvSpPr txBox="1"/>
+              <p:nvPr/>
+            </p:nvSpPr>
+            <p:spPr>
+              <a:xfrm>
+                <a:off x="3296236" y="454094"/>
+                <a:ext cx="320922" cy="369332"/>
+              </a:xfrm>
+              <a:prstGeom prst="rect">
+                <a:avLst/>
+              </a:prstGeom>
+              <a:noFill/>
+            </p:spPr>
+            <p:txBody>
+              <a:bodyPr wrap="none" rtlCol="0">
+                <a:spAutoFit/>
+              </a:bodyPr>
+              <a:lstStyle/>
+              <a:p>
+                <a:r>
+                  <a:rPr lang="pt-BR" dirty="0"/>
+                  <a:t>A</a:t>
+                </a:r>
+                <a:endParaRPr lang="en-NZ" dirty="0"/>
+              </a:p>
+            </p:txBody>
+          </p:sp>
+        </p:grpSp>
         <p:pic>
           <p:nvPicPr>
-            <p:cNvPr id="19" name="Picture 18" descr="A map of indonesia with orange lines&#10;&#10;Description automatically generated">
+            <p:cNvPr id="2" name="Picture 1" descr="A map of indonesia with orange lines&#10;&#10;Description automatically generated">
               <a:extLst>
                 <a:ext uri="{FF2B5EF4-FFF2-40B4-BE49-F238E27FC236}">
-                  <a16:creationId xmlns:a16="http://schemas.microsoft.com/office/drawing/2014/main" id="{35DDF412-12BE-E346-E618-A864E555BF66}"/>
+                  <a16:creationId xmlns:a16="http://schemas.microsoft.com/office/drawing/2014/main" id="{E2495F94-65C3-385A-BED4-937BA9BE31C7}"/>
                 </a:ext>
               </a:extLst>
             </p:cNvPr>
@@ -6891,304 +7232,19 @@
                 </a:ext>
               </a:extLst>
             </a:blip>
-            <a:srcRect b="10006"/>
+            <a:srcRect t="1453" r="79455" b="88192"/>
             <a:stretch/>
           </p:blipFill>
           <p:spPr>
             <a:xfrm>
-              <a:off x="3283995" y="377672"/>
-              <a:ext cx="4625892" cy="2312142"/>
+              <a:off x="3276561" y="690406"/>
+              <a:ext cx="950380" cy="266040"/>
             </a:xfrm>
             <a:prstGeom prst="rect">
               <a:avLst/>
             </a:prstGeom>
           </p:spPr>
         </p:pic>
-        <p:pic>
-          <p:nvPicPr>
-            <p:cNvPr id="1032" name="Picture 8">
-              <a:extLst>
-                <a:ext uri="{FF2B5EF4-FFF2-40B4-BE49-F238E27FC236}">
-                  <a16:creationId xmlns:a16="http://schemas.microsoft.com/office/drawing/2014/main" id="{F6B1792E-D7F5-F9D4-F36C-160CF8C41A87}"/>
-                </a:ext>
-              </a:extLst>
-            </p:cNvPr>
-            <p:cNvPicPr>
-              <a:picLocks noChangeAspect="1" noChangeArrowheads="1"/>
-            </p:cNvPicPr>
-            <p:nvPr/>
-          </p:nvPicPr>
-          <p:blipFill rotWithShape="1">
-            <a:blip r:embed="rId4">
-              <a:extLst>
-                <a:ext uri="{28A0092B-C50C-407E-A947-70E740481C1C}">
-                  <a14:useLocalDpi xmlns:a14="http://schemas.microsoft.com/office/drawing/2010/main" val="0"/>
-                </a:ext>
-              </a:extLst>
-            </a:blip>
-            <a:srcRect t="36982" b="34640"/>
-            <a:stretch/>
-          </p:blipFill>
-          <p:spPr bwMode="auto">
-            <a:xfrm>
-              <a:off x="3282657" y="4571454"/>
-              <a:ext cx="5664200" cy="1946186"/>
-            </a:xfrm>
-            <a:prstGeom prst="rect">
-              <a:avLst/>
-            </a:prstGeom>
-            <a:noFill/>
-            <a:extLst>
-              <a:ext uri="{909E8E84-426E-40DD-AFC4-6F175D3DCCD1}">
-                <a14:hiddenFill xmlns:a14="http://schemas.microsoft.com/office/drawing/2010/main">
-                  <a:solidFill>
-                    <a:srgbClr val="FFFFFF"/>
-                  </a:solidFill>
-                </a14:hiddenFill>
-              </a:ext>
-            </a:extLst>
-          </p:spPr>
-        </p:pic>
-        <p:pic>
-          <p:nvPicPr>
-            <p:cNvPr id="5" name="Picture 4">
-              <a:extLst>
-                <a:ext uri="{FF2B5EF4-FFF2-40B4-BE49-F238E27FC236}">
-                  <a16:creationId xmlns:a16="http://schemas.microsoft.com/office/drawing/2014/main" id="{F0BE966B-1962-48E8-4CF1-9D6C324C0338}"/>
-                </a:ext>
-              </a:extLst>
-            </p:cNvPr>
-            <p:cNvPicPr>
-              <a:picLocks noChangeAspect="1"/>
-            </p:cNvPicPr>
-            <p:nvPr/>
-          </p:nvPicPr>
-          <p:blipFill>
-            <a:blip r:embed="rId5"/>
-            <a:stretch>
-              <a:fillRect/>
-            </a:stretch>
-          </p:blipFill>
-          <p:spPr>
-            <a:xfrm>
-              <a:off x="7637272" y="4979087"/>
-              <a:ext cx="1309585" cy="257175"/>
-            </a:xfrm>
-            <a:prstGeom prst="rect">
-              <a:avLst/>
-            </a:prstGeom>
-          </p:spPr>
-        </p:pic>
-        <p:pic>
-          <p:nvPicPr>
-            <p:cNvPr id="6" name="Picture 5">
-              <a:extLst>
-                <a:ext uri="{FF2B5EF4-FFF2-40B4-BE49-F238E27FC236}">
-                  <a16:creationId xmlns:a16="http://schemas.microsoft.com/office/drawing/2014/main" id="{56FCA600-A9F4-8FE5-BA46-DBED27EB8444}"/>
-                </a:ext>
-              </a:extLst>
-            </p:cNvPr>
-            <p:cNvPicPr>
-              <a:picLocks noChangeAspect="1"/>
-            </p:cNvPicPr>
-            <p:nvPr/>
-          </p:nvPicPr>
-          <p:blipFill>
-            <a:blip r:embed="rId5"/>
-            <a:stretch>
-              <a:fillRect/>
-            </a:stretch>
-          </p:blipFill>
-          <p:spPr>
-            <a:xfrm rot="5400000">
-              <a:off x="7969516" y="5212673"/>
-              <a:ext cx="782401" cy="829579"/>
-            </a:xfrm>
-            <a:prstGeom prst="rect">
-              <a:avLst/>
-            </a:prstGeom>
-          </p:spPr>
-        </p:pic>
-        <p:sp>
-          <p:nvSpPr>
-            <p:cNvPr id="7" name="TextBox 6">
-              <a:extLst>
-                <a:ext uri="{FF2B5EF4-FFF2-40B4-BE49-F238E27FC236}">
-                  <a16:creationId xmlns:a16="http://schemas.microsoft.com/office/drawing/2014/main" id="{A00F3311-96FE-DA37-F918-4728D236AE8E}"/>
-                </a:ext>
-              </a:extLst>
-            </p:cNvPr>
-            <p:cNvSpPr txBox="1"/>
-            <p:nvPr/>
-          </p:nvSpPr>
-          <p:spPr>
-            <a:xfrm>
-              <a:off x="7847208" y="5191223"/>
-              <a:ext cx="549806" cy="261610"/>
-            </a:xfrm>
-            <a:prstGeom prst="rect">
-              <a:avLst/>
-            </a:prstGeom>
-            <a:noFill/>
-          </p:spPr>
-          <p:txBody>
-            <a:bodyPr wrap="square" rtlCol="0">
-              <a:spAutoFit/>
-            </a:bodyPr>
-            <a:lstStyle/>
-            <a:p>
-              <a:r>
-                <a:rPr lang="pt-BR" sz="1050" dirty="0"/>
-                <a:t>High</a:t>
-              </a:r>
-              <a:endParaRPr lang="en-NZ" sz="1050" dirty="0"/>
-            </a:p>
-          </p:txBody>
-        </p:sp>
-        <p:sp>
-          <p:nvSpPr>
-            <p:cNvPr id="8" name="TextBox 7">
-              <a:extLst>
-                <a:ext uri="{FF2B5EF4-FFF2-40B4-BE49-F238E27FC236}">
-                  <a16:creationId xmlns:a16="http://schemas.microsoft.com/office/drawing/2014/main" id="{48D03AC9-FC7F-4D1E-F90B-6A353613183C}"/>
-                </a:ext>
-              </a:extLst>
-            </p:cNvPr>
-            <p:cNvSpPr txBox="1"/>
-            <p:nvPr/>
-          </p:nvSpPr>
-          <p:spPr>
-            <a:xfrm>
-              <a:off x="7844820" y="5842240"/>
-              <a:ext cx="549806" cy="261610"/>
-            </a:xfrm>
-            <a:prstGeom prst="rect">
-              <a:avLst/>
-            </a:prstGeom>
-            <a:noFill/>
-          </p:spPr>
-          <p:txBody>
-            <a:bodyPr wrap="square" rtlCol="0">
-              <a:spAutoFit/>
-            </a:bodyPr>
-            <a:lstStyle/>
-            <a:p>
-              <a:r>
-                <a:rPr lang="pt-BR" sz="1050" dirty="0"/>
-                <a:t>Low</a:t>
-              </a:r>
-              <a:endParaRPr lang="en-NZ" sz="1050" dirty="0"/>
-            </a:p>
-          </p:txBody>
-        </p:sp>
-        <p:sp>
-          <p:nvSpPr>
-            <p:cNvPr id="11" name="TextBox 10">
-              <a:extLst>
-                <a:ext uri="{FF2B5EF4-FFF2-40B4-BE49-F238E27FC236}">
-                  <a16:creationId xmlns:a16="http://schemas.microsoft.com/office/drawing/2014/main" id="{1CB3EC47-7743-DF6A-3144-B272BF4F1F90}"/>
-                </a:ext>
-              </a:extLst>
-            </p:cNvPr>
-            <p:cNvSpPr txBox="1"/>
-            <p:nvPr/>
-          </p:nvSpPr>
-          <p:spPr>
-            <a:xfrm>
-              <a:off x="3269127" y="4343169"/>
-              <a:ext cx="344966" cy="369332"/>
-            </a:xfrm>
-            <a:prstGeom prst="rect">
-              <a:avLst/>
-            </a:prstGeom>
-            <a:noFill/>
-          </p:spPr>
-          <p:txBody>
-            <a:bodyPr wrap="none" rtlCol="0">
-              <a:spAutoFit/>
-            </a:bodyPr>
-            <a:lstStyle/>
-            <a:p>
-              <a:r>
-                <a:rPr lang="pt-BR" dirty="0"/>
-                <a:t>C</a:t>
-              </a:r>
-              <a:endParaRPr lang="en-NZ" dirty="0"/>
-            </a:p>
-          </p:txBody>
-        </p:sp>
-        <p:sp>
-          <p:nvSpPr>
-            <p:cNvPr id="10" name="TextBox 9">
-              <a:extLst>
-                <a:ext uri="{FF2B5EF4-FFF2-40B4-BE49-F238E27FC236}">
-                  <a16:creationId xmlns:a16="http://schemas.microsoft.com/office/drawing/2014/main" id="{010452C3-9874-B2AE-5706-7E6A91869597}"/>
-                </a:ext>
-              </a:extLst>
-            </p:cNvPr>
-            <p:cNvSpPr txBox="1"/>
-            <p:nvPr/>
-          </p:nvSpPr>
-          <p:spPr>
-            <a:xfrm>
-              <a:off x="3286980" y="2527284"/>
-              <a:ext cx="324128" cy="369332"/>
-            </a:xfrm>
-            <a:prstGeom prst="rect">
-              <a:avLst/>
-            </a:prstGeom>
-            <a:noFill/>
-          </p:spPr>
-          <p:txBody>
-            <a:bodyPr wrap="none" rtlCol="0">
-              <a:spAutoFit/>
-            </a:bodyPr>
-            <a:lstStyle/>
-            <a:p>
-              <a:r>
-                <a:rPr lang="pt-BR" dirty="0"/>
-                <a:t>B</a:t>
-              </a:r>
-              <a:endParaRPr lang="en-NZ" dirty="0"/>
-            </a:p>
-          </p:txBody>
-        </p:sp>
-        <p:sp>
-          <p:nvSpPr>
-            <p:cNvPr id="9" name="TextBox 8">
-              <a:extLst>
-                <a:ext uri="{FF2B5EF4-FFF2-40B4-BE49-F238E27FC236}">
-                  <a16:creationId xmlns:a16="http://schemas.microsoft.com/office/drawing/2014/main" id="{758A18A3-F2DC-BE96-C9FC-667B914DEFCD}"/>
-                </a:ext>
-              </a:extLst>
-            </p:cNvPr>
-            <p:cNvSpPr txBox="1"/>
-            <p:nvPr/>
-          </p:nvSpPr>
-          <p:spPr>
-            <a:xfrm>
-              <a:off x="3296236" y="454094"/>
-              <a:ext cx="320922" cy="369332"/>
-            </a:xfrm>
-            <a:prstGeom prst="rect">
-              <a:avLst/>
-            </a:prstGeom>
-            <a:noFill/>
-          </p:spPr>
-          <p:txBody>
-            <a:bodyPr wrap="none" rtlCol="0">
-              <a:spAutoFit/>
-            </a:bodyPr>
-            <a:lstStyle/>
-            <a:p>
-              <a:r>
-                <a:rPr lang="pt-BR" dirty="0"/>
-                <a:t>A</a:t>
-              </a:r>
-              <a:endParaRPr lang="en-NZ" dirty="0"/>
-            </a:p>
-          </p:txBody>
-        </p:sp>
       </p:grpSp>
     </p:spTree>
     <p:extLst>

--- a/results/Figures/Figures.pptx
+++ b/results/Figures/Figures.pptx
@@ -112,6 +112,14 @@
 </p:presentation>
 </file>
 
+<file path=ppt/revisionInfo.xml><?xml version="1.0" encoding="utf-8"?>
+<p1510:revInfo xmlns:a="http://schemas.openxmlformats.org/drawingml/2006/main" xmlns:r="http://schemas.openxmlformats.org/officeDocument/2006/relationships" xmlns:p1510="http://schemas.microsoft.com/office/powerpoint/2015/10/main">
+  <p1510:revLst>
+    <p1510:client id="{E0C79D20-0ABD-4895-98DE-AEDF9654472F}" v="4" dt="2025-07-17T04:52:16.279"/>
+  </p1510:revLst>
+</p1510:revInfo>
+</file>
+
 <file path=ppt/changesInfos/changesInfo1.xml><?xml version="1.0" encoding="utf-8"?>
 <pc:chgInfo xmlns:a="http://schemas.openxmlformats.org/drawingml/2006/main" xmlns:r="http://schemas.openxmlformats.org/officeDocument/2006/relationships" xmlns:ac="http://schemas.microsoft.com/office/drawing/2013/main/command" xmlns:pc="http://schemas.microsoft.com/office/powerpoint/2013/main/command">
   <pc:docChgLst>
@@ -132,8 +140,8 @@
   </pc:docChgLst>
   <pc:docChgLst>
     <pc:chgData name="Renata de Lara Muylaert" userId="0867cccb-c3a2-4fe1-98fb-a480d9aef68d" providerId="ADAL" clId="{E0C79D20-0ABD-4895-98DE-AEDF9654472F}"/>
-    <pc:docChg chg="delSld delMainMaster">
-      <pc:chgData name="Renata de Lara Muylaert" userId="0867cccb-c3a2-4fe1-98fb-a480d9aef68d" providerId="ADAL" clId="{E0C79D20-0ABD-4895-98DE-AEDF9654472F}" dt="2025-07-17T04:16:15.175" v="1" actId="47"/>
+    <pc:docChg chg="delSld modSld delMainMaster">
+      <pc:chgData name="Renata de Lara Muylaert" userId="0867cccb-c3a2-4fe1-98fb-a480d9aef68d" providerId="ADAL" clId="{E0C79D20-0ABD-4895-98DE-AEDF9654472F}" dt="2025-07-17T04:52:28.470" v="10" actId="14100"/>
       <pc:docMkLst>
         <pc:docMk/>
       </pc:docMkLst>
@@ -150,6 +158,93 @@
           <pc:docMk/>
           <pc:sldMk cId="3108474657" sldId="264"/>
         </pc:sldMkLst>
+      </pc:sldChg>
+      <pc:sldChg chg="modSp mod">
+        <pc:chgData name="Renata de Lara Muylaert" userId="0867cccb-c3a2-4fe1-98fb-a480d9aef68d" providerId="ADAL" clId="{E0C79D20-0ABD-4895-98DE-AEDF9654472F}" dt="2025-07-17T04:52:28.470" v="10" actId="14100"/>
+        <pc:sldMkLst>
+          <pc:docMk/>
+          <pc:sldMk cId="4285927749" sldId="265"/>
+        </pc:sldMkLst>
+        <pc:spChg chg="mod">
+          <ac:chgData name="Renata de Lara Muylaert" userId="0867cccb-c3a2-4fe1-98fb-a480d9aef68d" providerId="ADAL" clId="{E0C79D20-0ABD-4895-98DE-AEDF9654472F}" dt="2025-07-17T04:52:16.279" v="8" actId="732"/>
+          <ac:spMkLst>
+            <pc:docMk/>
+            <pc:sldMk cId="4285927749" sldId="265"/>
+            <ac:spMk id="7" creationId="{A00F3311-96FE-DA37-F918-4728D236AE8E}"/>
+          </ac:spMkLst>
+        </pc:spChg>
+        <pc:spChg chg="mod">
+          <ac:chgData name="Renata de Lara Muylaert" userId="0867cccb-c3a2-4fe1-98fb-a480d9aef68d" providerId="ADAL" clId="{E0C79D20-0ABD-4895-98DE-AEDF9654472F}" dt="2025-07-17T04:52:16.279" v="8" actId="732"/>
+          <ac:spMkLst>
+            <pc:docMk/>
+            <pc:sldMk cId="4285927749" sldId="265"/>
+            <ac:spMk id="8" creationId="{48D03AC9-FC7F-4D1E-F90B-6A353613183C}"/>
+          </ac:spMkLst>
+        </pc:spChg>
+        <pc:spChg chg="mod">
+          <ac:chgData name="Renata de Lara Muylaert" userId="0867cccb-c3a2-4fe1-98fb-a480d9aef68d" providerId="ADAL" clId="{E0C79D20-0ABD-4895-98DE-AEDF9654472F}" dt="2025-07-17T04:52:16.279" v="8" actId="732"/>
+          <ac:spMkLst>
+            <pc:docMk/>
+            <pc:sldMk cId="4285927749" sldId="265"/>
+            <ac:spMk id="9" creationId="{758A18A3-F2DC-BE96-C9FC-667B914DEFCD}"/>
+          </ac:spMkLst>
+        </pc:spChg>
+        <pc:spChg chg="mod">
+          <ac:chgData name="Renata de Lara Muylaert" userId="0867cccb-c3a2-4fe1-98fb-a480d9aef68d" providerId="ADAL" clId="{E0C79D20-0ABD-4895-98DE-AEDF9654472F}" dt="2025-07-17T04:52:16.279" v="8" actId="732"/>
+          <ac:spMkLst>
+            <pc:docMk/>
+            <pc:sldMk cId="4285927749" sldId="265"/>
+            <ac:spMk id="10" creationId="{010452C3-9874-B2AE-5706-7E6A91869597}"/>
+          </ac:spMkLst>
+        </pc:spChg>
+        <pc:spChg chg="mod">
+          <ac:chgData name="Renata de Lara Muylaert" userId="0867cccb-c3a2-4fe1-98fb-a480d9aef68d" providerId="ADAL" clId="{E0C79D20-0ABD-4895-98DE-AEDF9654472F}" dt="2025-07-17T04:52:16.279" v="8" actId="732"/>
+          <ac:spMkLst>
+            <pc:docMk/>
+            <pc:sldMk cId="4285927749" sldId="265"/>
+            <ac:spMk id="11" creationId="{1CB3EC47-7743-DF6A-3144-B272BF4F1F90}"/>
+          </ac:spMkLst>
+        </pc:spChg>
+        <pc:picChg chg="mod">
+          <ac:chgData name="Renata de Lara Muylaert" userId="0867cccb-c3a2-4fe1-98fb-a480d9aef68d" providerId="ADAL" clId="{E0C79D20-0ABD-4895-98DE-AEDF9654472F}" dt="2025-07-17T04:52:16.279" v="8" actId="732"/>
+          <ac:picMkLst>
+            <pc:docMk/>
+            <pc:sldMk cId="4285927749" sldId="265"/>
+            <ac:picMk id="2" creationId="{E2495F94-65C3-385A-BED4-937BA9BE31C7}"/>
+          </ac:picMkLst>
+        </pc:picChg>
+        <pc:picChg chg="mod">
+          <ac:chgData name="Renata de Lara Muylaert" userId="0867cccb-c3a2-4fe1-98fb-a480d9aef68d" providerId="ADAL" clId="{E0C79D20-0ABD-4895-98DE-AEDF9654472F}" dt="2025-07-17T04:52:28.470" v="10" actId="14100"/>
+          <ac:picMkLst>
+            <pc:docMk/>
+            <pc:sldMk cId="4285927749" sldId="265"/>
+            <ac:picMk id="5" creationId="{F0BE966B-1962-48E8-4CF1-9D6C324C0338}"/>
+          </ac:picMkLst>
+        </pc:picChg>
+        <pc:picChg chg="mod">
+          <ac:chgData name="Renata de Lara Muylaert" userId="0867cccb-c3a2-4fe1-98fb-a480d9aef68d" providerId="ADAL" clId="{E0C79D20-0ABD-4895-98DE-AEDF9654472F}" dt="2025-07-17T04:52:22.701" v="9" actId="14100"/>
+          <ac:picMkLst>
+            <pc:docMk/>
+            <pc:sldMk cId="4285927749" sldId="265"/>
+            <ac:picMk id="6" creationId="{56FCA600-A9F4-8FE5-BA46-DBED27EB8444}"/>
+          </ac:picMkLst>
+        </pc:picChg>
+        <pc:picChg chg="mod">
+          <ac:chgData name="Renata de Lara Muylaert" userId="0867cccb-c3a2-4fe1-98fb-a480d9aef68d" providerId="ADAL" clId="{E0C79D20-0ABD-4895-98DE-AEDF9654472F}" dt="2025-07-17T04:52:16.279" v="8" actId="732"/>
+          <ac:picMkLst>
+            <pc:docMk/>
+            <pc:sldMk cId="4285927749" sldId="265"/>
+            <ac:picMk id="17" creationId="{A805F33F-0BE7-9B5E-E615-F72A107F1782}"/>
+          </ac:picMkLst>
+        </pc:picChg>
+        <pc:picChg chg="mod">
+          <ac:chgData name="Renata de Lara Muylaert" userId="0867cccb-c3a2-4fe1-98fb-a480d9aef68d" providerId="ADAL" clId="{E0C79D20-0ABD-4895-98DE-AEDF9654472F}" dt="2025-07-17T04:52:16.279" v="8" actId="732"/>
+          <ac:picMkLst>
+            <pc:docMk/>
+            <pc:sldMk cId="4285927749" sldId="265"/>
+            <ac:picMk id="1032" creationId="{F6B1792E-D7F5-F9D4-F36C-160CF8C41A87}"/>
+          </ac:picMkLst>
+        </pc:picChg>
       </pc:sldChg>
       <pc:sldMasterChg chg="del delSldLayout">
         <pc:chgData name="Renata de Lara Muylaert" userId="0867cccb-c3a2-4fe1-98fb-a480d9aef68d" providerId="ADAL" clId="{E0C79D20-0ABD-4895-98DE-AEDF9654472F}" dt="2025-07-17T04:16:15.175" v="1" actId="47"/>
@@ -3506,10 +3601,10 @@
         </p:nvGrpSpPr>
         <p:grpSpPr>
           <a:xfrm>
-            <a:off x="3269127" y="377672"/>
-            <a:ext cx="5677730" cy="6139968"/>
+            <a:off x="3269126" y="-685800"/>
+            <a:ext cx="5773919" cy="7543800"/>
             <a:chOff x="3269127" y="377672"/>
-            <a:chExt cx="5677730" cy="6139968"/>
+            <a:chExt cx="5127887" cy="6139968"/>
           </a:xfrm>
         </p:grpSpPr>
         <p:grpSp>
@@ -3527,9 +3622,9 @@
           <p:grpSpPr>
             <a:xfrm>
               <a:off x="3269127" y="377672"/>
-              <a:ext cx="5677730" cy="6139968"/>
+              <a:ext cx="5127887" cy="6139968"/>
               <a:chOff x="3269127" y="377672"/>
-              <a:chExt cx="5677730" cy="6139968"/>
+              <a:chExt cx="5127887" cy="6139968"/>
             </a:xfrm>
           </p:grpSpPr>
           <p:pic>
@@ -3624,13 +3719,15 @@
                   </a:ext>
                 </a:extLst>
               </a:blip>
-              <a:srcRect t="36982" b="34640"/>
-              <a:stretch/>
+              <a:srcRect t="36982" r="10633" b="34640"/>
+              <a:stretch>
+                <a:fillRect/>
+              </a:stretch>
             </p:blipFill>
             <p:spPr bwMode="auto">
               <a:xfrm>
                 <a:off x="3282657" y="4571454"/>
-                <a:ext cx="5664200" cy="1946186"/>
+                <a:ext cx="5061900" cy="1946186"/>
               </a:xfrm>
               <a:prstGeom prst="rect">
                 <a:avLst/>
@@ -3670,7 +3767,7 @@
             <p:spPr>
               <a:xfrm>
                 <a:off x="7637272" y="4979087"/>
-                <a:ext cx="1309585" cy="257175"/>
+                <a:ext cx="707285" cy="257175"/>
               </a:xfrm>
               <a:prstGeom prst="rect">
                 <a:avLst/>
@@ -3699,8 +3796,8 @@
             </p:blipFill>
             <p:spPr>
               <a:xfrm rot="5400000">
-                <a:off x="7969516" y="5212673"/>
-                <a:ext cx="782401" cy="829579"/>
+                <a:off x="7716820" y="5465368"/>
+                <a:ext cx="782401" cy="324188"/>
               </a:xfrm>
               <a:prstGeom prst="rect">
                 <a:avLst/>
@@ -3865,7 +3962,7 @@
             </p:nvSpPr>
             <p:spPr>
               <a:xfrm>
-                <a:off x="3296236" y="454094"/>
+                <a:off x="3296236" y="435044"/>
                 <a:ext cx="320922" cy="369332"/>
               </a:xfrm>
               <a:prstGeom prst="rect">
